--- a/Writeup/Graphs.pptx
+++ b/Writeup/Graphs.pptx
@@ -6,13 +6,15 @@
   </p:sldMasterIdLst>
   <p:sldIdLst>
     <p:sldId id="256" r:id="rId2"/>
-    <p:sldId id="257" r:id="rId3"/>
-    <p:sldId id="258" r:id="rId4"/>
-    <p:sldId id="259" r:id="rId5"/>
-    <p:sldId id="261" r:id="rId6"/>
-    <p:sldId id="260" r:id="rId7"/>
-    <p:sldId id="262" r:id="rId8"/>
-    <p:sldId id="263" r:id="rId9"/>
+    <p:sldId id="264" r:id="rId3"/>
+    <p:sldId id="265" r:id="rId4"/>
+    <p:sldId id="257" r:id="rId5"/>
+    <p:sldId id="258" r:id="rId6"/>
+    <p:sldId id="259" r:id="rId7"/>
+    <p:sldId id="261" r:id="rId8"/>
+    <p:sldId id="260" r:id="rId9"/>
+    <p:sldId id="262" r:id="rId10"/>
+    <p:sldId id="263" r:id="rId11"/>
   </p:sldIdLst>
   <p:sldSz cx="12192000" cy="6858000"/>
   <p:notesSz cx="6858000" cy="9144000"/>
@@ -248,7 +250,7 @@
           <a:p>
             <a:fld id="{145BA8CB-6222-6644-996A-CD073B5006A6}" type="datetimeFigureOut">
               <a:rPr lang="en-US" smtClean="0"/>
-              <a:t>1/30/18</a:t>
+              <a:t>6/25/18</a:t>
             </a:fld>
             <a:endParaRPr lang="en-US"/>
           </a:p>
@@ -416,7 +418,7 @@
           <a:p>
             <a:fld id="{145BA8CB-6222-6644-996A-CD073B5006A6}" type="datetimeFigureOut">
               <a:rPr lang="en-US" smtClean="0"/>
-              <a:t>1/30/18</a:t>
+              <a:t>6/25/18</a:t>
             </a:fld>
             <a:endParaRPr lang="en-US"/>
           </a:p>
@@ -594,7 +596,7 @@
           <a:p>
             <a:fld id="{145BA8CB-6222-6644-996A-CD073B5006A6}" type="datetimeFigureOut">
               <a:rPr lang="en-US" smtClean="0"/>
-              <a:t>1/30/18</a:t>
+              <a:t>6/25/18</a:t>
             </a:fld>
             <a:endParaRPr lang="en-US"/>
           </a:p>
@@ -762,7 +764,7 @@
           <a:p>
             <a:fld id="{145BA8CB-6222-6644-996A-CD073B5006A6}" type="datetimeFigureOut">
               <a:rPr lang="en-US" smtClean="0"/>
-              <a:t>1/30/18</a:t>
+              <a:t>6/25/18</a:t>
             </a:fld>
             <a:endParaRPr lang="en-US"/>
           </a:p>
@@ -1007,7 +1009,7 @@
           <a:p>
             <a:fld id="{145BA8CB-6222-6644-996A-CD073B5006A6}" type="datetimeFigureOut">
               <a:rPr lang="en-US" smtClean="0"/>
-              <a:t>1/30/18</a:t>
+              <a:t>6/25/18</a:t>
             </a:fld>
             <a:endParaRPr lang="en-US"/>
           </a:p>
@@ -1236,7 +1238,7 @@
           <a:p>
             <a:fld id="{145BA8CB-6222-6644-996A-CD073B5006A6}" type="datetimeFigureOut">
               <a:rPr lang="en-US" smtClean="0"/>
-              <a:t>1/30/18</a:t>
+              <a:t>6/25/18</a:t>
             </a:fld>
             <a:endParaRPr lang="en-US"/>
           </a:p>
@@ -1600,7 +1602,7 @@
           <a:p>
             <a:fld id="{145BA8CB-6222-6644-996A-CD073B5006A6}" type="datetimeFigureOut">
               <a:rPr lang="en-US" smtClean="0"/>
-              <a:t>1/30/18</a:t>
+              <a:t>6/25/18</a:t>
             </a:fld>
             <a:endParaRPr lang="en-US"/>
           </a:p>
@@ -1717,7 +1719,7 @@
           <a:p>
             <a:fld id="{145BA8CB-6222-6644-996A-CD073B5006A6}" type="datetimeFigureOut">
               <a:rPr lang="en-US" smtClean="0"/>
-              <a:t>1/30/18</a:t>
+              <a:t>6/25/18</a:t>
             </a:fld>
             <a:endParaRPr lang="en-US"/>
           </a:p>
@@ -1812,7 +1814,7 @@
           <a:p>
             <a:fld id="{145BA8CB-6222-6644-996A-CD073B5006A6}" type="datetimeFigureOut">
               <a:rPr lang="en-US" smtClean="0"/>
-              <a:t>1/30/18</a:t>
+              <a:t>6/25/18</a:t>
             </a:fld>
             <a:endParaRPr lang="en-US"/>
           </a:p>
@@ -2087,7 +2089,7 @@
           <a:p>
             <a:fld id="{145BA8CB-6222-6644-996A-CD073B5006A6}" type="datetimeFigureOut">
               <a:rPr lang="en-US" smtClean="0"/>
-              <a:t>1/30/18</a:t>
+              <a:t>6/25/18</a:t>
             </a:fld>
             <a:endParaRPr lang="en-US"/>
           </a:p>
@@ -2339,7 +2341,7 @@
           <a:p>
             <a:fld id="{145BA8CB-6222-6644-996A-CD073B5006A6}" type="datetimeFigureOut">
               <a:rPr lang="en-US" smtClean="0"/>
-              <a:t>1/30/18</a:t>
+              <a:t>6/25/18</a:t>
             </a:fld>
             <a:endParaRPr lang="en-US"/>
           </a:p>
@@ -2550,7 +2552,7 @@
           <a:p>
             <a:fld id="{145BA8CB-6222-6644-996A-CD073B5006A6}" type="datetimeFigureOut">
               <a:rPr lang="en-US" smtClean="0"/>
-              <a:t>1/30/18</a:t>
+              <a:t>6/25/18</a:t>
             </a:fld>
             <a:endParaRPr lang="en-US"/>
           </a:p>
@@ -3234,7 +3236,7 @@
                   <a:sysClr val="windowText" lastClr="000000"/>
                 </a:solidFill>
               </a:rPr>
-              <a:t>N</a:t>
+              <a:t>T</a:t>
             </a:r>
           </a:p>
         </p:txBody>
@@ -3275,114 +3277,1125 @@
           </a:fontRef>
         </p:style>
       </p:cxnSp>
+      <mc:AlternateContent xmlns:mc="http://schemas.openxmlformats.org/markup-compatibility/2006">
+        <mc:Choice xmlns:a14="http://schemas.microsoft.com/office/drawing/2010/main" Requires="a14">
+          <p:graphicFrame>
+            <p:nvGraphicFramePr>
+              <p:cNvPr id="3" name="Table 2">
+                <a:extLst>
+                  <a:ext uri="{FF2B5EF4-FFF2-40B4-BE49-F238E27FC236}">
+                    <a16:creationId xmlns:a16="http://schemas.microsoft.com/office/drawing/2014/main" id="{E75FE42A-A0B4-9E4F-9BC3-785D9BBEC279}"/>
+                  </a:ext>
+                </a:extLst>
+              </p:cNvPr>
+              <p:cNvGraphicFramePr>
+                <a:graphicFrameLocks noGrp="1"/>
+              </p:cNvGraphicFramePr>
+              <p:nvPr>
+                <p:extLst>
+                  <p:ext uri="{D42A27DB-BD31-4B8C-83A1-F6EECF244321}">
+                    <p14:modId xmlns:p14="http://schemas.microsoft.com/office/powerpoint/2010/main" val="1448013659"/>
+                  </p:ext>
+                </p:extLst>
+              </p:nvPr>
+            </p:nvGraphicFramePr>
+            <p:xfrm>
+              <a:off x="1054007" y="2177405"/>
+              <a:ext cx="8487557" cy="1112520"/>
+            </p:xfrm>
+            <a:graphic>
+              <a:graphicData uri="http://schemas.openxmlformats.org/drawingml/2006/table">
+                <a:tbl>
+                  <a:tblPr bandRow="1">
+                    <a:tableStyleId>{5C22544A-7EE6-4342-B048-85BDC9FD1C3A}</a:tableStyleId>
+                  </a:tblPr>
+                  <a:tblGrid>
+                    <a:gridCol w="1056553">
+                      <a:extLst>
+                        <a:ext uri="{9D8B030D-6E8A-4147-A177-3AD203B41FA5}">
+                          <a16:colId xmlns:a16="http://schemas.microsoft.com/office/drawing/2014/main" val="99506741"/>
+                        </a:ext>
+                      </a:extLst>
+                    </a:gridCol>
+                    <a:gridCol w="1717210">
+                      <a:extLst>
+                        <a:ext uri="{9D8B030D-6E8A-4147-A177-3AD203B41FA5}">
+                          <a16:colId xmlns:a16="http://schemas.microsoft.com/office/drawing/2014/main" val="1993768055"/>
+                        </a:ext>
+                      </a:extLst>
+                    </a:gridCol>
+                    <a:gridCol w="1717210">
+                      <a:extLst>
+                        <a:ext uri="{9D8B030D-6E8A-4147-A177-3AD203B41FA5}">
+                          <a16:colId xmlns:a16="http://schemas.microsoft.com/office/drawing/2014/main" val="1000401685"/>
+                        </a:ext>
+                      </a:extLst>
+                    </a:gridCol>
+                    <a:gridCol w="1717210">
+                      <a:extLst>
+                        <a:ext uri="{9D8B030D-6E8A-4147-A177-3AD203B41FA5}">
+                          <a16:colId xmlns:a16="http://schemas.microsoft.com/office/drawing/2014/main" val="859686324"/>
+                        </a:ext>
+                      </a:extLst>
+                    </a:gridCol>
+                    <a:gridCol w="2279374">
+                      <a:extLst>
+                        <a:ext uri="{9D8B030D-6E8A-4147-A177-3AD203B41FA5}">
+                          <a16:colId xmlns:a16="http://schemas.microsoft.com/office/drawing/2014/main" val="3615305869"/>
+                        </a:ext>
+                      </a:extLst>
+                    </a:gridCol>
+                  </a:tblGrid>
+                  <a:tr h="370840">
+                    <a:tc>
+                      <a:txBody>
+                        <a:bodyPr/>
+                        <a:lstStyle/>
+                        <a:p>
+                          <a:pPr algn="ctr"/>
+                          <a14:m>
+                            <m:oMathPara xmlns:m="http://schemas.openxmlformats.org/officeDocument/2006/math">
+                              <m:oMathParaPr>
+                                <m:jc m:val="centerGroup"/>
+                              </m:oMathParaPr>
+                              <m:oMath xmlns:m="http://schemas.openxmlformats.org/officeDocument/2006/math">
+                                <m:r>
+                                  <a:rPr lang="en-US" i="1" dirty="0" smtClean="0">
+                                    <a:latin typeface="Cambria Math" panose="02040503050406030204" pitchFamily="18" charset="0"/>
+                                  </a:rPr>
+                                  <m:t>𝐷</m:t>
+                                </m:r>
+                              </m:oMath>
+                            </m:oMathPara>
+                          </a14:m>
+                          <a:endParaRPr lang="en-US" dirty="0"/>
+                        </a:p>
+                      </a:txBody>
+                      <a:tcPr/>
+                    </a:tc>
+                    <a:tc>
+                      <a:txBody>
+                        <a:bodyPr/>
+                        <a:lstStyle/>
+                        <a:p>
+                          <a:pPr algn="ctr"/>
+                          <a14:m>
+                            <m:oMathPara xmlns:m="http://schemas.openxmlformats.org/officeDocument/2006/math">
+                              <m:oMathParaPr>
+                                <m:jc m:val="centerGroup"/>
+                              </m:oMathParaPr>
+                              <m:oMath xmlns:m="http://schemas.openxmlformats.org/officeDocument/2006/math">
+                                <m:r>
+                                  <a:rPr lang="en-US" i="1" dirty="0" smtClean="0">
+                                    <a:latin typeface="Cambria Math" panose="02040503050406030204" pitchFamily="18" charset="0"/>
+                                  </a:rPr>
+                                  <m:t>9</m:t>
+                                </m:r>
+                              </m:oMath>
+                            </m:oMathPara>
+                          </a14:m>
+                          <a:endParaRPr lang="en-US" dirty="0"/>
+                        </a:p>
+                      </a:txBody>
+                      <a:tcPr/>
+                    </a:tc>
+                    <a:tc>
+                      <a:txBody>
+                        <a:bodyPr/>
+                        <a:lstStyle/>
+                        <a:p>
+                          <a:pPr algn="ctr"/>
+                          <a14:m>
+                            <m:oMathPara xmlns:m="http://schemas.openxmlformats.org/officeDocument/2006/math">
+                              <m:oMathParaPr>
+                                <m:jc m:val="centerGroup"/>
+                              </m:oMathParaPr>
+                              <m:oMath xmlns:m="http://schemas.openxmlformats.org/officeDocument/2006/math">
+                                <m:r>
+                                  <a:rPr lang="en-US" i="1" dirty="0" smtClean="0">
+                                    <a:latin typeface="Cambria Math" panose="02040503050406030204" pitchFamily="18" charset="0"/>
+                                  </a:rPr>
+                                  <m:t>10</m:t>
+                                </m:r>
+                              </m:oMath>
+                            </m:oMathPara>
+                          </a14:m>
+                          <a:endParaRPr lang="en-US" dirty="0"/>
+                        </a:p>
+                      </a:txBody>
+                      <a:tcPr/>
+                    </a:tc>
+                    <a:tc>
+                      <a:txBody>
+                        <a:bodyPr/>
+                        <a:lstStyle/>
+                        <a:p>
+                          <a:pPr algn="ctr"/>
+                          <a14:m>
+                            <m:oMathPara xmlns:m="http://schemas.openxmlformats.org/officeDocument/2006/math">
+                              <m:oMathParaPr>
+                                <m:jc m:val="centerGroup"/>
+                              </m:oMathParaPr>
+                              <m:oMath xmlns:m="http://schemas.openxmlformats.org/officeDocument/2006/math">
+                                <m:r>
+                                  <a:rPr lang="en-US" i="1" dirty="0" smtClean="0">
+                                    <a:latin typeface="Cambria Math" panose="02040503050406030204" pitchFamily="18" charset="0"/>
+                                  </a:rPr>
+                                  <m:t>7</m:t>
+                                </m:r>
+                              </m:oMath>
+                            </m:oMathPara>
+                          </a14:m>
+                          <a:endParaRPr lang="en-US" dirty="0"/>
+                        </a:p>
+                      </a:txBody>
+                      <a:tcPr/>
+                    </a:tc>
+                    <a:tc>
+                      <a:txBody>
+                        <a:bodyPr/>
+                        <a:lstStyle/>
+                        <a:p>
+                          <a:pPr algn="ctr"/>
+                          <a:endParaRPr lang="en-US" dirty="0"/>
+                        </a:p>
+                      </a:txBody>
+                      <a:tcPr/>
+                    </a:tc>
+                    <a:extLst>
+                      <a:ext uri="{0D108BD9-81ED-4DB2-BD59-A6C34878D82A}">
+                        <a16:rowId xmlns:a16="http://schemas.microsoft.com/office/drawing/2014/main" val="594504162"/>
+                      </a:ext>
+                    </a:extLst>
+                  </a:tr>
+                  <a:tr h="370840">
+                    <a:tc>
+                      <a:txBody>
+                        <a:bodyPr/>
+                        <a:lstStyle/>
+                        <a:p>
+                          <a:pPr algn="ctr"/>
+                          <a14:m>
+                            <m:oMathPara xmlns:m="http://schemas.openxmlformats.org/officeDocument/2006/math">
+                              <m:oMathParaPr>
+                                <m:jc m:val="centerGroup"/>
+                              </m:oMathParaPr>
+                              <m:oMath xmlns:m="http://schemas.openxmlformats.org/officeDocument/2006/math">
+                                <m:sSub>
+                                  <m:sSubPr>
+                                    <m:ctrlPr>
+                                      <a:rPr lang="en-US" b="0" i="1" smtClean="0">
+                                        <a:latin typeface="Cambria Math" panose="02040503050406030204" pitchFamily="18" charset="0"/>
+                                      </a:rPr>
+                                    </m:ctrlPr>
+                                  </m:sSubPr>
+                                  <m:e>
+                                    <m:r>
+                                      <a:rPr lang="en-US" b="0" i="1" smtClean="0">
+                                        <a:latin typeface="Cambria Math" panose="02040503050406030204" pitchFamily="18" charset="0"/>
+                                      </a:rPr>
+                                      <m:t>𝑑</m:t>
+                                    </m:r>
+                                  </m:e>
+                                  <m:sub>
+                                    <m:r>
+                                      <a:rPr lang="en-US" b="0" i="1" smtClean="0">
+                                        <a:latin typeface="Cambria Math" panose="02040503050406030204" pitchFamily="18" charset="0"/>
+                                      </a:rPr>
+                                      <m:t>1</m:t>
+                                    </m:r>
+                                  </m:sub>
+                                </m:sSub>
+                              </m:oMath>
+                            </m:oMathPara>
+                          </a14:m>
+                          <a:endParaRPr lang="en-US" dirty="0"/>
+                        </a:p>
+                      </a:txBody>
+                      <a:tcPr/>
+                    </a:tc>
+                    <a:tc>
+                      <a:txBody>
+                        <a:bodyPr/>
+                        <a:lstStyle/>
+                        <a:p>
+                          <a:pPr algn="ctr"/>
+                          <a14:m>
+                            <m:oMathPara xmlns:m="http://schemas.openxmlformats.org/officeDocument/2006/math">
+                              <m:oMathParaPr>
+                                <m:jc m:val="centerGroup"/>
+                              </m:oMathParaPr>
+                              <m:oMath xmlns:m="http://schemas.openxmlformats.org/officeDocument/2006/math">
+                                <m:r>
+                                  <a:rPr lang="en-US" b="0" i="1" smtClean="0">
+                                    <a:latin typeface="Cambria Math" panose="02040503050406030204" pitchFamily="18" charset="0"/>
+                                  </a:rPr>
+                                  <m:t>0</m:t>
+                                </m:r>
+                              </m:oMath>
+                            </m:oMathPara>
+                          </a14:m>
+                          <a:endParaRPr lang="en-US" dirty="0"/>
+                        </a:p>
+                      </a:txBody>
+                      <a:tcPr/>
+                    </a:tc>
+                    <a:tc>
+                      <a:txBody>
+                        <a:bodyPr/>
+                        <a:lstStyle/>
+                        <a:p>
+                          <a:pPr marL="0" marR="0" lvl="0" indent="0" algn="ctr" defTabSz="914400" rtl="0" eaLnBrk="1" fontAlgn="auto" latinLnBrk="0" hangingPunct="1">
+                            <a:lnSpc>
+                              <a:spcPct val="100000"/>
+                            </a:lnSpc>
+                            <a:spcBef>
+                              <a:spcPts val="0"/>
+                            </a:spcBef>
+                            <a:spcAft>
+                              <a:spcPts val="0"/>
+                            </a:spcAft>
+                            <a:buClrTx/>
+                            <a:buSzTx/>
+                            <a:buFontTx/>
+                            <a:buNone/>
+                            <a:tabLst/>
+                            <a:defRPr/>
+                          </a:pPr>
+                          <a14:m>
+                            <m:oMathPara xmlns:m="http://schemas.openxmlformats.org/officeDocument/2006/math">
+                              <m:oMathParaPr>
+                                <m:jc m:val="centerGroup"/>
+                              </m:oMathParaPr>
+                              <m:oMath xmlns:m="http://schemas.openxmlformats.org/officeDocument/2006/math">
+                                <m:r>
+                                  <a:rPr lang="en-US" b="0" i="1" smtClean="0">
+                                    <a:latin typeface="Cambria Math" panose="02040503050406030204" pitchFamily="18" charset="0"/>
+                                  </a:rPr>
+                                  <m:t>0</m:t>
+                                </m:r>
+                              </m:oMath>
+                            </m:oMathPara>
+                          </a14:m>
+                          <a:endParaRPr lang="en-US" dirty="0"/>
+                        </a:p>
+                      </a:txBody>
+                      <a:tcPr/>
+                    </a:tc>
+                    <a:tc>
+                      <a:txBody>
+                        <a:bodyPr/>
+                        <a:lstStyle/>
+                        <a:p>
+                          <a:pPr marL="0" marR="0" lvl="0" indent="0" algn="ctr" defTabSz="914400" rtl="0" eaLnBrk="1" fontAlgn="auto" latinLnBrk="0" hangingPunct="1">
+                            <a:lnSpc>
+                              <a:spcPct val="100000"/>
+                            </a:lnSpc>
+                            <a:spcBef>
+                              <a:spcPts val="0"/>
+                            </a:spcBef>
+                            <a:spcAft>
+                              <a:spcPts val="0"/>
+                            </a:spcAft>
+                            <a:buClrTx/>
+                            <a:buSzTx/>
+                            <a:buFontTx/>
+                            <a:buNone/>
+                            <a:tabLst/>
+                            <a:defRPr/>
+                          </a:pPr>
+                          <a14:m>
+                            <m:oMathPara xmlns:m="http://schemas.openxmlformats.org/officeDocument/2006/math">
+                              <m:oMathParaPr>
+                                <m:jc m:val="centerGroup"/>
+                              </m:oMathParaPr>
+                              <m:oMath xmlns:m="http://schemas.openxmlformats.org/officeDocument/2006/math">
+                                <m:r>
+                                  <a:rPr lang="en-US" b="0" i="1" smtClean="0">
+                                    <a:latin typeface="Cambria Math" panose="02040503050406030204" pitchFamily="18" charset="0"/>
+                                  </a:rPr>
+                                  <m:t>0</m:t>
+                                </m:r>
+                              </m:oMath>
+                            </m:oMathPara>
+                          </a14:m>
+                          <a:endParaRPr lang="en-US" dirty="0"/>
+                        </a:p>
+                      </a:txBody>
+                      <a:tcPr/>
+                    </a:tc>
+                    <a:tc>
+                      <a:txBody>
+                        <a:bodyPr/>
+                        <a:lstStyle/>
+                        <a:p>
+                          <a:pPr algn="ctr"/>
+                          <a14:m>
+                            <m:oMathPara xmlns:m="http://schemas.openxmlformats.org/officeDocument/2006/math">
+                              <m:oMathParaPr>
+                                <m:jc m:val="centerGroup"/>
+                              </m:oMathParaPr>
+                              <m:oMath xmlns:m="http://schemas.openxmlformats.org/officeDocument/2006/math">
+                                <m:sSub>
+                                  <m:sSubPr>
+                                    <m:ctrlPr>
+                                      <a:rPr lang="en-US" b="0" i="1" smtClean="0">
+                                        <a:latin typeface="Cambria Math" panose="02040503050406030204" pitchFamily="18" charset="0"/>
+                                      </a:rPr>
+                                    </m:ctrlPr>
+                                  </m:sSubPr>
+                                  <m:e>
+                                    <m:r>
+                                      <a:rPr lang="en-US" b="0" i="1" smtClean="0">
+                                        <a:latin typeface="Cambria Math" panose="02040503050406030204" pitchFamily="18" charset="0"/>
+                                      </a:rPr>
+                                      <m:t>𝑝</m:t>
+                                    </m:r>
+                                  </m:e>
+                                  <m:sub>
+                                    <m:r>
+                                      <a:rPr lang="en-US" b="0" i="1" smtClean="0">
+                                        <a:latin typeface="Cambria Math" panose="02040503050406030204" pitchFamily="18" charset="0"/>
+                                      </a:rPr>
+                                      <m:t>1</m:t>
+                                    </m:r>
+                                  </m:sub>
+                                </m:sSub>
+                                <m:r>
+                                  <a:rPr lang="en-US" b="0" i="1" smtClean="0">
+                                    <a:latin typeface="Cambria Math" panose="02040503050406030204" pitchFamily="18" charset="0"/>
+                                  </a:rPr>
+                                  <m:t>=0.5, </m:t>
+                                </m:r>
+                                <m:sSub>
+                                  <m:sSubPr>
+                                    <m:ctrlPr>
+                                      <a:rPr lang="en-US" b="0" i="1" smtClean="0">
+                                        <a:latin typeface="Cambria Math" panose="02040503050406030204" pitchFamily="18" charset="0"/>
+                                      </a:rPr>
+                                    </m:ctrlPr>
+                                  </m:sSubPr>
+                                  <m:e>
+                                    <m:r>
+                                      <a:rPr lang="en-US" b="0" i="1" smtClean="0">
+                                        <a:latin typeface="Cambria Math" panose="02040503050406030204" pitchFamily="18" charset="0"/>
+                                      </a:rPr>
+                                      <m:t>𝐻</m:t>
+                                    </m:r>
+                                  </m:e>
+                                  <m:sub>
+                                    <m:r>
+                                      <a:rPr lang="en-US" b="0" i="1" smtClean="0">
+                                        <a:latin typeface="Cambria Math" panose="02040503050406030204" pitchFamily="18" charset="0"/>
+                                      </a:rPr>
+                                      <m:t>1</m:t>
+                                    </m:r>
+                                  </m:sub>
+                                </m:sSub>
+                                <m:r>
+                                  <a:rPr lang="en-US" b="0" i="1" smtClean="0">
+                                    <a:latin typeface="Cambria Math" panose="02040503050406030204" pitchFamily="18" charset="0"/>
+                                  </a:rPr>
+                                  <m:t>=+∞</m:t>
+                                </m:r>
+                              </m:oMath>
+                            </m:oMathPara>
+                          </a14:m>
+                          <a:endParaRPr lang="en-US" dirty="0"/>
+                        </a:p>
+                      </a:txBody>
+                      <a:tcPr/>
+                    </a:tc>
+                    <a:extLst>
+                      <a:ext uri="{0D108BD9-81ED-4DB2-BD59-A6C34878D82A}">
+                        <a16:rowId xmlns:a16="http://schemas.microsoft.com/office/drawing/2014/main" val="3623676819"/>
+                      </a:ext>
+                    </a:extLst>
+                  </a:tr>
+                  <a:tr h="370840">
+                    <a:tc>
+                      <a:txBody>
+                        <a:bodyPr/>
+                        <a:lstStyle/>
+                        <a:p>
+                          <a:pPr algn="ctr"/>
+                          <a14:m>
+                            <m:oMathPara xmlns:m="http://schemas.openxmlformats.org/officeDocument/2006/math">
+                              <m:oMathParaPr>
+                                <m:jc m:val="centerGroup"/>
+                              </m:oMathParaPr>
+                              <m:oMath xmlns:m="http://schemas.openxmlformats.org/officeDocument/2006/math">
+                                <m:sSub>
+                                  <m:sSubPr>
+                                    <m:ctrlPr>
+                                      <a:rPr lang="en-US" b="0" i="1" smtClean="0">
+                                        <a:latin typeface="Cambria Math" panose="02040503050406030204" pitchFamily="18" charset="0"/>
+                                      </a:rPr>
+                                    </m:ctrlPr>
+                                  </m:sSubPr>
+                                  <m:e>
+                                    <m:r>
+                                      <a:rPr lang="en-US" b="0" i="1" smtClean="0">
+                                        <a:latin typeface="Cambria Math" panose="02040503050406030204" pitchFamily="18" charset="0"/>
+                                      </a:rPr>
+                                      <m:t>𝑑</m:t>
+                                    </m:r>
+                                  </m:e>
+                                  <m:sub>
+                                    <m:r>
+                                      <a:rPr lang="en-US" b="0" i="1" smtClean="0">
+                                        <a:latin typeface="Cambria Math" panose="02040503050406030204" pitchFamily="18" charset="0"/>
+                                      </a:rPr>
+                                      <m:t>2</m:t>
+                                    </m:r>
+                                  </m:sub>
+                                </m:sSub>
+                              </m:oMath>
+                            </m:oMathPara>
+                          </a14:m>
+                          <a:endParaRPr lang="en-US" dirty="0"/>
+                        </a:p>
+                      </a:txBody>
+                      <a:tcPr/>
+                    </a:tc>
+                    <a:tc>
+                      <a:txBody>
+                        <a:bodyPr/>
+                        <a:lstStyle/>
+                        <a:p>
+                          <a:pPr algn="ctr"/>
+                          <a14:m>
+                            <m:oMathPara xmlns:m="http://schemas.openxmlformats.org/officeDocument/2006/math">
+                              <m:oMathParaPr>
+                                <m:jc m:val="centerGroup"/>
+                              </m:oMathParaPr>
+                              <m:oMath xmlns:m="http://schemas.openxmlformats.org/officeDocument/2006/math">
+                                <m:r>
+                                  <a:rPr lang="en-US" i="1" dirty="0" smtClean="0">
+                                    <a:latin typeface="Cambria Math" panose="02040503050406030204" pitchFamily="18" charset="0"/>
+                                  </a:rPr>
+                                  <m:t>0</m:t>
+                                </m:r>
+                              </m:oMath>
+                            </m:oMathPara>
+                          </a14:m>
+                          <a:endParaRPr lang="en-US" dirty="0"/>
+                        </a:p>
+                      </a:txBody>
+                      <a:tcPr/>
+                    </a:tc>
+                    <a:tc>
+                      <a:txBody>
+                        <a:bodyPr/>
+                        <a:lstStyle/>
+                        <a:p>
+                          <a:pPr algn="ctr"/>
+                          <a14:m>
+                            <m:oMathPara xmlns:m="http://schemas.openxmlformats.org/officeDocument/2006/math">
+                              <m:oMathParaPr>
+                                <m:jc m:val="centerGroup"/>
+                              </m:oMathParaPr>
+                              <m:oMath xmlns:m="http://schemas.openxmlformats.org/officeDocument/2006/math">
+                                <m:r>
+                                  <a:rPr lang="en-US" i="1" dirty="0" smtClean="0">
+                                    <a:latin typeface="Cambria Math" panose="02040503050406030204" pitchFamily="18" charset="0"/>
+                                  </a:rPr>
+                                  <m:t>−7</m:t>
+                                </m:r>
+                              </m:oMath>
+                            </m:oMathPara>
+                          </a14:m>
+                          <a:endParaRPr lang="en-US" dirty="0"/>
+                        </a:p>
+                      </a:txBody>
+                      <a:tcPr/>
+                    </a:tc>
+                    <a:tc>
+                      <a:txBody>
+                        <a:bodyPr/>
+                        <a:lstStyle/>
+                        <a:p>
+                          <a:pPr marL="0" marR="0" lvl="0" indent="0" algn="ctr" defTabSz="914400" rtl="0" eaLnBrk="1" fontAlgn="auto" latinLnBrk="0" hangingPunct="1">
+                            <a:lnSpc>
+                              <a:spcPct val="100000"/>
+                            </a:lnSpc>
+                            <a:spcBef>
+                              <a:spcPts val="0"/>
+                            </a:spcBef>
+                            <a:spcAft>
+                              <a:spcPts val="0"/>
+                            </a:spcAft>
+                            <a:buClrTx/>
+                            <a:buSzTx/>
+                            <a:buFontTx/>
+                            <a:buNone/>
+                            <a:tabLst/>
+                            <a:defRPr/>
+                          </a:pPr>
+                          <a14:m>
+                            <m:oMathPara xmlns:m="http://schemas.openxmlformats.org/officeDocument/2006/math">
+                              <m:oMathParaPr>
+                                <m:jc m:val="centerGroup"/>
+                              </m:oMathParaPr>
+                              <m:oMath xmlns:m="http://schemas.openxmlformats.org/officeDocument/2006/math">
+                                <m:r>
+                                  <a:rPr lang="en-US" i="1" dirty="0" smtClean="0">
+                                    <a:latin typeface="Cambria Math" panose="02040503050406030204" pitchFamily="18" charset="0"/>
+                                  </a:rPr>
+                                  <m:t>0</m:t>
+                                </m:r>
+                              </m:oMath>
+                            </m:oMathPara>
+                          </a14:m>
+                          <a:endParaRPr lang="en-US" dirty="0"/>
+                        </a:p>
+                      </a:txBody>
+                      <a:tcPr/>
+                    </a:tc>
+                    <a:tc>
+                      <a:txBody>
+                        <a:bodyPr/>
+                        <a:lstStyle/>
+                        <a:p>
+                          <a:pPr algn="ctr"/>
+                          <a14:m>
+                            <m:oMathPara xmlns:m="http://schemas.openxmlformats.org/officeDocument/2006/math">
+                              <m:oMathParaPr>
+                                <m:jc m:val="centerGroup"/>
+                              </m:oMathParaPr>
+                              <m:oMath xmlns:m="http://schemas.openxmlformats.org/officeDocument/2006/math">
+                                <m:sSub>
+                                  <m:sSubPr>
+                                    <m:ctrlPr>
+                                      <a:rPr lang="en-US" b="0" i="1" smtClean="0">
+                                        <a:latin typeface="Cambria Math" panose="02040503050406030204" pitchFamily="18" charset="0"/>
+                                      </a:rPr>
+                                    </m:ctrlPr>
+                                  </m:sSubPr>
+                                  <m:e>
+                                    <m:r>
+                                      <a:rPr lang="en-US" b="0" i="1" smtClean="0">
+                                        <a:latin typeface="Cambria Math" panose="02040503050406030204" pitchFamily="18" charset="0"/>
+                                      </a:rPr>
+                                      <m:t>𝑝</m:t>
+                                    </m:r>
+                                  </m:e>
+                                  <m:sub>
+                                    <m:r>
+                                      <a:rPr lang="en-US" b="0" i="1" smtClean="0">
+                                        <a:latin typeface="Cambria Math" panose="02040503050406030204" pitchFamily="18" charset="0"/>
+                                      </a:rPr>
+                                      <m:t>2</m:t>
+                                    </m:r>
+                                  </m:sub>
+                                </m:sSub>
+                                <m:r>
+                                  <a:rPr lang="en-US" b="0" i="1" smtClean="0">
+                                    <a:latin typeface="Cambria Math" panose="02040503050406030204" pitchFamily="18" charset="0"/>
+                                  </a:rPr>
+                                  <m:t>=0.5, </m:t>
+                                </m:r>
+                                <m:sSub>
+                                  <m:sSubPr>
+                                    <m:ctrlPr>
+                                      <a:rPr lang="en-US" b="0" i="1" smtClean="0">
+                                        <a:latin typeface="Cambria Math" panose="02040503050406030204" pitchFamily="18" charset="0"/>
+                                      </a:rPr>
+                                    </m:ctrlPr>
+                                  </m:sSubPr>
+                                  <m:e>
+                                    <m:r>
+                                      <a:rPr lang="en-US" b="0" i="1" smtClean="0">
+                                        <a:latin typeface="Cambria Math" panose="02040503050406030204" pitchFamily="18" charset="0"/>
+                                      </a:rPr>
+                                      <m:t>𝐻</m:t>
+                                    </m:r>
+                                  </m:e>
+                                  <m:sub>
+                                    <m:r>
+                                      <a:rPr lang="en-US" b="0" i="1" smtClean="0">
+                                        <a:latin typeface="Cambria Math" panose="02040503050406030204" pitchFamily="18" charset="0"/>
+                                      </a:rPr>
+                                      <m:t>2</m:t>
+                                    </m:r>
+                                  </m:sub>
+                                </m:sSub>
+                                <m:r>
+                                  <a:rPr lang="en-US" b="0" i="1" smtClean="0">
+                                    <a:latin typeface="Cambria Math" panose="02040503050406030204" pitchFamily="18" charset="0"/>
+                                  </a:rPr>
+                                  <m:t>=</m:t>
+                                </m:r>
+                                <m:r>
+                                  <a:rPr lang="en-US" b="0" i="1" smtClean="0">
+                                    <a:latin typeface="Cambria Math" panose="02040503050406030204" pitchFamily="18" charset="0"/>
+                                  </a:rPr>
+                                  <m:t>9.1</m:t>
+                                </m:r>
+                              </m:oMath>
+                            </m:oMathPara>
+                          </a14:m>
+                          <a:endParaRPr lang="en-US" dirty="0"/>
+                        </a:p>
+                      </a:txBody>
+                      <a:tcPr/>
+                    </a:tc>
+                    <a:extLst>
+                      <a:ext uri="{0D108BD9-81ED-4DB2-BD59-A6C34878D82A}">
+                        <a16:rowId xmlns:a16="http://schemas.microsoft.com/office/drawing/2014/main" val="3028093013"/>
+                      </a:ext>
+                    </a:extLst>
+                  </a:tr>
+                </a:tbl>
+              </a:graphicData>
+            </a:graphic>
+          </p:graphicFrame>
+        </mc:Choice>
+        <mc:Fallback>
+          <p:graphicFrame>
+            <p:nvGraphicFramePr>
+              <p:cNvPr id="3" name="Table 2">
+                <a:extLst>
+                  <a:ext uri="{FF2B5EF4-FFF2-40B4-BE49-F238E27FC236}">
+                    <a16:creationId xmlns:a16="http://schemas.microsoft.com/office/drawing/2014/main" id="{E75FE42A-A0B4-9E4F-9BC3-785D9BBEC279}"/>
+                  </a:ext>
+                </a:extLst>
+              </p:cNvPr>
+              <p:cNvGraphicFramePr>
+                <a:graphicFrameLocks noGrp="1"/>
+              </p:cNvGraphicFramePr>
+              <p:nvPr>
+                <p:extLst>
+                  <p:ext uri="{D42A27DB-BD31-4B8C-83A1-F6EECF244321}">
+                    <p14:modId xmlns:p14="http://schemas.microsoft.com/office/powerpoint/2010/main" val="1448013659"/>
+                  </p:ext>
+                </p:extLst>
+              </p:nvPr>
+            </p:nvGraphicFramePr>
+            <p:xfrm>
+              <a:off x="1054007" y="2177405"/>
+              <a:ext cx="8487557" cy="1112520"/>
+            </p:xfrm>
+            <a:graphic>
+              <a:graphicData uri="http://schemas.openxmlformats.org/drawingml/2006/table">
+                <a:tbl>
+                  <a:tblPr bandRow="1">
+                    <a:tableStyleId>{5C22544A-7EE6-4342-B048-85BDC9FD1C3A}</a:tableStyleId>
+                  </a:tblPr>
+                  <a:tblGrid>
+                    <a:gridCol w="1056553">
+                      <a:extLst>
+                        <a:ext uri="{9D8B030D-6E8A-4147-A177-3AD203B41FA5}">
+                          <a16:colId xmlns:a16="http://schemas.microsoft.com/office/drawing/2014/main" val="99506741"/>
+                        </a:ext>
+                      </a:extLst>
+                    </a:gridCol>
+                    <a:gridCol w="1717210">
+                      <a:extLst>
+                        <a:ext uri="{9D8B030D-6E8A-4147-A177-3AD203B41FA5}">
+                          <a16:colId xmlns:a16="http://schemas.microsoft.com/office/drawing/2014/main" val="1993768055"/>
+                        </a:ext>
+                      </a:extLst>
+                    </a:gridCol>
+                    <a:gridCol w="1717210">
+                      <a:extLst>
+                        <a:ext uri="{9D8B030D-6E8A-4147-A177-3AD203B41FA5}">
+                          <a16:colId xmlns:a16="http://schemas.microsoft.com/office/drawing/2014/main" val="1000401685"/>
+                        </a:ext>
+                      </a:extLst>
+                    </a:gridCol>
+                    <a:gridCol w="1717210">
+                      <a:extLst>
+                        <a:ext uri="{9D8B030D-6E8A-4147-A177-3AD203B41FA5}">
+                          <a16:colId xmlns:a16="http://schemas.microsoft.com/office/drawing/2014/main" val="859686324"/>
+                        </a:ext>
+                      </a:extLst>
+                    </a:gridCol>
+                    <a:gridCol w="2279374">
+                      <a:extLst>
+                        <a:ext uri="{9D8B030D-6E8A-4147-A177-3AD203B41FA5}">
+                          <a16:colId xmlns:a16="http://schemas.microsoft.com/office/drawing/2014/main" val="3615305869"/>
+                        </a:ext>
+                      </a:extLst>
+                    </a:gridCol>
+                  </a:tblGrid>
+                  <a:tr h="370840">
+                    <a:tc>
+                      <a:txBody>
+                        <a:bodyPr/>
+                        <a:lstStyle/>
+                        <a:p>
+                          <a:endParaRPr lang="en-US"/>
+                        </a:p>
+                      </a:txBody>
+                      <a:tcPr>
+                        <a:blipFill>
+                          <a:blip r:embed="rId2"/>
+                          <a:stretch>
+                            <a:fillRect t="-3333" r="-707229" b="-200000"/>
+                          </a:stretch>
+                        </a:blipFill>
+                      </a:tcPr>
+                    </a:tc>
+                    <a:tc>
+                      <a:txBody>
+                        <a:bodyPr/>
+                        <a:lstStyle/>
+                        <a:p>
+                          <a:endParaRPr lang="en-US"/>
+                        </a:p>
+                      </a:txBody>
+                      <a:tcPr>
+                        <a:blipFill>
+                          <a:blip r:embed="rId2"/>
+                          <a:stretch>
+                            <a:fillRect l="-61029" t="-3333" r="-331618" b="-200000"/>
+                          </a:stretch>
+                        </a:blipFill>
+                      </a:tcPr>
+                    </a:tc>
+                    <a:tc>
+                      <a:txBody>
+                        <a:bodyPr/>
+                        <a:lstStyle/>
+                        <a:p>
+                          <a:endParaRPr lang="en-US"/>
+                        </a:p>
+                      </a:txBody>
+                      <a:tcPr>
+                        <a:blipFill>
+                          <a:blip r:embed="rId2"/>
+                          <a:stretch>
+                            <a:fillRect l="-161029" t="-3333" r="-231618" b="-200000"/>
+                          </a:stretch>
+                        </a:blipFill>
+                      </a:tcPr>
+                    </a:tc>
+                    <a:tc>
+                      <a:txBody>
+                        <a:bodyPr/>
+                        <a:lstStyle/>
+                        <a:p>
+                          <a:endParaRPr lang="en-US"/>
+                        </a:p>
+                      </a:txBody>
+                      <a:tcPr>
+                        <a:blipFill>
+                          <a:blip r:embed="rId2"/>
+                          <a:stretch>
+                            <a:fillRect l="-262963" t="-3333" r="-133333" b="-200000"/>
+                          </a:stretch>
+                        </a:blipFill>
+                      </a:tcPr>
+                    </a:tc>
+                    <a:tc>
+                      <a:txBody>
+                        <a:bodyPr/>
+                        <a:lstStyle/>
+                        <a:p>
+                          <a:pPr algn="ctr"/>
+                          <a:endParaRPr lang="en-US" dirty="0"/>
+                        </a:p>
+                      </a:txBody>
+                      <a:tcPr/>
+                    </a:tc>
+                    <a:extLst>
+                      <a:ext uri="{0D108BD9-81ED-4DB2-BD59-A6C34878D82A}">
+                        <a16:rowId xmlns:a16="http://schemas.microsoft.com/office/drawing/2014/main" val="594504162"/>
+                      </a:ext>
+                    </a:extLst>
+                  </a:tr>
+                  <a:tr h="370840">
+                    <a:tc>
+                      <a:txBody>
+                        <a:bodyPr/>
+                        <a:lstStyle/>
+                        <a:p>
+                          <a:endParaRPr lang="en-US"/>
+                        </a:p>
+                      </a:txBody>
+                      <a:tcPr>
+                        <a:blipFill>
+                          <a:blip r:embed="rId2"/>
+                          <a:stretch>
+                            <a:fillRect t="-106897" r="-707229" b="-106897"/>
+                          </a:stretch>
+                        </a:blipFill>
+                      </a:tcPr>
+                    </a:tc>
+                    <a:tc>
+                      <a:txBody>
+                        <a:bodyPr/>
+                        <a:lstStyle/>
+                        <a:p>
+                          <a:endParaRPr lang="en-US"/>
+                        </a:p>
+                      </a:txBody>
+                      <a:tcPr>
+                        <a:blipFill>
+                          <a:blip r:embed="rId2"/>
+                          <a:stretch>
+                            <a:fillRect l="-61029" t="-106897" r="-331618" b="-106897"/>
+                          </a:stretch>
+                        </a:blipFill>
+                      </a:tcPr>
+                    </a:tc>
+                    <a:tc>
+                      <a:txBody>
+                        <a:bodyPr/>
+                        <a:lstStyle/>
+                        <a:p>
+                          <a:endParaRPr lang="en-US"/>
+                        </a:p>
+                      </a:txBody>
+                      <a:tcPr>
+                        <a:blipFill>
+                          <a:blip r:embed="rId2"/>
+                          <a:stretch>
+                            <a:fillRect l="-161029" t="-106897" r="-231618" b="-106897"/>
+                          </a:stretch>
+                        </a:blipFill>
+                      </a:tcPr>
+                    </a:tc>
+                    <a:tc>
+                      <a:txBody>
+                        <a:bodyPr/>
+                        <a:lstStyle/>
+                        <a:p>
+                          <a:endParaRPr lang="en-US"/>
+                        </a:p>
+                      </a:txBody>
+                      <a:tcPr>
+                        <a:blipFill>
+                          <a:blip r:embed="rId2"/>
+                          <a:stretch>
+                            <a:fillRect l="-262963" t="-106897" r="-133333" b="-106897"/>
+                          </a:stretch>
+                        </a:blipFill>
+                      </a:tcPr>
+                    </a:tc>
+                    <a:tc>
+                      <a:txBody>
+                        <a:bodyPr/>
+                        <a:lstStyle/>
+                        <a:p>
+                          <a:endParaRPr lang="en-US"/>
+                        </a:p>
+                      </a:txBody>
+                      <a:tcPr>
+                        <a:blipFill>
+                          <a:blip r:embed="rId2"/>
+                          <a:stretch>
+                            <a:fillRect l="-272222" t="-106897" b="-106897"/>
+                          </a:stretch>
+                        </a:blipFill>
+                      </a:tcPr>
+                    </a:tc>
+                    <a:extLst>
+                      <a:ext uri="{0D108BD9-81ED-4DB2-BD59-A6C34878D82A}">
+                        <a16:rowId xmlns:a16="http://schemas.microsoft.com/office/drawing/2014/main" val="3623676819"/>
+                      </a:ext>
+                    </a:extLst>
+                  </a:tr>
+                  <a:tr h="370840">
+                    <a:tc>
+                      <a:txBody>
+                        <a:bodyPr/>
+                        <a:lstStyle/>
+                        <a:p>
+                          <a:endParaRPr lang="en-US"/>
+                        </a:p>
+                      </a:txBody>
+                      <a:tcPr>
+                        <a:blipFill>
+                          <a:blip r:embed="rId2"/>
+                          <a:stretch>
+                            <a:fillRect t="-200000" r="-707229" b="-3333"/>
+                          </a:stretch>
+                        </a:blipFill>
+                      </a:tcPr>
+                    </a:tc>
+                    <a:tc>
+                      <a:txBody>
+                        <a:bodyPr/>
+                        <a:lstStyle/>
+                        <a:p>
+                          <a:endParaRPr lang="en-US"/>
+                        </a:p>
+                      </a:txBody>
+                      <a:tcPr>
+                        <a:blipFill>
+                          <a:blip r:embed="rId2"/>
+                          <a:stretch>
+                            <a:fillRect l="-61029" t="-200000" r="-331618" b="-3333"/>
+                          </a:stretch>
+                        </a:blipFill>
+                      </a:tcPr>
+                    </a:tc>
+                    <a:tc>
+                      <a:txBody>
+                        <a:bodyPr/>
+                        <a:lstStyle/>
+                        <a:p>
+                          <a:endParaRPr lang="en-US"/>
+                        </a:p>
+                      </a:txBody>
+                      <a:tcPr>
+                        <a:blipFill>
+                          <a:blip r:embed="rId2"/>
+                          <a:stretch>
+                            <a:fillRect l="-161029" t="-200000" r="-231618" b="-3333"/>
+                          </a:stretch>
+                        </a:blipFill>
+                      </a:tcPr>
+                    </a:tc>
+                    <a:tc>
+                      <a:txBody>
+                        <a:bodyPr/>
+                        <a:lstStyle/>
+                        <a:p>
+                          <a:endParaRPr lang="en-US"/>
+                        </a:p>
+                      </a:txBody>
+                      <a:tcPr>
+                        <a:blipFill>
+                          <a:blip r:embed="rId2"/>
+                          <a:stretch>
+                            <a:fillRect l="-262963" t="-200000" r="-133333" b="-3333"/>
+                          </a:stretch>
+                        </a:blipFill>
+                      </a:tcPr>
+                    </a:tc>
+                    <a:tc>
+                      <a:txBody>
+                        <a:bodyPr/>
+                        <a:lstStyle/>
+                        <a:p>
+                          <a:endParaRPr lang="en-US"/>
+                        </a:p>
+                      </a:txBody>
+                      <a:tcPr>
+                        <a:blipFill>
+                          <a:blip r:embed="rId2"/>
+                          <a:stretch>
+                            <a:fillRect l="-272222" t="-200000" b="-3333"/>
+                          </a:stretch>
+                        </a:blipFill>
+                      </a:tcPr>
+                    </a:tc>
+                    <a:extLst>
+                      <a:ext uri="{0D108BD9-81ED-4DB2-BD59-A6C34878D82A}">
+                        <a16:rowId xmlns:a16="http://schemas.microsoft.com/office/drawing/2014/main" val="3028093013"/>
+                      </a:ext>
+                    </a:extLst>
+                  </a:tr>
+                </a:tbl>
+              </a:graphicData>
+            </a:graphic>
+          </p:graphicFrame>
+        </mc:Fallback>
+      </mc:AlternateContent>
       <p:sp>
         <p:nvSpPr>
-          <p:cNvPr id="2" name="TextBox 1">
+          <p:cNvPr id="15" name="Oval 14">
             <a:extLst>
               <a:ext uri="{FF2B5EF4-FFF2-40B4-BE49-F238E27FC236}">
-                <a16:creationId xmlns:a16="http://schemas.microsoft.com/office/drawing/2014/main" id="{FFE47D60-6181-2440-9994-F174742DADC7}"/>
+                <a16:creationId xmlns:a16="http://schemas.microsoft.com/office/drawing/2014/main" id="{4FD14AE0-9BBC-DA4B-9A40-6B3E50873904}"/>
               </a:ext>
             </a:extLst>
           </p:cNvPr>
-          <p:cNvSpPr txBox="1"/>
+          <p:cNvSpPr/>
           <p:nvPr/>
         </p:nvSpPr>
         <p:spPr>
           <a:xfrm>
-            <a:off x="3438284" y="1047871"/>
-            <a:ext cx="509286" cy="369332"/>
+            <a:off x="559927" y="1044435"/>
+            <a:ext cx="891250" cy="891250"/>
           </a:xfrm>
-          <a:prstGeom prst="rect">
+          <a:prstGeom prst="ellipse">
             <a:avLst/>
           </a:prstGeom>
           <a:noFill/>
+          <a:ln w="38100">
+            <a:solidFill>
+              <a:schemeClr val="tx1"/>
+            </a:solidFill>
+          </a:ln>
         </p:spPr>
+        <p:style>
+          <a:lnRef idx="2">
+            <a:schemeClr val="accent1">
+              <a:shade val="50000"/>
+            </a:schemeClr>
+          </a:lnRef>
+          <a:fillRef idx="1">
+            <a:schemeClr val="accent1"/>
+          </a:fillRef>
+          <a:effectRef idx="0">
+            <a:schemeClr val="accent1"/>
+          </a:effectRef>
+          <a:fontRef idx="minor">
+            <a:schemeClr val="lt1"/>
+          </a:fontRef>
+        </p:style>
         <p:txBody>
-          <a:bodyPr wrap="square" rtlCol="0">
-            <a:spAutoFit/>
-          </a:bodyPr>
+          <a:bodyPr rtlCol="0" anchor="ctr"/>
           <a:lstStyle/>
           <a:p>
             <a:pPr algn="ctr"/>
             <a:r>
-              <a:rPr lang="en-US" dirty="0"/>
-              <a:t>9</a:t>
+              <a:rPr lang="en-US" sz="3200" dirty="0">
+                <a:solidFill>
+                  <a:sysClr val="windowText" lastClr="000000"/>
+                </a:solidFill>
+              </a:rPr>
+              <a:t>S</a:t>
             </a:r>
           </a:p>
         </p:txBody>
       </p:sp>
-      <p:sp>
-        <p:nvSpPr>
-          <p:cNvPr id="11" name="TextBox 10">
+      <p:cxnSp>
+        <p:nvCxnSpPr>
+          <p:cNvPr id="16" name="Straight Arrow Connector 15">
             <a:extLst>
               <a:ext uri="{FF2B5EF4-FFF2-40B4-BE49-F238E27FC236}">
-                <a16:creationId xmlns:a16="http://schemas.microsoft.com/office/drawing/2014/main" id="{C3B121F0-620D-994A-8BD2-96E2EE4508E3}"/>
+                <a16:creationId xmlns:a16="http://schemas.microsoft.com/office/drawing/2014/main" id="{80A93BC4-61EF-BF4E-8D9C-4A054974BB8B}"/>
               </a:ext>
             </a:extLst>
           </p:cNvPr>
-          <p:cNvSpPr txBox="1"/>
+          <p:cNvCxnSpPr/>
           <p:nvPr/>
-        </p:nvSpPr>
+        </p:nvCxnSpPr>
         <p:spPr>
           <a:xfrm>
-            <a:off x="5248034" y="1047871"/>
-            <a:ext cx="509286" cy="369332"/>
+            <a:off x="1451177" y="1490060"/>
+            <a:ext cx="918500" cy="0"/>
           </a:xfrm>
-          <a:prstGeom prst="rect">
+          <a:prstGeom prst="straightConnector1">
             <a:avLst/>
           </a:prstGeom>
-          <a:noFill/>
+          <a:ln w="38100">
+            <a:solidFill>
+              <a:schemeClr val="tx1"/>
+            </a:solidFill>
+            <a:tailEnd type="triangle"/>
+          </a:ln>
         </p:spPr>
-        <p:txBody>
-          <a:bodyPr wrap="square" rtlCol="0">
-            <a:spAutoFit/>
-          </a:bodyPr>
-          <a:lstStyle/>
-          <a:p>
-            <a:pPr algn="ctr"/>
-            <a:r>
-              <a:rPr lang="en-US" dirty="0"/>
-              <a:t>10</a:t>
-            </a:r>
-          </a:p>
-        </p:txBody>
-      </p:sp>
-      <p:sp>
-        <p:nvSpPr>
-          <p:cNvPr id="12" name="TextBox 11">
-            <a:extLst>
-              <a:ext uri="{FF2B5EF4-FFF2-40B4-BE49-F238E27FC236}">
-                <a16:creationId xmlns:a16="http://schemas.microsoft.com/office/drawing/2014/main" id="{CA808C95-B19A-F646-B192-285B992CFE1F}"/>
-              </a:ext>
-            </a:extLst>
-          </p:cNvPr>
-          <p:cNvSpPr txBox="1"/>
-          <p:nvPr/>
-        </p:nvSpPr>
-        <p:spPr>
-          <a:xfrm>
-            <a:off x="7057784" y="1047871"/>
-            <a:ext cx="509286" cy="369332"/>
-          </a:xfrm>
-          <a:prstGeom prst="rect">
-            <a:avLst/>
-          </a:prstGeom>
-          <a:noFill/>
-        </p:spPr>
-        <p:txBody>
-          <a:bodyPr wrap="square" rtlCol="0">
-            <a:spAutoFit/>
-          </a:bodyPr>
-          <a:lstStyle/>
-          <a:p>
-            <a:pPr algn="ctr"/>
-            <a:r>
-              <a:rPr lang="en-US" dirty="0"/>
-              <a:t>7</a:t>
-            </a:r>
-          </a:p>
-        </p:txBody>
-      </p:sp>
+        <p:style>
+          <a:lnRef idx="1">
+            <a:schemeClr val="accent1"/>
+          </a:lnRef>
+          <a:fillRef idx="0">
+            <a:schemeClr val="accent1"/>
+          </a:fillRef>
+          <a:effectRef idx="0">
+            <a:schemeClr val="accent1"/>
+          </a:effectRef>
+          <a:fontRef idx="minor">
+            <a:schemeClr val="tx1"/>
+          </a:fontRef>
+        </p:style>
+      </p:cxnSp>
     </p:spTree>
     <p:extLst>
       <p:ext uri="{BB962C8B-B14F-4D97-AF65-F5344CB8AC3E}">
@@ -3396,7 +4409,5296 @@
 </p:sld>
 </file>
 
+<file path=ppt/slides/slide10.xml><?xml version="1.0" encoding="utf-8"?>
+<p:sld xmlns:a="http://schemas.openxmlformats.org/drawingml/2006/main" xmlns:r="http://schemas.openxmlformats.org/officeDocument/2006/relationships" xmlns:p="http://schemas.openxmlformats.org/presentationml/2006/main">
+  <p:cSld>
+    <p:spTree>
+      <p:nvGrpSpPr>
+        <p:cNvPr id="1" name=""/>
+        <p:cNvGrpSpPr/>
+        <p:nvPr/>
+      </p:nvGrpSpPr>
+      <p:grpSpPr>
+        <a:xfrm>
+          <a:off x="0" y="0"/>
+          <a:ext cx="0" cy="0"/>
+          <a:chOff x="0" y="0"/>
+          <a:chExt cx="0" cy="0"/>
+        </a:xfrm>
+      </p:grpSpPr>
+      <p:sp>
+        <p:nvSpPr>
+          <p:cNvPr id="4" name="Rectangle 3">
+            <a:extLst>
+              <a:ext uri="{FF2B5EF4-FFF2-40B4-BE49-F238E27FC236}">
+                <a16:creationId xmlns:a16="http://schemas.microsoft.com/office/drawing/2014/main" id="{1D76DA6E-A65B-4641-87EE-9449C681B057}"/>
+              </a:ext>
+            </a:extLst>
+          </p:cNvPr>
+          <p:cNvSpPr/>
+          <p:nvPr/>
+        </p:nvSpPr>
+        <p:spPr>
+          <a:xfrm>
+            <a:off x="3309672" y="1543693"/>
+            <a:ext cx="824983" cy="285750"/>
+          </a:xfrm>
+          <a:prstGeom prst="rect">
+            <a:avLst/>
+          </a:prstGeom>
+          <a:solidFill>
+            <a:srgbClr val="7030A0"/>
+          </a:solidFill>
+          <a:ln w="19050">
+            <a:solidFill>
+              <a:schemeClr val="tx1"/>
+            </a:solidFill>
+          </a:ln>
+        </p:spPr>
+        <p:style>
+          <a:lnRef idx="2">
+            <a:schemeClr val="accent1">
+              <a:shade val="50000"/>
+            </a:schemeClr>
+          </a:lnRef>
+          <a:fillRef idx="1">
+            <a:schemeClr val="accent1"/>
+          </a:fillRef>
+          <a:effectRef idx="0">
+            <a:schemeClr val="accent1"/>
+          </a:effectRef>
+          <a:fontRef idx="minor">
+            <a:schemeClr val="lt1"/>
+          </a:fontRef>
+        </p:style>
+        <p:txBody>
+          <a:bodyPr rtlCol="0" anchor="ctr"/>
+          <a:lstStyle/>
+          <a:p>
+            <a:pPr algn="ctr"/>
+            <a:endParaRPr lang="en-US"/>
+          </a:p>
+        </p:txBody>
+      </p:sp>
+      <p:cxnSp>
+        <p:nvCxnSpPr>
+          <p:cNvPr id="5" name="Straight Arrow Connector 4">
+            <a:extLst>
+              <a:ext uri="{FF2B5EF4-FFF2-40B4-BE49-F238E27FC236}">
+                <a16:creationId xmlns:a16="http://schemas.microsoft.com/office/drawing/2014/main" id="{BD80AA67-8F2C-E24A-96C4-2235825921D1}"/>
+              </a:ext>
+            </a:extLst>
+          </p:cNvPr>
+          <p:cNvCxnSpPr/>
+          <p:nvPr/>
+        </p:nvCxnSpPr>
+        <p:spPr>
+          <a:xfrm>
+            <a:off x="1406769" y="1389185"/>
+            <a:ext cx="6541478" cy="0"/>
+          </a:xfrm>
+          <a:prstGeom prst="straightConnector1">
+            <a:avLst/>
+          </a:prstGeom>
+          <a:ln w="19050">
+            <a:solidFill>
+              <a:schemeClr val="tx1"/>
+            </a:solidFill>
+            <a:tailEnd type="triangle"/>
+          </a:ln>
+        </p:spPr>
+        <p:style>
+          <a:lnRef idx="1">
+            <a:schemeClr val="accent1"/>
+          </a:lnRef>
+          <a:fillRef idx="0">
+            <a:schemeClr val="accent1"/>
+          </a:fillRef>
+          <a:effectRef idx="0">
+            <a:schemeClr val="accent1"/>
+          </a:effectRef>
+          <a:fontRef idx="minor">
+            <a:schemeClr val="tx1"/>
+          </a:fontRef>
+        </p:style>
+      </p:cxnSp>
+      <p:sp>
+        <p:nvSpPr>
+          <p:cNvPr id="6" name="Rectangle 5">
+            <a:extLst>
+              <a:ext uri="{FF2B5EF4-FFF2-40B4-BE49-F238E27FC236}">
+                <a16:creationId xmlns:a16="http://schemas.microsoft.com/office/drawing/2014/main" id="{7F93CEB0-F9EC-3B48-BEF9-B92BBFB886CA}"/>
+              </a:ext>
+            </a:extLst>
+          </p:cNvPr>
+          <p:cNvSpPr/>
+          <p:nvPr/>
+        </p:nvSpPr>
+        <p:spPr>
+          <a:xfrm>
+            <a:off x="1852551" y="873587"/>
+            <a:ext cx="1226681" cy="285750"/>
+          </a:xfrm>
+          <a:prstGeom prst="rect">
+            <a:avLst/>
+          </a:prstGeom>
+          <a:solidFill>
+            <a:srgbClr val="7030A0"/>
+          </a:solidFill>
+          <a:ln w="19050">
+            <a:solidFill>
+              <a:schemeClr val="tx1"/>
+            </a:solidFill>
+          </a:ln>
+        </p:spPr>
+        <p:style>
+          <a:lnRef idx="2">
+            <a:schemeClr val="accent1">
+              <a:shade val="50000"/>
+            </a:schemeClr>
+          </a:lnRef>
+          <a:fillRef idx="1">
+            <a:schemeClr val="accent1"/>
+          </a:fillRef>
+          <a:effectRef idx="0">
+            <a:schemeClr val="accent1"/>
+          </a:effectRef>
+          <a:fontRef idx="minor">
+            <a:schemeClr val="lt1"/>
+          </a:fontRef>
+        </p:style>
+        <p:txBody>
+          <a:bodyPr rtlCol="0" anchor="ctr"/>
+          <a:lstStyle/>
+          <a:p>
+            <a:pPr algn="ctr"/>
+            <a:endParaRPr lang="en-US"/>
+          </a:p>
+        </p:txBody>
+      </p:sp>
+      <p:cxnSp>
+        <p:nvCxnSpPr>
+          <p:cNvPr id="7" name="Straight Connector 6">
+            <a:extLst>
+              <a:ext uri="{FF2B5EF4-FFF2-40B4-BE49-F238E27FC236}">
+                <a16:creationId xmlns:a16="http://schemas.microsoft.com/office/drawing/2014/main" id="{59F337DE-30EF-8649-BDB9-BF17657EB78B}"/>
+              </a:ext>
+            </a:extLst>
+          </p:cNvPr>
+          <p:cNvCxnSpPr>
+            <a:cxnSpLocks/>
+          </p:cNvCxnSpPr>
+          <p:nvPr/>
+        </p:nvCxnSpPr>
+        <p:spPr>
+          <a:xfrm>
+            <a:off x="3079232" y="531486"/>
+            <a:ext cx="0" cy="2310164"/>
+          </a:xfrm>
+          <a:prstGeom prst="line">
+            <a:avLst/>
+          </a:prstGeom>
+          <a:ln>
+            <a:solidFill>
+              <a:schemeClr val="tx1"/>
+            </a:solidFill>
+            <a:prstDash val="dash"/>
+          </a:ln>
+        </p:spPr>
+        <p:style>
+          <a:lnRef idx="1">
+            <a:schemeClr val="accent1"/>
+          </a:lnRef>
+          <a:fillRef idx="0">
+            <a:schemeClr val="accent1"/>
+          </a:fillRef>
+          <a:effectRef idx="0">
+            <a:schemeClr val="accent1"/>
+          </a:effectRef>
+          <a:fontRef idx="minor">
+            <a:schemeClr val="tx1"/>
+          </a:fontRef>
+        </p:style>
+      </p:cxnSp>
+      <mc:AlternateContent xmlns:mc="http://schemas.openxmlformats.org/markup-compatibility/2006" xmlns:a14="http://schemas.microsoft.com/office/drawing/2010/main">
+        <mc:Choice Requires="a14">
+          <p:sp>
+            <p:nvSpPr>
+              <p:cNvPr id="8" name="TextBox 7">
+                <a:extLst>
+                  <a:ext uri="{FF2B5EF4-FFF2-40B4-BE49-F238E27FC236}">
+                    <a16:creationId xmlns:a16="http://schemas.microsoft.com/office/drawing/2014/main" id="{D4769856-4D94-2841-AAF4-285DC7DE4517}"/>
+                  </a:ext>
+                </a:extLst>
+              </p:cNvPr>
+              <p:cNvSpPr txBox="1"/>
+              <p:nvPr/>
+            </p:nvSpPr>
+            <p:spPr>
+              <a:xfrm>
+                <a:off x="665313" y="831796"/>
+                <a:ext cx="915956" cy="369332"/>
+              </a:xfrm>
+              <a:prstGeom prst="rect">
+                <a:avLst/>
+              </a:prstGeom>
+              <a:noFill/>
+            </p:spPr>
+            <p:txBody>
+              <a:bodyPr wrap="none" rtlCol="0">
+                <a:spAutoFit/>
+              </a:bodyPr>
+              <a:lstStyle/>
+              <a:p>
+                <a:pPr/>
+                <a14:m>
+                  <m:oMathPara xmlns:m="http://schemas.openxmlformats.org/officeDocument/2006/math">
+                    <m:oMathParaPr>
+                      <m:jc m:val="centerGroup"/>
+                    </m:oMathParaPr>
+                    <m:oMath xmlns:m="http://schemas.openxmlformats.org/officeDocument/2006/math">
+                      <m:sSub>
+                        <m:sSubPr>
+                          <m:ctrlPr>
+                            <a:rPr lang="en-US" b="0" i="1" smtClean="0">
+                              <a:latin typeface="Cambria Math" panose="02040503050406030204" pitchFamily="18" charset="0"/>
+                            </a:rPr>
+                          </m:ctrlPr>
+                        </m:sSubPr>
+                        <m:e>
+                          <m:r>
+                            <a:rPr lang="en-US" b="0" i="1" smtClean="0">
+                              <a:latin typeface="Cambria Math" panose="02040503050406030204" pitchFamily="18" charset="0"/>
+                            </a:rPr>
+                            <m:t>𝐷</m:t>
+                          </m:r>
+                        </m:e>
+                        <m:sub>
+                          <m:r>
+                            <a:rPr lang="en-US" b="0" i="1" smtClean="0">
+                              <a:latin typeface="Cambria Math" panose="02040503050406030204" pitchFamily="18" charset="0"/>
+                            </a:rPr>
+                            <m:t>1</m:t>
+                          </m:r>
+                        </m:sub>
+                      </m:sSub>
+                      <m:r>
+                        <a:rPr lang="en-US" b="0" i="1" smtClean="0">
+                          <a:latin typeface="Cambria Math" panose="02040503050406030204" pitchFamily="18" charset="0"/>
+                        </a:rPr>
+                        <m:t>=9</m:t>
+                      </m:r>
+                    </m:oMath>
+                  </m:oMathPara>
+                </a14:m>
+                <a:endParaRPr lang="en-US" dirty="0"/>
+              </a:p>
+            </p:txBody>
+          </p:sp>
+        </mc:Choice>
+        <mc:Fallback xmlns="">
+          <p:sp>
+            <p:nvSpPr>
+              <p:cNvPr id="8" name="TextBox 7">
+                <a:extLst>
+                  <a:ext uri="{FF2B5EF4-FFF2-40B4-BE49-F238E27FC236}">
+                    <a16:creationId xmlns:a16="http://schemas.microsoft.com/office/drawing/2014/main" id="{D4769856-4D94-2841-AAF4-285DC7DE4517}"/>
+                  </a:ext>
+                </a:extLst>
+              </p:cNvPr>
+              <p:cNvSpPr txBox="1">
+                <a:spLocks noRot="1" noChangeAspect="1" noMove="1" noResize="1" noEditPoints="1" noAdjustHandles="1" noChangeArrowheads="1" noChangeShapeType="1" noTextEdit="1"/>
+              </p:cNvSpPr>
+              <p:nvPr/>
+            </p:nvSpPr>
+            <p:spPr>
+              <a:xfrm>
+                <a:off x="665313" y="831796"/>
+                <a:ext cx="915956" cy="369332"/>
+              </a:xfrm>
+              <a:prstGeom prst="rect">
+                <a:avLst/>
+              </a:prstGeom>
+              <a:blipFill>
+                <a:blip r:embed="rId2"/>
+                <a:stretch>
+                  <a:fillRect/>
+                </a:stretch>
+              </a:blipFill>
+            </p:spPr>
+            <p:txBody>
+              <a:bodyPr/>
+              <a:lstStyle/>
+              <a:p>
+                <a:r>
+                  <a:rPr lang="en-US">
+                    <a:noFill/>
+                  </a:rPr>
+                  <a:t> </a:t>
+                </a:r>
+              </a:p>
+            </p:txBody>
+          </p:sp>
+        </mc:Fallback>
+      </mc:AlternateContent>
+      <mc:AlternateContent xmlns:mc="http://schemas.openxmlformats.org/markup-compatibility/2006" xmlns:a14="http://schemas.microsoft.com/office/drawing/2010/main">
+        <mc:Choice Requires="a14">
+          <p:sp>
+            <p:nvSpPr>
+              <p:cNvPr id="9" name="TextBox 8">
+                <a:extLst>
+                  <a:ext uri="{FF2B5EF4-FFF2-40B4-BE49-F238E27FC236}">
+                    <a16:creationId xmlns:a16="http://schemas.microsoft.com/office/drawing/2014/main" id="{1886AB7E-B9B7-AA4D-9748-EF97E52B367E}"/>
+                  </a:ext>
+                </a:extLst>
+              </p:cNvPr>
+              <p:cNvSpPr txBox="1"/>
+              <p:nvPr/>
+            </p:nvSpPr>
+            <p:spPr>
+              <a:xfrm>
+                <a:off x="5265890" y="2101624"/>
+                <a:ext cx="921278" cy="369332"/>
+              </a:xfrm>
+              <a:prstGeom prst="rect">
+                <a:avLst/>
+              </a:prstGeom>
+              <a:noFill/>
+            </p:spPr>
+            <p:txBody>
+              <a:bodyPr wrap="none" rtlCol="0">
+                <a:spAutoFit/>
+              </a:bodyPr>
+              <a:lstStyle/>
+              <a:p>
+                <a:pPr/>
+                <a14:m>
+                  <m:oMathPara xmlns:m="http://schemas.openxmlformats.org/officeDocument/2006/math">
+                    <m:oMathParaPr>
+                      <m:jc m:val="centerGroup"/>
+                    </m:oMathParaPr>
+                    <m:oMath xmlns:m="http://schemas.openxmlformats.org/officeDocument/2006/math">
+                      <m:sSub>
+                        <m:sSubPr>
+                          <m:ctrlPr>
+                            <a:rPr lang="en-US" b="0" i="1" smtClean="0">
+                              <a:latin typeface="Cambria Math" panose="02040503050406030204" pitchFamily="18" charset="0"/>
+                            </a:rPr>
+                          </m:ctrlPr>
+                        </m:sSubPr>
+                        <m:e>
+                          <m:r>
+                            <a:rPr lang="en-US" b="0" i="1" smtClean="0">
+                              <a:latin typeface="Cambria Math" panose="02040503050406030204" pitchFamily="18" charset="0"/>
+                            </a:rPr>
+                            <m:t>𝐷</m:t>
+                          </m:r>
+                        </m:e>
+                        <m:sub>
+                          <m:r>
+                            <a:rPr lang="en-US" b="0" i="1" smtClean="0">
+                              <a:latin typeface="Cambria Math" panose="02040503050406030204" pitchFamily="18" charset="0"/>
+                            </a:rPr>
+                            <m:t>3</m:t>
+                          </m:r>
+                        </m:sub>
+                      </m:sSub>
+                      <m:r>
+                        <a:rPr lang="en-US" b="0" i="1" smtClean="0">
+                          <a:latin typeface="Cambria Math" panose="02040503050406030204" pitchFamily="18" charset="0"/>
+                        </a:rPr>
+                        <m:t>=7</m:t>
+                      </m:r>
+                    </m:oMath>
+                  </m:oMathPara>
+                </a14:m>
+                <a:endParaRPr lang="en-US" dirty="0"/>
+              </a:p>
+            </p:txBody>
+          </p:sp>
+        </mc:Choice>
+        <mc:Fallback xmlns="">
+          <p:sp>
+            <p:nvSpPr>
+              <p:cNvPr id="9" name="TextBox 8">
+                <a:extLst>
+                  <a:ext uri="{FF2B5EF4-FFF2-40B4-BE49-F238E27FC236}">
+                    <a16:creationId xmlns:a16="http://schemas.microsoft.com/office/drawing/2014/main" id="{1886AB7E-B9B7-AA4D-9748-EF97E52B367E}"/>
+                  </a:ext>
+                </a:extLst>
+              </p:cNvPr>
+              <p:cNvSpPr txBox="1">
+                <a:spLocks noRot="1" noChangeAspect="1" noMove="1" noResize="1" noEditPoints="1" noAdjustHandles="1" noChangeArrowheads="1" noChangeShapeType="1" noTextEdit="1"/>
+              </p:cNvSpPr>
+              <p:nvPr/>
+            </p:nvSpPr>
+            <p:spPr>
+              <a:xfrm>
+                <a:off x="5265890" y="2101624"/>
+                <a:ext cx="921278" cy="369332"/>
+              </a:xfrm>
+              <a:prstGeom prst="rect">
+                <a:avLst/>
+              </a:prstGeom>
+              <a:blipFill>
+                <a:blip r:embed="rId3"/>
+                <a:stretch>
+                  <a:fillRect/>
+                </a:stretch>
+              </a:blipFill>
+            </p:spPr>
+            <p:txBody>
+              <a:bodyPr/>
+              <a:lstStyle/>
+              <a:p>
+                <a:r>
+                  <a:rPr lang="en-US">
+                    <a:noFill/>
+                  </a:rPr>
+                  <a:t> </a:t>
+                </a:r>
+              </a:p>
+            </p:txBody>
+          </p:sp>
+        </mc:Fallback>
+      </mc:AlternateContent>
+      <mc:AlternateContent xmlns:mc="http://schemas.openxmlformats.org/markup-compatibility/2006" xmlns:a14="http://schemas.microsoft.com/office/drawing/2010/main">
+        <mc:Choice Requires="a14">
+          <p:sp>
+            <p:nvSpPr>
+              <p:cNvPr id="10" name="TextBox 9">
+                <a:extLst>
+                  <a:ext uri="{FF2B5EF4-FFF2-40B4-BE49-F238E27FC236}">
+                    <a16:creationId xmlns:a16="http://schemas.microsoft.com/office/drawing/2014/main" id="{7A694F10-6221-E249-9BFC-61942D0760F5}"/>
+                  </a:ext>
+                </a:extLst>
+              </p:cNvPr>
+              <p:cNvSpPr txBox="1"/>
+              <p:nvPr/>
+            </p:nvSpPr>
+            <p:spPr>
+              <a:xfrm>
+                <a:off x="5167981" y="1502444"/>
+                <a:ext cx="2054217" cy="369332"/>
+              </a:xfrm>
+              <a:prstGeom prst="rect">
+                <a:avLst/>
+              </a:prstGeom>
+              <a:noFill/>
+            </p:spPr>
+            <p:txBody>
+              <a:bodyPr wrap="none" rtlCol="0">
+                <a:spAutoFit/>
+              </a:bodyPr>
+              <a:lstStyle/>
+              <a:p>
+                <a:pPr/>
+                <a14:m>
+                  <m:oMathPara xmlns:m="http://schemas.openxmlformats.org/officeDocument/2006/math">
+                    <m:oMathParaPr>
+                      <m:jc m:val="centerGroup"/>
+                    </m:oMathParaPr>
+                    <m:oMath xmlns:m="http://schemas.openxmlformats.org/officeDocument/2006/math">
+                      <m:sSub>
+                        <m:sSubPr>
+                          <m:ctrlPr>
+                            <a:rPr lang="en-US" b="0" i="1" smtClean="0">
+                              <a:latin typeface="Cambria Math" panose="02040503050406030204" pitchFamily="18" charset="0"/>
+                            </a:rPr>
+                          </m:ctrlPr>
+                        </m:sSubPr>
+                        <m:e>
+                          <m:r>
+                            <a:rPr lang="en-US" b="0" i="1" smtClean="0">
+                              <a:latin typeface="Cambria Math" panose="02040503050406030204" pitchFamily="18" charset="0"/>
+                            </a:rPr>
+                            <m:t>𝐷</m:t>
+                          </m:r>
+                        </m:e>
+                        <m:sub>
+                          <m:r>
+                            <a:rPr lang="en-US" b="0" i="1" smtClean="0">
+                              <a:latin typeface="Cambria Math" panose="02040503050406030204" pitchFamily="18" charset="0"/>
+                            </a:rPr>
+                            <m:t>2</m:t>
+                          </m:r>
+                        </m:sub>
+                      </m:sSub>
+                      <m:r>
+                        <a:rPr lang="en-US" b="0" i="1" smtClean="0">
+                          <a:latin typeface="Cambria Math" panose="02040503050406030204" pitchFamily="18" charset="0"/>
+                        </a:rPr>
+                        <m:t>=10, </m:t>
+                      </m:r>
+                      <m:sSub>
+                        <m:sSubPr>
+                          <m:ctrlPr>
+                            <a:rPr lang="en-US" b="0" i="1" smtClean="0">
+                              <a:latin typeface="Cambria Math" panose="02040503050406030204" pitchFamily="18" charset="0"/>
+                            </a:rPr>
+                          </m:ctrlPr>
+                        </m:sSubPr>
+                        <m:e>
+                          <m:r>
+                            <a:rPr lang="en-US" b="0" i="1" smtClean="0">
+                              <a:latin typeface="Cambria Math" panose="02040503050406030204" pitchFamily="18" charset="0"/>
+                            </a:rPr>
+                            <m:t>𝑒</m:t>
+                          </m:r>
+                        </m:e>
+                        <m:sub>
+                          <m:r>
+                            <a:rPr lang="en-US" b="0" i="1" smtClean="0">
+                              <a:latin typeface="Cambria Math" panose="02040503050406030204" pitchFamily="18" charset="0"/>
+                            </a:rPr>
+                            <m:t>21</m:t>
+                          </m:r>
+                        </m:sub>
+                      </m:sSub>
+                      <m:r>
+                        <a:rPr lang="en-US" b="0" i="1" smtClean="0">
+                          <a:latin typeface="Cambria Math" panose="02040503050406030204" pitchFamily="18" charset="0"/>
+                        </a:rPr>
+                        <m:t>=0.5</m:t>
+                      </m:r>
+                    </m:oMath>
+                  </m:oMathPara>
+                </a14:m>
+                <a:endParaRPr lang="en-US" dirty="0"/>
+              </a:p>
+            </p:txBody>
+          </p:sp>
+        </mc:Choice>
+        <mc:Fallback xmlns="">
+          <p:sp>
+            <p:nvSpPr>
+              <p:cNvPr id="10" name="TextBox 9">
+                <a:extLst>
+                  <a:ext uri="{FF2B5EF4-FFF2-40B4-BE49-F238E27FC236}">
+                    <a16:creationId xmlns:a16="http://schemas.microsoft.com/office/drawing/2014/main" id="{7A694F10-6221-E249-9BFC-61942D0760F5}"/>
+                  </a:ext>
+                </a:extLst>
+              </p:cNvPr>
+              <p:cNvSpPr txBox="1">
+                <a:spLocks noRot="1" noChangeAspect="1" noMove="1" noResize="1" noEditPoints="1" noAdjustHandles="1" noChangeArrowheads="1" noChangeShapeType="1" noTextEdit="1"/>
+              </p:cNvSpPr>
+              <p:nvPr/>
+            </p:nvSpPr>
+            <p:spPr>
+              <a:xfrm>
+                <a:off x="5167981" y="1502444"/>
+                <a:ext cx="2054217" cy="369332"/>
+              </a:xfrm>
+              <a:prstGeom prst="rect">
+                <a:avLst/>
+              </a:prstGeom>
+              <a:blipFill>
+                <a:blip r:embed="rId4"/>
+                <a:stretch>
+                  <a:fillRect/>
+                </a:stretch>
+              </a:blipFill>
+            </p:spPr>
+            <p:txBody>
+              <a:bodyPr/>
+              <a:lstStyle/>
+              <a:p>
+                <a:r>
+                  <a:rPr lang="en-US">
+                    <a:noFill/>
+                  </a:rPr>
+                  <a:t> </a:t>
+                </a:r>
+              </a:p>
+            </p:txBody>
+          </p:sp>
+        </mc:Fallback>
+      </mc:AlternateContent>
+      <p:sp>
+        <p:nvSpPr>
+          <p:cNvPr id="11" name="Rectangle 10">
+            <a:extLst>
+              <a:ext uri="{FF2B5EF4-FFF2-40B4-BE49-F238E27FC236}">
+                <a16:creationId xmlns:a16="http://schemas.microsoft.com/office/drawing/2014/main" id="{763D4390-DCF0-A44F-863B-681660D6B2F1}"/>
+              </a:ext>
+            </a:extLst>
+          </p:cNvPr>
+          <p:cNvSpPr/>
+          <p:nvPr/>
+        </p:nvSpPr>
+        <p:spPr>
+          <a:xfrm>
+            <a:off x="4138289" y="2147167"/>
+            <a:ext cx="1090248" cy="285750"/>
+          </a:xfrm>
+          <a:prstGeom prst="rect">
+            <a:avLst/>
+          </a:prstGeom>
+          <a:solidFill>
+            <a:srgbClr val="7030A0"/>
+          </a:solidFill>
+          <a:ln w="19050">
+            <a:solidFill>
+              <a:schemeClr val="tx1"/>
+            </a:solidFill>
+          </a:ln>
+        </p:spPr>
+        <p:style>
+          <a:lnRef idx="2">
+            <a:schemeClr val="accent1">
+              <a:shade val="50000"/>
+            </a:schemeClr>
+          </a:lnRef>
+          <a:fillRef idx="1">
+            <a:schemeClr val="accent1"/>
+          </a:fillRef>
+          <a:effectRef idx="0">
+            <a:schemeClr val="accent1"/>
+          </a:effectRef>
+          <a:fontRef idx="minor">
+            <a:schemeClr val="lt1"/>
+          </a:fontRef>
+        </p:style>
+        <p:txBody>
+          <a:bodyPr rtlCol="0" anchor="ctr"/>
+          <a:lstStyle/>
+          <a:p>
+            <a:pPr algn="ctr"/>
+            <a:endParaRPr lang="en-US"/>
+          </a:p>
+        </p:txBody>
+      </p:sp>
+      <p:cxnSp>
+        <p:nvCxnSpPr>
+          <p:cNvPr id="12" name="Straight Connector 11">
+            <a:extLst>
+              <a:ext uri="{FF2B5EF4-FFF2-40B4-BE49-F238E27FC236}">
+                <a16:creationId xmlns:a16="http://schemas.microsoft.com/office/drawing/2014/main" id="{D1FA8B28-9381-6449-9DB8-3AECC9FCB45C}"/>
+              </a:ext>
+            </a:extLst>
+          </p:cNvPr>
+          <p:cNvCxnSpPr>
+            <a:cxnSpLocks/>
+          </p:cNvCxnSpPr>
+          <p:nvPr/>
+        </p:nvCxnSpPr>
+        <p:spPr>
+          <a:xfrm>
+            <a:off x="3903156" y="531486"/>
+            <a:ext cx="0" cy="2310164"/>
+          </a:xfrm>
+          <a:prstGeom prst="line">
+            <a:avLst/>
+          </a:prstGeom>
+          <a:ln>
+            <a:solidFill>
+              <a:schemeClr val="tx1"/>
+            </a:solidFill>
+            <a:prstDash val="dash"/>
+          </a:ln>
+        </p:spPr>
+        <p:style>
+          <a:lnRef idx="1">
+            <a:schemeClr val="accent1"/>
+          </a:lnRef>
+          <a:fillRef idx="0">
+            <a:schemeClr val="accent1"/>
+          </a:fillRef>
+          <a:effectRef idx="0">
+            <a:schemeClr val="accent1"/>
+          </a:effectRef>
+          <a:fontRef idx="minor">
+            <a:schemeClr val="tx1"/>
+          </a:fontRef>
+        </p:style>
+      </p:cxnSp>
+      <p:sp>
+        <p:nvSpPr>
+          <p:cNvPr id="13" name="Rectangle 12">
+            <a:extLst>
+              <a:ext uri="{FF2B5EF4-FFF2-40B4-BE49-F238E27FC236}">
+                <a16:creationId xmlns:a16="http://schemas.microsoft.com/office/drawing/2014/main" id="{E48886E7-EDEA-D34D-A344-9250B5E4D580}"/>
+              </a:ext>
+            </a:extLst>
+          </p:cNvPr>
+          <p:cNvSpPr/>
+          <p:nvPr/>
+        </p:nvSpPr>
+        <p:spPr>
+          <a:xfrm>
+            <a:off x="4133595" y="1543693"/>
+            <a:ext cx="824983" cy="285750"/>
+          </a:xfrm>
+          <a:prstGeom prst="rect">
+            <a:avLst/>
+          </a:prstGeom>
+          <a:pattFill prst="wdDnDiag">
+            <a:fgClr>
+              <a:srgbClr val="7030A0"/>
+            </a:fgClr>
+            <a:bgClr>
+              <a:schemeClr val="bg1"/>
+            </a:bgClr>
+          </a:pattFill>
+          <a:ln w="19050">
+            <a:solidFill>
+              <a:schemeClr val="tx1"/>
+            </a:solidFill>
+          </a:ln>
+        </p:spPr>
+        <p:style>
+          <a:lnRef idx="2">
+            <a:schemeClr val="accent1">
+              <a:shade val="50000"/>
+            </a:schemeClr>
+          </a:lnRef>
+          <a:fillRef idx="1">
+            <a:schemeClr val="accent1"/>
+          </a:fillRef>
+          <a:effectRef idx="0">
+            <a:schemeClr val="accent1"/>
+          </a:effectRef>
+          <a:fontRef idx="minor">
+            <a:schemeClr val="lt1"/>
+          </a:fontRef>
+        </p:style>
+        <p:txBody>
+          <a:bodyPr rtlCol="0" anchor="ctr"/>
+          <a:lstStyle/>
+          <a:p>
+            <a:pPr algn="ctr"/>
+            <a:endParaRPr lang="en-US"/>
+          </a:p>
+        </p:txBody>
+      </p:sp>
+      <p:cxnSp>
+        <p:nvCxnSpPr>
+          <p:cNvPr id="14" name="Straight Connector 13">
+            <a:extLst>
+              <a:ext uri="{FF2B5EF4-FFF2-40B4-BE49-F238E27FC236}">
+                <a16:creationId xmlns:a16="http://schemas.microsoft.com/office/drawing/2014/main" id="{A27554BB-9692-BB44-87A9-5047C1B83330}"/>
+              </a:ext>
+            </a:extLst>
+          </p:cNvPr>
+          <p:cNvCxnSpPr>
+            <a:cxnSpLocks/>
+          </p:cNvCxnSpPr>
+          <p:nvPr/>
+        </p:nvCxnSpPr>
+        <p:spPr>
+          <a:xfrm>
+            <a:off x="4961493" y="531486"/>
+            <a:ext cx="0" cy="2310164"/>
+          </a:xfrm>
+          <a:prstGeom prst="line">
+            <a:avLst/>
+          </a:prstGeom>
+          <a:ln>
+            <a:solidFill>
+              <a:schemeClr val="tx1"/>
+            </a:solidFill>
+            <a:prstDash val="dash"/>
+          </a:ln>
+        </p:spPr>
+        <p:style>
+          <a:lnRef idx="1">
+            <a:schemeClr val="accent1"/>
+          </a:lnRef>
+          <a:fillRef idx="0">
+            <a:schemeClr val="accent1"/>
+          </a:fillRef>
+          <a:effectRef idx="0">
+            <a:schemeClr val="accent1"/>
+          </a:effectRef>
+          <a:fontRef idx="minor">
+            <a:schemeClr val="tx1"/>
+          </a:fontRef>
+        </p:style>
+      </p:cxnSp>
+      <mc:AlternateContent xmlns:mc="http://schemas.openxmlformats.org/markup-compatibility/2006" xmlns:a14="http://schemas.microsoft.com/office/drawing/2010/main">
+        <mc:Choice Requires="a14">
+          <p:sp>
+            <p:nvSpPr>
+              <p:cNvPr id="15" name="TextBox 14">
+                <a:extLst>
+                  <a:ext uri="{FF2B5EF4-FFF2-40B4-BE49-F238E27FC236}">
+                    <a16:creationId xmlns:a16="http://schemas.microsoft.com/office/drawing/2014/main" id="{3EADF601-1293-0440-A221-903F9F3EF750}"/>
+                  </a:ext>
+                </a:extLst>
+              </p:cNvPr>
+              <p:cNvSpPr txBox="1"/>
+              <p:nvPr/>
+            </p:nvSpPr>
+            <p:spPr>
+              <a:xfrm>
+                <a:off x="4446976" y="162154"/>
+                <a:ext cx="1221129" cy="374911"/>
+              </a:xfrm>
+              <a:prstGeom prst="rect">
+                <a:avLst/>
+              </a:prstGeom>
+              <a:noFill/>
+            </p:spPr>
+            <p:txBody>
+              <a:bodyPr wrap="square" rtlCol="0">
+                <a:spAutoFit/>
+              </a:bodyPr>
+              <a:lstStyle/>
+              <a:p>
+                <a:pPr/>
+                <a14:m>
+                  <m:oMathPara xmlns:m="http://schemas.openxmlformats.org/officeDocument/2006/math">
+                    <m:oMathParaPr>
+                      <m:jc m:val="centerGroup"/>
+                    </m:oMathParaPr>
+                    <m:oMath xmlns:m="http://schemas.openxmlformats.org/officeDocument/2006/math">
+                      <m:sSubSup>
+                        <m:sSubSupPr>
+                          <m:ctrlPr>
+                            <a:rPr lang="en-US" b="0" i="1" smtClean="0">
+                              <a:latin typeface="Cambria Math" panose="02040503050406030204" pitchFamily="18" charset="0"/>
+                              <a:cs typeface="Times New Roman" panose="02020603050405020304" pitchFamily="18" charset="0"/>
+                            </a:rPr>
+                          </m:ctrlPr>
+                        </m:sSubSupPr>
+                        <m:e>
+                          <m:r>
+                            <a:rPr lang="en-US" b="0" i="1" smtClean="0">
+                              <a:latin typeface="Cambria Math" panose="02040503050406030204" pitchFamily="18" charset="0"/>
+                              <a:cs typeface="Times New Roman" panose="02020603050405020304" pitchFamily="18" charset="0"/>
+                            </a:rPr>
+                            <m:t>𝑡</m:t>
+                          </m:r>
+                        </m:e>
+                        <m:sub>
+                          <m:r>
+                            <a:rPr lang="en-US" b="0" i="1" smtClean="0">
+                              <a:latin typeface="Cambria Math" panose="02040503050406030204" pitchFamily="18" charset="0"/>
+                              <a:cs typeface="Times New Roman" panose="02020603050405020304" pitchFamily="18" charset="0"/>
+                            </a:rPr>
+                            <m:t>𝑁</m:t>
+                          </m:r>
+                        </m:sub>
+                        <m:sup>
+                          <m:r>
+                            <a:rPr lang="en-US" b="0" i="1" smtClean="0">
+                              <a:latin typeface="Cambria Math" panose="02040503050406030204" pitchFamily="18" charset="0"/>
+                              <a:cs typeface="Times New Roman" panose="02020603050405020304" pitchFamily="18" charset="0"/>
+                            </a:rPr>
+                            <m:t>0</m:t>
+                          </m:r>
+                        </m:sup>
+                      </m:sSubSup>
+                      <m:r>
+                        <a:rPr lang="en-US" b="0" i="1" smtClean="0">
+                          <a:latin typeface="Cambria Math" panose="02040503050406030204" pitchFamily="18" charset="0"/>
+                          <a:cs typeface="Times New Roman" panose="02020603050405020304" pitchFamily="18" charset="0"/>
+                        </a:rPr>
+                        <m:t>=21.1</m:t>
+                      </m:r>
+                    </m:oMath>
+                  </m:oMathPara>
+                </a14:m>
+                <a:endParaRPr lang="en-US" i="1" dirty="0">
+                  <a:latin typeface="Times New Roman" panose="02020603050405020304" pitchFamily="18" charset="0"/>
+                  <a:cs typeface="Times New Roman" panose="02020603050405020304" pitchFamily="18" charset="0"/>
+                </a:endParaRPr>
+              </a:p>
+            </p:txBody>
+          </p:sp>
+        </mc:Choice>
+        <mc:Fallback xmlns="">
+          <p:sp>
+            <p:nvSpPr>
+              <p:cNvPr id="15" name="TextBox 14">
+                <a:extLst>
+                  <a:ext uri="{FF2B5EF4-FFF2-40B4-BE49-F238E27FC236}">
+                    <a16:creationId xmlns:a16="http://schemas.microsoft.com/office/drawing/2014/main" id="{3EADF601-1293-0440-A221-903F9F3EF750}"/>
+                  </a:ext>
+                </a:extLst>
+              </p:cNvPr>
+              <p:cNvSpPr txBox="1">
+                <a:spLocks noRot="1" noChangeAspect="1" noMove="1" noResize="1" noEditPoints="1" noAdjustHandles="1" noChangeArrowheads="1" noChangeShapeType="1" noTextEdit="1"/>
+              </p:cNvSpPr>
+              <p:nvPr/>
+            </p:nvSpPr>
+            <p:spPr>
+              <a:xfrm>
+                <a:off x="4446976" y="162154"/>
+                <a:ext cx="1221129" cy="374911"/>
+              </a:xfrm>
+              <a:prstGeom prst="rect">
+                <a:avLst/>
+              </a:prstGeom>
+              <a:blipFill>
+                <a:blip r:embed="rId5"/>
+                <a:stretch>
+                  <a:fillRect/>
+                </a:stretch>
+              </a:blipFill>
+            </p:spPr>
+            <p:txBody>
+              <a:bodyPr/>
+              <a:lstStyle/>
+              <a:p>
+                <a:r>
+                  <a:rPr lang="en-US">
+                    <a:noFill/>
+                  </a:rPr>
+                  <a:t> </a:t>
+                </a:r>
+              </a:p>
+            </p:txBody>
+          </p:sp>
+        </mc:Fallback>
+      </mc:AlternateContent>
+      <p:sp>
+        <p:nvSpPr>
+          <p:cNvPr id="16" name="TextBox 15">
+            <a:extLst>
+              <a:ext uri="{FF2B5EF4-FFF2-40B4-BE49-F238E27FC236}">
+                <a16:creationId xmlns:a16="http://schemas.microsoft.com/office/drawing/2014/main" id="{1D2D50A5-32FB-D048-86A2-918A353E82F0}"/>
+              </a:ext>
+            </a:extLst>
+          </p:cNvPr>
+          <p:cNvSpPr txBox="1"/>
+          <p:nvPr/>
+        </p:nvSpPr>
+        <p:spPr>
+          <a:xfrm>
+            <a:off x="2992626" y="5898422"/>
+            <a:ext cx="909470" cy="369332"/>
+          </a:xfrm>
+          <a:prstGeom prst="rect">
+            <a:avLst/>
+          </a:prstGeom>
+          <a:noFill/>
+        </p:spPr>
+        <p:txBody>
+          <a:bodyPr wrap="square" rtlCol="0">
+            <a:spAutoFit/>
+          </a:bodyPr>
+          <a:lstStyle/>
+          <a:p>
+            <a:r>
+              <a:rPr lang="en-US" i="1" dirty="0">
+                <a:latin typeface="Times New Roman" panose="02020603050405020304" pitchFamily="18" charset="0"/>
+                <a:cs typeface="Times New Roman" panose="02020603050405020304" pitchFamily="18" charset="0"/>
+              </a:rPr>
+              <a:t>H = 9.1 </a:t>
+            </a:r>
+          </a:p>
+        </p:txBody>
+      </p:sp>
+      <p:sp>
+        <p:nvSpPr>
+          <p:cNvPr id="17" name="Rectangle 16">
+            <a:extLst>
+              <a:ext uri="{FF2B5EF4-FFF2-40B4-BE49-F238E27FC236}">
+                <a16:creationId xmlns:a16="http://schemas.microsoft.com/office/drawing/2014/main" id="{ADFCEA51-57DA-3844-97DE-3774F7C17977}"/>
+              </a:ext>
+            </a:extLst>
+          </p:cNvPr>
+          <p:cNvSpPr/>
+          <p:nvPr/>
+        </p:nvSpPr>
+        <p:spPr>
+          <a:xfrm>
+            <a:off x="3309667" y="4203106"/>
+            <a:ext cx="1648911" cy="285750"/>
+          </a:xfrm>
+          <a:prstGeom prst="rect">
+            <a:avLst/>
+          </a:prstGeom>
+          <a:solidFill>
+            <a:srgbClr val="7030A0"/>
+          </a:solidFill>
+          <a:ln w="19050">
+            <a:solidFill>
+              <a:schemeClr val="tx1"/>
+            </a:solidFill>
+          </a:ln>
+        </p:spPr>
+        <p:style>
+          <a:lnRef idx="2">
+            <a:schemeClr val="accent1">
+              <a:shade val="50000"/>
+            </a:schemeClr>
+          </a:lnRef>
+          <a:fillRef idx="1">
+            <a:schemeClr val="accent1"/>
+          </a:fillRef>
+          <a:effectRef idx="0">
+            <a:schemeClr val="accent1"/>
+          </a:effectRef>
+          <a:fontRef idx="minor">
+            <a:schemeClr val="lt1"/>
+          </a:fontRef>
+        </p:style>
+        <p:txBody>
+          <a:bodyPr rtlCol="0" anchor="ctr"/>
+          <a:lstStyle/>
+          <a:p>
+            <a:pPr algn="ctr"/>
+            <a:endParaRPr lang="en-US"/>
+          </a:p>
+        </p:txBody>
+      </p:sp>
+      <p:cxnSp>
+        <p:nvCxnSpPr>
+          <p:cNvPr id="18" name="Straight Arrow Connector 17">
+            <a:extLst>
+              <a:ext uri="{FF2B5EF4-FFF2-40B4-BE49-F238E27FC236}">
+                <a16:creationId xmlns:a16="http://schemas.microsoft.com/office/drawing/2014/main" id="{CA10F8CF-BD4C-5949-8C35-4393EE57E21D}"/>
+              </a:ext>
+            </a:extLst>
+          </p:cNvPr>
+          <p:cNvCxnSpPr/>
+          <p:nvPr/>
+        </p:nvCxnSpPr>
+        <p:spPr>
+          <a:xfrm>
+            <a:off x="1406769" y="4048598"/>
+            <a:ext cx="6541478" cy="0"/>
+          </a:xfrm>
+          <a:prstGeom prst="straightConnector1">
+            <a:avLst/>
+          </a:prstGeom>
+          <a:ln w="19050">
+            <a:solidFill>
+              <a:schemeClr val="tx1"/>
+            </a:solidFill>
+            <a:tailEnd type="triangle"/>
+          </a:ln>
+        </p:spPr>
+        <p:style>
+          <a:lnRef idx="1">
+            <a:schemeClr val="accent1"/>
+          </a:lnRef>
+          <a:fillRef idx="0">
+            <a:schemeClr val="accent1"/>
+          </a:fillRef>
+          <a:effectRef idx="0">
+            <a:schemeClr val="accent1"/>
+          </a:effectRef>
+          <a:fontRef idx="minor">
+            <a:schemeClr val="tx1"/>
+          </a:fontRef>
+        </p:style>
+      </p:cxnSp>
+      <p:sp>
+        <p:nvSpPr>
+          <p:cNvPr id="19" name="Rectangle 18">
+            <a:extLst>
+              <a:ext uri="{FF2B5EF4-FFF2-40B4-BE49-F238E27FC236}">
+                <a16:creationId xmlns:a16="http://schemas.microsoft.com/office/drawing/2014/main" id="{1E592EE2-A0D8-8044-8D31-81208C4222BF}"/>
+              </a:ext>
+            </a:extLst>
+          </p:cNvPr>
+          <p:cNvSpPr/>
+          <p:nvPr/>
+        </p:nvSpPr>
+        <p:spPr>
+          <a:xfrm>
+            <a:off x="1852551" y="3533000"/>
+            <a:ext cx="1226681" cy="285750"/>
+          </a:xfrm>
+          <a:prstGeom prst="rect">
+            <a:avLst/>
+          </a:prstGeom>
+          <a:solidFill>
+            <a:srgbClr val="7030A0"/>
+          </a:solidFill>
+          <a:ln w="19050">
+            <a:solidFill>
+              <a:schemeClr val="tx1"/>
+            </a:solidFill>
+          </a:ln>
+        </p:spPr>
+        <p:style>
+          <a:lnRef idx="2">
+            <a:schemeClr val="accent1">
+              <a:shade val="50000"/>
+            </a:schemeClr>
+          </a:lnRef>
+          <a:fillRef idx="1">
+            <a:schemeClr val="accent1"/>
+          </a:fillRef>
+          <a:effectRef idx="0">
+            <a:schemeClr val="accent1"/>
+          </a:effectRef>
+          <a:fontRef idx="minor">
+            <a:schemeClr val="lt1"/>
+          </a:fontRef>
+        </p:style>
+        <p:txBody>
+          <a:bodyPr rtlCol="0" anchor="ctr"/>
+          <a:lstStyle/>
+          <a:p>
+            <a:pPr algn="ctr"/>
+            <a:endParaRPr lang="en-US"/>
+          </a:p>
+        </p:txBody>
+      </p:sp>
+      <p:cxnSp>
+        <p:nvCxnSpPr>
+          <p:cNvPr id="20" name="Straight Connector 19">
+            <a:extLst>
+              <a:ext uri="{FF2B5EF4-FFF2-40B4-BE49-F238E27FC236}">
+                <a16:creationId xmlns:a16="http://schemas.microsoft.com/office/drawing/2014/main" id="{BF279783-6B47-8546-8E30-0A44202A9897}"/>
+              </a:ext>
+            </a:extLst>
+          </p:cNvPr>
+          <p:cNvCxnSpPr>
+            <a:cxnSpLocks/>
+          </p:cNvCxnSpPr>
+          <p:nvPr/>
+        </p:nvCxnSpPr>
+        <p:spPr>
+          <a:xfrm>
+            <a:off x="3079232" y="3190899"/>
+            <a:ext cx="0" cy="2310164"/>
+          </a:xfrm>
+          <a:prstGeom prst="line">
+            <a:avLst/>
+          </a:prstGeom>
+          <a:ln>
+            <a:solidFill>
+              <a:schemeClr val="tx1"/>
+            </a:solidFill>
+            <a:prstDash val="dash"/>
+          </a:ln>
+        </p:spPr>
+        <p:style>
+          <a:lnRef idx="1">
+            <a:schemeClr val="accent1"/>
+          </a:lnRef>
+          <a:fillRef idx="0">
+            <a:schemeClr val="accent1"/>
+          </a:fillRef>
+          <a:effectRef idx="0">
+            <a:schemeClr val="accent1"/>
+          </a:effectRef>
+          <a:fontRef idx="minor">
+            <a:schemeClr val="tx1"/>
+          </a:fontRef>
+        </p:style>
+      </p:cxnSp>
+      <mc:AlternateContent xmlns:mc="http://schemas.openxmlformats.org/markup-compatibility/2006" xmlns:a14="http://schemas.microsoft.com/office/drawing/2010/main">
+        <mc:Choice Requires="a14">
+          <p:sp>
+            <p:nvSpPr>
+              <p:cNvPr id="21" name="TextBox 20">
+                <a:extLst>
+                  <a:ext uri="{FF2B5EF4-FFF2-40B4-BE49-F238E27FC236}">
+                    <a16:creationId xmlns:a16="http://schemas.microsoft.com/office/drawing/2014/main" id="{24E6045B-4FC3-7948-80C7-277EC4B393A9}"/>
+                  </a:ext>
+                </a:extLst>
+              </p:cNvPr>
+              <p:cNvSpPr txBox="1"/>
+              <p:nvPr/>
+            </p:nvSpPr>
+            <p:spPr>
+              <a:xfrm>
+                <a:off x="665313" y="3491209"/>
+                <a:ext cx="915956" cy="369332"/>
+              </a:xfrm>
+              <a:prstGeom prst="rect">
+                <a:avLst/>
+              </a:prstGeom>
+              <a:noFill/>
+            </p:spPr>
+            <p:txBody>
+              <a:bodyPr wrap="none" rtlCol="0">
+                <a:spAutoFit/>
+              </a:bodyPr>
+              <a:lstStyle/>
+              <a:p>
+                <a:pPr/>
+                <a14:m>
+                  <m:oMathPara xmlns:m="http://schemas.openxmlformats.org/officeDocument/2006/math">
+                    <m:oMathParaPr>
+                      <m:jc m:val="centerGroup"/>
+                    </m:oMathParaPr>
+                    <m:oMath xmlns:m="http://schemas.openxmlformats.org/officeDocument/2006/math">
+                      <m:sSub>
+                        <m:sSubPr>
+                          <m:ctrlPr>
+                            <a:rPr lang="en-US" b="0" i="1" smtClean="0">
+                              <a:latin typeface="Cambria Math" panose="02040503050406030204" pitchFamily="18" charset="0"/>
+                            </a:rPr>
+                          </m:ctrlPr>
+                        </m:sSubPr>
+                        <m:e>
+                          <m:r>
+                            <a:rPr lang="en-US" b="0" i="1" smtClean="0">
+                              <a:latin typeface="Cambria Math" panose="02040503050406030204" pitchFamily="18" charset="0"/>
+                            </a:rPr>
+                            <m:t>𝐷</m:t>
+                          </m:r>
+                        </m:e>
+                        <m:sub>
+                          <m:r>
+                            <a:rPr lang="en-US" b="0" i="1" smtClean="0">
+                              <a:latin typeface="Cambria Math" panose="02040503050406030204" pitchFamily="18" charset="0"/>
+                            </a:rPr>
+                            <m:t>1</m:t>
+                          </m:r>
+                        </m:sub>
+                      </m:sSub>
+                      <m:r>
+                        <a:rPr lang="en-US" b="0" i="1" smtClean="0">
+                          <a:latin typeface="Cambria Math" panose="02040503050406030204" pitchFamily="18" charset="0"/>
+                        </a:rPr>
+                        <m:t>=9</m:t>
+                      </m:r>
+                    </m:oMath>
+                  </m:oMathPara>
+                </a14:m>
+                <a:endParaRPr lang="en-US" dirty="0"/>
+              </a:p>
+            </p:txBody>
+          </p:sp>
+        </mc:Choice>
+        <mc:Fallback xmlns="">
+          <p:sp>
+            <p:nvSpPr>
+              <p:cNvPr id="21" name="TextBox 20">
+                <a:extLst>
+                  <a:ext uri="{FF2B5EF4-FFF2-40B4-BE49-F238E27FC236}">
+                    <a16:creationId xmlns:a16="http://schemas.microsoft.com/office/drawing/2014/main" id="{24E6045B-4FC3-7948-80C7-277EC4B393A9}"/>
+                  </a:ext>
+                </a:extLst>
+              </p:cNvPr>
+              <p:cNvSpPr txBox="1">
+                <a:spLocks noRot="1" noChangeAspect="1" noMove="1" noResize="1" noEditPoints="1" noAdjustHandles="1" noChangeArrowheads="1" noChangeShapeType="1" noTextEdit="1"/>
+              </p:cNvSpPr>
+              <p:nvPr/>
+            </p:nvSpPr>
+            <p:spPr>
+              <a:xfrm>
+                <a:off x="665313" y="3491209"/>
+                <a:ext cx="915956" cy="369332"/>
+              </a:xfrm>
+              <a:prstGeom prst="rect">
+                <a:avLst/>
+              </a:prstGeom>
+              <a:blipFill>
+                <a:blip r:embed="rId6"/>
+                <a:stretch>
+                  <a:fillRect/>
+                </a:stretch>
+              </a:blipFill>
+            </p:spPr>
+            <p:txBody>
+              <a:bodyPr/>
+              <a:lstStyle/>
+              <a:p>
+                <a:r>
+                  <a:rPr lang="en-US">
+                    <a:noFill/>
+                  </a:rPr>
+                  <a:t> </a:t>
+                </a:r>
+              </a:p>
+            </p:txBody>
+          </p:sp>
+        </mc:Fallback>
+      </mc:AlternateContent>
+      <mc:AlternateContent xmlns:mc="http://schemas.openxmlformats.org/markup-compatibility/2006" xmlns:a14="http://schemas.microsoft.com/office/drawing/2010/main">
+        <mc:Choice Requires="a14">
+          <p:sp>
+            <p:nvSpPr>
+              <p:cNvPr id="22" name="TextBox 21">
+                <a:extLst>
+                  <a:ext uri="{FF2B5EF4-FFF2-40B4-BE49-F238E27FC236}">
+                    <a16:creationId xmlns:a16="http://schemas.microsoft.com/office/drawing/2014/main" id="{61A1111D-EFA3-2742-8121-066B0449F7EE}"/>
+                  </a:ext>
+                </a:extLst>
+              </p:cNvPr>
+              <p:cNvSpPr txBox="1"/>
+              <p:nvPr/>
+            </p:nvSpPr>
+            <p:spPr>
+              <a:xfrm>
+                <a:off x="7357726" y="4750472"/>
+                <a:ext cx="1728294" cy="373885"/>
+              </a:xfrm>
+              <a:prstGeom prst="rect">
+                <a:avLst/>
+              </a:prstGeom>
+              <a:noFill/>
+            </p:spPr>
+            <p:txBody>
+              <a:bodyPr wrap="none" rtlCol="0">
+                <a:spAutoFit/>
+              </a:bodyPr>
+              <a:lstStyle/>
+              <a:p>
+                <a:pPr/>
+                <a14:m>
+                  <m:oMathPara xmlns:m="http://schemas.openxmlformats.org/officeDocument/2006/math">
+                    <m:oMathParaPr>
+                      <m:jc m:val="centerGroup"/>
+                    </m:oMathParaPr>
+                    <m:oMath xmlns:m="http://schemas.openxmlformats.org/officeDocument/2006/math">
+                      <m:sSub>
+                        <m:sSubPr>
+                          <m:ctrlPr>
+                            <a:rPr lang="en-US" b="0" i="1" smtClean="0">
+                              <a:latin typeface="Cambria Math" panose="02040503050406030204" pitchFamily="18" charset="0"/>
+                            </a:rPr>
+                          </m:ctrlPr>
+                        </m:sSubPr>
+                        <m:e>
+                          <m:r>
+                            <a:rPr lang="en-US" b="0" i="1" smtClean="0">
+                              <a:latin typeface="Cambria Math" panose="02040503050406030204" pitchFamily="18" charset="0"/>
+                            </a:rPr>
+                            <m:t>𝐷</m:t>
+                          </m:r>
+                        </m:e>
+                        <m:sub>
+                          <m:r>
+                            <a:rPr lang="en-US" b="0" i="1" smtClean="0">
+                              <a:latin typeface="Cambria Math" panose="02040503050406030204" pitchFamily="18" charset="0"/>
+                            </a:rPr>
+                            <m:t>3</m:t>
+                          </m:r>
+                        </m:sub>
+                      </m:sSub>
+                      <m:r>
+                        <a:rPr lang="en-US" b="0" i="1" smtClean="0">
+                          <a:latin typeface="Cambria Math" panose="02040503050406030204" pitchFamily="18" charset="0"/>
+                        </a:rPr>
+                        <m:t>=7,</m:t>
+                      </m:r>
+                      <m:sSubSup>
+                        <m:sSubSupPr>
+                          <m:ctrlPr>
+                            <a:rPr lang="en-US" b="0" i="1" smtClean="0">
+                              <a:latin typeface="Cambria Math" panose="02040503050406030204" pitchFamily="18" charset="0"/>
+                            </a:rPr>
+                          </m:ctrlPr>
+                        </m:sSubSupPr>
+                        <m:e>
+                          <m:r>
+                            <a:rPr lang="en-US" b="0" i="1" smtClean="0">
+                              <a:latin typeface="Cambria Math" panose="02040503050406030204" pitchFamily="18" charset="0"/>
+                            </a:rPr>
+                            <m:t>𝑑</m:t>
+                          </m:r>
+                        </m:e>
+                        <m:sub>
+                          <m:r>
+                            <a:rPr lang="en-US" b="0" i="1" smtClean="0">
+                              <a:latin typeface="Cambria Math" panose="02040503050406030204" pitchFamily="18" charset="0"/>
+                            </a:rPr>
+                            <m:t>3</m:t>
+                          </m:r>
+                        </m:sub>
+                        <m:sup>
+                          <m:r>
+                            <a:rPr lang="en-US" b="0" i="1" smtClean="0">
+                              <a:latin typeface="Cambria Math" panose="02040503050406030204" pitchFamily="18" charset="0"/>
+                            </a:rPr>
+                            <m:t>1</m:t>
+                          </m:r>
+                        </m:sup>
+                      </m:sSubSup>
+                      <m:r>
+                        <a:rPr lang="en-US" b="0" i="1" smtClean="0">
+                          <a:latin typeface="Cambria Math" panose="02040503050406030204" pitchFamily="18" charset="0"/>
+                        </a:rPr>
+                        <m:t>=6</m:t>
+                      </m:r>
+                    </m:oMath>
+                  </m:oMathPara>
+                </a14:m>
+                <a:endParaRPr lang="en-US" dirty="0"/>
+              </a:p>
+            </p:txBody>
+          </p:sp>
+        </mc:Choice>
+        <mc:Fallback xmlns="">
+          <p:sp>
+            <p:nvSpPr>
+              <p:cNvPr id="22" name="TextBox 21">
+                <a:extLst>
+                  <a:ext uri="{FF2B5EF4-FFF2-40B4-BE49-F238E27FC236}">
+                    <a16:creationId xmlns:a16="http://schemas.microsoft.com/office/drawing/2014/main" id="{61A1111D-EFA3-2742-8121-066B0449F7EE}"/>
+                  </a:ext>
+                </a:extLst>
+              </p:cNvPr>
+              <p:cNvSpPr txBox="1">
+                <a:spLocks noRot="1" noChangeAspect="1" noMove="1" noResize="1" noEditPoints="1" noAdjustHandles="1" noChangeArrowheads="1" noChangeShapeType="1" noTextEdit="1"/>
+              </p:cNvSpPr>
+              <p:nvPr/>
+            </p:nvSpPr>
+            <p:spPr>
+              <a:xfrm>
+                <a:off x="7357726" y="4750472"/>
+                <a:ext cx="1728294" cy="373885"/>
+              </a:xfrm>
+              <a:prstGeom prst="rect">
+                <a:avLst/>
+              </a:prstGeom>
+              <a:blipFill>
+                <a:blip r:embed="rId7"/>
+                <a:stretch>
+                  <a:fillRect/>
+                </a:stretch>
+              </a:blipFill>
+            </p:spPr>
+            <p:txBody>
+              <a:bodyPr/>
+              <a:lstStyle/>
+              <a:p>
+                <a:r>
+                  <a:rPr lang="en-US">
+                    <a:noFill/>
+                  </a:rPr>
+                  <a:t> </a:t>
+                </a:r>
+              </a:p>
+            </p:txBody>
+          </p:sp>
+        </mc:Fallback>
+      </mc:AlternateContent>
+      <mc:AlternateContent xmlns:mc="http://schemas.openxmlformats.org/markup-compatibility/2006" xmlns:a14="http://schemas.microsoft.com/office/drawing/2010/main">
+        <mc:Choice Requires="a14">
+          <p:sp>
+            <p:nvSpPr>
+              <p:cNvPr id="23" name="TextBox 22">
+                <a:extLst>
+                  <a:ext uri="{FF2B5EF4-FFF2-40B4-BE49-F238E27FC236}">
+                    <a16:creationId xmlns:a16="http://schemas.microsoft.com/office/drawing/2014/main" id="{3CDFEE90-59D6-244B-9FA6-73D523B4CAD9}"/>
+                  </a:ext>
+                </a:extLst>
+              </p:cNvPr>
+              <p:cNvSpPr txBox="1"/>
+              <p:nvPr/>
+            </p:nvSpPr>
+            <p:spPr>
+              <a:xfrm>
+                <a:off x="5506300" y="4156820"/>
+                <a:ext cx="1984774" cy="372474"/>
+              </a:xfrm>
+              <a:prstGeom prst="rect">
+                <a:avLst/>
+              </a:prstGeom>
+              <a:noFill/>
+            </p:spPr>
+            <p:txBody>
+              <a:bodyPr wrap="none" rtlCol="0">
+                <a:spAutoFit/>
+              </a:bodyPr>
+              <a:lstStyle/>
+              <a:p>
+                <a:pPr/>
+                <a14:m>
+                  <m:oMathPara xmlns:m="http://schemas.openxmlformats.org/officeDocument/2006/math">
+                    <m:oMathParaPr>
+                      <m:jc m:val="centerGroup"/>
+                    </m:oMathParaPr>
+                    <m:oMath xmlns:m="http://schemas.openxmlformats.org/officeDocument/2006/math">
+                      <m:sSub>
+                        <m:sSubPr>
+                          <m:ctrlPr>
+                            <a:rPr lang="en-US" b="0" i="1" smtClean="0">
+                              <a:latin typeface="Cambria Math" panose="02040503050406030204" pitchFamily="18" charset="0"/>
+                            </a:rPr>
+                          </m:ctrlPr>
+                        </m:sSubPr>
+                        <m:e>
+                          <m:r>
+                            <a:rPr lang="en-US" b="0" i="1" smtClean="0">
+                              <a:latin typeface="Cambria Math" panose="02040503050406030204" pitchFamily="18" charset="0"/>
+                            </a:rPr>
+                            <m:t>𝐷</m:t>
+                          </m:r>
+                        </m:e>
+                        <m:sub>
+                          <m:r>
+                            <a:rPr lang="en-US" b="0" i="1" smtClean="0">
+                              <a:latin typeface="Cambria Math" panose="02040503050406030204" pitchFamily="18" charset="0"/>
+                            </a:rPr>
+                            <m:t>2</m:t>
+                          </m:r>
+                        </m:sub>
+                      </m:sSub>
+                      <m:r>
+                        <a:rPr lang="en-US" b="0" i="1" smtClean="0">
+                          <a:latin typeface="Cambria Math" panose="02040503050406030204" pitchFamily="18" charset="0"/>
+                        </a:rPr>
+                        <m:t>=10,</m:t>
+                      </m:r>
+                      <m:sSubSup>
+                        <m:sSubSupPr>
+                          <m:ctrlPr>
+                            <a:rPr lang="en-US" b="0" i="1" smtClean="0">
+                              <a:latin typeface="Cambria Math" panose="02040503050406030204" pitchFamily="18" charset="0"/>
+                            </a:rPr>
+                          </m:ctrlPr>
+                        </m:sSubSupPr>
+                        <m:e>
+                          <m:r>
+                            <a:rPr lang="en-US" b="0" i="1" smtClean="0">
+                              <a:latin typeface="Cambria Math" panose="02040503050406030204" pitchFamily="18" charset="0"/>
+                            </a:rPr>
+                            <m:t>𝑑</m:t>
+                          </m:r>
+                        </m:e>
+                        <m:sub>
+                          <m:r>
+                            <a:rPr lang="en-US" b="0" i="1" smtClean="0">
+                              <a:latin typeface="Cambria Math" panose="02040503050406030204" pitchFamily="18" charset="0"/>
+                            </a:rPr>
+                            <m:t>2</m:t>
+                          </m:r>
+                        </m:sub>
+                        <m:sup>
+                          <m:r>
+                            <a:rPr lang="en-US" b="0" i="1" smtClean="0">
+                              <a:latin typeface="Cambria Math" panose="02040503050406030204" pitchFamily="18" charset="0"/>
+                            </a:rPr>
+                            <m:t>1</m:t>
+                          </m:r>
+                        </m:sup>
+                      </m:sSubSup>
+                      <m:r>
+                        <a:rPr lang="en-US" b="0" i="1" smtClean="0">
+                          <a:latin typeface="Cambria Math" panose="02040503050406030204" pitchFamily="18" charset="0"/>
+                        </a:rPr>
+                        <m:t>=0.1</m:t>
+                      </m:r>
+                    </m:oMath>
+                  </m:oMathPara>
+                </a14:m>
+                <a:endParaRPr lang="en-US" dirty="0"/>
+              </a:p>
+            </p:txBody>
+          </p:sp>
+        </mc:Choice>
+        <mc:Fallback xmlns="">
+          <p:sp>
+            <p:nvSpPr>
+              <p:cNvPr id="23" name="TextBox 22">
+                <a:extLst>
+                  <a:ext uri="{FF2B5EF4-FFF2-40B4-BE49-F238E27FC236}">
+                    <a16:creationId xmlns:a16="http://schemas.microsoft.com/office/drawing/2014/main" id="{3CDFEE90-59D6-244B-9FA6-73D523B4CAD9}"/>
+                  </a:ext>
+                </a:extLst>
+              </p:cNvPr>
+              <p:cNvSpPr txBox="1">
+                <a:spLocks noRot="1" noChangeAspect="1" noMove="1" noResize="1" noEditPoints="1" noAdjustHandles="1" noChangeArrowheads="1" noChangeShapeType="1" noTextEdit="1"/>
+              </p:cNvSpPr>
+              <p:nvPr/>
+            </p:nvSpPr>
+            <p:spPr>
+              <a:xfrm>
+                <a:off x="5506300" y="4156820"/>
+                <a:ext cx="1984774" cy="372474"/>
+              </a:xfrm>
+              <a:prstGeom prst="rect">
+                <a:avLst/>
+              </a:prstGeom>
+              <a:blipFill>
+                <a:blip r:embed="rId8"/>
+                <a:stretch>
+                  <a:fillRect/>
+                </a:stretch>
+              </a:blipFill>
+            </p:spPr>
+            <p:txBody>
+              <a:bodyPr/>
+              <a:lstStyle/>
+              <a:p>
+                <a:r>
+                  <a:rPr lang="en-US">
+                    <a:noFill/>
+                  </a:rPr>
+                  <a:t> </a:t>
+                </a:r>
+              </a:p>
+            </p:txBody>
+          </p:sp>
+        </mc:Fallback>
+      </mc:AlternateContent>
+      <p:sp>
+        <p:nvSpPr>
+          <p:cNvPr id="24" name="Rectangle 23">
+            <a:extLst>
+              <a:ext uri="{FF2B5EF4-FFF2-40B4-BE49-F238E27FC236}">
+                <a16:creationId xmlns:a16="http://schemas.microsoft.com/office/drawing/2014/main" id="{D44B1AC0-E64E-074F-BDDB-4A417E10D954}"/>
+              </a:ext>
+            </a:extLst>
+          </p:cNvPr>
+          <p:cNvSpPr/>
+          <p:nvPr/>
+        </p:nvSpPr>
+        <p:spPr>
+          <a:xfrm>
+            <a:off x="5169522" y="4792263"/>
+            <a:ext cx="1090248" cy="285750"/>
+          </a:xfrm>
+          <a:prstGeom prst="rect">
+            <a:avLst/>
+          </a:prstGeom>
+          <a:pattFill prst="wdDnDiag">
+            <a:fgClr>
+              <a:srgbClr val="7030A0"/>
+            </a:fgClr>
+            <a:bgClr>
+              <a:schemeClr val="bg1"/>
+            </a:bgClr>
+          </a:pattFill>
+          <a:ln w="19050">
+            <a:solidFill>
+              <a:schemeClr val="tx1"/>
+            </a:solidFill>
+          </a:ln>
+        </p:spPr>
+        <p:style>
+          <a:lnRef idx="2">
+            <a:schemeClr val="accent1">
+              <a:shade val="50000"/>
+            </a:schemeClr>
+          </a:lnRef>
+          <a:fillRef idx="1">
+            <a:schemeClr val="accent1"/>
+          </a:fillRef>
+          <a:effectRef idx="0">
+            <a:schemeClr val="accent1"/>
+          </a:effectRef>
+          <a:fontRef idx="minor">
+            <a:schemeClr val="lt1"/>
+          </a:fontRef>
+        </p:style>
+        <p:txBody>
+          <a:bodyPr rtlCol="0" anchor="ctr"/>
+          <a:lstStyle/>
+          <a:p>
+            <a:pPr algn="ctr"/>
+            <a:endParaRPr lang="en-US"/>
+          </a:p>
+        </p:txBody>
+      </p:sp>
+      <p:cxnSp>
+        <p:nvCxnSpPr>
+          <p:cNvPr id="25" name="Straight Connector 24">
+            <a:extLst>
+              <a:ext uri="{FF2B5EF4-FFF2-40B4-BE49-F238E27FC236}">
+                <a16:creationId xmlns:a16="http://schemas.microsoft.com/office/drawing/2014/main" id="{FE6D6D4D-0639-CE41-B423-A872FDA85D1E}"/>
+              </a:ext>
+            </a:extLst>
+          </p:cNvPr>
+          <p:cNvCxnSpPr>
+            <a:cxnSpLocks/>
+          </p:cNvCxnSpPr>
+          <p:nvPr/>
+        </p:nvCxnSpPr>
+        <p:spPr>
+          <a:xfrm>
+            <a:off x="3903156" y="3190899"/>
+            <a:ext cx="0" cy="2310164"/>
+          </a:xfrm>
+          <a:prstGeom prst="line">
+            <a:avLst/>
+          </a:prstGeom>
+          <a:ln>
+            <a:solidFill>
+              <a:schemeClr val="tx1"/>
+            </a:solidFill>
+            <a:prstDash val="dash"/>
+          </a:ln>
+        </p:spPr>
+        <p:style>
+          <a:lnRef idx="1">
+            <a:schemeClr val="accent1"/>
+          </a:lnRef>
+          <a:fillRef idx="0">
+            <a:schemeClr val="accent1"/>
+          </a:fillRef>
+          <a:effectRef idx="0">
+            <a:schemeClr val="accent1"/>
+          </a:effectRef>
+          <a:fontRef idx="minor">
+            <a:schemeClr val="tx1"/>
+          </a:fontRef>
+        </p:style>
+      </p:cxnSp>
+      <p:sp>
+        <p:nvSpPr>
+          <p:cNvPr id="26" name="Rectangle 25">
+            <a:extLst>
+              <a:ext uri="{FF2B5EF4-FFF2-40B4-BE49-F238E27FC236}">
+                <a16:creationId xmlns:a16="http://schemas.microsoft.com/office/drawing/2014/main" id="{5954E7D5-6FC8-CB4F-9FE3-770E68A6C753}"/>
+              </a:ext>
+            </a:extLst>
+          </p:cNvPr>
+          <p:cNvSpPr/>
+          <p:nvPr/>
+        </p:nvSpPr>
+        <p:spPr>
+          <a:xfrm>
+            <a:off x="4958578" y="4203106"/>
+            <a:ext cx="209403" cy="285750"/>
+          </a:xfrm>
+          <a:prstGeom prst="rect">
+            <a:avLst/>
+          </a:prstGeom>
+          <a:solidFill>
+            <a:srgbClr val="FFC000"/>
+          </a:solidFill>
+          <a:ln w="19050">
+            <a:solidFill>
+              <a:schemeClr val="tx1"/>
+            </a:solidFill>
+          </a:ln>
+        </p:spPr>
+        <p:style>
+          <a:lnRef idx="2">
+            <a:schemeClr val="accent1">
+              <a:shade val="50000"/>
+            </a:schemeClr>
+          </a:lnRef>
+          <a:fillRef idx="1">
+            <a:schemeClr val="accent1"/>
+          </a:fillRef>
+          <a:effectRef idx="0">
+            <a:schemeClr val="accent1"/>
+          </a:effectRef>
+          <a:fontRef idx="minor">
+            <a:schemeClr val="lt1"/>
+          </a:fontRef>
+        </p:style>
+        <p:txBody>
+          <a:bodyPr rtlCol="0" anchor="ctr"/>
+          <a:lstStyle/>
+          <a:p>
+            <a:pPr algn="ctr"/>
+            <a:endParaRPr lang="en-US"/>
+          </a:p>
+        </p:txBody>
+      </p:sp>
+      <p:cxnSp>
+        <p:nvCxnSpPr>
+          <p:cNvPr id="27" name="Straight Connector 26">
+            <a:extLst>
+              <a:ext uri="{FF2B5EF4-FFF2-40B4-BE49-F238E27FC236}">
+                <a16:creationId xmlns:a16="http://schemas.microsoft.com/office/drawing/2014/main" id="{4FA23696-89CB-4342-A086-814D6DAD6453}"/>
+              </a:ext>
+            </a:extLst>
+          </p:cNvPr>
+          <p:cNvCxnSpPr>
+            <a:cxnSpLocks/>
+          </p:cNvCxnSpPr>
+          <p:nvPr/>
+        </p:nvCxnSpPr>
+        <p:spPr>
+          <a:xfrm>
+            <a:off x="6110300" y="3190899"/>
+            <a:ext cx="0" cy="2310164"/>
+          </a:xfrm>
+          <a:prstGeom prst="line">
+            <a:avLst/>
+          </a:prstGeom>
+          <a:ln>
+            <a:solidFill>
+              <a:schemeClr val="tx1"/>
+            </a:solidFill>
+            <a:prstDash val="dash"/>
+          </a:ln>
+        </p:spPr>
+        <p:style>
+          <a:lnRef idx="1">
+            <a:schemeClr val="accent1"/>
+          </a:lnRef>
+          <a:fillRef idx="0">
+            <a:schemeClr val="accent1"/>
+          </a:fillRef>
+          <a:effectRef idx="0">
+            <a:schemeClr val="accent1"/>
+          </a:effectRef>
+          <a:fontRef idx="minor">
+            <a:schemeClr val="tx1"/>
+          </a:fontRef>
+        </p:style>
+      </p:cxnSp>
+      <p:sp>
+        <p:nvSpPr>
+          <p:cNvPr id="28" name="Rectangle 27">
+            <a:extLst>
+              <a:ext uri="{FF2B5EF4-FFF2-40B4-BE49-F238E27FC236}">
+                <a16:creationId xmlns:a16="http://schemas.microsoft.com/office/drawing/2014/main" id="{6E4AD3B4-6AD4-C647-AA00-4D6E69AF7A1E}"/>
+              </a:ext>
+            </a:extLst>
+          </p:cNvPr>
+          <p:cNvSpPr/>
+          <p:nvPr/>
+        </p:nvSpPr>
+        <p:spPr>
+          <a:xfrm>
+            <a:off x="6259770" y="4792263"/>
+            <a:ext cx="953345" cy="285750"/>
+          </a:xfrm>
+          <a:prstGeom prst="rect">
+            <a:avLst/>
+          </a:prstGeom>
+          <a:pattFill prst="wdDnDiag">
+            <a:fgClr>
+              <a:srgbClr val="FFC000"/>
+            </a:fgClr>
+            <a:bgClr>
+              <a:schemeClr val="bg1"/>
+            </a:bgClr>
+          </a:pattFill>
+          <a:ln w="19050">
+            <a:solidFill>
+              <a:schemeClr val="tx1"/>
+            </a:solidFill>
+          </a:ln>
+        </p:spPr>
+        <p:style>
+          <a:lnRef idx="2">
+            <a:schemeClr val="accent1">
+              <a:shade val="50000"/>
+            </a:schemeClr>
+          </a:lnRef>
+          <a:fillRef idx="1">
+            <a:schemeClr val="accent1"/>
+          </a:fillRef>
+          <a:effectRef idx="0">
+            <a:schemeClr val="accent1"/>
+          </a:effectRef>
+          <a:fontRef idx="minor">
+            <a:schemeClr val="lt1"/>
+          </a:fontRef>
+        </p:style>
+        <p:txBody>
+          <a:bodyPr rtlCol="0" anchor="ctr"/>
+          <a:lstStyle/>
+          <a:p>
+            <a:pPr algn="ctr"/>
+            <a:endParaRPr lang="en-US"/>
+          </a:p>
+        </p:txBody>
+      </p:sp>
+      <p:cxnSp>
+        <p:nvCxnSpPr>
+          <p:cNvPr id="29" name="Straight Connector 28">
+            <a:extLst>
+              <a:ext uri="{FF2B5EF4-FFF2-40B4-BE49-F238E27FC236}">
+                <a16:creationId xmlns:a16="http://schemas.microsoft.com/office/drawing/2014/main" id="{01772FEB-9965-754E-8CC5-C2DF8B306216}"/>
+              </a:ext>
+            </a:extLst>
+          </p:cNvPr>
+          <p:cNvCxnSpPr>
+            <a:cxnSpLocks/>
+          </p:cNvCxnSpPr>
+          <p:nvPr/>
+        </p:nvCxnSpPr>
+        <p:spPr>
+          <a:xfrm>
+            <a:off x="3313962" y="531486"/>
+            <a:ext cx="0" cy="5366936"/>
+          </a:xfrm>
+          <a:prstGeom prst="line">
+            <a:avLst/>
+          </a:prstGeom>
+          <a:ln w="19050">
+            <a:solidFill>
+              <a:schemeClr val="tx1"/>
+            </a:solidFill>
+          </a:ln>
+        </p:spPr>
+        <p:style>
+          <a:lnRef idx="1">
+            <a:schemeClr val="accent1"/>
+          </a:lnRef>
+          <a:fillRef idx="0">
+            <a:schemeClr val="accent1"/>
+          </a:fillRef>
+          <a:effectRef idx="0">
+            <a:schemeClr val="accent1"/>
+          </a:effectRef>
+          <a:fontRef idx="minor">
+            <a:schemeClr val="tx1"/>
+          </a:fontRef>
+        </p:style>
+      </p:cxnSp>
+      <mc:AlternateContent xmlns:mc="http://schemas.openxmlformats.org/markup-compatibility/2006" xmlns:a14="http://schemas.microsoft.com/office/drawing/2010/main">
+        <mc:Choice Requires="a14">
+          <p:sp>
+            <p:nvSpPr>
+              <p:cNvPr id="30" name="TextBox 29">
+                <a:extLst>
+                  <a:ext uri="{FF2B5EF4-FFF2-40B4-BE49-F238E27FC236}">
+                    <a16:creationId xmlns:a16="http://schemas.microsoft.com/office/drawing/2014/main" id="{C1147D9E-3926-7945-BB98-B79B85E8B45A}"/>
+                  </a:ext>
+                </a:extLst>
+              </p:cNvPr>
+              <p:cNvSpPr txBox="1"/>
+              <p:nvPr/>
+            </p:nvSpPr>
+            <p:spPr>
+              <a:xfrm>
+                <a:off x="5485904" y="5895151"/>
+                <a:ext cx="1221129" cy="372603"/>
+              </a:xfrm>
+              <a:prstGeom prst="rect">
+                <a:avLst/>
+              </a:prstGeom>
+              <a:noFill/>
+            </p:spPr>
+            <p:txBody>
+              <a:bodyPr wrap="square" rtlCol="0">
+                <a:spAutoFit/>
+              </a:bodyPr>
+              <a:lstStyle/>
+              <a:p>
+                <a:pPr/>
+                <a14:m>
+                  <m:oMathPara xmlns:m="http://schemas.openxmlformats.org/officeDocument/2006/math">
+                    <m:oMathParaPr>
+                      <m:jc m:val="centerGroup"/>
+                    </m:oMathParaPr>
+                    <m:oMath xmlns:m="http://schemas.openxmlformats.org/officeDocument/2006/math">
+                      <m:sSubSup>
+                        <m:sSubSupPr>
+                          <m:ctrlPr>
+                            <a:rPr lang="en-US" b="0" i="1" smtClean="0">
+                              <a:latin typeface="Cambria Math" panose="02040503050406030204" pitchFamily="18" charset="0"/>
+                              <a:cs typeface="Times New Roman" panose="02020603050405020304" pitchFamily="18" charset="0"/>
+                            </a:rPr>
+                          </m:ctrlPr>
+                        </m:sSubSupPr>
+                        <m:e>
+                          <m:r>
+                            <a:rPr lang="en-US" b="0" i="1" smtClean="0">
+                              <a:latin typeface="Cambria Math" panose="02040503050406030204" pitchFamily="18" charset="0"/>
+                              <a:cs typeface="Times New Roman" panose="02020603050405020304" pitchFamily="18" charset="0"/>
+                            </a:rPr>
+                            <m:t>𝑡</m:t>
+                          </m:r>
+                        </m:e>
+                        <m:sub>
+                          <m:r>
+                            <a:rPr lang="en-US" b="0" i="1" smtClean="0">
+                              <a:latin typeface="Cambria Math" panose="02040503050406030204" pitchFamily="18" charset="0"/>
+                              <a:cs typeface="Times New Roman" panose="02020603050405020304" pitchFamily="18" charset="0"/>
+                            </a:rPr>
+                            <m:t>𝑁</m:t>
+                          </m:r>
+                        </m:sub>
+                        <m:sup>
+                          <m:r>
+                            <a:rPr lang="en-US" b="0" i="1" smtClean="0">
+                              <a:latin typeface="Cambria Math" panose="02040503050406030204" pitchFamily="18" charset="0"/>
+                              <a:cs typeface="Times New Roman" panose="02020603050405020304" pitchFamily="18" charset="0"/>
+                            </a:rPr>
+                            <m:t>1</m:t>
+                          </m:r>
+                        </m:sup>
+                      </m:sSubSup>
+                      <m:r>
+                        <a:rPr lang="en-US" b="0" i="1" smtClean="0">
+                          <a:latin typeface="Cambria Math" panose="02040503050406030204" pitchFamily="18" charset="0"/>
+                          <a:cs typeface="Times New Roman" panose="02020603050405020304" pitchFamily="18" charset="0"/>
+                        </a:rPr>
+                        <m:t>=25.7</m:t>
+                      </m:r>
+                    </m:oMath>
+                  </m:oMathPara>
+                </a14:m>
+                <a:endParaRPr lang="en-US" i="1" dirty="0">
+                  <a:latin typeface="Times New Roman" panose="02020603050405020304" pitchFamily="18" charset="0"/>
+                  <a:cs typeface="Times New Roman" panose="02020603050405020304" pitchFamily="18" charset="0"/>
+                </a:endParaRPr>
+              </a:p>
+            </p:txBody>
+          </p:sp>
+        </mc:Choice>
+        <mc:Fallback xmlns="">
+          <p:sp>
+            <p:nvSpPr>
+              <p:cNvPr id="30" name="TextBox 29">
+                <a:extLst>
+                  <a:ext uri="{FF2B5EF4-FFF2-40B4-BE49-F238E27FC236}">
+                    <a16:creationId xmlns:a16="http://schemas.microsoft.com/office/drawing/2014/main" id="{C1147D9E-3926-7945-BB98-B79B85E8B45A}"/>
+                  </a:ext>
+                </a:extLst>
+              </p:cNvPr>
+              <p:cNvSpPr txBox="1">
+                <a:spLocks noRot="1" noChangeAspect="1" noMove="1" noResize="1" noEditPoints="1" noAdjustHandles="1" noChangeArrowheads="1" noChangeShapeType="1" noTextEdit="1"/>
+              </p:cNvSpPr>
+              <p:nvPr/>
+            </p:nvSpPr>
+            <p:spPr>
+              <a:xfrm>
+                <a:off x="5485904" y="5895151"/>
+                <a:ext cx="1221129" cy="372603"/>
+              </a:xfrm>
+              <a:prstGeom prst="rect">
+                <a:avLst/>
+              </a:prstGeom>
+              <a:blipFill>
+                <a:blip r:embed="rId9"/>
+                <a:stretch>
+                  <a:fillRect/>
+                </a:stretch>
+              </a:blipFill>
+            </p:spPr>
+            <p:txBody>
+              <a:bodyPr/>
+              <a:lstStyle/>
+              <a:p>
+                <a:r>
+                  <a:rPr lang="en-US">
+                    <a:noFill/>
+                  </a:rPr>
+                  <a:t> </a:t>
+                </a:r>
+              </a:p>
+            </p:txBody>
+          </p:sp>
+        </mc:Fallback>
+      </mc:AlternateContent>
+      <p:cxnSp>
+        <p:nvCxnSpPr>
+          <p:cNvPr id="32" name="Straight Connector 31">
+            <a:extLst>
+              <a:ext uri="{FF2B5EF4-FFF2-40B4-BE49-F238E27FC236}">
+                <a16:creationId xmlns:a16="http://schemas.microsoft.com/office/drawing/2014/main" id="{42B50EF9-5659-654B-A8CC-F67563AB48A3}"/>
+              </a:ext>
+            </a:extLst>
+          </p:cNvPr>
+          <p:cNvCxnSpPr>
+            <a:cxnSpLocks/>
+          </p:cNvCxnSpPr>
+          <p:nvPr/>
+        </p:nvCxnSpPr>
+        <p:spPr>
+          <a:xfrm>
+            <a:off x="5169522" y="3190899"/>
+            <a:ext cx="0" cy="2310164"/>
+          </a:xfrm>
+          <a:prstGeom prst="line">
+            <a:avLst/>
+          </a:prstGeom>
+          <a:ln>
+            <a:solidFill>
+              <a:schemeClr val="tx1"/>
+            </a:solidFill>
+            <a:prstDash val="dash"/>
+          </a:ln>
+        </p:spPr>
+        <p:style>
+          <a:lnRef idx="1">
+            <a:schemeClr val="accent1"/>
+          </a:lnRef>
+          <a:fillRef idx="0">
+            <a:schemeClr val="accent1"/>
+          </a:fillRef>
+          <a:effectRef idx="0">
+            <a:schemeClr val="accent1"/>
+          </a:effectRef>
+          <a:fontRef idx="minor">
+            <a:schemeClr val="tx1"/>
+          </a:fontRef>
+        </p:style>
+      </p:cxnSp>
+      <p:sp>
+        <p:nvSpPr>
+          <p:cNvPr id="33" name="Rectangle 32">
+            <a:extLst>
+              <a:ext uri="{FF2B5EF4-FFF2-40B4-BE49-F238E27FC236}">
+                <a16:creationId xmlns:a16="http://schemas.microsoft.com/office/drawing/2014/main" id="{76B78D06-A19E-2843-96A2-782E64706CF7}"/>
+              </a:ext>
+            </a:extLst>
+          </p:cNvPr>
+          <p:cNvSpPr/>
+          <p:nvPr/>
+        </p:nvSpPr>
+        <p:spPr>
+          <a:xfrm>
+            <a:off x="5169522" y="5385376"/>
+            <a:ext cx="534070" cy="285750"/>
+          </a:xfrm>
+          <a:prstGeom prst="rect">
+            <a:avLst/>
+          </a:prstGeom>
+          <a:solidFill>
+            <a:srgbClr val="7030A0"/>
+          </a:solidFill>
+          <a:ln w="19050">
+            <a:solidFill>
+              <a:schemeClr val="tx1"/>
+            </a:solidFill>
+          </a:ln>
+        </p:spPr>
+        <p:style>
+          <a:lnRef idx="2">
+            <a:schemeClr val="accent1">
+              <a:shade val="50000"/>
+            </a:schemeClr>
+          </a:lnRef>
+          <a:fillRef idx="1">
+            <a:schemeClr val="accent1"/>
+          </a:fillRef>
+          <a:effectRef idx="0">
+            <a:schemeClr val="accent1"/>
+          </a:effectRef>
+          <a:fontRef idx="minor">
+            <a:schemeClr val="lt1"/>
+          </a:fontRef>
+        </p:style>
+        <p:txBody>
+          <a:bodyPr rtlCol="0" anchor="ctr"/>
+          <a:lstStyle/>
+          <a:p>
+            <a:pPr algn="ctr"/>
+            <a:endParaRPr lang="en-US"/>
+          </a:p>
+        </p:txBody>
+      </p:sp>
+      <p:sp>
+        <p:nvSpPr>
+          <p:cNvPr id="34" name="Rectangle 33">
+            <a:extLst>
+              <a:ext uri="{FF2B5EF4-FFF2-40B4-BE49-F238E27FC236}">
+                <a16:creationId xmlns:a16="http://schemas.microsoft.com/office/drawing/2014/main" id="{AD1B60C0-D729-4942-9A59-EFF5FFF04E20}"/>
+              </a:ext>
+            </a:extLst>
+          </p:cNvPr>
+          <p:cNvSpPr/>
+          <p:nvPr/>
+        </p:nvSpPr>
+        <p:spPr>
+          <a:xfrm>
+            <a:off x="5703593" y="5385376"/>
+            <a:ext cx="406707" cy="285750"/>
+          </a:xfrm>
+          <a:prstGeom prst="rect">
+            <a:avLst/>
+          </a:prstGeom>
+          <a:solidFill>
+            <a:srgbClr val="FFC000"/>
+          </a:solidFill>
+          <a:ln w="19050">
+            <a:solidFill>
+              <a:schemeClr val="tx1"/>
+            </a:solidFill>
+          </a:ln>
+        </p:spPr>
+        <p:style>
+          <a:lnRef idx="2">
+            <a:schemeClr val="accent1">
+              <a:shade val="50000"/>
+            </a:schemeClr>
+          </a:lnRef>
+          <a:fillRef idx="1">
+            <a:schemeClr val="accent1"/>
+          </a:fillRef>
+          <a:effectRef idx="0">
+            <a:schemeClr val="accent1"/>
+          </a:effectRef>
+          <a:fontRef idx="minor">
+            <a:schemeClr val="lt1"/>
+          </a:fontRef>
+        </p:style>
+        <p:txBody>
+          <a:bodyPr rtlCol="0" anchor="ctr"/>
+          <a:lstStyle/>
+          <a:p>
+            <a:pPr algn="ctr"/>
+            <a:endParaRPr lang="en-US"/>
+          </a:p>
+        </p:txBody>
+      </p:sp>
+      <p:sp>
+        <p:nvSpPr>
+          <p:cNvPr id="35" name="Curved Left Arrow 34">
+            <a:extLst>
+              <a:ext uri="{FF2B5EF4-FFF2-40B4-BE49-F238E27FC236}">
+                <a16:creationId xmlns:a16="http://schemas.microsoft.com/office/drawing/2014/main" id="{007B19DA-E378-4C48-992F-86BE86E5C194}"/>
+              </a:ext>
+            </a:extLst>
+          </p:cNvPr>
+          <p:cNvSpPr/>
+          <p:nvPr/>
+        </p:nvSpPr>
+        <p:spPr>
+          <a:xfrm rot="1546127">
+            <a:off x="7616764" y="5186480"/>
+            <a:ext cx="254978" cy="404446"/>
+          </a:xfrm>
+          <a:prstGeom prst="curvedLeftArrow">
+            <a:avLst/>
+          </a:prstGeom>
+          <a:solidFill>
+            <a:srgbClr val="7030A0"/>
+          </a:solidFill>
+          <a:ln>
+            <a:noFill/>
+          </a:ln>
+        </p:spPr>
+        <p:style>
+          <a:lnRef idx="2">
+            <a:schemeClr val="accent1">
+              <a:shade val="50000"/>
+            </a:schemeClr>
+          </a:lnRef>
+          <a:fillRef idx="1">
+            <a:schemeClr val="accent1"/>
+          </a:fillRef>
+          <a:effectRef idx="0">
+            <a:schemeClr val="accent1"/>
+          </a:effectRef>
+          <a:fontRef idx="minor">
+            <a:schemeClr val="lt1"/>
+          </a:fontRef>
+        </p:style>
+        <p:txBody>
+          <a:bodyPr rtlCol="0" anchor="ctr"/>
+          <a:lstStyle/>
+          <a:p>
+            <a:pPr algn="ctr"/>
+            <a:endParaRPr lang="en-US">
+              <a:solidFill>
+                <a:schemeClr val="tx1"/>
+              </a:solidFill>
+            </a:endParaRPr>
+          </a:p>
+        </p:txBody>
+      </p:sp>
+      <mc:AlternateContent xmlns:mc="http://schemas.openxmlformats.org/markup-compatibility/2006" xmlns:a14="http://schemas.microsoft.com/office/drawing/2010/main">
+        <mc:Choice Requires="a14">
+          <p:sp>
+            <p:nvSpPr>
+              <p:cNvPr id="36" name="TextBox 35">
+                <a:extLst>
+                  <a:ext uri="{FF2B5EF4-FFF2-40B4-BE49-F238E27FC236}">
+                    <a16:creationId xmlns:a16="http://schemas.microsoft.com/office/drawing/2014/main" id="{F21B8FA1-1432-A442-A365-7C302AC545CB}"/>
+                  </a:ext>
+                </a:extLst>
+              </p:cNvPr>
+              <p:cNvSpPr txBox="1"/>
+              <p:nvPr/>
+            </p:nvSpPr>
+            <p:spPr>
+              <a:xfrm>
+                <a:off x="6435888" y="5301916"/>
+                <a:ext cx="1155701" cy="369332"/>
+              </a:xfrm>
+              <a:prstGeom prst="rect">
+                <a:avLst/>
+              </a:prstGeom>
+              <a:noFill/>
+            </p:spPr>
+            <p:txBody>
+              <a:bodyPr wrap="none" rtlCol="0">
+                <a:spAutoFit/>
+              </a:bodyPr>
+              <a:lstStyle/>
+              <a:p>
+                <a:pPr/>
+                <a14:m>
+                  <m:oMathPara xmlns:m="http://schemas.openxmlformats.org/officeDocument/2006/math">
+                    <m:oMathParaPr>
+                      <m:jc m:val="centerGroup"/>
+                    </m:oMathParaPr>
+                    <m:oMath xmlns:m="http://schemas.openxmlformats.org/officeDocument/2006/math">
+                      <m:sSub>
+                        <m:sSubPr>
+                          <m:ctrlPr>
+                            <a:rPr lang="en-US" b="0" i="1" smtClean="0">
+                              <a:latin typeface="Cambria Math" panose="02040503050406030204" pitchFamily="18" charset="0"/>
+                            </a:rPr>
+                          </m:ctrlPr>
+                        </m:sSubPr>
+                        <m:e>
+                          <m:r>
+                            <a:rPr lang="en-US" b="0" i="1" smtClean="0">
+                              <a:latin typeface="Cambria Math" panose="02040503050406030204" pitchFamily="18" charset="0"/>
+                            </a:rPr>
+                            <m:t>𝑒</m:t>
+                          </m:r>
+                        </m:e>
+                        <m:sub>
+                          <m:r>
+                            <a:rPr lang="en-US" b="0" i="1" smtClean="0">
+                              <a:latin typeface="Cambria Math" panose="02040503050406030204" pitchFamily="18" charset="0"/>
+                            </a:rPr>
+                            <m:t>31</m:t>
+                          </m:r>
+                        </m:sub>
+                      </m:sSub>
+                      <m:r>
+                        <a:rPr lang="en-US" b="0" i="1" smtClean="0">
+                          <a:latin typeface="Cambria Math" panose="02040503050406030204" pitchFamily="18" charset="0"/>
+                        </a:rPr>
+                        <m:t>=0.5</m:t>
+                      </m:r>
+                    </m:oMath>
+                  </m:oMathPara>
+                </a14:m>
+                <a:endParaRPr lang="en-US" dirty="0"/>
+              </a:p>
+            </p:txBody>
+          </p:sp>
+        </mc:Choice>
+        <mc:Fallback xmlns="">
+          <p:sp>
+            <p:nvSpPr>
+              <p:cNvPr id="36" name="TextBox 35">
+                <a:extLst>
+                  <a:ext uri="{FF2B5EF4-FFF2-40B4-BE49-F238E27FC236}">
+                    <a16:creationId xmlns:a16="http://schemas.microsoft.com/office/drawing/2014/main" id="{F21B8FA1-1432-A442-A365-7C302AC545CB}"/>
+                  </a:ext>
+                </a:extLst>
+              </p:cNvPr>
+              <p:cNvSpPr txBox="1">
+                <a:spLocks noRot="1" noChangeAspect="1" noMove="1" noResize="1" noEditPoints="1" noAdjustHandles="1" noChangeArrowheads="1" noChangeShapeType="1" noTextEdit="1"/>
+              </p:cNvSpPr>
+              <p:nvPr/>
+            </p:nvSpPr>
+            <p:spPr>
+              <a:xfrm>
+                <a:off x="6435888" y="5301916"/>
+                <a:ext cx="1155701" cy="369332"/>
+              </a:xfrm>
+              <a:prstGeom prst="rect">
+                <a:avLst/>
+              </a:prstGeom>
+              <a:blipFill>
+                <a:blip r:embed="rId10"/>
+                <a:stretch>
+                  <a:fillRect/>
+                </a:stretch>
+              </a:blipFill>
+            </p:spPr>
+            <p:txBody>
+              <a:bodyPr/>
+              <a:lstStyle/>
+              <a:p>
+                <a:r>
+                  <a:rPr lang="en-US">
+                    <a:noFill/>
+                  </a:rPr>
+                  <a:t> </a:t>
+                </a:r>
+              </a:p>
+            </p:txBody>
+          </p:sp>
+        </mc:Fallback>
+      </mc:AlternateContent>
+    </p:spTree>
+    <p:extLst>
+      <p:ext uri="{BB962C8B-B14F-4D97-AF65-F5344CB8AC3E}">
+        <p14:creationId xmlns:p14="http://schemas.microsoft.com/office/powerpoint/2010/main" val="3002262675"/>
+      </p:ext>
+    </p:extLst>
+  </p:cSld>
+  <p:clrMapOvr>
+    <a:masterClrMapping/>
+  </p:clrMapOvr>
+</p:sld>
+</file>
+
 <file path=ppt/slides/slide2.xml><?xml version="1.0" encoding="utf-8"?>
+<p:sld xmlns:a="http://schemas.openxmlformats.org/drawingml/2006/main" xmlns:r="http://schemas.openxmlformats.org/officeDocument/2006/relationships" xmlns:p="http://schemas.openxmlformats.org/presentationml/2006/main">
+  <p:cSld>
+    <p:spTree>
+      <p:nvGrpSpPr>
+        <p:cNvPr id="1" name=""/>
+        <p:cNvGrpSpPr/>
+        <p:nvPr/>
+      </p:nvGrpSpPr>
+      <p:grpSpPr>
+        <a:xfrm>
+          <a:off x="0" y="0"/>
+          <a:ext cx="0" cy="0"/>
+          <a:chOff x="0" y="0"/>
+          <a:chExt cx="0" cy="0"/>
+        </a:xfrm>
+      </p:grpSpPr>
+      <p:sp>
+        <p:nvSpPr>
+          <p:cNvPr id="4" name="Oval 3"/>
+          <p:cNvSpPr/>
+          <p:nvPr/>
+        </p:nvSpPr>
+        <p:spPr>
+          <a:xfrm>
+            <a:off x="2342427" y="1044435"/>
+            <a:ext cx="891250" cy="891250"/>
+          </a:xfrm>
+          <a:prstGeom prst="ellipse">
+            <a:avLst/>
+          </a:prstGeom>
+          <a:noFill/>
+          <a:ln w="38100">
+            <a:solidFill>
+              <a:schemeClr val="tx1"/>
+            </a:solidFill>
+          </a:ln>
+        </p:spPr>
+        <p:style>
+          <a:lnRef idx="2">
+            <a:schemeClr val="accent1">
+              <a:shade val="50000"/>
+            </a:schemeClr>
+          </a:lnRef>
+          <a:fillRef idx="1">
+            <a:schemeClr val="accent1"/>
+          </a:fillRef>
+          <a:effectRef idx="0">
+            <a:schemeClr val="accent1"/>
+          </a:effectRef>
+          <a:fontRef idx="minor">
+            <a:schemeClr val="lt1"/>
+          </a:fontRef>
+        </p:style>
+        <p:txBody>
+          <a:bodyPr rtlCol="0" anchor="ctr"/>
+          <a:lstStyle/>
+          <a:p>
+            <a:pPr algn="ctr"/>
+            <a:r>
+              <a:rPr lang="en-US" sz="3200" dirty="0">
+                <a:solidFill>
+                  <a:sysClr val="windowText" lastClr="000000"/>
+                </a:solidFill>
+              </a:rPr>
+              <a:t>1</a:t>
+            </a:r>
+          </a:p>
+        </p:txBody>
+      </p:sp>
+      <p:sp>
+        <p:nvSpPr>
+          <p:cNvPr id="6" name="Oval 5"/>
+          <p:cNvSpPr/>
+          <p:nvPr/>
+        </p:nvSpPr>
+        <p:spPr>
+          <a:xfrm>
+            <a:off x="4152177" y="1044435"/>
+            <a:ext cx="891250" cy="891250"/>
+          </a:xfrm>
+          <a:prstGeom prst="ellipse">
+            <a:avLst/>
+          </a:prstGeom>
+          <a:noFill/>
+          <a:ln w="38100">
+            <a:solidFill>
+              <a:schemeClr val="tx1"/>
+            </a:solidFill>
+          </a:ln>
+        </p:spPr>
+        <p:style>
+          <a:lnRef idx="2">
+            <a:schemeClr val="accent1">
+              <a:shade val="50000"/>
+            </a:schemeClr>
+          </a:lnRef>
+          <a:fillRef idx="1">
+            <a:schemeClr val="accent1"/>
+          </a:fillRef>
+          <a:effectRef idx="0">
+            <a:schemeClr val="accent1"/>
+          </a:effectRef>
+          <a:fontRef idx="minor">
+            <a:schemeClr val="lt1"/>
+          </a:fontRef>
+        </p:style>
+        <p:txBody>
+          <a:bodyPr rtlCol="0" anchor="ctr"/>
+          <a:lstStyle/>
+          <a:p>
+            <a:pPr algn="ctr"/>
+            <a:r>
+              <a:rPr lang="en-US" sz="3200" dirty="0">
+                <a:solidFill>
+                  <a:sysClr val="windowText" lastClr="000000"/>
+                </a:solidFill>
+              </a:rPr>
+              <a:t>2</a:t>
+            </a:r>
+          </a:p>
+        </p:txBody>
+      </p:sp>
+      <p:sp>
+        <p:nvSpPr>
+          <p:cNvPr id="7" name="Oval 6"/>
+          <p:cNvSpPr/>
+          <p:nvPr/>
+        </p:nvSpPr>
+        <p:spPr>
+          <a:xfrm>
+            <a:off x="5961927" y="1044435"/>
+            <a:ext cx="891250" cy="891250"/>
+          </a:xfrm>
+          <a:prstGeom prst="ellipse">
+            <a:avLst/>
+          </a:prstGeom>
+          <a:noFill/>
+          <a:ln w="38100">
+            <a:solidFill>
+              <a:schemeClr val="tx1"/>
+            </a:solidFill>
+          </a:ln>
+        </p:spPr>
+        <p:style>
+          <a:lnRef idx="2">
+            <a:schemeClr val="accent1">
+              <a:shade val="50000"/>
+            </a:schemeClr>
+          </a:lnRef>
+          <a:fillRef idx="1">
+            <a:schemeClr val="accent1"/>
+          </a:fillRef>
+          <a:effectRef idx="0">
+            <a:schemeClr val="accent1"/>
+          </a:effectRef>
+          <a:fontRef idx="minor">
+            <a:schemeClr val="lt1"/>
+          </a:fontRef>
+        </p:style>
+        <p:txBody>
+          <a:bodyPr rtlCol="0" anchor="ctr"/>
+          <a:lstStyle/>
+          <a:p>
+            <a:pPr algn="ctr"/>
+            <a:r>
+              <a:rPr lang="en-US" sz="3200" dirty="0">
+                <a:solidFill>
+                  <a:sysClr val="windowText" lastClr="000000"/>
+                </a:solidFill>
+              </a:rPr>
+              <a:t>3</a:t>
+            </a:r>
+          </a:p>
+        </p:txBody>
+      </p:sp>
+      <p:cxnSp>
+        <p:nvCxnSpPr>
+          <p:cNvPr id="9" name="Straight Arrow Connector 8"/>
+          <p:cNvCxnSpPr/>
+          <p:nvPr/>
+        </p:nvCxnSpPr>
+        <p:spPr>
+          <a:xfrm>
+            <a:off x="3233677" y="1490060"/>
+            <a:ext cx="918500" cy="0"/>
+          </a:xfrm>
+          <a:prstGeom prst="straightConnector1">
+            <a:avLst/>
+          </a:prstGeom>
+          <a:ln w="38100">
+            <a:solidFill>
+              <a:schemeClr val="tx1"/>
+            </a:solidFill>
+            <a:tailEnd type="triangle"/>
+          </a:ln>
+        </p:spPr>
+        <p:style>
+          <a:lnRef idx="1">
+            <a:schemeClr val="accent1"/>
+          </a:lnRef>
+          <a:fillRef idx="0">
+            <a:schemeClr val="accent1"/>
+          </a:fillRef>
+          <a:effectRef idx="0">
+            <a:schemeClr val="accent1"/>
+          </a:effectRef>
+          <a:fontRef idx="minor">
+            <a:schemeClr val="tx1"/>
+          </a:fontRef>
+        </p:style>
+      </p:cxnSp>
+      <p:cxnSp>
+        <p:nvCxnSpPr>
+          <p:cNvPr id="10" name="Straight Arrow Connector 9"/>
+          <p:cNvCxnSpPr/>
+          <p:nvPr/>
+        </p:nvCxnSpPr>
+        <p:spPr>
+          <a:xfrm>
+            <a:off x="5043427" y="1490060"/>
+            <a:ext cx="918500" cy="0"/>
+          </a:xfrm>
+          <a:prstGeom prst="straightConnector1">
+            <a:avLst/>
+          </a:prstGeom>
+          <a:ln w="38100">
+            <a:solidFill>
+              <a:schemeClr val="tx1"/>
+            </a:solidFill>
+            <a:tailEnd type="triangle"/>
+          </a:ln>
+        </p:spPr>
+        <p:style>
+          <a:lnRef idx="1">
+            <a:schemeClr val="accent1"/>
+          </a:lnRef>
+          <a:fillRef idx="0">
+            <a:schemeClr val="accent1"/>
+          </a:fillRef>
+          <a:effectRef idx="0">
+            <a:schemeClr val="accent1"/>
+          </a:effectRef>
+          <a:fontRef idx="minor">
+            <a:schemeClr val="tx1"/>
+          </a:fontRef>
+        </p:style>
+      </p:cxnSp>
+      <p:sp>
+        <p:nvSpPr>
+          <p:cNvPr id="13" name="Oval 12"/>
+          <p:cNvSpPr/>
+          <p:nvPr/>
+        </p:nvSpPr>
+        <p:spPr>
+          <a:xfrm>
+            <a:off x="7771677" y="1051307"/>
+            <a:ext cx="891250" cy="891250"/>
+          </a:xfrm>
+          <a:prstGeom prst="ellipse">
+            <a:avLst/>
+          </a:prstGeom>
+          <a:noFill/>
+          <a:ln w="38100">
+            <a:solidFill>
+              <a:schemeClr val="tx1"/>
+            </a:solidFill>
+          </a:ln>
+        </p:spPr>
+        <p:style>
+          <a:lnRef idx="2">
+            <a:schemeClr val="accent1">
+              <a:shade val="50000"/>
+            </a:schemeClr>
+          </a:lnRef>
+          <a:fillRef idx="1">
+            <a:schemeClr val="accent1"/>
+          </a:fillRef>
+          <a:effectRef idx="0">
+            <a:schemeClr val="accent1"/>
+          </a:effectRef>
+          <a:fontRef idx="minor">
+            <a:schemeClr val="lt1"/>
+          </a:fontRef>
+        </p:style>
+        <p:txBody>
+          <a:bodyPr rtlCol="0" anchor="ctr"/>
+          <a:lstStyle/>
+          <a:p>
+            <a:pPr algn="ctr"/>
+            <a:r>
+              <a:rPr lang="en-US" sz="3200" dirty="0">
+                <a:solidFill>
+                  <a:sysClr val="windowText" lastClr="000000"/>
+                </a:solidFill>
+              </a:rPr>
+              <a:t>T</a:t>
+            </a:r>
+          </a:p>
+        </p:txBody>
+      </p:sp>
+      <p:cxnSp>
+        <p:nvCxnSpPr>
+          <p:cNvPr id="14" name="Straight Arrow Connector 13"/>
+          <p:cNvCxnSpPr/>
+          <p:nvPr/>
+        </p:nvCxnSpPr>
+        <p:spPr>
+          <a:xfrm>
+            <a:off x="6853177" y="1496932"/>
+            <a:ext cx="918500" cy="0"/>
+          </a:xfrm>
+          <a:prstGeom prst="straightConnector1">
+            <a:avLst/>
+          </a:prstGeom>
+          <a:ln w="38100">
+            <a:solidFill>
+              <a:schemeClr val="tx1"/>
+            </a:solidFill>
+            <a:tailEnd type="triangle"/>
+          </a:ln>
+        </p:spPr>
+        <p:style>
+          <a:lnRef idx="1">
+            <a:schemeClr val="accent1"/>
+          </a:lnRef>
+          <a:fillRef idx="0">
+            <a:schemeClr val="accent1"/>
+          </a:fillRef>
+          <a:effectRef idx="0">
+            <a:schemeClr val="accent1"/>
+          </a:effectRef>
+          <a:fontRef idx="minor">
+            <a:schemeClr val="tx1"/>
+          </a:fontRef>
+        </p:style>
+      </p:cxnSp>
+      <mc:AlternateContent xmlns:mc="http://schemas.openxmlformats.org/markup-compatibility/2006">
+        <mc:Choice xmlns:a14="http://schemas.microsoft.com/office/drawing/2010/main" Requires="a14">
+          <p:graphicFrame>
+            <p:nvGraphicFramePr>
+              <p:cNvPr id="3" name="Table 2">
+                <a:extLst>
+                  <a:ext uri="{FF2B5EF4-FFF2-40B4-BE49-F238E27FC236}">
+                    <a16:creationId xmlns:a16="http://schemas.microsoft.com/office/drawing/2014/main" id="{E75FE42A-A0B4-9E4F-9BC3-785D9BBEC279}"/>
+                  </a:ext>
+                </a:extLst>
+              </p:cNvPr>
+              <p:cNvGraphicFramePr>
+                <a:graphicFrameLocks noGrp="1"/>
+              </p:cNvGraphicFramePr>
+              <p:nvPr>
+                <p:extLst>
+                  <p:ext uri="{D42A27DB-BD31-4B8C-83A1-F6EECF244321}">
+                    <p14:modId xmlns:p14="http://schemas.microsoft.com/office/powerpoint/2010/main" val="2200155087"/>
+                  </p:ext>
+                </p:extLst>
+              </p:nvPr>
+            </p:nvGraphicFramePr>
+            <p:xfrm>
+              <a:off x="1054007" y="2177405"/>
+              <a:ext cx="8487557" cy="1112520"/>
+            </p:xfrm>
+            <a:graphic>
+              <a:graphicData uri="http://schemas.openxmlformats.org/drawingml/2006/table">
+                <a:tbl>
+                  <a:tblPr bandRow="1">
+                    <a:tableStyleId>{5C22544A-7EE6-4342-B048-85BDC9FD1C3A}</a:tableStyleId>
+                  </a:tblPr>
+                  <a:tblGrid>
+                    <a:gridCol w="1056553">
+                      <a:extLst>
+                        <a:ext uri="{9D8B030D-6E8A-4147-A177-3AD203B41FA5}">
+                          <a16:colId xmlns:a16="http://schemas.microsoft.com/office/drawing/2014/main" val="99506741"/>
+                        </a:ext>
+                      </a:extLst>
+                    </a:gridCol>
+                    <a:gridCol w="1717210">
+                      <a:extLst>
+                        <a:ext uri="{9D8B030D-6E8A-4147-A177-3AD203B41FA5}">
+                          <a16:colId xmlns:a16="http://schemas.microsoft.com/office/drawing/2014/main" val="1993768055"/>
+                        </a:ext>
+                      </a:extLst>
+                    </a:gridCol>
+                    <a:gridCol w="1717210">
+                      <a:extLst>
+                        <a:ext uri="{9D8B030D-6E8A-4147-A177-3AD203B41FA5}">
+                          <a16:colId xmlns:a16="http://schemas.microsoft.com/office/drawing/2014/main" val="1000401685"/>
+                        </a:ext>
+                      </a:extLst>
+                    </a:gridCol>
+                    <a:gridCol w="1717210">
+                      <a:extLst>
+                        <a:ext uri="{9D8B030D-6E8A-4147-A177-3AD203B41FA5}">
+                          <a16:colId xmlns:a16="http://schemas.microsoft.com/office/drawing/2014/main" val="859686324"/>
+                        </a:ext>
+                      </a:extLst>
+                    </a:gridCol>
+                    <a:gridCol w="2279374">
+                      <a:extLst>
+                        <a:ext uri="{9D8B030D-6E8A-4147-A177-3AD203B41FA5}">
+                          <a16:colId xmlns:a16="http://schemas.microsoft.com/office/drawing/2014/main" val="3615305869"/>
+                        </a:ext>
+                      </a:extLst>
+                    </a:gridCol>
+                  </a:tblGrid>
+                  <a:tr h="370840">
+                    <a:tc>
+                      <a:txBody>
+                        <a:bodyPr/>
+                        <a:lstStyle/>
+                        <a:p>
+                          <a:pPr algn="ctr"/>
+                          <a14:m>
+                            <m:oMathPara xmlns:m="http://schemas.openxmlformats.org/officeDocument/2006/math">
+                              <m:oMathParaPr>
+                                <m:jc m:val="centerGroup"/>
+                              </m:oMathParaPr>
+                              <m:oMath xmlns:m="http://schemas.openxmlformats.org/officeDocument/2006/math">
+                                <m:r>
+                                  <a:rPr lang="en-US" i="1" dirty="0" smtClean="0">
+                                    <a:latin typeface="Cambria Math" panose="02040503050406030204" pitchFamily="18" charset="0"/>
+                                  </a:rPr>
+                                  <m:t>𝐷</m:t>
+                                </m:r>
+                              </m:oMath>
+                            </m:oMathPara>
+                          </a14:m>
+                          <a:endParaRPr lang="en-US" dirty="0"/>
+                        </a:p>
+                      </a:txBody>
+                      <a:tcPr/>
+                    </a:tc>
+                    <a:tc>
+                      <a:txBody>
+                        <a:bodyPr/>
+                        <a:lstStyle/>
+                        <a:p>
+                          <a:pPr algn="ctr"/>
+                          <a14:m>
+                            <m:oMathPara xmlns:m="http://schemas.openxmlformats.org/officeDocument/2006/math">
+                              <m:oMathParaPr>
+                                <m:jc m:val="centerGroup"/>
+                              </m:oMathParaPr>
+                              <m:oMath xmlns:m="http://schemas.openxmlformats.org/officeDocument/2006/math">
+                                <m:r>
+                                  <a:rPr lang="en-US" i="1" dirty="0" smtClean="0">
+                                    <a:latin typeface="Cambria Math" panose="02040503050406030204" pitchFamily="18" charset="0"/>
+                                  </a:rPr>
+                                  <m:t>9</m:t>
+                                </m:r>
+                              </m:oMath>
+                            </m:oMathPara>
+                          </a14:m>
+                          <a:endParaRPr lang="en-US" dirty="0"/>
+                        </a:p>
+                      </a:txBody>
+                      <a:tcPr/>
+                    </a:tc>
+                    <a:tc>
+                      <a:txBody>
+                        <a:bodyPr/>
+                        <a:lstStyle/>
+                        <a:p>
+                          <a:pPr algn="ctr"/>
+                          <a14:m>
+                            <m:oMathPara xmlns:m="http://schemas.openxmlformats.org/officeDocument/2006/math">
+                              <m:oMathParaPr>
+                                <m:jc m:val="centerGroup"/>
+                              </m:oMathParaPr>
+                              <m:oMath xmlns:m="http://schemas.openxmlformats.org/officeDocument/2006/math">
+                                <m:r>
+                                  <a:rPr lang="en-US" i="1" dirty="0" smtClean="0">
+                                    <a:latin typeface="Cambria Math" panose="02040503050406030204" pitchFamily="18" charset="0"/>
+                                  </a:rPr>
+                                  <m:t>10</m:t>
+                                </m:r>
+                              </m:oMath>
+                            </m:oMathPara>
+                          </a14:m>
+                          <a:endParaRPr lang="en-US" dirty="0"/>
+                        </a:p>
+                      </a:txBody>
+                      <a:tcPr/>
+                    </a:tc>
+                    <a:tc>
+                      <a:txBody>
+                        <a:bodyPr/>
+                        <a:lstStyle/>
+                        <a:p>
+                          <a:pPr algn="ctr"/>
+                          <a14:m>
+                            <m:oMathPara xmlns:m="http://schemas.openxmlformats.org/officeDocument/2006/math">
+                              <m:oMathParaPr>
+                                <m:jc m:val="centerGroup"/>
+                              </m:oMathParaPr>
+                              <m:oMath xmlns:m="http://schemas.openxmlformats.org/officeDocument/2006/math">
+                                <m:r>
+                                  <a:rPr lang="en-US" i="1" dirty="0" smtClean="0">
+                                    <a:latin typeface="Cambria Math" panose="02040503050406030204" pitchFamily="18" charset="0"/>
+                                  </a:rPr>
+                                  <m:t>7</m:t>
+                                </m:r>
+                              </m:oMath>
+                            </m:oMathPara>
+                          </a14:m>
+                          <a:endParaRPr lang="en-US" dirty="0"/>
+                        </a:p>
+                      </a:txBody>
+                      <a:tcPr/>
+                    </a:tc>
+                    <a:tc>
+                      <a:txBody>
+                        <a:bodyPr/>
+                        <a:lstStyle/>
+                        <a:p>
+                          <a:pPr algn="ctr"/>
+                          <a:endParaRPr lang="en-US" dirty="0"/>
+                        </a:p>
+                      </a:txBody>
+                      <a:tcPr/>
+                    </a:tc>
+                    <a:extLst>
+                      <a:ext uri="{0D108BD9-81ED-4DB2-BD59-A6C34878D82A}">
+                        <a16:rowId xmlns:a16="http://schemas.microsoft.com/office/drawing/2014/main" val="594504162"/>
+                      </a:ext>
+                    </a:extLst>
+                  </a:tr>
+                  <a:tr h="370840">
+                    <a:tc>
+                      <a:txBody>
+                        <a:bodyPr/>
+                        <a:lstStyle/>
+                        <a:p>
+                          <a:pPr algn="ctr"/>
+                          <a14:m>
+                            <m:oMathPara xmlns:m="http://schemas.openxmlformats.org/officeDocument/2006/math">
+                              <m:oMathParaPr>
+                                <m:jc m:val="centerGroup"/>
+                              </m:oMathParaPr>
+                              <m:oMath xmlns:m="http://schemas.openxmlformats.org/officeDocument/2006/math">
+                                <m:sSub>
+                                  <m:sSubPr>
+                                    <m:ctrlPr>
+                                      <a:rPr lang="en-US" b="0" i="1" smtClean="0">
+                                        <a:latin typeface="Cambria Math" panose="02040503050406030204" pitchFamily="18" charset="0"/>
+                                      </a:rPr>
+                                    </m:ctrlPr>
+                                  </m:sSubPr>
+                                  <m:e>
+                                    <m:r>
+                                      <a:rPr lang="en-US" b="0" i="1" smtClean="0">
+                                        <a:latin typeface="Cambria Math" panose="02040503050406030204" pitchFamily="18" charset="0"/>
+                                      </a:rPr>
+                                      <m:t>𝑑</m:t>
+                                    </m:r>
+                                  </m:e>
+                                  <m:sub>
+                                    <m:r>
+                                      <a:rPr lang="en-US" b="0" i="1" smtClean="0">
+                                        <a:latin typeface="Cambria Math" panose="02040503050406030204" pitchFamily="18" charset="0"/>
+                                      </a:rPr>
+                                      <m:t>1</m:t>
+                                    </m:r>
+                                  </m:sub>
+                                </m:sSub>
+                              </m:oMath>
+                            </m:oMathPara>
+                          </a14:m>
+                          <a:endParaRPr lang="en-US" dirty="0"/>
+                        </a:p>
+                      </a:txBody>
+                      <a:tcPr/>
+                    </a:tc>
+                    <a:tc>
+                      <a:txBody>
+                        <a:bodyPr/>
+                        <a:lstStyle/>
+                        <a:p>
+                          <a:pPr algn="ctr"/>
+                          <a14:m>
+                            <m:oMathPara xmlns:m="http://schemas.openxmlformats.org/officeDocument/2006/math">
+                              <m:oMathParaPr>
+                                <m:jc m:val="centerGroup"/>
+                              </m:oMathParaPr>
+                              <m:oMath xmlns:m="http://schemas.openxmlformats.org/officeDocument/2006/math">
+                                <m:r>
+                                  <a:rPr lang="en-US" b="0" i="1" smtClean="0">
+                                    <a:latin typeface="Cambria Math" panose="02040503050406030204" pitchFamily="18" charset="0"/>
+                                  </a:rPr>
+                                  <m:t>0</m:t>
+                                </m:r>
+                              </m:oMath>
+                            </m:oMathPara>
+                          </a14:m>
+                          <a:endParaRPr lang="en-US" dirty="0"/>
+                        </a:p>
+                      </a:txBody>
+                      <a:tcPr/>
+                    </a:tc>
+                    <a:tc>
+                      <a:txBody>
+                        <a:bodyPr/>
+                        <a:lstStyle/>
+                        <a:p>
+                          <a:pPr marL="0" marR="0" lvl="0" indent="0" algn="ctr" defTabSz="914400" rtl="0" eaLnBrk="1" fontAlgn="auto" latinLnBrk="0" hangingPunct="1">
+                            <a:lnSpc>
+                              <a:spcPct val="100000"/>
+                            </a:lnSpc>
+                            <a:spcBef>
+                              <a:spcPts val="0"/>
+                            </a:spcBef>
+                            <a:spcAft>
+                              <a:spcPts val="0"/>
+                            </a:spcAft>
+                            <a:buClrTx/>
+                            <a:buSzTx/>
+                            <a:buFontTx/>
+                            <a:buNone/>
+                            <a:tabLst/>
+                            <a:defRPr/>
+                          </a:pPr>
+                          <a14:m>
+                            <m:oMathPara xmlns:m="http://schemas.openxmlformats.org/officeDocument/2006/math">
+                              <m:oMathParaPr>
+                                <m:jc m:val="centerGroup"/>
+                              </m:oMathParaPr>
+                              <m:oMath xmlns:m="http://schemas.openxmlformats.org/officeDocument/2006/math">
+                                <m:r>
+                                  <a:rPr lang="en-US" b="0" i="1" smtClean="0">
+                                    <a:latin typeface="Cambria Math" panose="02040503050406030204" pitchFamily="18" charset="0"/>
+                                  </a:rPr>
+                                  <m:t>0</m:t>
+                                </m:r>
+                              </m:oMath>
+                            </m:oMathPara>
+                          </a14:m>
+                          <a:endParaRPr lang="en-US" dirty="0"/>
+                        </a:p>
+                      </a:txBody>
+                      <a:tcPr/>
+                    </a:tc>
+                    <a:tc>
+                      <a:txBody>
+                        <a:bodyPr/>
+                        <a:lstStyle/>
+                        <a:p>
+                          <a:pPr marL="0" marR="0" lvl="0" indent="0" algn="ctr" defTabSz="914400" rtl="0" eaLnBrk="1" fontAlgn="auto" latinLnBrk="0" hangingPunct="1">
+                            <a:lnSpc>
+                              <a:spcPct val="100000"/>
+                            </a:lnSpc>
+                            <a:spcBef>
+                              <a:spcPts val="0"/>
+                            </a:spcBef>
+                            <a:spcAft>
+                              <a:spcPts val="0"/>
+                            </a:spcAft>
+                            <a:buClrTx/>
+                            <a:buSzTx/>
+                            <a:buFontTx/>
+                            <a:buNone/>
+                            <a:tabLst/>
+                            <a:defRPr/>
+                          </a:pPr>
+                          <a14:m>
+                            <m:oMathPara xmlns:m="http://schemas.openxmlformats.org/officeDocument/2006/math">
+                              <m:oMathParaPr>
+                                <m:jc m:val="centerGroup"/>
+                              </m:oMathParaPr>
+                              <m:oMath xmlns:m="http://schemas.openxmlformats.org/officeDocument/2006/math">
+                                <m:r>
+                                  <a:rPr lang="en-US" b="0" i="1" smtClean="0">
+                                    <a:latin typeface="Cambria Math" panose="02040503050406030204" pitchFamily="18" charset="0"/>
+                                  </a:rPr>
+                                  <m:t>0</m:t>
+                                </m:r>
+                              </m:oMath>
+                            </m:oMathPara>
+                          </a14:m>
+                          <a:endParaRPr lang="en-US" dirty="0"/>
+                        </a:p>
+                      </a:txBody>
+                      <a:tcPr/>
+                    </a:tc>
+                    <a:tc>
+                      <a:txBody>
+                        <a:bodyPr/>
+                        <a:lstStyle/>
+                        <a:p>
+                          <a:pPr algn="ctr"/>
+                          <a14:m>
+                            <m:oMathPara xmlns:m="http://schemas.openxmlformats.org/officeDocument/2006/math">
+                              <m:oMathParaPr>
+                                <m:jc m:val="centerGroup"/>
+                              </m:oMathParaPr>
+                              <m:oMath xmlns:m="http://schemas.openxmlformats.org/officeDocument/2006/math">
+                                <m:sSub>
+                                  <m:sSubPr>
+                                    <m:ctrlPr>
+                                      <a:rPr lang="en-US" b="0" i="1" smtClean="0">
+                                        <a:latin typeface="Cambria Math" panose="02040503050406030204" pitchFamily="18" charset="0"/>
+                                      </a:rPr>
+                                    </m:ctrlPr>
+                                  </m:sSubPr>
+                                  <m:e>
+                                    <m:r>
+                                      <a:rPr lang="en-US" b="0" i="1" smtClean="0">
+                                        <a:latin typeface="Cambria Math" panose="02040503050406030204" pitchFamily="18" charset="0"/>
+                                      </a:rPr>
+                                      <m:t>𝑝</m:t>
+                                    </m:r>
+                                  </m:e>
+                                  <m:sub>
+                                    <m:r>
+                                      <a:rPr lang="en-US" b="0" i="1" smtClean="0">
+                                        <a:latin typeface="Cambria Math" panose="02040503050406030204" pitchFamily="18" charset="0"/>
+                                      </a:rPr>
+                                      <m:t>1</m:t>
+                                    </m:r>
+                                  </m:sub>
+                                </m:sSub>
+                                <m:r>
+                                  <a:rPr lang="en-US" b="0" i="1" smtClean="0">
+                                    <a:latin typeface="Cambria Math" panose="02040503050406030204" pitchFamily="18" charset="0"/>
+                                  </a:rPr>
+                                  <m:t>=0.5, </m:t>
+                                </m:r>
+                                <m:sSub>
+                                  <m:sSubPr>
+                                    <m:ctrlPr>
+                                      <a:rPr lang="en-US" b="0" i="1" smtClean="0">
+                                        <a:latin typeface="Cambria Math" panose="02040503050406030204" pitchFamily="18" charset="0"/>
+                                      </a:rPr>
+                                    </m:ctrlPr>
+                                  </m:sSubPr>
+                                  <m:e>
+                                    <m:r>
+                                      <a:rPr lang="en-US" b="0" i="1" smtClean="0">
+                                        <a:latin typeface="Cambria Math" panose="02040503050406030204" pitchFamily="18" charset="0"/>
+                                      </a:rPr>
+                                      <m:t>𝐻</m:t>
+                                    </m:r>
+                                  </m:e>
+                                  <m:sub>
+                                    <m:r>
+                                      <a:rPr lang="en-US" b="0" i="1" smtClean="0">
+                                        <a:latin typeface="Cambria Math" panose="02040503050406030204" pitchFamily="18" charset="0"/>
+                                      </a:rPr>
+                                      <m:t>1</m:t>
+                                    </m:r>
+                                  </m:sub>
+                                </m:sSub>
+                                <m:r>
+                                  <a:rPr lang="en-US" b="0" i="1" smtClean="0">
+                                    <a:latin typeface="Cambria Math" panose="02040503050406030204" pitchFamily="18" charset="0"/>
+                                  </a:rPr>
+                                  <m:t>=+∞</m:t>
+                                </m:r>
+                              </m:oMath>
+                            </m:oMathPara>
+                          </a14:m>
+                          <a:endParaRPr lang="en-US" dirty="0"/>
+                        </a:p>
+                      </a:txBody>
+                      <a:tcPr/>
+                    </a:tc>
+                    <a:extLst>
+                      <a:ext uri="{0D108BD9-81ED-4DB2-BD59-A6C34878D82A}">
+                        <a16:rowId xmlns:a16="http://schemas.microsoft.com/office/drawing/2014/main" val="3623676819"/>
+                      </a:ext>
+                    </a:extLst>
+                  </a:tr>
+                  <a:tr h="370840">
+                    <a:tc>
+                      <a:txBody>
+                        <a:bodyPr/>
+                        <a:lstStyle/>
+                        <a:p>
+                          <a:pPr algn="ctr"/>
+                          <a14:m>
+                            <m:oMathPara xmlns:m="http://schemas.openxmlformats.org/officeDocument/2006/math">
+                              <m:oMathParaPr>
+                                <m:jc m:val="centerGroup"/>
+                              </m:oMathParaPr>
+                              <m:oMath xmlns:m="http://schemas.openxmlformats.org/officeDocument/2006/math">
+                                <m:sSub>
+                                  <m:sSubPr>
+                                    <m:ctrlPr>
+                                      <a:rPr lang="en-US" b="0" i="1" smtClean="0">
+                                        <a:latin typeface="Cambria Math" panose="02040503050406030204" pitchFamily="18" charset="0"/>
+                                      </a:rPr>
+                                    </m:ctrlPr>
+                                  </m:sSubPr>
+                                  <m:e>
+                                    <m:r>
+                                      <a:rPr lang="en-US" b="0" i="1" smtClean="0">
+                                        <a:latin typeface="Cambria Math" panose="02040503050406030204" pitchFamily="18" charset="0"/>
+                                      </a:rPr>
+                                      <m:t>𝑑</m:t>
+                                    </m:r>
+                                  </m:e>
+                                  <m:sub>
+                                    <m:r>
+                                      <a:rPr lang="en-US" b="0" i="1" smtClean="0">
+                                        <a:latin typeface="Cambria Math" panose="02040503050406030204" pitchFamily="18" charset="0"/>
+                                      </a:rPr>
+                                      <m:t>2</m:t>
+                                    </m:r>
+                                  </m:sub>
+                                </m:sSub>
+                              </m:oMath>
+                            </m:oMathPara>
+                          </a14:m>
+                          <a:endParaRPr lang="en-US" dirty="0"/>
+                        </a:p>
+                      </a:txBody>
+                      <a:tcPr/>
+                    </a:tc>
+                    <a:tc>
+                      <a:txBody>
+                        <a:bodyPr/>
+                        <a:lstStyle/>
+                        <a:p>
+                          <a:pPr algn="ctr"/>
+                          <a14:m>
+                            <m:oMathPara xmlns:m="http://schemas.openxmlformats.org/officeDocument/2006/math">
+                              <m:oMathParaPr>
+                                <m:jc m:val="centerGroup"/>
+                              </m:oMathParaPr>
+                              <m:oMath xmlns:m="http://schemas.openxmlformats.org/officeDocument/2006/math">
+                                <m:r>
+                                  <a:rPr lang="en-US" i="1" dirty="0" smtClean="0">
+                                    <a:latin typeface="Cambria Math" panose="02040503050406030204" pitchFamily="18" charset="0"/>
+                                  </a:rPr>
+                                  <m:t>0</m:t>
+                                </m:r>
+                              </m:oMath>
+                            </m:oMathPara>
+                          </a14:m>
+                          <a:endParaRPr lang="en-US" dirty="0"/>
+                        </a:p>
+                      </a:txBody>
+                      <a:tcPr/>
+                    </a:tc>
+                    <a:tc>
+                      <a:txBody>
+                        <a:bodyPr/>
+                        <a:lstStyle/>
+                        <a:p>
+                          <a:pPr algn="ctr"/>
+                          <a14:m>
+                            <m:oMathPara xmlns:m="http://schemas.openxmlformats.org/officeDocument/2006/math">
+                              <m:oMathParaPr>
+                                <m:jc m:val="centerGroup"/>
+                              </m:oMathParaPr>
+                              <m:oMath xmlns:m="http://schemas.openxmlformats.org/officeDocument/2006/math">
+                                <m:r>
+                                  <a:rPr lang="en-US" b="0" i="1" dirty="0" smtClean="0">
+                                    <a:latin typeface="Cambria Math" panose="02040503050406030204" pitchFamily="18" charset="0"/>
+                                  </a:rPr>
+                                  <m:t>0.1</m:t>
+                                </m:r>
+                              </m:oMath>
+                            </m:oMathPara>
+                          </a14:m>
+                          <a:endParaRPr lang="en-US" dirty="0"/>
+                        </a:p>
+                      </a:txBody>
+                      <a:tcPr/>
+                    </a:tc>
+                    <a:tc>
+                      <a:txBody>
+                        <a:bodyPr/>
+                        <a:lstStyle/>
+                        <a:p>
+                          <a:pPr marL="0" marR="0" lvl="0" indent="0" algn="ctr" defTabSz="914400" rtl="0" eaLnBrk="1" fontAlgn="auto" latinLnBrk="0" hangingPunct="1">
+                            <a:lnSpc>
+                              <a:spcPct val="100000"/>
+                            </a:lnSpc>
+                            <a:spcBef>
+                              <a:spcPts val="0"/>
+                            </a:spcBef>
+                            <a:spcAft>
+                              <a:spcPts val="0"/>
+                            </a:spcAft>
+                            <a:buClrTx/>
+                            <a:buSzTx/>
+                            <a:buFontTx/>
+                            <a:buNone/>
+                            <a:tabLst/>
+                            <a:defRPr/>
+                          </a:pPr>
+                          <a14:m>
+                            <m:oMathPara xmlns:m="http://schemas.openxmlformats.org/officeDocument/2006/math">
+                              <m:oMathParaPr>
+                                <m:jc m:val="centerGroup"/>
+                              </m:oMathParaPr>
+                              <m:oMath xmlns:m="http://schemas.openxmlformats.org/officeDocument/2006/math">
+                                <m:r>
+                                  <a:rPr lang="en-US" b="0" i="1" smtClean="0">
+                                    <a:latin typeface="Cambria Math" panose="02040503050406030204" pitchFamily="18" charset="0"/>
+                                  </a:rPr>
+                                  <m:t>6</m:t>
+                                </m:r>
+                              </m:oMath>
+                            </m:oMathPara>
+                          </a14:m>
+                          <a:endParaRPr lang="en-US" dirty="0"/>
+                        </a:p>
+                      </a:txBody>
+                      <a:tcPr/>
+                    </a:tc>
+                    <a:tc>
+                      <a:txBody>
+                        <a:bodyPr/>
+                        <a:lstStyle/>
+                        <a:p>
+                          <a:pPr algn="ctr"/>
+                          <a14:m>
+                            <m:oMathPara xmlns:m="http://schemas.openxmlformats.org/officeDocument/2006/math">
+                              <m:oMathParaPr>
+                                <m:jc m:val="centerGroup"/>
+                              </m:oMathParaPr>
+                              <m:oMath xmlns:m="http://schemas.openxmlformats.org/officeDocument/2006/math">
+                                <m:sSub>
+                                  <m:sSubPr>
+                                    <m:ctrlPr>
+                                      <a:rPr lang="en-US" b="0" i="1" smtClean="0">
+                                        <a:latin typeface="Cambria Math" panose="02040503050406030204" pitchFamily="18" charset="0"/>
+                                      </a:rPr>
+                                    </m:ctrlPr>
+                                  </m:sSubPr>
+                                  <m:e>
+                                    <m:r>
+                                      <a:rPr lang="en-US" b="0" i="1" smtClean="0">
+                                        <a:latin typeface="Cambria Math" panose="02040503050406030204" pitchFamily="18" charset="0"/>
+                                      </a:rPr>
+                                      <m:t>𝑝</m:t>
+                                    </m:r>
+                                  </m:e>
+                                  <m:sub>
+                                    <m:r>
+                                      <a:rPr lang="en-US" b="0" i="1" smtClean="0">
+                                        <a:latin typeface="Cambria Math" panose="02040503050406030204" pitchFamily="18" charset="0"/>
+                                      </a:rPr>
+                                      <m:t>2</m:t>
+                                    </m:r>
+                                  </m:sub>
+                                </m:sSub>
+                                <m:r>
+                                  <a:rPr lang="en-US" b="0" i="1" smtClean="0">
+                                    <a:latin typeface="Cambria Math" panose="02040503050406030204" pitchFamily="18" charset="0"/>
+                                  </a:rPr>
+                                  <m:t>=0.5, </m:t>
+                                </m:r>
+                                <m:sSub>
+                                  <m:sSubPr>
+                                    <m:ctrlPr>
+                                      <a:rPr lang="en-US" b="0" i="1" smtClean="0">
+                                        <a:latin typeface="Cambria Math" panose="02040503050406030204" pitchFamily="18" charset="0"/>
+                                      </a:rPr>
+                                    </m:ctrlPr>
+                                  </m:sSubPr>
+                                  <m:e>
+                                    <m:r>
+                                      <a:rPr lang="en-US" b="0" i="1" smtClean="0">
+                                        <a:latin typeface="Cambria Math" panose="02040503050406030204" pitchFamily="18" charset="0"/>
+                                      </a:rPr>
+                                      <m:t>𝐻</m:t>
+                                    </m:r>
+                                  </m:e>
+                                  <m:sub>
+                                    <m:r>
+                                      <a:rPr lang="en-US" b="0" i="1" smtClean="0">
+                                        <a:latin typeface="Cambria Math" panose="02040503050406030204" pitchFamily="18" charset="0"/>
+                                      </a:rPr>
+                                      <m:t>2</m:t>
+                                    </m:r>
+                                  </m:sub>
+                                </m:sSub>
+                                <m:r>
+                                  <a:rPr lang="en-US" b="0" i="1" smtClean="0">
+                                    <a:latin typeface="Cambria Math" panose="02040503050406030204" pitchFamily="18" charset="0"/>
+                                  </a:rPr>
+                                  <m:t>=</m:t>
+                                </m:r>
+                                <m:r>
+                                  <a:rPr lang="en-US" b="0" i="1" smtClean="0">
+                                    <a:latin typeface="Cambria Math" panose="02040503050406030204" pitchFamily="18" charset="0"/>
+                                  </a:rPr>
+                                  <m:t>9.1</m:t>
+                                </m:r>
+                              </m:oMath>
+                            </m:oMathPara>
+                          </a14:m>
+                          <a:endParaRPr lang="en-US" dirty="0"/>
+                        </a:p>
+                      </a:txBody>
+                      <a:tcPr/>
+                    </a:tc>
+                    <a:extLst>
+                      <a:ext uri="{0D108BD9-81ED-4DB2-BD59-A6C34878D82A}">
+                        <a16:rowId xmlns:a16="http://schemas.microsoft.com/office/drawing/2014/main" val="3028093013"/>
+                      </a:ext>
+                    </a:extLst>
+                  </a:tr>
+                </a:tbl>
+              </a:graphicData>
+            </a:graphic>
+          </p:graphicFrame>
+        </mc:Choice>
+        <mc:Fallback>
+          <p:graphicFrame>
+            <p:nvGraphicFramePr>
+              <p:cNvPr id="3" name="Table 2">
+                <a:extLst>
+                  <a:ext uri="{FF2B5EF4-FFF2-40B4-BE49-F238E27FC236}">
+                    <a16:creationId xmlns:a16="http://schemas.microsoft.com/office/drawing/2014/main" id="{E75FE42A-A0B4-9E4F-9BC3-785D9BBEC279}"/>
+                  </a:ext>
+                </a:extLst>
+              </p:cNvPr>
+              <p:cNvGraphicFramePr>
+                <a:graphicFrameLocks noGrp="1"/>
+              </p:cNvGraphicFramePr>
+              <p:nvPr>
+                <p:extLst>
+                  <p:ext uri="{D42A27DB-BD31-4B8C-83A1-F6EECF244321}">
+                    <p14:modId xmlns:p14="http://schemas.microsoft.com/office/powerpoint/2010/main" val="2200155087"/>
+                  </p:ext>
+                </p:extLst>
+              </p:nvPr>
+            </p:nvGraphicFramePr>
+            <p:xfrm>
+              <a:off x="1054007" y="2177405"/>
+              <a:ext cx="8487557" cy="1112520"/>
+            </p:xfrm>
+            <a:graphic>
+              <a:graphicData uri="http://schemas.openxmlformats.org/drawingml/2006/table">
+                <a:tbl>
+                  <a:tblPr bandRow="1">
+                    <a:tableStyleId>{5C22544A-7EE6-4342-B048-85BDC9FD1C3A}</a:tableStyleId>
+                  </a:tblPr>
+                  <a:tblGrid>
+                    <a:gridCol w="1056553">
+                      <a:extLst>
+                        <a:ext uri="{9D8B030D-6E8A-4147-A177-3AD203B41FA5}">
+                          <a16:colId xmlns:a16="http://schemas.microsoft.com/office/drawing/2014/main" val="99506741"/>
+                        </a:ext>
+                      </a:extLst>
+                    </a:gridCol>
+                    <a:gridCol w="1717210">
+                      <a:extLst>
+                        <a:ext uri="{9D8B030D-6E8A-4147-A177-3AD203B41FA5}">
+                          <a16:colId xmlns:a16="http://schemas.microsoft.com/office/drawing/2014/main" val="1993768055"/>
+                        </a:ext>
+                      </a:extLst>
+                    </a:gridCol>
+                    <a:gridCol w="1717210">
+                      <a:extLst>
+                        <a:ext uri="{9D8B030D-6E8A-4147-A177-3AD203B41FA5}">
+                          <a16:colId xmlns:a16="http://schemas.microsoft.com/office/drawing/2014/main" val="1000401685"/>
+                        </a:ext>
+                      </a:extLst>
+                    </a:gridCol>
+                    <a:gridCol w="1717210">
+                      <a:extLst>
+                        <a:ext uri="{9D8B030D-6E8A-4147-A177-3AD203B41FA5}">
+                          <a16:colId xmlns:a16="http://schemas.microsoft.com/office/drawing/2014/main" val="859686324"/>
+                        </a:ext>
+                      </a:extLst>
+                    </a:gridCol>
+                    <a:gridCol w="2279374">
+                      <a:extLst>
+                        <a:ext uri="{9D8B030D-6E8A-4147-A177-3AD203B41FA5}">
+                          <a16:colId xmlns:a16="http://schemas.microsoft.com/office/drawing/2014/main" val="3615305869"/>
+                        </a:ext>
+                      </a:extLst>
+                    </a:gridCol>
+                  </a:tblGrid>
+                  <a:tr h="370840">
+                    <a:tc>
+                      <a:txBody>
+                        <a:bodyPr/>
+                        <a:lstStyle/>
+                        <a:p>
+                          <a:endParaRPr lang="en-US"/>
+                        </a:p>
+                      </a:txBody>
+                      <a:tcPr>
+                        <a:blipFill>
+                          <a:blip r:embed="rId2"/>
+                          <a:stretch>
+                            <a:fillRect t="-3333" r="-707229" b="-200000"/>
+                          </a:stretch>
+                        </a:blipFill>
+                      </a:tcPr>
+                    </a:tc>
+                    <a:tc>
+                      <a:txBody>
+                        <a:bodyPr/>
+                        <a:lstStyle/>
+                        <a:p>
+                          <a:endParaRPr lang="en-US"/>
+                        </a:p>
+                      </a:txBody>
+                      <a:tcPr>
+                        <a:blipFill>
+                          <a:blip r:embed="rId2"/>
+                          <a:stretch>
+                            <a:fillRect l="-61029" t="-3333" r="-331618" b="-200000"/>
+                          </a:stretch>
+                        </a:blipFill>
+                      </a:tcPr>
+                    </a:tc>
+                    <a:tc>
+                      <a:txBody>
+                        <a:bodyPr/>
+                        <a:lstStyle/>
+                        <a:p>
+                          <a:endParaRPr lang="en-US"/>
+                        </a:p>
+                      </a:txBody>
+                      <a:tcPr>
+                        <a:blipFill>
+                          <a:blip r:embed="rId2"/>
+                          <a:stretch>
+                            <a:fillRect l="-161029" t="-3333" r="-231618" b="-200000"/>
+                          </a:stretch>
+                        </a:blipFill>
+                      </a:tcPr>
+                    </a:tc>
+                    <a:tc>
+                      <a:txBody>
+                        <a:bodyPr/>
+                        <a:lstStyle/>
+                        <a:p>
+                          <a:endParaRPr lang="en-US"/>
+                        </a:p>
+                      </a:txBody>
+                      <a:tcPr>
+                        <a:blipFill>
+                          <a:blip r:embed="rId2"/>
+                          <a:stretch>
+                            <a:fillRect l="-262963" t="-3333" r="-133333" b="-200000"/>
+                          </a:stretch>
+                        </a:blipFill>
+                      </a:tcPr>
+                    </a:tc>
+                    <a:tc>
+                      <a:txBody>
+                        <a:bodyPr/>
+                        <a:lstStyle/>
+                        <a:p>
+                          <a:pPr algn="ctr"/>
+                          <a:endParaRPr lang="en-US" dirty="0"/>
+                        </a:p>
+                      </a:txBody>
+                      <a:tcPr/>
+                    </a:tc>
+                    <a:extLst>
+                      <a:ext uri="{0D108BD9-81ED-4DB2-BD59-A6C34878D82A}">
+                        <a16:rowId xmlns:a16="http://schemas.microsoft.com/office/drawing/2014/main" val="594504162"/>
+                      </a:ext>
+                    </a:extLst>
+                  </a:tr>
+                  <a:tr h="370840">
+                    <a:tc>
+                      <a:txBody>
+                        <a:bodyPr/>
+                        <a:lstStyle/>
+                        <a:p>
+                          <a:endParaRPr lang="en-US"/>
+                        </a:p>
+                      </a:txBody>
+                      <a:tcPr>
+                        <a:blipFill>
+                          <a:blip r:embed="rId2"/>
+                          <a:stretch>
+                            <a:fillRect t="-106897" r="-707229" b="-106897"/>
+                          </a:stretch>
+                        </a:blipFill>
+                      </a:tcPr>
+                    </a:tc>
+                    <a:tc>
+                      <a:txBody>
+                        <a:bodyPr/>
+                        <a:lstStyle/>
+                        <a:p>
+                          <a:endParaRPr lang="en-US"/>
+                        </a:p>
+                      </a:txBody>
+                      <a:tcPr>
+                        <a:blipFill>
+                          <a:blip r:embed="rId2"/>
+                          <a:stretch>
+                            <a:fillRect l="-61029" t="-106897" r="-331618" b="-106897"/>
+                          </a:stretch>
+                        </a:blipFill>
+                      </a:tcPr>
+                    </a:tc>
+                    <a:tc>
+                      <a:txBody>
+                        <a:bodyPr/>
+                        <a:lstStyle/>
+                        <a:p>
+                          <a:endParaRPr lang="en-US"/>
+                        </a:p>
+                      </a:txBody>
+                      <a:tcPr>
+                        <a:blipFill>
+                          <a:blip r:embed="rId2"/>
+                          <a:stretch>
+                            <a:fillRect l="-161029" t="-106897" r="-231618" b="-106897"/>
+                          </a:stretch>
+                        </a:blipFill>
+                      </a:tcPr>
+                    </a:tc>
+                    <a:tc>
+                      <a:txBody>
+                        <a:bodyPr/>
+                        <a:lstStyle/>
+                        <a:p>
+                          <a:endParaRPr lang="en-US"/>
+                        </a:p>
+                      </a:txBody>
+                      <a:tcPr>
+                        <a:blipFill>
+                          <a:blip r:embed="rId2"/>
+                          <a:stretch>
+                            <a:fillRect l="-262963" t="-106897" r="-133333" b="-106897"/>
+                          </a:stretch>
+                        </a:blipFill>
+                      </a:tcPr>
+                    </a:tc>
+                    <a:tc>
+                      <a:txBody>
+                        <a:bodyPr/>
+                        <a:lstStyle/>
+                        <a:p>
+                          <a:endParaRPr lang="en-US"/>
+                        </a:p>
+                      </a:txBody>
+                      <a:tcPr>
+                        <a:blipFill>
+                          <a:blip r:embed="rId2"/>
+                          <a:stretch>
+                            <a:fillRect l="-272222" t="-106897" b="-106897"/>
+                          </a:stretch>
+                        </a:blipFill>
+                      </a:tcPr>
+                    </a:tc>
+                    <a:extLst>
+                      <a:ext uri="{0D108BD9-81ED-4DB2-BD59-A6C34878D82A}">
+                        <a16:rowId xmlns:a16="http://schemas.microsoft.com/office/drawing/2014/main" val="3623676819"/>
+                      </a:ext>
+                    </a:extLst>
+                  </a:tr>
+                  <a:tr h="370840">
+                    <a:tc>
+                      <a:txBody>
+                        <a:bodyPr/>
+                        <a:lstStyle/>
+                        <a:p>
+                          <a:endParaRPr lang="en-US"/>
+                        </a:p>
+                      </a:txBody>
+                      <a:tcPr>
+                        <a:blipFill>
+                          <a:blip r:embed="rId2"/>
+                          <a:stretch>
+                            <a:fillRect t="-200000" r="-707229" b="-3333"/>
+                          </a:stretch>
+                        </a:blipFill>
+                      </a:tcPr>
+                    </a:tc>
+                    <a:tc>
+                      <a:txBody>
+                        <a:bodyPr/>
+                        <a:lstStyle/>
+                        <a:p>
+                          <a:endParaRPr lang="en-US"/>
+                        </a:p>
+                      </a:txBody>
+                      <a:tcPr>
+                        <a:blipFill>
+                          <a:blip r:embed="rId2"/>
+                          <a:stretch>
+                            <a:fillRect l="-61029" t="-200000" r="-331618" b="-3333"/>
+                          </a:stretch>
+                        </a:blipFill>
+                      </a:tcPr>
+                    </a:tc>
+                    <a:tc>
+                      <a:txBody>
+                        <a:bodyPr/>
+                        <a:lstStyle/>
+                        <a:p>
+                          <a:endParaRPr lang="en-US"/>
+                        </a:p>
+                      </a:txBody>
+                      <a:tcPr>
+                        <a:blipFill>
+                          <a:blip r:embed="rId2"/>
+                          <a:stretch>
+                            <a:fillRect l="-161029" t="-200000" r="-231618" b="-3333"/>
+                          </a:stretch>
+                        </a:blipFill>
+                      </a:tcPr>
+                    </a:tc>
+                    <a:tc>
+                      <a:txBody>
+                        <a:bodyPr/>
+                        <a:lstStyle/>
+                        <a:p>
+                          <a:endParaRPr lang="en-US"/>
+                        </a:p>
+                      </a:txBody>
+                      <a:tcPr>
+                        <a:blipFill>
+                          <a:blip r:embed="rId2"/>
+                          <a:stretch>
+                            <a:fillRect l="-262963" t="-200000" r="-133333" b="-3333"/>
+                          </a:stretch>
+                        </a:blipFill>
+                      </a:tcPr>
+                    </a:tc>
+                    <a:tc>
+                      <a:txBody>
+                        <a:bodyPr/>
+                        <a:lstStyle/>
+                        <a:p>
+                          <a:endParaRPr lang="en-US"/>
+                        </a:p>
+                      </a:txBody>
+                      <a:tcPr>
+                        <a:blipFill>
+                          <a:blip r:embed="rId2"/>
+                          <a:stretch>
+                            <a:fillRect l="-272222" t="-200000" b="-3333"/>
+                          </a:stretch>
+                        </a:blipFill>
+                      </a:tcPr>
+                    </a:tc>
+                    <a:extLst>
+                      <a:ext uri="{0D108BD9-81ED-4DB2-BD59-A6C34878D82A}">
+                        <a16:rowId xmlns:a16="http://schemas.microsoft.com/office/drawing/2014/main" val="3028093013"/>
+                      </a:ext>
+                    </a:extLst>
+                  </a:tr>
+                </a:tbl>
+              </a:graphicData>
+            </a:graphic>
+          </p:graphicFrame>
+        </mc:Fallback>
+      </mc:AlternateContent>
+      <p:sp>
+        <p:nvSpPr>
+          <p:cNvPr id="15" name="Oval 14">
+            <a:extLst>
+              <a:ext uri="{FF2B5EF4-FFF2-40B4-BE49-F238E27FC236}">
+                <a16:creationId xmlns:a16="http://schemas.microsoft.com/office/drawing/2014/main" id="{4FD14AE0-9BBC-DA4B-9A40-6B3E50873904}"/>
+              </a:ext>
+            </a:extLst>
+          </p:cNvPr>
+          <p:cNvSpPr/>
+          <p:nvPr/>
+        </p:nvSpPr>
+        <p:spPr>
+          <a:xfrm>
+            <a:off x="559927" y="1044435"/>
+            <a:ext cx="891250" cy="891250"/>
+          </a:xfrm>
+          <a:prstGeom prst="ellipse">
+            <a:avLst/>
+          </a:prstGeom>
+          <a:noFill/>
+          <a:ln w="38100">
+            <a:solidFill>
+              <a:schemeClr val="tx1"/>
+            </a:solidFill>
+          </a:ln>
+        </p:spPr>
+        <p:style>
+          <a:lnRef idx="2">
+            <a:schemeClr val="accent1">
+              <a:shade val="50000"/>
+            </a:schemeClr>
+          </a:lnRef>
+          <a:fillRef idx="1">
+            <a:schemeClr val="accent1"/>
+          </a:fillRef>
+          <a:effectRef idx="0">
+            <a:schemeClr val="accent1"/>
+          </a:effectRef>
+          <a:fontRef idx="minor">
+            <a:schemeClr val="lt1"/>
+          </a:fontRef>
+        </p:style>
+        <p:txBody>
+          <a:bodyPr rtlCol="0" anchor="ctr"/>
+          <a:lstStyle/>
+          <a:p>
+            <a:pPr algn="ctr"/>
+            <a:r>
+              <a:rPr lang="en-US" sz="3200" dirty="0">
+                <a:solidFill>
+                  <a:sysClr val="windowText" lastClr="000000"/>
+                </a:solidFill>
+              </a:rPr>
+              <a:t>S</a:t>
+            </a:r>
+          </a:p>
+        </p:txBody>
+      </p:sp>
+      <p:cxnSp>
+        <p:nvCxnSpPr>
+          <p:cNvPr id="16" name="Straight Arrow Connector 15">
+            <a:extLst>
+              <a:ext uri="{FF2B5EF4-FFF2-40B4-BE49-F238E27FC236}">
+                <a16:creationId xmlns:a16="http://schemas.microsoft.com/office/drawing/2014/main" id="{80A93BC4-61EF-BF4E-8D9C-4A054974BB8B}"/>
+              </a:ext>
+            </a:extLst>
+          </p:cNvPr>
+          <p:cNvCxnSpPr/>
+          <p:nvPr/>
+        </p:nvCxnSpPr>
+        <p:spPr>
+          <a:xfrm>
+            <a:off x="1451177" y="1490060"/>
+            <a:ext cx="918500" cy="0"/>
+          </a:xfrm>
+          <a:prstGeom prst="straightConnector1">
+            <a:avLst/>
+          </a:prstGeom>
+          <a:ln w="38100">
+            <a:solidFill>
+              <a:schemeClr val="tx1"/>
+            </a:solidFill>
+            <a:tailEnd type="triangle"/>
+          </a:ln>
+        </p:spPr>
+        <p:style>
+          <a:lnRef idx="1">
+            <a:schemeClr val="accent1"/>
+          </a:lnRef>
+          <a:fillRef idx="0">
+            <a:schemeClr val="accent1"/>
+          </a:fillRef>
+          <a:effectRef idx="0">
+            <a:schemeClr val="accent1"/>
+          </a:effectRef>
+          <a:fontRef idx="minor">
+            <a:schemeClr val="tx1"/>
+          </a:fontRef>
+        </p:style>
+      </p:cxnSp>
+    </p:spTree>
+    <p:extLst>
+      <p:ext uri="{BB962C8B-B14F-4D97-AF65-F5344CB8AC3E}">
+        <p14:creationId xmlns:p14="http://schemas.microsoft.com/office/powerpoint/2010/main" val="2274391693"/>
+      </p:ext>
+    </p:extLst>
+  </p:cSld>
+  <p:clrMapOvr>
+    <a:masterClrMapping/>
+  </p:clrMapOvr>
+</p:sld>
+</file>
+
+<file path=ppt/slides/slide3.xml><?xml version="1.0" encoding="utf-8"?>
+<p:sld xmlns:a="http://schemas.openxmlformats.org/drawingml/2006/main" xmlns:r="http://schemas.openxmlformats.org/officeDocument/2006/relationships" xmlns:p="http://schemas.openxmlformats.org/presentationml/2006/main">
+  <p:cSld>
+    <p:spTree>
+      <p:nvGrpSpPr>
+        <p:cNvPr id="1" name=""/>
+        <p:cNvGrpSpPr/>
+        <p:nvPr/>
+      </p:nvGrpSpPr>
+      <p:grpSpPr>
+        <a:xfrm>
+          <a:off x="0" y="0"/>
+          <a:ext cx="0" cy="0"/>
+          <a:chOff x="0" y="0"/>
+          <a:chExt cx="0" cy="0"/>
+        </a:xfrm>
+      </p:grpSpPr>
+      <p:sp>
+        <p:nvSpPr>
+          <p:cNvPr id="4" name="Oval 3"/>
+          <p:cNvSpPr/>
+          <p:nvPr/>
+        </p:nvSpPr>
+        <p:spPr>
+          <a:xfrm>
+            <a:off x="2342427" y="1044435"/>
+            <a:ext cx="891250" cy="891250"/>
+          </a:xfrm>
+          <a:prstGeom prst="ellipse">
+            <a:avLst/>
+          </a:prstGeom>
+          <a:noFill/>
+          <a:ln w="38100">
+            <a:solidFill>
+              <a:schemeClr val="tx1"/>
+            </a:solidFill>
+          </a:ln>
+        </p:spPr>
+        <p:style>
+          <a:lnRef idx="2">
+            <a:schemeClr val="accent1">
+              <a:shade val="50000"/>
+            </a:schemeClr>
+          </a:lnRef>
+          <a:fillRef idx="1">
+            <a:schemeClr val="accent1"/>
+          </a:fillRef>
+          <a:effectRef idx="0">
+            <a:schemeClr val="accent1"/>
+          </a:effectRef>
+          <a:fontRef idx="minor">
+            <a:schemeClr val="lt1"/>
+          </a:fontRef>
+        </p:style>
+        <p:txBody>
+          <a:bodyPr rtlCol="0" anchor="ctr"/>
+          <a:lstStyle/>
+          <a:p>
+            <a:pPr algn="ctr"/>
+            <a:r>
+              <a:rPr lang="en-US" sz="3200" dirty="0">
+                <a:solidFill>
+                  <a:sysClr val="windowText" lastClr="000000"/>
+                </a:solidFill>
+              </a:rPr>
+              <a:t>1</a:t>
+            </a:r>
+          </a:p>
+        </p:txBody>
+      </p:sp>
+      <p:sp>
+        <p:nvSpPr>
+          <p:cNvPr id="6" name="Oval 5"/>
+          <p:cNvSpPr/>
+          <p:nvPr/>
+        </p:nvSpPr>
+        <p:spPr>
+          <a:xfrm>
+            <a:off x="4152177" y="1044435"/>
+            <a:ext cx="891250" cy="891250"/>
+          </a:xfrm>
+          <a:prstGeom prst="ellipse">
+            <a:avLst/>
+          </a:prstGeom>
+          <a:noFill/>
+          <a:ln w="38100">
+            <a:solidFill>
+              <a:schemeClr val="tx1"/>
+            </a:solidFill>
+          </a:ln>
+        </p:spPr>
+        <p:style>
+          <a:lnRef idx="2">
+            <a:schemeClr val="accent1">
+              <a:shade val="50000"/>
+            </a:schemeClr>
+          </a:lnRef>
+          <a:fillRef idx="1">
+            <a:schemeClr val="accent1"/>
+          </a:fillRef>
+          <a:effectRef idx="0">
+            <a:schemeClr val="accent1"/>
+          </a:effectRef>
+          <a:fontRef idx="minor">
+            <a:schemeClr val="lt1"/>
+          </a:fontRef>
+        </p:style>
+        <p:txBody>
+          <a:bodyPr rtlCol="0" anchor="ctr"/>
+          <a:lstStyle/>
+          <a:p>
+            <a:pPr algn="ctr"/>
+            <a:r>
+              <a:rPr lang="en-US" sz="3200" dirty="0">
+                <a:solidFill>
+                  <a:sysClr val="windowText" lastClr="000000"/>
+                </a:solidFill>
+              </a:rPr>
+              <a:t>2</a:t>
+            </a:r>
+          </a:p>
+        </p:txBody>
+      </p:sp>
+      <p:cxnSp>
+        <p:nvCxnSpPr>
+          <p:cNvPr id="9" name="Straight Arrow Connector 8"/>
+          <p:cNvCxnSpPr/>
+          <p:nvPr/>
+        </p:nvCxnSpPr>
+        <p:spPr>
+          <a:xfrm>
+            <a:off x="3233677" y="1490060"/>
+            <a:ext cx="918500" cy="0"/>
+          </a:xfrm>
+          <a:prstGeom prst="straightConnector1">
+            <a:avLst/>
+          </a:prstGeom>
+          <a:ln w="38100">
+            <a:solidFill>
+              <a:schemeClr val="tx1"/>
+            </a:solidFill>
+            <a:tailEnd type="triangle"/>
+          </a:ln>
+        </p:spPr>
+        <p:style>
+          <a:lnRef idx="1">
+            <a:schemeClr val="accent1"/>
+          </a:lnRef>
+          <a:fillRef idx="0">
+            <a:schemeClr val="accent1"/>
+          </a:fillRef>
+          <a:effectRef idx="0">
+            <a:schemeClr val="accent1"/>
+          </a:effectRef>
+          <a:fontRef idx="minor">
+            <a:schemeClr val="tx1"/>
+          </a:fontRef>
+        </p:style>
+      </p:cxnSp>
+      <p:sp>
+        <p:nvSpPr>
+          <p:cNvPr id="13" name="Oval 12"/>
+          <p:cNvSpPr/>
+          <p:nvPr/>
+        </p:nvSpPr>
+        <p:spPr>
+          <a:xfrm>
+            <a:off x="5961927" y="1044435"/>
+            <a:ext cx="891250" cy="891250"/>
+          </a:xfrm>
+          <a:prstGeom prst="ellipse">
+            <a:avLst/>
+          </a:prstGeom>
+          <a:noFill/>
+          <a:ln w="38100">
+            <a:solidFill>
+              <a:schemeClr val="tx1"/>
+            </a:solidFill>
+          </a:ln>
+        </p:spPr>
+        <p:style>
+          <a:lnRef idx="2">
+            <a:schemeClr val="accent1">
+              <a:shade val="50000"/>
+            </a:schemeClr>
+          </a:lnRef>
+          <a:fillRef idx="1">
+            <a:schemeClr val="accent1"/>
+          </a:fillRef>
+          <a:effectRef idx="0">
+            <a:schemeClr val="accent1"/>
+          </a:effectRef>
+          <a:fontRef idx="minor">
+            <a:schemeClr val="lt1"/>
+          </a:fontRef>
+        </p:style>
+        <p:txBody>
+          <a:bodyPr rtlCol="0" anchor="ctr"/>
+          <a:lstStyle/>
+          <a:p>
+            <a:pPr algn="ctr"/>
+            <a:r>
+              <a:rPr lang="en-US" sz="3200" dirty="0">
+                <a:solidFill>
+                  <a:sysClr val="windowText" lastClr="000000"/>
+                </a:solidFill>
+              </a:rPr>
+              <a:t>T</a:t>
+            </a:r>
+          </a:p>
+        </p:txBody>
+      </p:sp>
+      <p:cxnSp>
+        <p:nvCxnSpPr>
+          <p:cNvPr id="14" name="Straight Arrow Connector 13"/>
+          <p:cNvCxnSpPr/>
+          <p:nvPr/>
+        </p:nvCxnSpPr>
+        <p:spPr>
+          <a:xfrm>
+            <a:off x="5043427" y="1490060"/>
+            <a:ext cx="918500" cy="0"/>
+          </a:xfrm>
+          <a:prstGeom prst="straightConnector1">
+            <a:avLst/>
+          </a:prstGeom>
+          <a:ln w="38100">
+            <a:solidFill>
+              <a:schemeClr val="tx1"/>
+            </a:solidFill>
+            <a:tailEnd type="triangle"/>
+          </a:ln>
+        </p:spPr>
+        <p:style>
+          <a:lnRef idx="1">
+            <a:schemeClr val="accent1"/>
+          </a:lnRef>
+          <a:fillRef idx="0">
+            <a:schemeClr val="accent1"/>
+          </a:fillRef>
+          <a:effectRef idx="0">
+            <a:schemeClr val="accent1"/>
+          </a:effectRef>
+          <a:fontRef idx="minor">
+            <a:schemeClr val="tx1"/>
+          </a:fontRef>
+        </p:style>
+      </p:cxnSp>
+      <mc:AlternateContent xmlns:mc="http://schemas.openxmlformats.org/markup-compatibility/2006">
+        <mc:Choice xmlns:a14="http://schemas.microsoft.com/office/drawing/2010/main" Requires="a14">
+          <p:graphicFrame>
+            <p:nvGraphicFramePr>
+              <p:cNvPr id="3" name="Table 2">
+                <a:extLst>
+                  <a:ext uri="{FF2B5EF4-FFF2-40B4-BE49-F238E27FC236}">
+                    <a16:creationId xmlns:a16="http://schemas.microsoft.com/office/drawing/2014/main" id="{E75FE42A-A0B4-9E4F-9BC3-785D9BBEC279}"/>
+                  </a:ext>
+                </a:extLst>
+              </p:cNvPr>
+              <p:cNvGraphicFramePr>
+                <a:graphicFrameLocks noGrp="1"/>
+              </p:cNvGraphicFramePr>
+              <p:nvPr>
+                <p:extLst>
+                  <p:ext uri="{D42A27DB-BD31-4B8C-83A1-F6EECF244321}">
+                    <p14:modId xmlns:p14="http://schemas.microsoft.com/office/powerpoint/2010/main" val="3988679957"/>
+                  </p:ext>
+                </p:extLst>
+              </p:nvPr>
+            </p:nvGraphicFramePr>
+            <p:xfrm>
+              <a:off x="1054007" y="2177405"/>
+              <a:ext cx="8368290" cy="1698752"/>
+            </p:xfrm>
+            <a:graphic>
+              <a:graphicData uri="http://schemas.openxmlformats.org/drawingml/2006/table">
+                <a:tbl>
+                  <a:tblPr bandRow="1">
+                    <a:tableStyleId>{5C22544A-7EE6-4342-B048-85BDC9FD1C3A}</a:tableStyleId>
+                  </a:tblPr>
+                  <a:tblGrid>
+                    <a:gridCol w="1305922">
+                      <a:extLst>
+                        <a:ext uri="{9D8B030D-6E8A-4147-A177-3AD203B41FA5}">
+                          <a16:colId xmlns:a16="http://schemas.microsoft.com/office/drawing/2014/main" val="99506741"/>
+                        </a:ext>
+                      </a:extLst>
+                    </a:gridCol>
+                    <a:gridCol w="900106">
+                      <a:extLst>
+                        <a:ext uri="{9D8B030D-6E8A-4147-A177-3AD203B41FA5}">
+                          <a16:colId xmlns:a16="http://schemas.microsoft.com/office/drawing/2014/main" val="1993768055"/>
+                        </a:ext>
+                      </a:extLst>
+                    </a:gridCol>
+                    <a:gridCol w="2398643">
+                      <a:extLst>
+                        <a:ext uri="{9D8B030D-6E8A-4147-A177-3AD203B41FA5}">
+                          <a16:colId xmlns:a16="http://schemas.microsoft.com/office/drawing/2014/main" val="1000401685"/>
+                        </a:ext>
+                      </a:extLst>
+                    </a:gridCol>
+                    <a:gridCol w="3763619">
+                      <a:extLst>
+                        <a:ext uri="{9D8B030D-6E8A-4147-A177-3AD203B41FA5}">
+                          <a16:colId xmlns:a16="http://schemas.microsoft.com/office/drawing/2014/main" val="3615305869"/>
+                        </a:ext>
+                      </a:extLst>
+                    </a:gridCol>
+                  </a:tblGrid>
+                  <a:tr h="370840">
+                    <a:tc>
+                      <a:txBody>
+                        <a:bodyPr/>
+                        <a:lstStyle/>
+                        <a:p>
+                          <a:pPr algn="ctr"/>
+                          <a14:m>
+                            <m:oMathPara xmlns:m="http://schemas.openxmlformats.org/officeDocument/2006/math">
+                              <m:oMathParaPr>
+                                <m:jc m:val="centerGroup"/>
+                              </m:oMathParaPr>
+                              <m:oMath xmlns:m="http://schemas.openxmlformats.org/officeDocument/2006/math">
+                                <m:r>
+                                  <a:rPr lang="en-US" i="1" dirty="0" smtClean="0">
+                                    <a:latin typeface="Cambria Math" panose="02040503050406030204" pitchFamily="18" charset="0"/>
+                                  </a:rPr>
+                                  <m:t>𝐷</m:t>
+                                </m:r>
+                              </m:oMath>
+                            </m:oMathPara>
+                          </a14:m>
+                          <a:endParaRPr lang="en-US" dirty="0"/>
+                        </a:p>
+                      </a:txBody>
+                      <a:tcPr/>
+                    </a:tc>
+                    <a:tc>
+                      <a:txBody>
+                        <a:bodyPr/>
+                        <a:lstStyle/>
+                        <a:p>
+                          <a:pPr algn="ctr"/>
+                          <a14:m>
+                            <m:oMathPara xmlns:m="http://schemas.openxmlformats.org/officeDocument/2006/math">
+                              <m:oMathParaPr>
+                                <m:jc m:val="centerGroup"/>
+                              </m:oMathParaPr>
+                              <m:oMath xmlns:m="http://schemas.openxmlformats.org/officeDocument/2006/math">
+                                <m:r>
+                                  <a:rPr lang="en-US" altLang="zh-CN" b="0" i="1" dirty="0" smtClean="0">
+                                    <a:latin typeface="Cambria Math" panose="02040503050406030204" pitchFamily="18" charset="0"/>
+                                  </a:rPr>
+                                  <m:t>3</m:t>
+                                </m:r>
+                              </m:oMath>
+                            </m:oMathPara>
+                          </a14:m>
+                          <a:endParaRPr lang="en-US" dirty="0"/>
+                        </a:p>
+                      </a:txBody>
+                      <a:tcPr/>
+                    </a:tc>
+                    <a:tc>
+                      <a:txBody>
+                        <a:bodyPr/>
+                        <a:lstStyle/>
+                        <a:p>
+                          <a:pPr algn="ctr"/>
+                          <a14:m>
+                            <m:oMathPara xmlns:m="http://schemas.openxmlformats.org/officeDocument/2006/math">
+                              <m:oMathParaPr>
+                                <m:jc m:val="centerGroup"/>
+                              </m:oMathParaPr>
+                              <m:oMath xmlns:m="http://schemas.openxmlformats.org/officeDocument/2006/math">
+                                <m:r>
+                                  <a:rPr lang="en-US" altLang="zh-CN" b="0" i="1" dirty="0" smtClean="0">
+                                    <a:latin typeface="Cambria Math" panose="02040503050406030204" pitchFamily="18" charset="0"/>
+                                  </a:rPr>
+                                  <m:t>4</m:t>
+                                </m:r>
+                              </m:oMath>
+                            </m:oMathPara>
+                          </a14:m>
+                          <a:endParaRPr lang="en-US" dirty="0"/>
+                        </a:p>
+                      </a:txBody>
+                      <a:tcPr/>
+                    </a:tc>
+                    <a:tc>
+                      <a:txBody>
+                        <a:bodyPr/>
+                        <a:lstStyle/>
+                        <a:p>
+                          <a:pPr algn="ctr"/>
+                          <a:endParaRPr lang="en-US" dirty="0"/>
+                        </a:p>
+                      </a:txBody>
+                      <a:tcPr/>
+                    </a:tc>
+                    <a:extLst>
+                      <a:ext uri="{0D108BD9-81ED-4DB2-BD59-A6C34878D82A}">
+                        <a16:rowId xmlns:a16="http://schemas.microsoft.com/office/drawing/2014/main" val="594504162"/>
+                      </a:ext>
+                    </a:extLst>
+                  </a:tr>
+                  <a:tr h="370840">
+                    <a:tc>
+                      <a:txBody>
+                        <a:bodyPr/>
+                        <a:lstStyle/>
+                        <a:p>
+                          <a:pPr algn="ctr"/>
+                          <a14:m>
+                            <m:oMathPara xmlns:m="http://schemas.openxmlformats.org/officeDocument/2006/math">
+                              <m:oMathParaPr>
+                                <m:jc m:val="centerGroup"/>
+                              </m:oMathParaPr>
+                              <m:oMath xmlns:m="http://schemas.openxmlformats.org/officeDocument/2006/math">
+                                <m:sSub>
+                                  <m:sSubPr>
+                                    <m:ctrlPr>
+                                      <a:rPr lang="en-US" b="0" i="1" smtClean="0">
+                                        <a:latin typeface="Cambria Math" panose="02040503050406030204" pitchFamily="18" charset="0"/>
+                                      </a:rPr>
+                                    </m:ctrlPr>
+                                  </m:sSubPr>
+                                  <m:e>
+                                    <m:r>
+                                      <a:rPr lang="en-US" b="0" i="1" smtClean="0">
+                                        <a:latin typeface="Cambria Math" panose="02040503050406030204" pitchFamily="18" charset="0"/>
+                                      </a:rPr>
+                                      <m:t>𝑑</m:t>
+                                    </m:r>
+                                  </m:e>
+                                  <m:sub>
+                                    <m:r>
+                                      <a:rPr lang="en-US" b="0" i="1" smtClean="0">
+                                        <a:latin typeface="Cambria Math" panose="02040503050406030204" pitchFamily="18" charset="0"/>
+                                      </a:rPr>
+                                      <m:t>1</m:t>
+                                    </m:r>
+                                  </m:sub>
+                                </m:sSub>
+                              </m:oMath>
+                            </m:oMathPara>
+                          </a14:m>
+                          <a:endParaRPr lang="en-US" dirty="0"/>
+                        </a:p>
+                      </a:txBody>
+                      <a:tcPr anchor="ctr"/>
+                    </a:tc>
+                    <a:tc>
+                      <a:txBody>
+                        <a:bodyPr/>
+                        <a:lstStyle/>
+                        <a:p>
+                          <a:pPr algn="ctr"/>
+                          <a14:m>
+                            <m:oMathPara xmlns:m="http://schemas.openxmlformats.org/officeDocument/2006/math">
+                              <m:oMathParaPr>
+                                <m:jc m:val="centerGroup"/>
+                              </m:oMathParaPr>
+                              <m:oMath xmlns:m="http://schemas.openxmlformats.org/officeDocument/2006/math">
+                                <m:r>
+                                  <a:rPr lang="en-US" b="0" i="1" smtClean="0">
+                                    <a:latin typeface="Cambria Math" panose="02040503050406030204" pitchFamily="18" charset="0"/>
+                                  </a:rPr>
+                                  <m:t>0</m:t>
+                                </m:r>
+                              </m:oMath>
+                            </m:oMathPara>
+                          </a14:m>
+                          <a:endParaRPr lang="en-US" dirty="0"/>
+                        </a:p>
+                      </a:txBody>
+                      <a:tcPr anchor="ctr"/>
+                    </a:tc>
+                    <a:tc>
+                      <a:txBody>
+                        <a:bodyPr/>
+                        <a:lstStyle/>
+                        <a:p>
+                          <a:pPr marL="0" marR="0" lvl="0" indent="0" algn="ctr" defTabSz="914400" rtl="0" eaLnBrk="1" fontAlgn="auto" latinLnBrk="0" hangingPunct="1">
+                            <a:lnSpc>
+                              <a:spcPct val="100000"/>
+                            </a:lnSpc>
+                            <a:spcBef>
+                              <a:spcPts val="0"/>
+                            </a:spcBef>
+                            <a:spcAft>
+                              <a:spcPts val="0"/>
+                            </a:spcAft>
+                            <a:buClrTx/>
+                            <a:buSzTx/>
+                            <a:buFontTx/>
+                            <a:buNone/>
+                            <a:tabLst/>
+                            <a:defRPr/>
+                          </a:pPr>
+                          <a14:m>
+                            <m:oMathPara xmlns:m="http://schemas.openxmlformats.org/officeDocument/2006/math">
+                              <m:oMathParaPr>
+                                <m:jc m:val="centerGroup"/>
+                              </m:oMathParaPr>
+                              <m:oMath xmlns:m="http://schemas.openxmlformats.org/officeDocument/2006/math">
+                                <m:r>
+                                  <a:rPr lang="en-US" b="0" i="1" smtClean="0">
+                                    <a:latin typeface="Cambria Math" panose="02040503050406030204" pitchFamily="18" charset="0"/>
+                                  </a:rPr>
+                                  <m:t>~</m:t>
+                                </m:r>
+                                <m:r>
+                                  <a:rPr lang="en-US" b="0" i="1" smtClean="0">
+                                    <a:latin typeface="Cambria Math" panose="02040503050406030204" pitchFamily="18" charset="0"/>
+                                  </a:rPr>
+                                  <m:t>𝑈𝑛𝑖𝑓𝑜𝑟𝑚</m:t>
+                                </m:r>
+                                <m:r>
+                                  <a:rPr lang="en-US" b="0" i="1" smtClean="0">
+                                    <a:latin typeface="Cambria Math" panose="02040503050406030204" pitchFamily="18" charset="0"/>
+                                  </a:rPr>
+                                  <m:t>(0,10)</m:t>
+                                </m:r>
+                              </m:oMath>
+                            </m:oMathPara>
+                          </a14:m>
+                          <a:endParaRPr lang="en-US" dirty="0"/>
+                        </a:p>
+                      </a:txBody>
+                      <a:tcPr anchor="ctr"/>
+                    </a:tc>
+                    <a:tc>
+                      <a:txBody>
+                        <a:bodyPr/>
+                        <a:lstStyle/>
+                        <a:p>
+                          <a:pPr algn="ctr"/>
+                          <a14:m>
+                            <m:oMathPara xmlns:m="http://schemas.openxmlformats.org/officeDocument/2006/math">
+                              <m:oMathParaPr>
+                                <m:jc m:val="centerGroup"/>
+                              </m:oMathParaPr>
+                              <m:oMath xmlns:m="http://schemas.openxmlformats.org/officeDocument/2006/math">
+                                <m:r>
+                                  <a:rPr lang="en-US" b="0" i="1" smtClean="0">
+                                    <a:latin typeface="Cambria Math" panose="02040503050406030204" pitchFamily="18" charset="0"/>
+                                  </a:rPr>
+                                  <m:t>𝑓</m:t>
+                                </m:r>
+                                <m:d>
+                                  <m:dPr>
+                                    <m:ctrlPr>
+                                      <a:rPr lang="en-US" b="0" i="1" smtClean="0">
+                                        <a:latin typeface="Cambria Math" panose="02040503050406030204" pitchFamily="18" charset="0"/>
+                                      </a:rPr>
+                                    </m:ctrlPr>
+                                  </m:dPr>
+                                  <m:e>
+                                    <m:r>
+                                      <a:rPr lang="en-US" b="0" i="1" smtClean="0">
+                                        <a:latin typeface="Cambria Math" panose="02040503050406030204" pitchFamily="18" charset="0"/>
+                                      </a:rPr>
+                                      <m:t>𝐻</m:t>
+                                    </m:r>
+                                  </m:e>
+                                </m:d>
+                                <m:r>
+                                  <a:rPr lang="en-US" b="0" i="1" smtClean="0">
+                                    <a:latin typeface="Cambria Math" panose="02040503050406030204" pitchFamily="18" charset="0"/>
+                                  </a:rPr>
+                                  <m:t>=</m:t>
+                                </m:r>
+                                <m:d>
+                                  <m:dPr>
+                                    <m:begChr m:val="{"/>
+                                    <m:endChr m:val=""/>
+                                    <m:ctrlPr>
+                                      <a:rPr lang="en-US" b="0" i="1" smtClean="0">
+                                        <a:latin typeface="Cambria Math" panose="02040503050406030204" pitchFamily="18" charset="0"/>
+                                      </a:rPr>
+                                    </m:ctrlPr>
+                                  </m:dPr>
+                                  <m:e>
+                                    <m:eqArr>
+                                      <m:eqArrPr>
+                                        <m:ctrlPr>
+                                          <a:rPr lang="en-US" b="0" i="1" smtClean="0">
+                                            <a:latin typeface="Cambria Math" panose="02040503050406030204" pitchFamily="18" charset="0"/>
+                                          </a:rPr>
+                                        </m:ctrlPr>
+                                      </m:eqArrPr>
+                                      <m:e>
+                                        <m:r>
+                                          <a:rPr lang="en-US" b="0" i="1" smtClean="0">
+                                            <a:latin typeface="Cambria Math" panose="02040503050406030204" pitchFamily="18" charset="0"/>
+                                          </a:rPr>
+                                          <m:t>0.2647      </m:t>
+                                        </m:r>
+                                        <m:r>
+                                          <a:rPr lang="en-US" b="0" i="1" smtClean="0">
+                                            <a:latin typeface="Cambria Math" panose="02040503050406030204" pitchFamily="18" charset="0"/>
+                                          </a:rPr>
+                                          <m:t>𝑓𝑜𝑟</m:t>
+                                        </m:r>
+                                        <m:r>
+                                          <a:rPr lang="en-US" b="0" i="1" smtClean="0">
+                                            <a:latin typeface="Cambria Math" panose="02040503050406030204" pitchFamily="18" charset="0"/>
+                                          </a:rPr>
+                                          <m:t> </m:t>
+                                        </m:r>
+                                        <m:r>
+                                          <a:rPr lang="en-US" b="0" i="1" smtClean="0">
+                                            <a:latin typeface="Cambria Math" panose="02040503050406030204" pitchFamily="18" charset="0"/>
+                                          </a:rPr>
+                                          <m:t>𝐻</m:t>
+                                        </m:r>
+                                        <m:r>
+                                          <a:rPr lang="en-US" b="0" i="1" smtClean="0">
+                                            <a:latin typeface="Cambria Math" panose="02040503050406030204" pitchFamily="18" charset="0"/>
+                                          </a:rPr>
+                                          <m:t>∈[</m:t>
+                                        </m:r>
+                                        <m:f>
+                                          <m:fPr>
+                                            <m:ctrlPr>
+                                              <a:rPr lang="en-US" b="0" i="1" smtClean="0">
+                                                <a:latin typeface="Cambria Math" panose="02040503050406030204" pitchFamily="18" charset="0"/>
+                                              </a:rPr>
+                                            </m:ctrlPr>
+                                          </m:fPr>
+                                          <m:num>
+                                            <m:r>
+                                              <a:rPr lang="en-US" b="0" i="1" smtClean="0">
+                                                <a:latin typeface="Cambria Math" panose="02040503050406030204" pitchFamily="18" charset="0"/>
+                                              </a:rPr>
+                                              <m:t>11</m:t>
+                                            </m:r>
+                                          </m:num>
+                                          <m:den>
+                                            <m:r>
+                                              <a:rPr lang="en-US" b="0" i="1" smtClean="0">
+                                                <a:latin typeface="Cambria Math" panose="02040503050406030204" pitchFamily="18" charset="0"/>
+                                              </a:rPr>
+                                              <m:t>30</m:t>
+                                            </m:r>
+                                          </m:den>
+                                        </m:f>
+                                        <m:r>
+                                          <a:rPr lang="en-US" b="0" i="1" smtClean="0">
+                                            <a:latin typeface="Cambria Math" panose="02040503050406030204" pitchFamily="18" charset="0"/>
+                                          </a:rPr>
+                                          <m:t>,</m:t>
+                                        </m:r>
+                                        <m:f>
+                                          <m:fPr>
+                                            <m:ctrlPr>
+                                              <a:rPr lang="en-US" b="0" i="1" smtClean="0">
+                                                <a:latin typeface="Cambria Math" panose="02040503050406030204" pitchFamily="18" charset="0"/>
+                                              </a:rPr>
+                                            </m:ctrlPr>
+                                          </m:fPr>
+                                          <m:num>
+                                            <m:r>
+                                              <a:rPr lang="en-US" b="0" i="1" smtClean="0">
+                                                <a:latin typeface="Cambria Math" panose="02040503050406030204" pitchFamily="18" charset="0"/>
+                                              </a:rPr>
+                                              <m:t>3</m:t>
+                                            </m:r>
+                                          </m:num>
+                                          <m:den>
+                                            <m:r>
+                                              <a:rPr lang="en-US" b="0" i="1" smtClean="0">
+                                                <a:latin typeface="Cambria Math" panose="02040503050406030204" pitchFamily="18" charset="0"/>
+                                              </a:rPr>
+                                              <m:t>2</m:t>
+                                            </m:r>
+                                          </m:den>
+                                        </m:f>
+                                        <m:r>
+                                          <a:rPr lang="en-US" b="0" i="1" smtClean="0">
+                                            <a:latin typeface="Cambria Math" panose="02040503050406030204" pitchFamily="18" charset="0"/>
+                                          </a:rPr>
+                                          <m:t>]</m:t>
+                                        </m:r>
+                                      </m:e>
+                                      <m:e>
+                                        <m:r>
+                                          <a:rPr lang="en-US" b="0" i="1" smtClean="0">
+                                            <a:latin typeface="Cambria Math" panose="02040503050406030204" pitchFamily="18" charset="0"/>
+                                          </a:rPr>
+                                          <m:t>3.5             </m:t>
+                                        </m:r>
+                                        <m:r>
+                                          <a:rPr lang="en-US" b="0" i="1" smtClean="0">
+                                            <a:latin typeface="Cambria Math" panose="02040503050406030204" pitchFamily="18" charset="0"/>
+                                          </a:rPr>
+                                          <m:t>𝑓𝑜𝑟</m:t>
+                                        </m:r>
+                                        <m:r>
+                                          <a:rPr lang="en-US" b="0" i="1" smtClean="0">
+                                            <a:latin typeface="Cambria Math" panose="02040503050406030204" pitchFamily="18" charset="0"/>
+                                          </a:rPr>
+                                          <m:t> </m:t>
+                                        </m:r>
+                                        <m:r>
+                                          <a:rPr lang="en-US" b="0" i="1" smtClean="0">
+                                            <a:latin typeface="Cambria Math" panose="02040503050406030204" pitchFamily="18" charset="0"/>
+                                          </a:rPr>
+                                          <m:t>𝐻</m:t>
+                                        </m:r>
+                                        <m:r>
+                                          <a:rPr lang="en-US" b="0" i="1" smtClean="0">
+                                            <a:latin typeface="Cambria Math" panose="02040503050406030204" pitchFamily="18" charset="0"/>
+                                          </a:rPr>
+                                          <m:t>∈[</m:t>
+                                        </m:r>
+                                        <m:f>
+                                          <m:fPr>
+                                            <m:ctrlPr>
+                                              <a:rPr lang="en-US" b="0" i="1" smtClean="0">
+                                                <a:latin typeface="Cambria Math" panose="02040503050406030204" pitchFamily="18" charset="0"/>
+                                              </a:rPr>
+                                            </m:ctrlPr>
+                                          </m:fPr>
+                                          <m:num>
+                                            <m:r>
+                                              <a:rPr lang="en-US" b="0" i="1" smtClean="0">
+                                                <a:latin typeface="Cambria Math" panose="02040503050406030204" pitchFamily="18" charset="0"/>
+                                              </a:rPr>
+                                              <m:t>3</m:t>
+                                            </m:r>
+                                          </m:num>
+                                          <m:den>
+                                            <m:r>
+                                              <a:rPr lang="en-US" b="0" i="1" smtClean="0">
+                                                <a:latin typeface="Cambria Math" panose="02040503050406030204" pitchFamily="18" charset="0"/>
+                                              </a:rPr>
+                                              <m:t>2</m:t>
+                                            </m:r>
+                                          </m:den>
+                                        </m:f>
+                                        <m:r>
+                                          <a:rPr lang="en-US" b="0" i="1" smtClean="0">
+                                            <a:latin typeface="Cambria Math" panose="02040503050406030204" pitchFamily="18" charset="0"/>
+                                          </a:rPr>
+                                          <m:t>,</m:t>
+                                        </m:r>
+                                        <m:f>
+                                          <m:fPr>
+                                            <m:ctrlPr>
+                                              <a:rPr lang="en-US" b="0" i="1" smtClean="0">
+                                                <a:latin typeface="Cambria Math" panose="02040503050406030204" pitchFamily="18" charset="0"/>
+                                              </a:rPr>
+                                            </m:ctrlPr>
+                                          </m:fPr>
+                                          <m:num>
+                                            <m:r>
+                                              <a:rPr lang="en-US" b="0" i="1" smtClean="0">
+                                                <a:latin typeface="Cambria Math" panose="02040503050406030204" pitchFamily="18" charset="0"/>
+                                              </a:rPr>
+                                              <m:t>17</m:t>
+                                            </m:r>
+                                          </m:num>
+                                          <m:den>
+                                            <m:r>
+                                              <a:rPr lang="en-US" b="0" i="1" smtClean="0">
+                                                <a:latin typeface="Cambria Math" panose="02040503050406030204" pitchFamily="18" charset="0"/>
+                                              </a:rPr>
+                                              <m:t>10</m:t>
+                                            </m:r>
+                                          </m:den>
+                                        </m:f>
+                                        <m:r>
+                                          <a:rPr lang="en-US" b="0" i="1" smtClean="0">
+                                            <a:latin typeface="Cambria Math" panose="02040503050406030204" pitchFamily="18" charset="0"/>
+                                          </a:rPr>
+                                          <m:t>]</m:t>
+                                        </m:r>
+                                      </m:e>
+                                    </m:eqArr>
+                                  </m:e>
+                                </m:d>
+                              </m:oMath>
+                            </m:oMathPara>
+                          </a14:m>
+                          <a:endParaRPr lang="en-US" dirty="0"/>
+                        </a:p>
+                      </a:txBody>
+                      <a:tcPr anchor="ctr"/>
+                    </a:tc>
+                    <a:extLst>
+                      <a:ext uri="{0D108BD9-81ED-4DB2-BD59-A6C34878D82A}">
+                        <a16:rowId xmlns:a16="http://schemas.microsoft.com/office/drawing/2014/main" val="3623676819"/>
+                      </a:ext>
+                    </a:extLst>
+                  </a:tr>
+                </a:tbl>
+              </a:graphicData>
+            </a:graphic>
+          </p:graphicFrame>
+        </mc:Choice>
+        <mc:Fallback>
+          <p:graphicFrame>
+            <p:nvGraphicFramePr>
+              <p:cNvPr id="3" name="Table 2">
+                <a:extLst>
+                  <a:ext uri="{FF2B5EF4-FFF2-40B4-BE49-F238E27FC236}">
+                    <a16:creationId xmlns:a16="http://schemas.microsoft.com/office/drawing/2014/main" id="{E75FE42A-A0B4-9E4F-9BC3-785D9BBEC279}"/>
+                  </a:ext>
+                </a:extLst>
+              </p:cNvPr>
+              <p:cNvGraphicFramePr>
+                <a:graphicFrameLocks noGrp="1"/>
+              </p:cNvGraphicFramePr>
+              <p:nvPr>
+                <p:extLst>
+                  <p:ext uri="{D42A27DB-BD31-4B8C-83A1-F6EECF244321}">
+                    <p14:modId xmlns:p14="http://schemas.microsoft.com/office/powerpoint/2010/main" val="3988679957"/>
+                  </p:ext>
+                </p:extLst>
+              </p:nvPr>
+            </p:nvGraphicFramePr>
+            <p:xfrm>
+              <a:off x="1054007" y="2177405"/>
+              <a:ext cx="8368290" cy="1698752"/>
+            </p:xfrm>
+            <a:graphic>
+              <a:graphicData uri="http://schemas.openxmlformats.org/drawingml/2006/table">
+                <a:tbl>
+                  <a:tblPr bandRow="1">
+                    <a:tableStyleId>{5C22544A-7EE6-4342-B048-85BDC9FD1C3A}</a:tableStyleId>
+                  </a:tblPr>
+                  <a:tblGrid>
+                    <a:gridCol w="1305922">
+                      <a:extLst>
+                        <a:ext uri="{9D8B030D-6E8A-4147-A177-3AD203B41FA5}">
+                          <a16:colId xmlns:a16="http://schemas.microsoft.com/office/drawing/2014/main" val="99506741"/>
+                        </a:ext>
+                      </a:extLst>
+                    </a:gridCol>
+                    <a:gridCol w="900106">
+                      <a:extLst>
+                        <a:ext uri="{9D8B030D-6E8A-4147-A177-3AD203B41FA5}">
+                          <a16:colId xmlns:a16="http://schemas.microsoft.com/office/drawing/2014/main" val="1993768055"/>
+                        </a:ext>
+                      </a:extLst>
+                    </a:gridCol>
+                    <a:gridCol w="2398643">
+                      <a:extLst>
+                        <a:ext uri="{9D8B030D-6E8A-4147-A177-3AD203B41FA5}">
+                          <a16:colId xmlns:a16="http://schemas.microsoft.com/office/drawing/2014/main" val="1000401685"/>
+                        </a:ext>
+                      </a:extLst>
+                    </a:gridCol>
+                    <a:gridCol w="3763619">
+                      <a:extLst>
+                        <a:ext uri="{9D8B030D-6E8A-4147-A177-3AD203B41FA5}">
+                          <a16:colId xmlns:a16="http://schemas.microsoft.com/office/drawing/2014/main" val="3615305869"/>
+                        </a:ext>
+                      </a:extLst>
+                    </a:gridCol>
+                  </a:tblGrid>
+                  <a:tr h="370840">
+                    <a:tc>
+                      <a:txBody>
+                        <a:bodyPr/>
+                        <a:lstStyle/>
+                        <a:p>
+                          <a:endParaRPr lang="en-US"/>
+                        </a:p>
+                      </a:txBody>
+                      <a:tcPr>
+                        <a:blipFill>
+                          <a:blip r:embed="rId2"/>
+                          <a:stretch>
+                            <a:fillRect t="-3448" r="-541748" b="-365517"/>
+                          </a:stretch>
+                        </a:blipFill>
+                      </a:tcPr>
+                    </a:tc>
+                    <a:tc>
+                      <a:txBody>
+                        <a:bodyPr/>
+                        <a:lstStyle/>
+                        <a:p>
+                          <a:endParaRPr lang="en-US"/>
+                        </a:p>
+                      </a:txBody>
+                      <a:tcPr>
+                        <a:blipFill>
+                          <a:blip r:embed="rId2"/>
+                          <a:stretch>
+                            <a:fillRect l="-145070" t="-3448" r="-685915" b="-365517"/>
+                          </a:stretch>
+                        </a:blipFill>
+                      </a:tcPr>
+                    </a:tc>
+                    <a:tc>
+                      <a:txBody>
+                        <a:bodyPr/>
+                        <a:lstStyle/>
+                        <a:p>
+                          <a:endParaRPr lang="en-US"/>
+                        </a:p>
+                      </a:txBody>
+                      <a:tcPr>
+                        <a:blipFill>
+                          <a:blip r:embed="rId2"/>
+                          <a:stretch>
+                            <a:fillRect l="-92063" t="-3448" r="-157672" b="-365517"/>
+                          </a:stretch>
+                        </a:blipFill>
+                      </a:tcPr>
+                    </a:tc>
+                    <a:tc>
+                      <a:txBody>
+                        <a:bodyPr/>
+                        <a:lstStyle/>
+                        <a:p>
+                          <a:pPr algn="ctr"/>
+                          <a:endParaRPr lang="en-US" dirty="0"/>
+                        </a:p>
+                      </a:txBody>
+                      <a:tcPr/>
+                    </a:tc>
+                    <a:extLst>
+                      <a:ext uri="{0D108BD9-81ED-4DB2-BD59-A6C34878D82A}">
+                        <a16:rowId xmlns:a16="http://schemas.microsoft.com/office/drawing/2014/main" val="594504162"/>
+                      </a:ext>
+                    </a:extLst>
+                  </a:tr>
+                  <a:tr h="1327912">
+                    <a:tc>
+                      <a:txBody>
+                        <a:bodyPr/>
+                        <a:lstStyle/>
+                        <a:p>
+                          <a:endParaRPr lang="en-US"/>
+                        </a:p>
+                      </a:txBody>
+                      <a:tcPr anchor="ctr">
+                        <a:blipFill>
+                          <a:blip r:embed="rId2"/>
+                          <a:stretch>
+                            <a:fillRect t="-28302" r="-541748"/>
+                          </a:stretch>
+                        </a:blipFill>
+                      </a:tcPr>
+                    </a:tc>
+                    <a:tc>
+                      <a:txBody>
+                        <a:bodyPr/>
+                        <a:lstStyle/>
+                        <a:p>
+                          <a:endParaRPr lang="en-US"/>
+                        </a:p>
+                      </a:txBody>
+                      <a:tcPr anchor="ctr">
+                        <a:blipFill>
+                          <a:blip r:embed="rId2"/>
+                          <a:stretch>
+                            <a:fillRect l="-145070" t="-28302" r="-685915"/>
+                          </a:stretch>
+                        </a:blipFill>
+                      </a:tcPr>
+                    </a:tc>
+                    <a:tc>
+                      <a:txBody>
+                        <a:bodyPr/>
+                        <a:lstStyle/>
+                        <a:p>
+                          <a:endParaRPr lang="en-US"/>
+                        </a:p>
+                      </a:txBody>
+                      <a:tcPr anchor="ctr">
+                        <a:blipFill>
+                          <a:blip r:embed="rId2"/>
+                          <a:stretch>
+                            <a:fillRect l="-92063" t="-28302" r="-157672"/>
+                          </a:stretch>
+                        </a:blipFill>
+                      </a:tcPr>
+                    </a:tc>
+                    <a:tc>
+                      <a:txBody>
+                        <a:bodyPr/>
+                        <a:lstStyle/>
+                        <a:p>
+                          <a:endParaRPr lang="en-US"/>
+                        </a:p>
+                      </a:txBody>
+                      <a:tcPr anchor="ctr">
+                        <a:blipFill>
+                          <a:blip r:embed="rId2"/>
+                          <a:stretch>
+                            <a:fillRect l="-122222" t="-28302" r="-337"/>
+                          </a:stretch>
+                        </a:blipFill>
+                      </a:tcPr>
+                    </a:tc>
+                    <a:extLst>
+                      <a:ext uri="{0D108BD9-81ED-4DB2-BD59-A6C34878D82A}">
+                        <a16:rowId xmlns:a16="http://schemas.microsoft.com/office/drawing/2014/main" val="3623676819"/>
+                      </a:ext>
+                    </a:extLst>
+                  </a:tr>
+                </a:tbl>
+              </a:graphicData>
+            </a:graphic>
+          </p:graphicFrame>
+        </mc:Fallback>
+      </mc:AlternateContent>
+      <p:sp>
+        <p:nvSpPr>
+          <p:cNvPr id="15" name="Oval 14">
+            <a:extLst>
+              <a:ext uri="{FF2B5EF4-FFF2-40B4-BE49-F238E27FC236}">
+                <a16:creationId xmlns:a16="http://schemas.microsoft.com/office/drawing/2014/main" id="{4FD14AE0-9BBC-DA4B-9A40-6B3E50873904}"/>
+              </a:ext>
+            </a:extLst>
+          </p:cNvPr>
+          <p:cNvSpPr/>
+          <p:nvPr/>
+        </p:nvSpPr>
+        <p:spPr>
+          <a:xfrm>
+            <a:off x="559927" y="1044435"/>
+            <a:ext cx="891250" cy="891250"/>
+          </a:xfrm>
+          <a:prstGeom prst="ellipse">
+            <a:avLst/>
+          </a:prstGeom>
+          <a:noFill/>
+          <a:ln w="38100">
+            <a:solidFill>
+              <a:schemeClr val="tx1"/>
+            </a:solidFill>
+          </a:ln>
+        </p:spPr>
+        <p:style>
+          <a:lnRef idx="2">
+            <a:schemeClr val="accent1">
+              <a:shade val="50000"/>
+            </a:schemeClr>
+          </a:lnRef>
+          <a:fillRef idx="1">
+            <a:schemeClr val="accent1"/>
+          </a:fillRef>
+          <a:effectRef idx="0">
+            <a:schemeClr val="accent1"/>
+          </a:effectRef>
+          <a:fontRef idx="minor">
+            <a:schemeClr val="lt1"/>
+          </a:fontRef>
+        </p:style>
+        <p:txBody>
+          <a:bodyPr rtlCol="0" anchor="ctr"/>
+          <a:lstStyle/>
+          <a:p>
+            <a:pPr algn="ctr"/>
+            <a:r>
+              <a:rPr lang="en-US" sz="3200" dirty="0">
+                <a:solidFill>
+                  <a:sysClr val="windowText" lastClr="000000"/>
+                </a:solidFill>
+              </a:rPr>
+              <a:t>S</a:t>
+            </a:r>
+          </a:p>
+        </p:txBody>
+      </p:sp>
+      <p:cxnSp>
+        <p:nvCxnSpPr>
+          <p:cNvPr id="16" name="Straight Arrow Connector 15">
+            <a:extLst>
+              <a:ext uri="{FF2B5EF4-FFF2-40B4-BE49-F238E27FC236}">
+                <a16:creationId xmlns:a16="http://schemas.microsoft.com/office/drawing/2014/main" id="{80A93BC4-61EF-BF4E-8D9C-4A054974BB8B}"/>
+              </a:ext>
+            </a:extLst>
+          </p:cNvPr>
+          <p:cNvCxnSpPr/>
+          <p:nvPr/>
+        </p:nvCxnSpPr>
+        <p:spPr>
+          <a:xfrm>
+            <a:off x="1451177" y="1490060"/>
+            <a:ext cx="918500" cy="0"/>
+          </a:xfrm>
+          <a:prstGeom prst="straightConnector1">
+            <a:avLst/>
+          </a:prstGeom>
+          <a:ln w="38100">
+            <a:solidFill>
+              <a:schemeClr val="tx1"/>
+            </a:solidFill>
+            <a:tailEnd type="triangle"/>
+          </a:ln>
+        </p:spPr>
+        <p:style>
+          <a:lnRef idx="1">
+            <a:schemeClr val="accent1"/>
+          </a:lnRef>
+          <a:fillRef idx="0">
+            <a:schemeClr val="accent1"/>
+          </a:fillRef>
+          <a:effectRef idx="0">
+            <a:schemeClr val="accent1"/>
+          </a:effectRef>
+          <a:fontRef idx="minor">
+            <a:schemeClr val="tx1"/>
+          </a:fontRef>
+        </p:style>
+      </p:cxnSp>
+      <p:cxnSp>
+        <p:nvCxnSpPr>
+          <p:cNvPr id="5" name="Straight Arrow Connector 4">
+            <a:extLst>
+              <a:ext uri="{FF2B5EF4-FFF2-40B4-BE49-F238E27FC236}">
+                <a16:creationId xmlns:a16="http://schemas.microsoft.com/office/drawing/2014/main" id="{D04989F0-C5E2-5346-9E46-A7A0C6F35B38}"/>
+              </a:ext>
+            </a:extLst>
+          </p:cNvPr>
+          <p:cNvCxnSpPr>
+            <a:cxnSpLocks/>
+          </p:cNvCxnSpPr>
+          <p:nvPr/>
+        </p:nvCxnSpPr>
+        <p:spPr>
+          <a:xfrm>
+            <a:off x="7089913" y="3876157"/>
+            <a:ext cx="0" cy="457304"/>
+          </a:xfrm>
+          <a:prstGeom prst="straightConnector1">
+            <a:avLst/>
+          </a:prstGeom>
+          <a:ln>
+            <a:tailEnd type="triangle"/>
+          </a:ln>
+        </p:spPr>
+        <p:style>
+          <a:lnRef idx="1">
+            <a:schemeClr val="accent1"/>
+          </a:lnRef>
+          <a:fillRef idx="0">
+            <a:schemeClr val="accent1"/>
+          </a:fillRef>
+          <a:effectRef idx="0">
+            <a:schemeClr val="accent1"/>
+          </a:effectRef>
+          <a:fontRef idx="minor">
+            <a:schemeClr val="tx1"/>
+          </a:fontRef>
+        </p:style>
+      </p:cxnSp>
+      <mc:AlternateContent xmlns:mc="http://schemas.openxmlformats.org/markup-compatibility/2006">
+        <mc:Choice xmlns:a14="http://schemas.microsoft.com/office/drawing/2010/main" Requires="a14">
+          <p:sp>
+            <p:nvSpPr>
+              <p:cNvPr id="11" name="TextBox 10">
+                <a:extLst>
+                  <a:ext uri="{FF2B5EF4-FFF2-40B4-BE49-F238E27FC236}">
+                    <a16:creationId xmlns:a16="http://schemas.microsoft.com/office/drawing/2014/main" id="{62309B0B-A54E-D14B-BEDB-8FCB41F1C08D}"/>
+                  </a:ext>
+                </a:extLst>
+              </p:cNvPr>
+              <p:cNvSpPr txBox="1"/>
+              <p:nvPr/>
+            </p:nvSpPr>
+            <p:spPr>
+              <a:xfrm>
+                <a:off x="5502677" y="4333461"/>
+                <a:ext cx="4253947" cy="646331"/>
+              </a:xfrm>
+              <a:prstGeom prst="rect">
+                <a:avLst/>
+              </a:prstGeom>
+              <a:noFill/>
+            </p:spPr>
+            <p:txBody>
+              <a:bodyPr wrap="square" rtlCol="0">
+                <a:spAutoFit/>
+              </a:bodyPr>
+              <a:lstStyle/>
+              <a:p>
+                <a:r>
+                  <a:rPr lang="en-US" b="0" dirty="0"/>
+                  <a:t> </a:t>
+                </a:r>
+                <a14:m>
+                  <m:oMath xmlns:m="http://schemas.openxmlformats.org/officeDocument/2006/math">
+                    <m:func>
+                      <m:funcPr>
+                        <m:ctrlPr>
+                          <a:rPr lang="en-US" b="0" i="1" smtClean="0">
+                            <a:latin typeface="Cambria Math" panose="02040503050406030204" pitchFamily="18" charset="0"/>
+                          </a:rPr>
+                        </m:ctrlPr>
+                      </m:funcPr>
+                      <m:fName>
+                        <m:r>
+                          <m:rPr>
+                            <m:sty m:val="p"/>
+                          </m:rPr>
+                          <a:rPr lang="en-US" b="0" i="0" smtClean="0">
+                            <a:latin typeface="Cambria Math" panose="02040503050406030204" pitchFamily="18" charset="0"/>
+                          </a:rPr>
+                          <m:t>Pr</m:t>
+                        </m:r>
+                      </m:fName>
+                      <m:e>
+                        <m:d>
+                          <m:dPr>
+                            <m:begChr m:val="{"/>
+                            <m:endChr m:val="}"/>
+                            <m:ctrlPr>
+                              <a:rPr lang="en-US" b="0" i="1" smtClean="0">
+                                <a:latin typeface="Cambria Math" panose="02040503050406030204" pitchFamily="18" charset="0"/>
+                              </a:rPr>
+                            </m:ctrlPr>
+                          </m:dPr>
+                          <m:e>
+                            <m:r>
+                              <a:rPr lang="en-US" b="0" i="1" smtClean="0">
+                                <a:latin typeface="Cambria Math" panose="02040503050406030204" pitchFamily="18" charset="0"/>
+                              </a:rPr>
+                              <m:t>𝐻</m:t>
+                            </m:r>
+                            <m:r>
+                              <a:rPr lang="en-US" b="0" i="1" smtClean="0">
+                                <a:latin typeface="Cambria Math" panose="02040503050406030204" pitchFamily="18" charset="0"/>
+                              </a:rPr>
+                              <m:t>≤1.5</m:t>
+                            </m:r>
+                          </m:e>
+                        </m:d>
+                      </m:e>
+                    </m:func>
+                    <m:r>
+                      <a:rPr lang="en-US" b="0" i="1" smtClean="0">
+                        <a:latin typeface="Cambria Math" panose="02040503050406030204" pitchFamily="18" charset="0"/>
+                      </a:rPr>
+                      <m:t>=0.3, </m:t>
+                    </m:r>
+                    <m:func>
+                      <m:funcPr>
+                        <m:ctrlPr>
+                          <a:rPr lang="en-US" i="1">
+                            <a:latin typeface="Cambria Math" panose="02040503050406030204" pitchFamily="18" charset="0"/>
+                          </a:rPr>
+                        </m:ctrlPr>
+                      </m:funcPr>
+                      <m:fName>
+                        <m:r>
+                          <a:rPr lang="en-US" b="0" i="1" smtClean="0">
+                            <a:latin typeface="Cambria Math" panose="02040503050406030204" pitchFamily="18" charset="0"/>
+                          </a:rPr>
+                          <m:t> </m:t>
+                        </m:r>
+                        <m:r>
+                          <m:rPr>
+                            <m:sty m:val="p"/>
+                          </m:rPr>
+                          <a:rPr lang="en-US">
+                            <a:latin typeface="Cambria Math" panose="02040503050406030204" pitchFamily="18" charset="0"/>
+                          </a:rPr>
+                          <m:t>Pr</m:t>
+                        </m:r>
+                      </m:fName>
+                      <m:e>
+                        <m:d>
+                          <m:dPr>
+                            <m:begChr m:val="{"/>
+                            <m:endChr m:val="}"/>
+                            <m:ctrlPr>
+                              <a:rPr lang="en-US" i="1">
+                                <a:latin typeface="Cambria Math" panose="02040503050406030204" pitchFamily="18" charset="0"/>
+                              </a:rPr>
+                            </m:ctrlPr>
+                          </m:dPr>
+                          <m:e>
+                            <m:r>
+                              <a:rPr lang="en-US" i="1">
+                                <a:latin typeface="Cambria Math" panose="02040503050406030204" pitchFamily="18" charset="0"/>
+                              </a:rPr>
+                              <m:t>𝐻</m:t>
+                            </m:r>
+                            <m:r>
+                              <a:rPr lang="en-US" b="0" i="1" smtClean="0">
+                                <a:latin typeface="Cambria Math" panose="02040503050406030204" pitchFamily="18" charset="0"/>
+                              </a:rPr>
+                              <m:t>≥</m:t>
+                            </m:r>
+                            <m:r>
+                              <a:rPr lang="en-US" i="1">
+                                <a:latin typeface="Cambria Math" panose="02040503050406030204" pitchFamily="18" charset="0"/>
+                              </a:rPr>
+                              <m:t>1.5</m:t>
+                            </m:r>
+                          </m:e>
+                        </m:d>
+                      </m:e>
+                    </m:func>
+                    <m:r>
+                      <a:rPr lang="en-US" i="1">
+                        <a:latin typeface="Cambria Math" panose="02040503050406030204" pitchFamily="18" charset="0"/>
+                      </a:rPr>
+                      <m:t>=0.</m:t>
+                    </m:r>
+                    <m:r>
+                      <a:rPr lang="en-US" b="0" i="1" smtClean="0">
+                        <a:latin typeface="Cambria Math" panose="02040503050406030204" pitchFamily="18" charset="0"/>
+                      </a:rPr>
+                      <m:t>7</m:t>
+                    </m:r>
+                  </m:oMath>
+                </a14:m>
+                <a:endParaRPr lang="en-US" dirty="0"/>
+              </a:p>
+              <a:p>
+                <a:r>
+                  <a:rPr lang="en-US" b="0" dirty="0"/>
+                  <a:t> </a:t>
+                </a:r>
+                <a14:m>
+                  <m:oMath xmlns:m="http://schemas.openxmlformats.org/officeDocument/2006/math">
+                    <m:r>
+                      <a:rPr lang="en-US" b="0" i="1" smtClean="0">
+                        <a:latin typeface="Cambria Math" panose="02040503050406030204" pitchFamily="18" charset="0"/>
+                      </a:rPr>
+                      <m:t>𝐸</m:t>
+                    </m:r>
+                    <m:d>
+                      <m:dPr>
+                        <m:begChr m:val="["/>
+                        <m:endChr m:val="]"/>
+                        <m:ctrlPr>
+                          <a:rPr lang="en-US" b="0" i="1" smtClean="0">
+                            <a:latin typeface="Cambria Math" panose="02040503050406030204" pitchFamily="18" charset="0"/>
+                          </a:rPr>
+                        </m:ctrlPr>
+                      </m:dPr>
+                      <m:e>
+                        <m:r>
+                          <a:rPr lang="en-US" b="0" i="1" smtClean="0">
+                            <a:latin typeface="Cambria Math" panose="02040503050406030204" pitchFamily="18" charset="0"/>
+                          </a:rPr>
+                          <m:t>𝐻</m:t>
+                        </m:r>
+                      </m:e>
+                    </m:d>
+                    <m:r>
+                      <a:rPr lang="en-US" b="0" i="1" smtClean="0">
+                        <a:latin typeface="Cambria Math" panose="02040503050406030204" pitchFamily="18" charset="0"/>
+                      </a:rPr>
+                      <m:t>=1.4</m:t>
+                    </m:r>
+                  </m:oMath>
+                </a14:m>
+                <a:endParaRPr lang="en-US" dirty="0"/>
+              </a:p>
+            </p:txBody>
+          </p:sp>
+        </mc:Choice>
+        <mc:Fallback>
+          <p:sp>
+            <p:nvSpPr>
+              <p:cNvPr id="11" name="TextBox 10">
+                <a:extLst>
+                  <a:ext uri="{FF2B5EF4-FFF2-40B4-BE49-F238E27FC236}">
+                    <a16:creationId xmlns:a16="http://schemas.microsoft.com/office/drawing/2014/main" id="{62309B0B-A54E-D14B-BEDB-8FCB41F1C08D}"/>
+                  </a:ext>
+                </a:extLst>
+              </p:cNvPr>
+              <p:cNvSpPr txBox="1">
+                <a:spLocks noRot="1" noChangeAspect="1" noMove="1" noResize="1" noEditPoints="1" noAdjustHandles="1" noChangeArrowheads="1" noChangeShapeType="1" noTextEdit="1"/>
+              </p:cNvSpPr>
+              <p:nvPr/>
+            </p:nvSpPr>
+            <p:spPr>
+              <a:xfrm>
+                <a:off x="5502677" y="4333461"/>
+                <a:ext cx="4253947" cy="646331"/>
+              </a:xfrm>
+              <a:prstGeom prst="rect">
+                <a:avLst/>
+              </a:prstGeom>
+              <a:blipFill>
+                <a:blip r:embed="rId3"/>
+                <a:stretch>
+                  <a:fillRect/>
+                </a:stretch>
+              </a:blipFill>
+            </p:spPr>
+            <p:txBody>
+              <a:bodyPr/>
+              <a:lstStyle/>
+              <a:p>
+                <a:r>
+                  <a:rPr lang="en-US">
+                    <a:noFill/>
+                  </a:rPr>
+                  <a:t> </a:t>
+                </a:r>
+              </a:p>
+            </p:txBody>
+          </p:sp>
+        </mc:Fallback>
+      </mc:AlternateContent>
+    </p:spTree>
+    <p:extLst>
+      <p:ext uri="{BB962C8B-B14F-4D97-AF65-F5344CB8AC3E}">
+        <p14:creationId xmlns:p14="http://schemas.microsoft.com/office/powerpoint/2010/main" val="2299288432"/>
+      </p:ext>
+    </p:extLst>
+  </p:cSld>
+  <p:clrMapOvr>
+    <a:masterClrMapping/>
+  </p:clrMapOvr>
+</p:sld>
+</file>
+
+<file path=ppt/slides/slide4.xml><?xml version="1.0" encoding="utf-8"?>
 <p:sld xmlns:a="http://schemas.openxmlformats.org/drawingml/2006/main" xmlns:r="http://schemas.openxmlformats.org/officeDocument/2006/relationships" xmlns:p="http://schemas.openxmlformats.org/presentationml/2006/main">
   <p:cSld>
     <p:spTree>
@@ -4202,7 +10504,7 @@
 </p:sld>
 </file>
 
-<file path=ppt/slides/slide3.xml><?xml version="1.0" encoding="utf-8"?>
+<file path=ppt/slides/slide5.xml><?xml version="1.0" encoding="utf-8"?>
 <p:sld xmlns:a="http://schemas.openxmlformats.org/drawingml/2006/main" xmlns:r="http://schemas.openxmlformats.org/officeDocument/2006/relationships" xmlns:p="http://schemas.openxmlformats.org/presentationml/2006/main">
   <p:cSld>
     <p:spTree>
@@ -5072,7 +11374,7 @@
 </p:sld>
 </file>
 
-<file path=ppt/slides/slide4.xml><?xml version="1.0" encoding="utf-8"?>
+<file path=ppt/slides/slide6.xml><?xml version="1.0" encoding="utf-8"?>
 <p:sld xmlns:a="http://schemas.openxmlformats.org/drawingml/2006/main" xmlns:r="http://schemas.openxmlformats.org/officeDocument/2006/relationships" xmlns:p="http://schemas.openxmlformats.org/presentationml/2006/main">
   <p:cSld>
     <p:spTree>
@@ -18220,7 +24522,7 @@
 </p:sld>
 </file>
 
-<file path=ppt/slides/slide5.xml><?xml version="1.0" encoding="utf-8"?>
+<file path=ppt/slides/slide7.xml><?xml version="1.0" encoding="utf-8"?>
 <p:sld xmlns:a="http://schemas.openxmlformats.org/drawingml/2006/main" xmlns:r="http://schemas.openxmlformats.org/officeDocument/2006/relationships" xmlns:p="http://schemas.openxmlformats.org/presentationml/2006/main">
   <p:cSld>
     <p:spTree>
@@ -18431,8 +24733,8 @@
           </a:fontRef>
         </p:style>
       </p:cxnSp>
-      <mc:AlternateContent xmlns:mc="http://schemas.openxmlformats.org/markup-compatibility/2006">
-        <mc:Choice xmlns:a14="http://schemas.microsoft.com/office/drawing/2010/main" Requires="a14">
+      <mc:AlternateContent xmlns:mc="http://schemas.openxmlformats.org/markup-compatibility/2006" xmlns:a14="http://schemas.microsoft.com/office/drawing/2010/main">
+        <mc:Choice Requires="a14">
           <p:sp>
             <p:nvSpPr>
               <p:cNvPr id="9" name="TextBox 8">
@@ -18497,13 +24799,7 @@
                         <a:rPr lang="en-US" b="0" i="1" smtClean="0">
                           <a:latin typeface="Cambria Math" panose="02040503050406030204" pitchFamily="18" charset="0"/>
                         </a:rPr>
-                        <m:t>=</m:t>
-                      </m:r>
-                      <m:r>
-                        <a:rPr lang="en-US" b="0" i="1" smtClean="0">
-                          <a:latin typeface="Cambria Math" panose="02040503050406030204" pitchFamily="18" charset="0"/>
-                        </a:rPr>
-                        <m:t>1.7</m:t>
+                        <m:t>=1.7</m:t>
                       </m:r>
                     </m:oMath>
                   </m:oMathPara>
@@ -18513,7 +24809,7 @@
             </p:txBody>
           </p:sp>
         </mc:Choice>
-        <mc:Fallback>
+        <mc:Fallback xmlns="">
           <p:sp>
             <p:nvSpPr>
               <p:cNvPr id="9" name="TextBox 8">
@@ -18558,8 +24854,8 @@
           </p:sp>
         </mc:Fallback>
       </mc:AlternateContent>
-      <mc:AlternateContent xmlns:mc="http://schemas.openxmlformats.org/markup-compatibility/2006">
-        <mc:Choice xmlns:a14="http://schemas.microsoft.com/office/drawing/2010/main" Requires="a14">
+      <mc:AlternateContent xmlns:mc="http://schemas.openxmlformats.org/markup-compatibility/2006" xmlns:a14="http://schemas.microsoft.com/office/drawing/2010/main">
+        <mc:Choice Requires="a14">
           <p:sp>
             <p:nvSpPr>
               <p:cNvPr id="10" name="TextBox 9">
@@ -18624,13 +24920,7 @@
                         <a:rPr lang="en-US" b="0" i="1" smtClean="0">
                           <a:latin typeface="Cambria Math" panose="02040503050406030204" pitchFamily="18" charset="0"/>
                         </a:rPr>
-                        <m:t>=1</m:t>
-                      </m:r>
-                      <m:r>
-                        <a:rPr lang="en-US" b="0" i="1" smtClean="0">
-                          <a:latin typeface="Cambria Math" panose="02040503050406030204" pitchFamily="18" charset="0"/>
-                        </a:rPr>
-                        <m:t>.5</m:t>
+                        <m:t>=1.5</m:t>
                       </m:r>
                     </m:oMath>
                   </m:oMathPara>
@@ -18640,7 +24930,7 @@
             </p:txBody>
           </p:sp>
         </mc:Choice>
-        <mc:Fallback>
+        <mc:Fallback xmlns="">
           <p:sp>
             <p:nvSpPr>
               <p:cNvPr id="10" name="TextBox 9">
@@ -18685,8 +24975,8 @@
           </p:sp>
         </mc:Fallback>
       </mc:AlternateContent>
-      <mc:AlternateContent xmlns:mc="http://schemas.openxmlformats.org/markup-compatibility/2006">
-        <mc:Choice xmlns:a14="http://schemas.microsoft.com/office/drawing/2010/main" Requires="a14">
+      <mc:AlternateContent xmlns:mc="http://schemas.openxmlformats.org/markup-compatibility/2006" xmlns:a14="http://schemas.microsoft.com/office/drawing/2010/main">
+        <mc:Choice Requires="a14">
           <p:sp>
             <p:nvSpPr>
               <p:cNvPr id="11" name="TextBox 10">
@@ -18751,13 +25041,7 @@
                         <a:rPr lang="en-US" b="0" i="1" smtClean="0">
                           <a:latin typeface="Cambria Math" panose="02040503050406030204" pitchFamily="18" charset="0"/>
                         </a:rPr>
-                        <m:t>=</m:t>
-                      </m:r>
-                      <m:r>
-                        <a:rPr lang="en-US" b="0" i="1" smtClean="0">
-                          <a:latin typeface="Cambria Math" panose="02040503050406030204" pitchFamily="18" charset="0"/>
-                        </a:rPr>
-                        <m:t>2, </m:t>
+                        <m:t>=2, </m:t>
                       </m:r>
                       <m:sSub>
                         <m:sSubPr>
@@ -18798,7 +25082,7 @@
             </p:txBody>
           </p:sp>
         </mc:Choice>
-        <mc:Fallback>
+        <mc:Fallback xmlns="">
           <p:sp>
             <p:nvSpPr>
               <p:cNvPr id="11" name="TextBox 10">
@@ -19044,8 +25328,8 @@
           </a:fontRef>
         </p:style>
       </p:cxnSp>
-      <mc:AlternateContent xmlns:mc="http://schemas.openxmlformats.org/markup-compatibility/2006">
-        <mc:Choice xmlns:a14="http://schemas.microsoft.com/office/drawing/2010/main" Requires="a14">
+      <mc:AlternateContent xmlns:mc="http://schemas.openxmlformats.org/markup-compatibility/2006" xmlns:a14="http://schemas.microsoft.com/office/drawing/2010/main">
+        <mc:Choice Requires="a14">
           <p:sp>
             <p:nvSpPr>
               <p:cNvPr id="22" name="TextBox 21">
@@ -19074,6 +25358,7 @@
               </a:bodyPr>
               <a:lstStyle/>
               <a:p>
+                <a:pPr/>
                 <a14:m>
                   <m:oMathPara xmlns:m="http://schemas.openxmlformats.org/officeDocument/2006/math">
                     <m:oMathParaPr>
@@ -19135,7 +25420,7 @@
             </p:txBody>
           </p:sp>
         </mc:Choice>
-        <mc:Fallback>
+        <mc:Fallback xmlns="">
           <p:sp>
             <p:nvSpPr>
               <p:cNvPr id="22" name="TextBox 21">
@@ -19180,8 +25465,8 @@
           </p:sp>
         </mc:Fallback>
       </mc:AlternateContent>
-      <mc:AlternateContent xmlns:mc="http://schemas.openxmlformats.org/markup-compatibility/2006">
-        <mc:Choice xmlns:a14="http://schemas.microsoft.com/office/drawing/2010/main" Requires="a14">
+      <mc:AlternateContent xmlns:mc="http://schemas.openxmlformats.org/markup-compatibility/2006" xmlns:a14="http://schemas.microsoft.com/office/drawing/2010/main">
+        <mc:Choice Requires="a14">
           <p:sp>
             <p:nvSpPr>
               <p:cNvPr id="23" name="TextBox 22">
@@ -19210,6 +25495,7 @@
               </a:bodyPr>
               <a:lstStyle/>
               <a:p>
+                <a:pPr/>
                 <a14:m>
                   <m:oMathPara xmlns:m="http://schemas.openxmlformats.org/officeDocument/2006/math">
                     <m:oMathParaPr>
@@ -19236,7 +25522,7 @@
             </p:txBody>
           </p:sp>
         </mc:Choice>
-        <mc:Fallback>
+        <mc:Fallback xmlns="">
           <p:sp>
             <p:nvSpPr>
               <p:cNvPr id="23" name="TextBox 22">
@@ -19337,7 +25623,7 @@
 </p:sld>
 </file>
 
-<file path=ppt/slides/slide6.xml><?xml version="1.0" encoding="utf-8"?>
+<file path=ppt/slides/slide8.xml><?xml version="1.0" encoding="utf-8"?>
 <p:sld xmlns:a="http://schemas.openxmlformats.org/drawingml/2006/main" xmlns:r="http://schemas.openxmlformats.org/officeDocument/2006/relationships" xmlns:p="http://schemas.openxmlformats.org/presentationml/2006/main">
   <p:cSld>
     <p:spTree>
@@ -19576,8 +25862,8 @@
           </a:fontRef>
         </p:style>
       </p:cxnSp>
-      <mc:AlternateContent xmlns:mc="http://schemas.openxmlformats.org/markup-compatibility/2006">
-        <mc:Choice xmlns:a14="http://schemas.microsoft.com/office/drawing/2010/main" Requires="a14">
+      <mc:AlternateContent xmlns:mc="http://schemas.openxmlformats.org/markup-compatibility/2006" xmlns:a14="http://schemas.microsoft.com/office/drawing/2010/main">
+        <mc:Choice Requires="a14">
           <p:sp>
             <p:nvSpPr>
               <p:cNvPr id="18" name="TextBox 17">
@@ -19642,13 +25928,7 @@
                         <a:rPr lang="en-US" b="0" i="1" smtClean="0">
                           <a:latin typeface="Cambria Math" panose="02040503050406030204" pitchFamily="18" charset="0"/>
                         </a:rPr>
-                        <m:t>=1</m:t>
-                      </m:r>
-                      <m:r>
-                        <a:rPr lang="en-US" b="0" i="1" smtClean="0">
-                          <a:latin typeface="Cambria Math" panose="02040503050406030204" pitchFamily="18" charset="0"/>
-                        </a:rPr>
-                        <m:t>.5</m:t>
+                        <m:t>=1.5</m:t>
                       </m:r>
                       <m:r>
                         <a:rPr lang="en-US" b="0" i="0" smtClean="0">
@@ -19659,7 +25939,7 @@
                       <m:sSubSup>
                         <m:sSubSupPr>
                           <m:ctrlPr>
-                            <a:rPr lang="en-US" b="0" i="0" smtClean="0">
+                            <a:rPr lang="en-US" b="0" i="1" smtClean="0">
                               <a:latin typeface="Cambria Math" panose="02040503050406030204" pitchFamily="18" charset="0"/>
                             </a:rPr>
                           </m:ctrlPr>
@@ -19706,7 +25986,7 @@
             </p:txBody>
           </p:sp>
         </mc:Choice>
-        <mc:Fallback>
+        <mc:Fallback xmlns="">
           <p:sp>
             <p:nvSpPr>
               <p:cNvPr id="18" name="TextBox 17">
@@ -19751,8 +26031,8 @@
           </p:sp>
         </mc:Fallback>
       </mc:AlternateContent>
-      <mc:AlternateContent xmlns:mc="http://schemas.openxmlformats.org/markup-compatibility/2006">
-        <mc:Choice xmlns:a14="http://schemas.microsoft.com/office/drawing/2010/main" Requires="a14">
+      <mc:AlternateContent xmlns:mc="http://schemas.openxmlformats.org/markup-compatibility/2006" xmlns:a14="http://schemas.microsoft.com/office/drawing/2010/main">
+        <mc:Choice Requires="a14">
           <p:sp>
             <p:nvSpPr>
               <p:cNvPr id="19" name="TextBox 18">
@@ -19817,13 +26097,7 @@
                         <a:rPr lang="en-US" b="0" i="1" smtClean="0">
                           <a:latin typeface="Cambria Math" panose="02040503050406030204" pitchFamily="18" charset="0"/>
                         </a:rPr>
-                        <m:t>=</m:t>
-                      </m:r>
-                      <m:r>
-                        <a:rPr lang="en-US" b="0" i="1" smtClean="0">
-                          <a:latin typeface="Cambria Math" panose="02040503050406030204" pitchFamily="18" charset="0"/>
-                        </a:rPr>
-                        <m:t>2, </m:t>
+                        <m:t>=2, </m:t>
                       </m:r>
                       <m:sSubSup>
                         <m:sSubSupPr>
@@ -19872,7 +26146,7 @@
             </p:txBody>
           </p:sp>
         </mc:Choice>
-        <mc:Fallback>
+        <mc:Fallback xmlns="">
           <p:sp>
             <p:nvSpPr>
               <p:cNvPr id="19" name="TextBox 18">
@@ -20199,8 +26473,8 @@
           </a:p>
         </p:txBody>
       </p:sp>
-      <mc:AlternateContent xmlns:mc="http://schemas.openxmlformats.org/markup-compatibility/2006">
-        <mc:Choice xmlns:a14="http://schemas.microsoft.com/office/drawing/2010/main" Requires="a14">
+      <mc:AlternateContent xmlns:mc="http://schemas.openxmlformats.org/markup-compatibility/2006" xmlns:a14="http://schemas.microsoft.com/office/drawing/2010/main">
+        <mc:Choice Requires="a14">
           <p:sp>
             <p:nvSpPr>
               <p:cNvPr id="31" name="TextBox 30">
@@ -20257,13 +26531,7 @@
                             <a:rPr lang="en-US" b="0" i="1" smtClean="0">
                               <a:latin typeface="Cambria Math" panose="02040503050406030204" pitchFamily="18" charset="0"/>
                             </a:rPr>
-                            <m:t>3</m:t>
-                          </m:r>
-                          <m:r>
-                            <a:rPr lang="en-US" b="0" i="1" smtClean="0">
-                              <a:latin typeface="Cambria Math" panose="02040503050406030204" pitchFamily="18" charset="0"/>
-                            </a:rPr>
-                            <m:t>1</m:t>
+                            <m:t>31</m:t>
                           </m:r>
                         </m:sub>
                       </m:sSub>
@@ -20271,13 +26539,7 @@
                         <a:rPr lang="en-US" b="0" i="1" smtClean="0">
                           <a:latin typeface="Cambria Math" panose="02040503050406030204" pitchFamily="18" charset="0"/>
                         </a:rPr>
-                        <m:t>=</m:t>
-                      </m:r>
-                      <m:r>
-                        <a:rPr lang="en-US" b="0" i="1" smtClean="0">
-                          <a:latin typeface="Cambria Math" panose="02040503050406030204" pitchFamily="18" charset="0"/>
-                        </a:rPr>
-                        <m:t>0.5</m:t>
+                        <m:t>=0.5</m:t>
                       </m:r>
                     </m:oMath>
                   </m:oMathPara>
@@ -20287,7 +26549,7 @@
             </p:txBody>
           </p:sp>
         </mc:Choice>
-        <mc:Fallback>
+        <mc:Fallback xmlns="">
           <p:sp>
             <p:nvSpPr>
               <p:cNvPr id="31" name="TextBox 30">
@@ -20376,8 +26638,8 @@
           </a:fontRef>
         </p:style>
       </p:cxnSp>
-      <mc:AlternateContent xmlns:mc="http://schemas.openxmlformats.org/markup-compatibility/2006">
-        <mc:Choice xmlns:a14="http://schemas.microsoft.com/office/drawing/2010/main" Requires="a14">
+      <mc:AlternateContent xmlns:mc="http://schemas.openxmlformats.org/markup-compatibility/2006" xmlns:a14="http://schemas.microsoft.com/office/drawing/2010/main">
+        <mc:Choice Requires="a14">
           <p:sp>
             <p:nvSpPr>
               <p:cNvPr id="33" name="TextBox 32">
@@ -20406,6 +26668,7 @@
               </a:bodyPr>
               <a:lstStyle/>
               <a:p>
+                <a:pPr/>
                 <a14:m>
                   <m:oMathPara xmlns:m="http://schemas.openxmlformats.org/officeDocument/2006/math">
                     <m:oMathParaPr>
@@ -20467,7 +26730,7 @@
             </p:txBody>
           </p:sp>
         </mc:Choice>
-        <mc:Fallback>
+        <mc:Fallback xmlns="">
           <p:sp>
             <p:nvSpPr>
               <p:cNvPr id="33" name="TextBox 32">
@@ -20566,8 +26829,8 @@
           </a:p>
         </p:txBody>
       </p:sp>
-      <mc:AlternateContent xmlns:mc="http://schemas.openxmlformats.org/markup-compatibility/2006">
-        <mc:Choice xmlns:a14="http://schemas.microsoft.com/office/drawing/2010/main" Requires="a14">
+      <mc:AlternateContent xmlns:mc="http://schemas.openxmlformats.org/markup-compatibility/2006" xmlns:a14="http://schemas.microsoft.com/office/drawing/2010/main">
+        <mc:Choice Requires="a14">
           <p:sp>
             <p:nvSpPr>
               <p:cNvPr id="37" name="TextBox 36">
@@ -20632,13 +26895,7 @@
                         <a:rPr lang="en-US" b="0" i="1" smtClean="0">
                           <a:latin typeface="Cambria Math" panose="02040503050406030204" pitchFamily="18" charset="0"/>
                         </a:rPr>
-                        <m:t>=</m:t>
-                      </m:r>
-                      <m:r>
-                        <a:rPr lang="en-US" b="0" i="1" smtClean="0">
-                          <a:latin typeface="Cambria Math" panose="02040503050406030204" pitchFamily="18" charset="0"/>
-                        </a:rPr>
-                        <m:t>1.7</m:t>
+                        <m:t>=1.7</m:t>
                       </m:r>
                     </m:oMath>
                   </m:oMathPara>
@@ -20648,7 +26905,7 @@
             </p:txBody>
           </p:sp>
         </mc:Choice>
-        <mc:Fallback>
+        <mc:Fallback xmlns="">
           <p:sp>
             <p:nvSpPr>
               <p:cNvPr id="37" name="TextBox 36">
@@ -20803,7 +27060,7 @@
 </p:sld>
 </file>
 
-<file path=ppt/slides/slide7.xml><?xml version="1.0" encoding="utf-8"?>
+<file path=ppt/slides/slide9.xml><?xml version="1.0" encoding="utf-8"?>
 <p:sld xmlns:a="http://schemas.openxmlformats.org/drawingml/2006/main" xmlns:r="http://schemas.openxmlformats.org/officeDocument/2006/relationships" xmlns:p="http://schemas.openxmlformats.org/presentationml/2006/main">
   <p:cSld>
     <p:spTree>
@@ -21014,8 +27271,8 @@
           </a:fontRef>
         </p:style>
       </p:cxnSp>
-      <mc:AlternateContent xmlns:mc="http://schemas.openxmlformats.org/markup-compatibility/2006">
-        <mc:Choice xmlns:a14="http://schemas.microsoft.com/office/drawing/2010/main" Requires="a14">
+      <mc:AlternateContent xmlns:mc="http://schemas.openxmlformats.org/markup-compatibility/2006" xmlns:a14="http://schemas.microsoft.com/office/drawing/2010/main">
+        <mc:Choice Requires="a14">
           <p:sp>
             <p:nvSpPr>
               <p:cNvPr id="8" name="TextBox 7">
@@ -21080,13 +27337,7 @@
                         <a:rPr lang="en-US" b="0" i="1" smtClean="0">
                           <a:latin typeface="Cambria Math" panose="02040503050406030204" pitchFamily="18" charset="0"/>
                         </a:rPr>
-                        <m:t>=</m:t>
-                      </m:r>
-                      <m:r>
-                        <a:rPr lang="en-US" b="0" i="1" smtClean="0">
-                          <a:latin typeface="Cambria Math" panose="02040503050406030204" pitchFamily="18" charset="0"/>
-                        </a:rPr>
-                        <m:t>9</m:t>
+                        <m:t>=9</m:t>
                       </m:r>
                     </m:oMath>
                   </m:oMathPara>
@@ -21096,7 +27347,7 @@
             </p:txBody>
           </p:sp>
         </mc:Choice>
-        <mc:Fallback>
+        <mc:Fallback xmlns="">
           <p:sp>
             <p:nvSpPr>
               <p:cNvPr id="8" name="TextBox 7">
@@ -21141,8 +27392,8 @@
           </p:sp>
         </mc:Fallback>
       </mc:AlternateContent>
-      <mc:AlternateContent xmlns:mc="http://schemas.openxmlformats.org/markup-compatibility/2006">
-        <mc:Choice xmlns:a14="http://schemas.microsoft.com/office/drawing/2010/main" Requires="a14">
+      <mc:AlternateContent xmlns:mc="http://schemas.openxmlformats.org/markup-compatibility/2006" xmlns:a14="http://schemas.microsoft.com/office/drawing/2010/main">
+        <mc:Choice Requires="a14">
           <p:sp>
             <p:nvSpPr>
               <p:cNvPr id="9" name="TextBox 8">
@@ -21207,13 +27458,7 @@
                         <a:rPr lang="en-US" b="0" i="1" smtClean="0">
                           <a:latin typeface="Cambria Math" panose="02040503050406030204" pitchFamily="18" charset="0"/>
                         </a:rPr>
-                        <m:t>=</m:t>
-                      </m:r>
-                      <m:r>
-                        <a:rPr lang="en-US" b="0" i="1" smtClean="0">
-                          <a:latin typeface="Cambria Math" panose="02040503050406030204" pitchFamily="18" charset="0"/>
-                        </a:rPr>
-                        <m:t>7</m:t>
+                        <m:t>=7</m:t>
                       </m:r>
                     </m:oMath>
                   </m:oMathPara>
@@ -21223,7 +27468,7 @@
             </p:txBody>
           </p:sp>
         </mc:Choice>
-        <mc:Fallback>
+        <mc:Fallback xmlns="">
           <p:sp>
             <p:nvSpPr>
               <p:cNvPr id="9" name="TextBox 8">
@@ -21268,8 +27513,8 @@
           </p:sp>
         </mc:Fallback>
       </mc:AlternateContent>
-      <mc:AlternateContent xmlns:mc="http://schemas.openxmlformats.org/markup-compatibility/2006">
-        <mc:Choice xmlns:a14="http://schemas.microsoft.com/office/drawing/2010/main" Requires="a14">
+      <mc:AlternateContent xmlns:mc="http://schemas.openxmlformats.org/markup-compatibility/2006" xmlns:a14="http://schemas.microsoft.com/office/drawing/2010/main">
+        <mc:Choice Requires="a14">
           <p:sp>
             <p:nvSpPr>
               <p:cNvPr id="10" name="TextBox 9">
@@ -21334,13 +27579,7 @@
                         <a:rPr lang="en-US" b="0" i="1" smtClean="0">
                           <a:latin typeface="Cambria Math" panose="02040503050406030204" pitchFamily="18" charset="0"/>
                         </a:rPr>
-                        <m:t>=</m:t>
-                      </m:r>
-                      <m:r>
-                        <a:rPr lang="en-US" b="0" i="1" smtClean="0">
-                          <a:latin typeface="Cambria Math" panose="02040503050406030204" pitchFamily="18" charset="0"/>
-                        </a:rPr>
-                        <m:t>10, </m:t>
+                        <m:t>=10, </m:t>
                       </m:r>
                       <m:sSub>
                         <m:sSubPr>
@@ -21381,7 +27620,7 @@
             </p:txBody>
           </p:sp>
         </mc:Choice>
-        <mc:Fallback>
+        <mc:Fallback xmlns="">
           <p:sp>
             <p:nvSpPr>
               <p:cNvPr id="10" name="TextBox 9">
@@ -21627,8 +27866,8 @@
           </a:fontRef>
         </p:style>
       </p:cxnSp>
-      <mc:AlternateContent xmlns:mc="http://schemas.openxmlformats.org/markup-compatibility/2006">
-        <mc:Choice xmlns:a14="http://schemas.microsoft.com/office/drawing/2010/main" Requires="a14">
+      <mc:AlternateContent xmlns:mc="http://schemas.openxmlformats.org/markup-compatibility/2006" xmlns:a14="http://schemas.microsoft.com/office/drawing/2010/main">
+        <mc:Choice Requires="a14">
           <p:sp>
             <p:nvSpPr>
               <p:cNvPr id="15" name="TextBox 14">
@@ -21657,6 +27896,7 @@
               </a:bodyPr>
               <a:lstStyle/>
               <a:p>
+                <a:pPr/>
                 <a14:m>
                   <m:oMathPara xmlns:m="http://schemas.openxmlformats.org/officeDocument/2006/math">
                     <m:oMathParaPr>
@@ -21718,7 +27958,7 @@
             </p:txBody>
           </p:sp>
         </mc:Choice>
-        <mc:Fallback>
+        <mc:Fallback xmlns="">
           <p:sp>
             <p:nvSpPr>
               <p:cNvPr id="15" name="TextBox 14">
@@ -21995,8 +28235,8 @@
           </a:fontRef>
         </p:style>
       </p:cxnSp>
-      <mc:AlternateContent xmlns:mc="http://schemas.openxmlformats.org/markup-compatibility/2006">
-        <mc:Choice xmlns:a14="http://schemas.microsoft.com/office/drawing/2010/main" Requires="a14">
+      <mc:AlternateContent xmlns:mc="http://schemas.openxmlformats.org/markup-compatibility/2006" xmlns:a14="http://schemas.microsoft.com/office/drawing/2010/main">
+        <mc:Choice Requires="a14">
           <p:sp>
             <p:nvSpPr>
               <p:cNvPr id="25" name="TextBox 24">
@@ -22061,13 +28301,7 @@
                         <a:rPr lang="en-US" b="0" i="1" smtClean="0">
                           <a:latin typeface="Cambria Math" panose="02040503050406030204" pitchFamily="18" charset="0"/>
                         </a:rPr>
-                        <m:t>=</m:t>
-                      </m:r>
-                      <m:r>
-                        <a:rPr lang="en-US" b="0" i="1" smtClean="0">
-                          <a:latin typeface="Cambria Math" panose="02040503050406030204" pitchFamily="18" charset="0"/>
-                        </a:rPr>
-                        <m:t>9</m:t>
+                        <m:t>=9</m:t>
                       </m:r>
                     </m:oMath>
                   </m:oMathPara>
@@ -22077,7 +28311,7 @@
             </p:txBody>
           </p:sp>
         </mc:Choice>
-        <mc:Fallback>
+        <mc:Fallback xmlns="">
           <p:sp>
             <p:nvSpPr>
               <p:cNvPr id="25" name="TextBox 24">
@@ -22122,8 +28356,8 @@
           </p:sp>
         </mc:Fallback>
       </mc:AlternateContent>
-      <mc:AlternateContent xmlns:mc="http://schemas.openxmlformats.org/markup-compatibility/2006">
-        <mc:Choice xmlns:a14="http://schemas.microsoft.com/office/drawing/2010/main" Requires="a14">
+      <mc:AlternateContent xmlns:mc="http://schemas.openxmlformats.org/markup-compatibility/2006" xmlns:a14="http://schemas.microsoft.com/office/drawing/2010/main">
+        <mc:Choice Requires="a14">
           <p:sp>
             <p:nvSpPr>
               <p:cNvPr id="26" name="TextBox 25">
@@ -22188,13 +28422,7 @@
                         <a:rPr lang="en-US" b="0" i="1" smtClean="0">
                           <a:latin typeface="Cambria Math" panose="02040503050406030204" pitchFamily="18" charset="0"/>
                         </a:rPr>
-                        <m:t>=</m:t>
-                      </m:r>
-                      <m:r>
-                        <a:rPr lang="en-US" b="0" i="1" smtClean="0">
-                          <a:latin typeface="Cambria Math" panose="02040503050406030204" pitchFamily="18" charset="0"/>
-                        </a:rPr>
-                        <m:t>7,</m:t>
+                        <m:t>=7,</m:t>
                       </m:r>
                       <m:sSubSup>
                         <m:sSubSupPr>
@@ -22243,7 +28471,7 @@
             </p:txBody>
           </p:sp>
         </mc:Choice>
-        <mc:Fallback>
+        <mc:Fallback xmlns="">
           <p:sp>
             <p:nvSpPr>
               <p:cNvPr id="26" name="TextBox 25">
@@ -22288,8 +28516,8 @@
           </p:sp>
         </mc:Fallback>
       </mc:AlternateContent>
-      <mc:AlternateContent xmlns:mc="http://schemas.openxmlformats.org/markup-compatibility/2006">
-        <mc:Choice xmlns:a14="http://schemas.microsoft.com/office/drawing/2010/main" Requires="a14">
+      <mc:AlternateContent xmlns:mc="http://schemas.openxmlformats.org/markup-compatibility/2006" xmlns:a14="http://schemas.microsoft.com/office/drawing/2010/main">
+        <mc:Choice Requires="a14">
           <p:sp>
             <p:nvSpPr>
               <p:cNvPr id="27" name="TextBox 26">
@@ -22354,13 +28582,7 @@
                         <a:rPr lang="en-US" b="0" i="1" smtClean="0">
                           <a:latin typeface="Cambria Math" panose="02040503050406030204" pitchFamily="18" charset="0"/>
                         </a:rPr>
-                        <m:t>=</m:t>
-                      </m:r>
-                      <m:r>
-                        <a:rPr lang="en-US" b="0" i="1" smtClean="0">
-                          <a:latin typeface="Cambria Math" panose="02040503050406030204" pitchFamily="18" charset="0"/>
-                        </a:rPr>
-                        <m:t>10, </m:t>
+                        <m:t>=10, </m:t>
                       </m:r>
                       <m:sSub>
                         <m:sSubPr>
@@ -22401,7 +28623,7 @@
             </p:txBody>
           </p:sp>
         </mc:Choice>
-        <mc:Fallback>
+        <mc:Fallback xmlns="">
           <p:sp>
             <p:nvSpPr>
               <p:cNvPr id="27" name="TextBox 26">
@@ -22744,8 +28966,8 @@
           </a:fontRef>
         </p:style>
       </p:cxnSp>
-      <mc:AlternateContent xmlns:mc="http://schemas.openxmlformats.org/markup-compatibility/2006">
-        <mc:Choice xmlns:a14="http://schemas.microsoft.com/office/drawing/2010/main" Requires="a14">
+      <mc:AlternateContent xmlns:mc="http://schemas.openxmlformats.org/markup-compatibility/2006" xmlns:a14="http://schemas.microsoft.com/office/drawing/2010/main">
+        <mc:Choice Requires="a14">
           <p:sp>
             <p:nvSpPr>
               <p:cNvPr id="35" name="TextBox 34">
@@ -22774,6 +28996,7 @@
               </a:bodyPr>
               <a:lstStyle/>
               <a:p>
+                <a:pPr/>
                 <a14:m>
                   <m:oMathPara xmlns:m="http://schemas.openxmlformats.org/officeDocument/2006/math">
                     <m:oMathParaPr>
@@ -22835,7 +29058,7 @@
             </p:txBody>
           </p:sp>
         </mc:Choice>
-        <mc:Fallback>
+        <mc:Fallback xmlns="">
           <p:sp>
             <p:nvSpPr>
               <p:cNvPr id="35" name="TextBox 34">
@@ -22884,2450 +29107,6 @@
     <p:extLst>
       <p:ext uri="{BB962C8B-B14F-4D97-AF65-F5344CB8AC3E}">
         <p14:creationId xmlns:p14="http://schemas.microsoft.com/office/powerpoint/2010/main" val="1027788984"/>
-      </p:ext>
-    </p:extLst>
-  </p:cSld>
-  <p:clrMapOvr>
-    <a:masterClrMapping/>
-  </p:clrMapOvr>
-</p:sld>
-</file>
-
-<file path=ppt/slides/slide8.xml><?xml version="1.0" encoding="utf-8"?>
-<p:sld xmlns:a="http://schemas.openxmlformats.org/drawingml/2006/main" xmlns:r="http://schemas.openxmlformats.org/officeDocument/2006/relationships" xmlns:p="http://schemas.openxmlformats.org/presentationml/2006/main">
-  <p:cSld>
-    <p:spTree>
-      <p:nvGrpSpPr>
-        <p:cNvPr id="1" name=""/>
-        <p:cNvGrpSpPr/>
-        <p:nvPr/>
-      </p:nvGrpSpPr>
-      <p:grpSpPr>
-        <a:xfrm>
-          <a:off x="0" y="0"/>
-          <a:ext cx="0" cy="0"/>
-          <a:chOff x="0" y="0"/>
-          <a:chExt cx="0" cy="0"/>
-        </a:xfrm>
-      </p:grpSpPr>
-      <p:sp>
-        <p:nvSpPr>
-          <p:cNvPr id="4" name="Rectangle 3">
-            <a:extLst>
-              <a:ext uri="{FF2B5EF4-FFF2-40B4-BE49-F238E27FC236}">
-                <a16:creationId xmlns:a16="http://schemas.microsoft.com/office/drawing/2014/main" id="{1D76DA6E-A65B-4641-87EE-9449C681B057}"/>
-              </a:ext>
-            </a:extLst>
-          </p:cNvPr>
-          <p:cNvSpPr/>
-          <p:nvPr/>
-        </p:nvSpPr>
-        <p:spPr>
-          <a:xfrm>
-            <a:off x="3309672" y="1543693"/>
-            <a:ext cx="824983" cy="285750"/>
-          </a:xfrm>
-          <a:prstGeom prst="rect">
-            <a:avLst/>
-          </a:prstGeom>
-          <a:solidFill>
-            <a:srgbClr val="7030A0"/>
-          </a:solidFill>
-          <a:ln w="19050">
-            <a:solidFill>
-              <a:schemeClr val="tx1"/>
-            </a:solidFill>
-          </a:ln>
-        </p:spPr>
-        <p:style>
-          <a:lnRef idx="2">
-            <a:schemeClr val="accent1">
-              <a:shade val="50000"/>
-            </a:schemeClr>
-          </a:lnRef>
-          <a:fillRef idx="1">
-            <a:schemeClr val="accent1"/>
-          </a:fillRef>
-          <a:effectRef idx="0">
-            <a:schemeClr val="accent1"/>
-          </a:effectRef>
-          <a:fontRef idx="minor">
-            <a:schemeClr val="lt1"/>
-          </a:fontRef>
-        </p:style>
-        <p:txBody>
-          <a:bodyPr rtlCol="0" anchor="ctr"/>
-          <a:lstStyle/>
-          <a:p>
-            <a:pPr algn="ctr"/>
-            <a:endParaRPr lang="en-US"/>
-          </a:p>
-        </p:txBody>
-      </p:sp>
-      <p:cxnSp>
-        <p:nvCxnSpPr>
-          <p:cNvPr id="5" name="Straight Arrow Connector 4">
-            <a:extLst>
-              <a:ext uri="{FF2B5EF4-FFF2-40B4-BE49-F238E27FC236}">
-                <a16:creationId xmlns:a16="http://schemas.microsoft.com/office/drawing/2014/main" id="{BD80AA67-8F2C-E24A-96C4-2235825921D1}"/>
-              </a:ext>
-            </a:extLst>
-          </p:cNvPr>
-          <p:cNvCxnSpPr/>
-          <p:nvPr/>
-        </p:nvCxnSpPr>
-        <p:spPr>
-          <a:xfrm>
-            <a:off x="1406769" y="1389185"/>
-            <a:ext cx="6541478" cy="0"/>
-          </a:xfrm>
-          <a:prstGeom prst="straightConnector1">
-            <a:avLst/>
-          </a:prstGeom>
-          <a:ln w="19050">
-            <a:solidFill>
-              <a:schemeClr val="tx1"/>
-            </a:solidFill>
-            <a:tailEnd type="triangle"/>
-          </a:ln>
-        </p:spPr>
-        <p:style>
-          <a:lnRef idx="1">
-            <a:schemeClr val="accent1"/>
-          </a:lnRef>
-          <a:fillRef idx="0">
-            <a:schemeClr val="accent1"/>
-          </a:fillRef>
-          <a:effectRef idx="0">
-            <a:schemeClr val="accent1"/>
-          </a:effectRef>
-          <a:fontRef idx="minor">
-            <a:schemeClr val="tx1"/>
-          </a:fontRef>
-        </p:style>
-      </p:cxnSp>
-      <p:sp>
-        <p:nvSpPr>
-          <p:cNvPr id="6" name="Rectangle 5">
-            <a:extLst>
-              <a:ext uri="{FF2B5EF4-FFF2-40B4-BE49-F238E27FC236}">
-                <a16:creationId xmlns:a16="http://schemas.microsoft.com/office/drawing/2014/main" id="{7F93CEB0-F9EC-3B48-BEF9-B92BBFB886CA}"/>
-              </a:ext>
-            </a:extLst>
-          </p:cNvPr>
-          <p:cNvSpPr/>
-          <p:nvPr/>
-        </p:nvSpPr>
-        <p:spPr>
-          <a:xfrm>
-            <a:off x="1852551" y="873587"/>
-            <a:ext cx="1226681" cy="285750"/>
-          </a:xfrm>
-          <a:prstGeom prst="rect">
-            <a:avLst/>
-          </a:prstGeom>
-          <a:solidFill>
-            <a:srgbClr val="7030A0"/>
-          </a:solidFill>
-          <a:ln w="19050">
-            <a:solidFill>
-              <a:schemeClr val="tx1"/>
-            </a:solidFill>
-          </a:ln>
-        </p:spPr>
-        <p:style>
-          <a:lnRef idx="2">
-            <a:schemeClr val="accent1">
-              <a:shade val="50000"/>
-            </a:schemeClr>
-          </a:lnRef>
-          <a:fillRef idx="1">
-            <a:schemeClr val="accent1"/>
-          </a:fillRef>
-          <a:effectRef idx="0">
-            <a:schemeClr val="accent1"/>
-          </a:effectRef>
-          <a:fontRef idx="minor">
-            <a:schemeClr val="lt1"/>
-          </a:fontRef>
-        </p:style>
-        <p:txBody>
-          <a:bodyPr rtlCol="0" anchor="ctr"/>
-          <a:lstStyle/>
-          <a:p>
-            <a:pPr algn="ctr"/>
-            <a:endParaRPr lang="en-US"/>
-          </a:p>
-        </p:txBody>
-      </p:sp>
-      <p:cxnSp>
-        <p:nvCxnSpPr>
-          <p:cNvPr id="7" name="Straight Connector 6">
-            <a:extLst>
-              <a:ext uri="{FF2B5EF4-FFF2-40B4-BE49-F238E27FC236}">
-                <a16:creationId xmlns:a16="http://schemas.microsoft.com/office/drawing/2014/main" id="{59F337DE-30EF-8649-BDB9-BF17657EB78B}"/>
-              </a:ext>
-            </a:extLst>
-          </p:cNvPr>
-          <p:cNvCxnSpPr>
-            <a:cxnSpLocks/>
-          </p:cNvCxnSpPr>
-          <p:nvPr/>
-        </p:nvCxnSpPr>
-        <p:spPr>
-          <a:xfrm>
-            <a:off x="3079232" y="531486"/>
-            <a:ext cx="0" cy="2310164"/>
-          </a:xfrm>
-          <a:prstGeom prst="line">
-            <a:avLst/>
-          </a:prstGeom>
-          <a:ln>
-            <a:solidFill>
-              <a:schemeClr val="tx1"/>
-            </a:solidFill>
-            <a:prstDash val="dash"/>
-          </a:ln>
-        </p:spPr>
-        <p:style>
-          <a:lnRef idx="1">
-            <a:schemeClr val="accent1"/>
-          </a:lnRef>
-          <a:fillRef idx="0">
-            <a:schemeClr val="accent1"/>
-          </a:fillRef>
-          <a:effectRef idx="0">
-            <a:schemeClr val="accent1"/>
-          </a:effectRef>
-          <a:fontRef idx="minor">
-            <a:schemeClr val="tx1"/>
-          </a:fontRef>
-        </p:style>
-      </p:cxnSp>
-      <mc:AlternateContent xmlns:mc="http://schemas.openxmlformats.org/markup-compatibility/2006">
-        <mc:Choice xmlns:a14="http://schemas.microsoft.com/office/drawing/2010/main" Requires="a14">
-          <p:sp>
-            <p:nvSpPr>
-              <p:cNvPr id="8" name="TextBox 7">
-                <a:extLst>
-                  <a:ext uri="{FF2B5EF4-FFF2-40B4-BE49-F238E27FC236}">
-                    <a16:creationId xmlns:a16="http://schemas.microsoft.com/office/drawing/2014/main" id="{D4769856-4D94-2841-AAF4-285DC7DE4517}"/>
-                  </a:ext>
-                </a:extLst>
-              </p:cNvPr>
-              <p:cNvSpPr txBox="1"/>
-              <p:nvPr/>
-            </p:nvSpPr>
-            <p:spPr>
-              <a:xfrm>
-                <a:off x="665313" y="831796"/>
-                <a:ext cx="915956" cy="369332"/>
-              </a:xfrm>
-              <a:prstGeom prst="rect">
-                <a:avLst/>
-              </a:prstGeom>
-              <a:noFill/>
-            </p:spPr>
-            <p:txBody>
-              <a:bodyPr wrap="none" rtlCol="0">
-                <a:spAutoFit/>
-              </a:bodyPr>
-              <a:lstStyle/>
-              <a:p>
-                <a:pPr/>
-                <a14:m>
-                  <m:oMathPara xmlns:m="http://schemas.openxmlformats.org/officeDocument/2006/math">
-                    <m:oMathParaPr>
-                      <m:jc m:val="centerGroup"/>
-                    </m:oMathParaPr>
-                    <m:oMath xmlns:m="http://schemas.openxmlformats.org/officeDocument/2006/math">
-                      <m:sSub>
-                        <m:sSubPr>
-                          <m:ctrlPr>
-                            <a:rPr lang="en-US" b="0" i="1" smtClean="0">
-                              <a:latin typeface="Cambria Math" panose="02040503050406030204" pitchFamily="18" charset="0"/>
-                            </a:rPr>
-                          </m:ctrlPr>
-                        </m:sSubPr>
-                        <m:e>
-                          <m:r>
-                            <a:rPr lang="en-US" b="0" i="1" smtClean="0">
-                              <a:latin typeface="Cambria Math" panose="02040503050406030204" pitchFamily="18" charset="0"/>
-                            </a:rPr>
-                            <m:t>𝐷</m:t>
-                          </m:r>
-                        </m:e>
-                        <m:sub>
-                          <m:r>
-                            <a:rPr lang="en-US" b="0" i="1" smtClean="0">
-                              <a:latin typeface="Cambria Math" panose="02040503050406030204" pitchFamily="18" charset="0"/>
-                            </a:rPr>
-                            <m:t>1</m:t>
-                          </m:r>
-                        </m:sub>
-                      </m:sSub>
-                      <m:r>
-                        <a:rPr lang="en-US" b="0" i="1" smtClean="0">
-                          <a:latin typeface="Cambria Math" panose="02040503050406030204" pitchFamily="18" charset="0"/>
-                        </a:rPr>
-                        <m:t>=</m:t>
-                      </m:r>
-                      <m:r>
-                        <a:rPr lang="en-US" b="0" i="1" smtClean="0">
-                          <a:latin typeface="Cambria Math" panose="02040503050406030204" pitchFamily="18" charset="0"/>
-                        </a:rPr>
-                        <m:t>9</m:t>
-                      </m:r>
-                    </m:oMath>
-                  </m:oMathPara>
-                </a14:m>
-                <a:endParaRPr lang="en-US" dirty="0"/>
-              </a:p>
-            </p:txBody>
-          </p:sp>
-        </mc:Choice>
-        <mc:Fallback>
-          <p:sp>
-            <p:nvSpPr>
-              <p:cNvPr id="8" name="TextBox 7">
-                <a:extLst>
-                  <a:ext uri="{FF2B5EF4-FFF2-40B4-BE49-F238E27FC236}">
-                    <a16:creationId xmlns:a16="http://schemas.microsoft.com/office/drawing/2014/main" id="{D4769856-4D94-2841-AAF4-285DC7DE4517}"/>
-                  </a:ext>
-                </a:extLst>
-              </p:cNvPr>
-              <p:cNvSpPr txBox="1">
-                <a:spLocks noRot="1" noChangeAspect="1" noMove="1" noResize="1" noEditPoints="1" noAdjustHandles="1" noChangeArrowheads="1" noChangeShapeType="1" noTextEdit="1"/>
-              </p:cNvSpPr>
-              <p:nvPr/>
-            </p:nvSpPr>
-            <p:spPr>
-              <a:xfrm>
-                <a:off x="665313" y="831796"/>
-                <a:ext cx="915956" cy="369332"/>
-              </a:xfrm>
-              <a:prstGeom prst="rect">
-                <a:avLst/>
-              </a:prstGeom>
-              <a:blipFill>
-                <a:blip r:embed="rId2"/>
-                <a:stretch>
-                  <a:fillRect/>
-                </a:stretch>
-              </a:blipFill>
-            </p:spPr>
-            <p:txBody>
-              <a:bodyPr/>
-              <a:lstStyle/>
-              <a:p>
-                <a:r>
-                  <a:rPr lang="en-US">
-                    <a:noFill/>
-                  </a:rPr>
-                  <a:t> </a:t>
-                </a:r>
-              </a:p>
-            </p:txBody>
-          </p:sp>
-        </mc:Fallback>
-      </mc:AlternateContent>
-      <mc:AlternateContent xmlns:mc="http://schemas.openxmlformats.org/markup-compatibility/2006">
-        <mc:Choice xmlns:a14="http://schemas.microsoft.com/office/drawing/2010/main" Requires="a14">
-          <p:sp>
-            <p:nvSpPr>
-              <p:cNvPr id="9" name="TextBox 8">
-                <a:extLst>
-                  <a:ext uri="{FF2B5EF4-FFF2-40B4-BE49-F238E27FC236}">
-                    <a16:creationId xmlns:a16="http://schemas.microsoft.com/office/drawing/2014/main" id="{1886AB7E-B9B7-AA4D-9748-EF97E52B367E}"/>
-                  </a:ext>
-                </a:extLst>
-              </p:cNvPr>
-              <p:cNvSpPr txBox="1"/>
-              <p:nvPr/>
-            </p:nvSpPr>
-            <p:spPr>
-              <a:xfrm>
-                <a:off x="5265890" y="2101624"/>
-                <a:ext cx="921278" cy="369332"/>
-              </a:xfrm>
-              <a:prstGeom prst="rect">
-                <a:avLst/>
-              </a:prstGeom>
-              <a:noFill/>
-            </p:spPr>
-            <p:txBody>
-              <a:bodyPr wrap="none" rtlCol="0">
-                <a:spAutoFit/>
-              </a:bodyPr>
-              <a:lstStyle/>
-              <a:p>
-                <a:pPr/>
-                <a14:m>
-                  <m:oMathPara xmlns:m="http://schemas.openxmlformats.org/officeDocument/2006/math">
-                    <m:oMathParaPr>
-                      <m:jc m:val="centerGroup"/>
-                    </m:oMathParaPr>
-                    <m:oMath xmlns:m="http://schemas.openxmlformats.org/officeDocument/2006/math">
-                      <m:sSub>
-                        <m:sSubPr>
-                          <m:ctrlPr>
-                            <a:rPr lang="en-US" b="0" i="1" smtClean="0">
-                              <a:latin typeface="Cambria Math" panose="02040503050406030204" pitchFamily="18" charset="0"/>
-                            </a:rPr>
-                          </m:ctrlPr>
-                        </m:sSubPr>
-                        <m:e>
-                          <m:r>
-                            <a:rPr lang="en-US" b="0" i="1" smtClean="0">
-                              <a:latin typeface="Cambria Math" panose="02040503050406030204" pitchFamily="18" charset="0"/>
-                            </a:rPr>
-                            <m:t>𝐷</m:t>
-                          </m:r>
-                        </m:e>
-                        <m:sub>
-                          <m:r>
-                            <a:rPr lang="en-US" b="0" i="1" smtClean="0">
-                              <a:latin typeface="Cambria Math" panose="02040503050406030204" pitchFamily="18" charset="0"/>
-                            </a:rPr>
-                            <m:t>3</m:t>
-                          </m:r>
-                        </m:sub>
-                      </m:sSub>
-                      <m:r>
-                        <a:rPr lang="en-US" b="0" i="1" smtClean="0">
-                          <a:latin typeface="Cambria Math" panose="02040503050406030204" pitchFamily="18" charset="0"/>
-                        </a:rPr>
-                        <m:t>=</m:t>
-                      </m:r>
-                      <m:r>
-                        <a:rPr lang="en-US" b="0" i="1" smtClean="0">
-                          <a:latin typeface="Cambria Math" panose="02040503050406030204" pitchFamily="18" charset="0"/>
-                        </a:rPr>
-                        <m:t>7</m:t>
-                      </m:r>
-                    </m:oMath>
-                  </m:oMathPara>
-                </a14:m>
-                <a:endParaRPr lang="en-US" dirty="0"/>
-              </a:p>
-            </p:txBody>
-          </p:sp>
-        </mc:Choice>
-        <mc:Fallback>
-          <p:sp>
-            <p:nvSpPr>
-              <p:cNvPr id="9" name="TextBox 8">
-                <a:extLst>
-                  <a:ext uri="{FF2B5EF4-FFF2-40B4-BE49-F238E27FC236}">
-                    <a16:creationId xmlns:a16="http://schemas.microsoft.com/office/drawing/2014/main" id="{1886AB7E-B9B7-AA4D-9748-EF97E52B367E}"/>
-                  </a:ext>
-                </a:extLst>
-              </p:cNvPr>
-              <p:cNvSpPr txBox="1">
-                <a:spLocks noRot="1" noChangeAspect="1" noMove="1" noResize="1" noEditPoints="1" noAdjustHandles="1" noChangeArrowheads="1" noChangeShapeType="1" noTextEdit="1"/>
-              </p:cNvSpPr>
-              <p:nvPr/>
-            </p:nvSpPr>
-            <p:spPr>
-              <a:xfrm>
-                <a:off x="5265890" y="2101624"/>
-                <a:ext cx="921278" cy="369332"/>
-              </a:xfrm>
-              <a:prstGeom prst="rect">
-                <a:avLst/>
-              </a:prstGeom>
-              <a:blipFill>
-                <a:blip r:embed="rId3"/>
-                <a:stretch>
-                  <a:fillRect/>
-                </a:stretch>
-              </a:blipFill>
-            </p:spPr>
-            <p:txBody>
-              <a:bodyPr/>
-              <a:lstStyle/>
-              <a:p>
-                <a:r>
-                  <a:rPr lang="en-US">
-                    <a:noFill/>
-                  </a:rPr>
-                  <a:t> </a:t>
-                </a:r>
-              </a:p>
-            </p:txBody>
-          </p:sp>
-        </mc:Fallback>
-      </mc:AlternateContent>
-      <mc:AlternateContent xmlns:mc="http://schemas.openxmlformats.org/markup-compatibility/2006">
-        <mc:Choice xmlns:a14="http://schemas.microsoft.com/office/drawing/2010/main" Requires="a14">
-          <p:sp>
-            <p:nvSpPr>
-              <p:cNvPr id="10" name="TextBox 9">
-                <a:extLst>
-                  <a:ext uri="{FF2B5EF4-FFF2-40B4-BE49-F238E27FC236}">
-                    <a16:creationId xmlns:a16="http://schemas.microsoft.com/office/drawing/2014/main" id="{7A694F10-6221-E249-9BFC-61942D0760F5}"/>
-                  </a:ext>
-                </a:extLst>
-              </p:cNvPr>
-              <p:cNvSpPr txBox="1"/>
-              <p:nvPr/>
-            </p:nvSpPr>
-            <p:spPr>
-              <a:xfrm>
-                <a:off x="5167981" y="1502444"/>
-                <a:ext cx="2054217" cy="369332"/>
-              </a:xfrm>
-              <a:prstGeom prst="rect">
-                <a:avLst/>
-              </a:prstGeom>
-              <a:noFill/>
-            </p:spPr>
-            <p:txBody>
-              <a:bodyPr wrap="none" rtlCol="0">
-                <a:spAutoFit/>
-              </a:bodyPr>
-              <a:lstStyle/>
-              <a:p>
-                <a:pPr/>
-                <a14:m>
-                  <m:oMathPara xmlns:m="http://schemas.openxmlformats.org/officeDocument/2006/math">
-                    <m:oMathParaPr>
-                      <m:jc m:val="centerGroup"/>
-                    </m:oMathParaPr>
-                    <m:oMath xmlns:m="http://schemas.openxmlformats.org/officeDocument/2006/math">
-                      <m:sSub>
-                        <m:sSubPr>
-                          <m:ctrlPr>
-                            <a:rPr lang="en-US" b="0" i="1" smtClean="0">
-                              <a:latin typeface="Cambria Math" panose="02040503050406030204" pitchFamily="18" charset="0"/>
-                            </a:rPr>
-                          </m:ctrlPr>
-                        </m:sSubPr>
-                        <m:e>
-                          <m:r>
-                            <a:rPr lang="en-US" b="0" i="1" smtClean="0">
-                              <a:latin typeface="Cambria Math" panose="02040503050406030204" pitchFamily="18" charset="0"/>
-                            </a:rPr>
-                            <m:t>𝐷</m:t>
-                          </m:r>
-                        </m:e>
-                        <m:sub>
-                          <m:r>
-                            <a:rPr lang="en-US" b="0" i="1" smtClean="0">
-                              <a:latin typeface="Cambria Math" panose="02040503050406030204" pitchFamily="18" charset="0"/>
-                            </a:rPr>
-                            <m:t>2</m:t>
-                          </m:r>
-                        </m:sub>
-                      </m:sSub>
-                      <m:r>
-                        <a:rPr lang="en-US" b="0" i="1" smtClean="0">
-                          <a:latin typeface="Cambria Math" panose="02040503050406030204" pitchFamily="18" charset="0"/>
-                        </a:rPr>
-                        <m:t>=</m:t>
-                      </m:r>
-                      <m:r>
-                        <a:rPr lang="en-US" b="0" i="1" smtClean="0">
-                          <a:latin typeface="Cambria Math" panose="02040503050406030204" pitchFamily="18" charset="0"/>
-                        </a:rPr>
-                        <m:t>10, </m:t>
-                      </m:r>
-                      <m:sSub>
-                        <m:sSubPr>
-                          <m:ctrlPr>
-                            <a:rPr lang="en-US" b="0" i="1" smtClean="0">
-                              <a:latin typeface="Cambria Math" panose="02040503050406030204" pitchFamily="18" charset="0"/>
-                            </a:rPr>
-                          </m:ctrlPr>
-                        </m:sSubPr>
-                        <m:e>
-                          <m:r>
-                            <a:rPr lang="en-US" b="0" i="1" smtClean="0">
-                              <a:latin typeface="Cambria Math" panose="02040503050406030204" pitchFamily="18" charset="0"/>
-                            </a:rPr>
-                            <m:t>𝑒</m:t>
-                          </m:r>
-                        </m:e>
-                        <m:sub>
-                          <m:r>
-                            <a:rPr lang="en-US" b="0" i="1" smtClean="0">
-                              <a:latin typeface="Cambria Math" panose="02040503050406030204" pitchFamily="18" charset="0"/>
-                            </a:rPr>
-                            <m:t>21</m:t>
-                          </m:r>
-                        </m:sub>
-                      </m:sSub>
-                      <m:r>
-                        <a:rPr lang="en-US" b="0" i="1" smtClean="0">
-                          <a:latin typeface="Cambria Math" panose="02040503050406030204" pitchFamily="18" charset="0"/>
-                        </a:rPr>
-                        <m:t>=0.5</m:t>
-                      </m:r>
-                    </m:oMath>
-                  </m:oMathPara>
-                </a14:m>
-                <a:endParaRPr lang="en-US" dirty="0"/>
-              </a:p>
-            </p:txBody>
-          </p:sp>
-        </mc:Choice>
-        <mc:Fallback>
-          <p:sp>
-            <p:nvSpPr>
-              <p:cNvPr id="10" name="TextBox 9">
-                <a:extLst>
-                  <a:ext uri="{FF2B5EF4-FFF2-40B4-BE49-F238E27FC236}">
-                    <a16:creationId xmlns:a16="http://schemas.microsoft.com/office/drawing/2014/main" id="{7A694F10-6221-E249-9BFC-61942D0760F5}"/>
-                  </a:ext>
-                </a:extLst>
-              </p:cNvPr>
-              <p:cNvSpPr txBox="1">
-                <a:spLocks noRot="1" noChangeAspect="1" noMove="1" noResize="1" noEditPoints="1" noAdjustHandles="1" noChangeArrowheads="1" noChangeShapeType="1" noTextEdit="1"/>
-              </p:cNvSpPr>
-              <p:nvPr/>
-            </p:nvSpPr>
-            <p:spPr>
-              <a:xfrm>
-                <a:off x="5167981" y="1502444"/>
-                <a:ext cx="2054217" cy="369332"/>
-              </a:xfrm>
-              <a:prstGeom prst="rect">
-                <a:avLst/>
-              </a:prstGeom>
-              <a:blipFill>
-                <a:blip r:embed="rId4"/>
-                <a:stretch>
-                  <a:fillRect/>
-                </a:stretch>
-              </a:blipFill>
-            </p:spPr>
-            <p:txBody>
-              <a:bodyPr/>
-              <a:lstStyle/>
-              <a:p>
-                <a:r>
-                  <a:rPr lang="en-US">
-                    <a:noFill/>
-                  </a:rPr>
-                  <a:t> </a:t>
-                </a:r>
-              </a:p>
-            </p:txBody>
-          </p:sp>
-        </mc:Fallback>
-      </mc:AlternateContent>
-      <p:sp>
-        <p:nvSpPr>
-          <p:cNvPr id="11" name="Rectangle 10">
-            <a:extLst>
-              <a:ext uri="{FF2B5EF4-FFF2-40B4-BE49-F238E27FC236}">
-                <a16:creationId xmlns:a16="http://schemas.microsoft.com/office/drawing/2014/main" id="{763D4390-DCF0-A44F-863B-681660D6B2F1}"/>
-              </a:ext>
-            </a:extLst>
-          </p:cNvPr>
-          <p:cNvSpPr/>
-          <p:nvPr/>
-        </p:nvSpPr>
-        <p:spPr>
-          <a:xfrm>
-            <a:off x="4138289" y="2147167"/>
-            <a:ext cx="1090248" cy="285750"/>
-          </a:xfrm>
-          <a:prstGeom prst="rect">
-            <a:avLst/>
-          </a:prstGeom>
-          <a:solidFill>
-            <a:srgbClr val="7030A0"/>
-          </a:solidFill>
-          <a:ln w="19050">
-            <a:solidFill>
-              <a:schemeClr val="tx1"/>
-            </a:solidFill>
-          </a:ln>
-        </p:spPr>
-        <p:style>
-          <a:lnRef idx="2">
-            <a:schemeClr val="accent1">
-              <a:shade val="50000"/>
-            </a:schemeClr>
-          </a:lnRef>
-          <a:fillRef idx="1">
-            <a:schemeClr val="accent1"/>
-          </a:fillRef>
-          <a:effectRef idx="0">
-            <a:schemeClr val="accent1"/>
-          </a:effectRef>
-          <a:fontRef idx="minor">
-            <a:schemeClr val="lt1"/>
-          </a:fontRef>
-        </p:style>
-        <p:txBody>
-          <a:bodyPr rtlCol="0" anchor="ctr"/>
-          <a:lstStyle/>
-          <a:p>
-            <a:pPr algn="ctr"/>
-            <a:endParaRPr lang="en-US"/>
-          </a:p>
-        </p:txBody>
-      </p:sp>
-      <p:cxnSp>
-        <p:nvCxnSpPr>
-          <p:cNvPr id="12" name="Straight Connector 11">
-            <a:extLst>
-              <a:ext uri="{FF2B5EF4-FFF2-40B4-BE49-F238E27FC236}">
-                <a16:creationId xmlns:a16="http://schemas.microsoft.com/office/drawing/2014/main" id="{D1FA8B28-9381-6449-9DB8-3AECC9FCB45C}"/>
-              </a:ext>
-            </a:extLst>
-          </p:cNvPr>
-          <p:cNvCxnSpPr>
-            <a:cxnSpLocks/>
-          </p:cNvCxnSpPr>
-          <p:nvPr/>
-        </p:nvCxnSpPr>
-        <p:spPr>
-          <a:xfrm>
-            <a:off x="3903156" y="531486"/>
-            <a:ext cx="0" cy="2310164"/>
-          </a:xfrm>
-          <a:prstGeom prst="line">
-            <a:avLst/>
-          </a:prstGeom>
-          <a:ln>
-            <a:solidFill>
-              <a:schemeClr val="tx1"/>
-            </a:solidFill>
-            <a:prstDash val="dash"/>
-          </a:ln>
-        </p:spPr>
-        <p:style>
-          <a:lnRef idx="1">
-            <a:schemeClr val="accent1"/>
-          </a:lnRef>
-          <a:fillRef idx="0">
-            <a:schemeClr val="accent1"/>
-          </a:fillRef>
-          <a:effectRef idx="0">
-            <a:schemeClr val="accent1"/>
-          </a:effectRef>
-          <a:fontRef idx="minor">
-            <a:schemeClr val="tx1"/>
-          </a:fontRef>
-        </p:style>
-      </p:cxnSp>
-      <p:sp>
-        <p:nvSpPr>
-          <p:cNvPr id="13" name="Rectangle 12">
-            <a:extLst>
-              <a:ext uri="{FF2B5EF4-FFF2-40B4-BE49-F238E27FC236}">
-                <a16:creationId xmlns:a16="http://schemas.microsoft.com/office/drawing/2014/main" id="{E48886E7-EDEA-D34D-A344-9250B5E4D580}"/>
-              </a:ext>
-            </a:extLst>
-          </p:cNvPr>
-          <p:cNvSpPr/>
-          <p:nvPr/>
-        </p:nvSpPr>
-        <p:spPr>
-          <a:xfrm>
-            <a:off x="4133595" y="1543693"/>
-            <a:ext cx="824983" cy="285750"/>
-          </a:xfrm>
-          <a:prstGeom prst="rect">
-            <a:avLst/>
-          </a:prstGeom>
-          <a:pattFill prst="wdDnDiag">
-            <a:fgClr>
-              <a:srgbClr val="7030A0"/>
-            </a:fgClr>
-            <a:bgClr>
-              <a:schemeClr val="bg1"/>
-            </a:bgClr>
-          </a:pattFill>
-          <a:ln w="19050">
-            <a:solidFill>
-              <a:schemeClr val="tx1"/>
-            </a:solidFill>
-          </a:ln>
-        </p:spPr>
-        <p:style>
-          <a:lnRef idx="2">
-            <a:schemeClr val="accent1">
-              <a:shade val="50000"/>
-            </a:schemeClr>
-          </a:lnRef>
-          <a:fillRef idx="1">
-            <a:schemeClr val="accent1"/>
-          </a:fillRef>
-          <a:effectRef idx="0">
-            <a:schemeClr val="accent1"/>
-          </a:effectRef>
-          <a:fontRef idx="minor">
-            <a:schemeClr val="lt1"/>
-          </a:fontRef>
-        </p:style>
-        <p:txBody>
-          <a:bodyPr rtlCol="0" anchor="ctr"/>
-          <a:lstStyle/>
-          <a:p>
-            <a:pPr algn="ctr"/>
-            <a:endParaRPr lang="en-US"/>
-          </a:p>
-        </p:txBody>
-      </p:sp>
-      <p:cxnSp>
-        <p:nvCxnSpPr>
-          <p:cNvPr id="14" name="Straight Connector 13">
-            <a:extLst>
-              <a:ext uri="{FF2B5EF4-FFF2-40B4-BE49-F238E27FC236}">
-                <a16:creationId xmlns:a16="http://schemas.microsoft.com/office/drawing/2014/main" id="{A27554BB-9692-BB44-87A9-5047C1B83330}"/>
-              </a:ext>
-            </a:extLst>
-          </p:cNvPr>
-          <p:cNvCxnSpPr>
-            <a:cxnSpLocks/>
-          </p:cNvCxnSpPr>
-          <p:nvPr/>
-        </p:nvCxnSpPr>
-        <p:spPr>
-          <a:xfrm>
-            <a:off x="4961493" y="531486"/>
-            <a:ext cx="0" cy="2310164"/>
-          </a:xfrm>
-          <a:prstGeom prst="line">
-            <a:avLst/>
-          </a:prstGeom>
-          <a:ln>
-            <a:solidFill>
-              <a:schemeClr val="tx1"/>
-            </a:solidFill>
-            <a:prstDash val="dash"/>
-          </a:ln>
-        </p:spPr>
-        <p:style>
-          <a:lnRef idx="1">
-            <a:schemeClr val="accent1"/>
-          </a:lnRef>
-          <a:fillRef idx="0">
-            <a:schemeClr val="accent1"/>
-          </a:fillRef>
-          <a:effectRef idx="0">
-            <a:schemeClr val="accent1"/>
-          </a:effectRef>
-          <a:fontRef idx="minor">
-            <a:schemeClr val="tx1"/>
-          </a:fontRef>
-        </p:style>
-      </p:cxnSp>
-      <mc:AlternateContent xmlns:mc="http://schemas.openxmlformats.org/markup-compatibility/2006">
-        <mc:Choice xmlns:a14="http://schemas.microsoft.com/office/drawing/2010/main" Requires="a14">
-          <p:sp>
-            <p:nvSpPr>
-              <p:cNvPr id="15" name="TextBox 14">
-                <a:extLst>
-                  <a:ext uri="{FF2B5EF4-FFF2-40B4-BE49-F238E27FC236}">
-                    <a16:creationId xmlns:a16="http://schemas.microsoft.com/office/drawing/2014/main" id="{3EADF601-1293-0440-A221-903F9F3EF750}"/>
-                  </a:ext>
-                </a:extLst>
-              </p:cNvPr>
-              <p:cNvSpPr txBox="1"/>
-              <p:nvPr/>
-            </p:nvSpPr>
-            <p:spPr>
-              <a:xfrm>
-                <a:off x="4446976" y="162154"/>
-                <a:ext cx="1221129" cy="374911"/>
-              </a:xfrm>
-              <a:prstGeom prst="rect">
-                <a:avLst/>
-              </a:prstGeom>
-              <a:noFill/>
-            </p:spPr>
-            <p:txBody>
-              <a:bodyPr wrap="square" rtlCol="0">
-                <a:spAutoFit/>
-              </a:bodyPr>
-              <a:lstStyle/>
-              <a:p>
-                <a14:m>
-                  <m:oMathPara xmlns:m="http://schemas.openxmlformats.org/officeDocument/2006/math">
-                    <m:oMathParaPr>
-                      <m:jc m:val="centerGroup"/>
-                    </m:oMathParaPr>
-                    <m:oMath xmlns:m="http://schemas.openxmlformats.org/officeDocument/2006/math">
-                      <m:sSubSup>
-                        <m:sSubSupPr>
-                          <m:ctrlPr>
-                            <a:rPr lang="en-US" b="0" i="1" smtClean="0">
-                              <a:latin typeface="Cambria Math" panose="02040503050406030204" pitchFamily="18" charset="0"/>
-                              <a:cs typeface="Times New Roman" panose="02020603050405020304" pitchFamily="18" charset="0"/>
-                            </a:rPr>
-                          </m:ctrlPr>
-                        </m:sSubSupPr>
-                        <m:e>
-                          <m:r>
-                            <a:rPr lang="en-US" b="0" i="1" smtClean="0">
-                              <a:latin typeface="Cambria Math" panose="02040503050406030204" pitchFamily="18" charset="0"/>
-                              <a:cs typeface="Times New Roman" panose="02020603050405020304" pitchFamily="18" charset="0"/>
-                            </a:rPr>
-                            <m:t>𝑡</m:t>
-                          </m:r>
-                        </m:e>
-                        <m:sub>
-                          <m:r>
-                            <a:rPr lang="en-US" b="0" i="1" smtClean="0">
-                              <a:latin typeface="Cambria Math" panose="02040503050406030204" pitchFamily="18" charset="0"/>
-                              <a:cs typeface="Times New Roman" panose="02020603050405020304" pitchFamily="18" charset="0"/>
-                            </a:rPr>
-                            <m:t>𝑁</m:t>
-                          </m:r>
-                        </m:sub>
-                        <m:sup>
-                          <m:r>
-                            <a:rPr lang="en-US" b="0" i="1" smtClean="0">
-                              <a:latin typeface="Cambria Math" panose="02040503050406030204" pitchFamily="18" charset="0"/>
-                              <a:cs typeface="Times New Roman" panose="02020603050405020304" pitchFamily="18" charset="0"/>
-                            </a:rPr>
-                            <m:t>0</m:t>
-                          </m:r>
-                        </m:sup>
-                      </m:sSubSup>
-                      <m:r>
-                        <a:rPr lang="en-US" b="0" i="1" smtClean="0">
-                          <a:latin typeface="Cambria Math" panose="02040503050406030204" pitchFamily="18" charset="0"/>
-                          <a:cs typeface="Times New Roman" panose="02020603050405020304" pitchFamily="18" charset="0"/>
-                        </a:rPr>
-                        <m:t>=21.1</m:t>
-                      </m:r>
-                    </m:oMath>
-                  </m:oMathPara>
-                </a14:m>
-                <a:endParaRPr lang="en-US" i="1" dirty="0">
-                  <a:latin typeface="Times New Roman" panose="02020603050405020304" pitchFamily="18" charset="0"/>
-                  <a:cs typeface="Times New Roman" panose="02020603050405020304" pitchFamily="18" charset="0"/>
-                </a:endParaRPr>
-              </a:p>
-            </p:txBody>
-          </p:sp>
-        </mc:Choice>
-        <mc:Fallback>
-          <p:sp>
-            <p:nvSpPr>
-              <p:cNvPr id="15" name="TextBox 14">
-                <a:extLst>
-                  <a:ext uri="{FF2B5EF4-FFF2-40B4-BE49-F238E27FC236}">
-                    <a16:creationId xmlns:a16="http://schemas.microsoft.com/office/drawing/2014/main" id="{3EADF601-1293-0440-A221-903F9F3EF750}"/>
-                  </a:ext>
-                </a:extLst>
-              </p:cNvPr>
-              <p:cNvSpPr txBox="1">
-                <a:spLocks noRot="1" noChangeAspect="1" noMove="1" noResize="1" noEditPoints="1" noAdjustHandles="1" noChangeArrowheads="1" noChangeShapeType="1" noTextEdit="1"/>
-              </p:cNvSpPr>
-              <p:nvPr/>
-            </p:nvSpPr>
-            <p:spPr>
-              <a:xfrm>
-                <a:off x="4446976" y="162154"/>
-                <a:ext cx="1221129" cy="374911"/>
-              </a:xfrm>
-              <a:prstGeom prst="rect">
-                <a:avLst/>
-              </a:prstGeom>
-              <a:blipFill>
-                <a:blip r:embed="rId5"/>
-                <a:stretch>
-                  <a:fillRect/>
-                </a:stretch>
-              </a:blipFill>
-            </p:spPr>
-            <p:txBody>
-              <a:bodyPr/>
-              <a:lstStyle/>
-              <a:p>
-                <a:r>
-                  <a:rPr lang="en-US">
-                    <a:noFill/>
-                  </a:rPr>
-                  <a:t> </a:t>
-                </a:r>
-              </a:p>
-            </p:txBody>
-          </p:sp>
-        </mc:Fallback>
-      </mc:AlternateContent>
-      <p:sp>
-        <p:nvSpPr>
-          <p:cNvPr id="16" name="TextBox 15">
-            <a:extLst>
-              <a:ext uri="{FF2B5EF4-FFF2-40B4-BE49-F238E27FC236}">
-                <a16:creationId xmlns:a16="http://schemas.microsoft.com/office/drawing/2014/main" id="{1D2D50A5-32FB-D048-86A2-918A353E82F0}"/>
-              </a:ext>
-            </a:extLst>
-          </p:cNvPr>
-          <p:cNvSpPr txBox="1"/>
-          <p:nvPr/>
-        </p:nvSpPr>
-        <p:spPr>
-          <a:xfrm>
-            <a:off x="2992626" y="5898422"/>
-            <a:ext cx="909470" cy="369332"/>
-          </a:xfrm>
-          <a:prstGeom prst="rect">
-            <a:avLst/>
-          </a:prstGeom>
-          <a:noFill/>
-        </p:spPr>
-        <p:txBody>
-          <a:bodyPr wrap="square" rtlCol="0">
-            <a:spAutoFit/>
-          </a:bodyPr>
-          <a:lstStyle/>
-          <a:p>
-            <a:r>
-              <a:rPr lang="en-US" i="1" dirty="0">
-                <a:latin typeface="Times New Roman" panose="02020603050405020304" pitchFamily="18" charset="0"/>
-                <a:cs typeface="Times New Roman" panose="02020603050405020304" pitchFamily="18" charset="0"/>
-              </a:rPr>
-              <a:t>H = 9.1 </a:t>
-            </a:r>
-          </a:p>
-        </p:txBody>
-      </p:sp>
-      <p:sp>
-        <p:nvSpPr>
-          <p:cNvPr id="17" name="Rectangle 16">
-            <a:extLst>
-              <a:ext uri="{FF2B5EF4-FFF2-40B4-BE49-F238E27FC236}">
-                <a16:creationId xmlns:a16="http://schemas.microsoft.com/office/drawing/2014/main" id="{ADFCEA51-57DA-3844-97DE-3774F7C17977}"/>
-              </a:ext>
-            </a:extLst>
-          </p:cNvPr>
-          <p:cNvSpPr/>
-          <p:nvPr/>
-        </p:nvSpPr>
-        <p:spPr>
-          <a:xfrm>
-            <a:off x="3309667" y="4203106"/>
-            <a:ext cx="1648911" cy="285750"/>
-          </a:xfrm>
-          <a:prstGeom prst="rect">
-            <a:avLst/>
-          </a:prstGeom>
-          <a:solidFill>
-            <a:srgbClr val="7030A0"/>
-          </a:solidFill>
-          <a:ln w="19050">
-            <a:solidFill>
-              <a:schemeClr val="tx1"/>
-            </a:solidFill>
-          </a:ln>
-        </p:spPr>
-        <p:style>
-          <a:lnRef idx="2">
-            <a:schemeClr val="accent1">
-              <a:shade val="50000"/>
-            </a:schemeClr>
-          </a:lnRef>
-          <a:fillRef idx="1">
-            <a:schemeClr val="accent1"/>
-          </a:fillRef>
-          <a:effectRef idx="0">
-            <a:schemeClr val="accent1"/>
-          </a:effectRef>
-          <a:fontRef idx="minor">
-            <a:schemeClr val="lt1"/>
-          </a:fontRef>
-        </p:style>
-        <p:txBody>
-          <a:bodyPr rtlCol="0" anchor="ctr"/>
-          <a:lstStyle/>
-          <a:p>
-            <a:pPr algn="ctr"/>
-            <a:endParaRPr lang="en-US"/>
-          </a:p>
-        </p:txBody>
-      </p:sp>
-      <p:cxnSp>
-        <p:nvCxnSpPr>
-          <p:cNvPr id="18" name="Straight Arrow Connector 17">
-            <a:extLst>
-              <a:ext uri="{FF2B5EF4-FFF2-40B4-BE49-F238E27FC236}">
-                <a16:creationId xmlns:a16="http://schemas.microsoft.com/office/drawing/2014/main" id="{CA10F8CF-BD4C-5949-8C35-4393EE57E21D}"/>
-              </a:ext>
-            </a:extLst>
-          </p:cNvPr>
-          <p:cNvCxnSpPr/>
-          <p:nvPr/>
-        </p:nvCxnSpPr>
-        <p:spPr>
-          <a:xfrm>
-            <a:off x="1406769" y="4048598"/>
-            <a:ext cx="6541478" cy="0"/>
-          </a:xfrm>
-          <a:prstGeom prst="straightConnector1">
-            <a:avLst/>
-          </a:prstGeom>
-          <a:ln w="19050">
-            <a:solidFill>
-              <a:schemeClr val="tx1"/>
-            </a:solidFill>
-            <a:tailEnd type="triangle"/>
-          </a:ln>
-        </p:spPr>
-        <p:style>
-          <a:lnRef idx="1">
-            <a:schemeClr val="accent1"/>
-          </a:lnRef>
-          <a:fillRef idx="0">
-            <a:schemeClr val="accent1"/>
-          </a:fillRef>
-          <a:effectRef idx="0">
-            <a:schemeClr val="accent1"/>
-          </a:effectRef>
-          <a:fontRef idx="minor">
-            <a:schemeClr val="tx1"/>
-          </a:fontRef>
-        </p:style>
-      </p:cxnSp>
-      <p:sp>
-        <p:nvSpPr>
-          <p:cNvPr id="19" name="Rectangle 18">
-            <a:extLst>
-              <a:ext uri="{FF2B5EF4-FFF2-40B4-BE49-F238E27FC236}">
-                <a16:creationId xmlns:a16="http://schemas.microsoft.com/office/drawing/2014/main" id="{1E592EE2-A0D8-8044-8D31-81208C4222BF}"/>
-              </a:ext>
-            </a:extLst>
-          </p:cNvPr>
-          <p:cNvSpPr/>
-          <p:nvPr/>
-        </p:nvSpPr>
-        <p:spPr>
-          <a:xfrm>
-            <a:off x="1852551" y="3533000"/>
-            <a:ext cx="1226681" cy="285750"/>
-          </a:xfrm>
-          <a:prstGeom prst="rect">
-            <a:avLst/>
-          </a:prstGeom>
-          <a:solidFill>
-            <a:srgbClr val="7030A0"/>
-          </a:solidFill>
-          <a:ln w="19050">
-            <a:solidFill>
-              <a:schemeClr val="tx1"/>
-            </a:solidFill>
-          </a:ln>
-        </p:spPr>
-        <p:style>
-          <a:lnRef idx="2">
-            <a:schemeClr val="accent1">
-              <a:shade val="50000"/>
-            </a:schemeClr>
-          </a:lnRef>
-          <a:fillRef idx="1">
-            <a:schemeClr val="accent1"/>
-          </a:fillRef>
-          <a:effectRef idx="0">
-            <a:schemeClr val="accent1"/>
-          </a:effectRef>
-          <a:fontRef idx="minor">
-            <a:schemeClr val="lt1"/>
-          </a:fontRef>
-        </p:style>
-        <p:txBody>
-          <a:bodyPr rtlCol="0" anchor="ctr"/>
-          <a:lstStyle/>
-          <a:p>
-            <a:pPr algn="ctr"/>
-            <a:endParaRPr lang="en-US"/>
-          </a:p>
-        </p:txBody>
-      </p:sp>
-      <p:cxnSp>
-        <p:nvCxnSpPr>
-          <p:cNvPr id="20" name="Straight Connector 19">
-            <a:extLst>
-              <a:ext uri="{FF2B5EF4-FFF2-40B4-BE49-F238E27FC236}">
-                <a16:creationId xmlns:a16="http://schemas.microsoft.com/office/drawing/2014/main" id="{BF279783-6B47-8546-8E30-0A44202A9897}"/>
-              </a:ext>
-            </a:extLst>
-          </p:cNvPr>
-          <p:cNvCxnSpPr>
-            <a:cxnSpLocks/>
-          </p:cNvCxnSpPr>
-          <p:nvPr/>
-        </p:nvCxnSpPr>
-        <p:spPr>
-          <a:xfrm>
-            <a:off x="3079232" y="3190899"/>
-            <a:ext cx="0" cy="2310164"/>
-          </a:xfrm>
-          <a:prstGeom prst="line">
-            <a:avLst/>
-          </a:prstGeom>
-          <a:ln>
-            <a:solidFill>
-              <a:schemeClr val="tx1"/>
-            </a:solidFill>
-            <a:prstDash val="dash"/>
-          </a:ln>
-        </p:spPr>
-        <p:style>
-          <a:lnRef idx="1">
-            <a:schemeClr val="accent1"/>
-          </a:lnRef>
-          <a:fillRef idx="0">
-            <a:schemeClr val="accent1"/>
-          </a:fillRef>
-          <a:effectRef idx="0">
-            <a:schemeClr val="accent1"/>
-          </a:effectRef>
-          <a:fontRef idx="minor">
-            <a:schemeClr val="tx1"/>
-          </a:fontRef>
-        </p:style>
-      </p:cxnSp>
-      <mc:AlternateContent xmlns:mc="http://schemas.openxmlformats.org/markup-compatibility/2006">
-        <mc:Choice xmlns:a14="http://schemas.microsoft.com/office/drawing/2010/main" Requires="a14">
-          <p:sp>
-            <p:nvSpPr>
-              <p:cNvPr id="21" name="TextBox 20">
-                <a:extLst>
-                  <a:ext uri="{FF2B5EF4-FFF2-40B4-BE49-F238E27FC236}">
-                    <a16:creationId xmlns:a16="http://schemas.microsoft.com/office/drawing/2014/main" id="{24E6045B-4FC3-7948-80C7-277EC4B393A9}"/>
-                  </a:ext>
-                </a:extLst>
-              </p:cNvPr>
-              <p:cNvSpPr txBox="1"/>
-              <p:nvPr/>
-            </p:nvSpPr>
-            <p:spPr>
-              <a:xfrm>
-                <a:off x="665313" y="3491209"/>
-                <a:ext cx="915956" cy="369332"/>
-              </a:xfrm>
-              <a:prstGeom prst="rect">
-                <a:avLst/>
-              </a:prstGeom>
-              <a:noFill/>
-            </p:spPr>
-            <p:txBody>
-              <a:bodyPr wrap="none" rtlCol="0">
-                <a:spAutoFit/>
-              </a:bodyPr>
-              <a:lstStyle/>
-              <a:p>
-                <a:pPr/>
-                <a14:m>
-                  <m:oMathPara xmlns:m="http://schemas.openxmlformats.org/officeDocument/2006/math">
-                    <m:oMathParaPr>
-                      <m:jc m:val="centerGroup"/>
-                    </m:oMathParaPr>
-                    <m:oMath xmlns:m="http://schemas.openxmlformats.org/officeDocument/2006/math">
-                      <m:sSub>
-                        <m:sSubPr>
-                          <m:ctrlPr>
-                            <a:rPr lang="en-US" b="0" i="1" smtClean="0">
-                              <a:latin typeface="Cambria Math" panose="02040503050406030204" pitchFamily="18" charset="0"/>
-                            </a:rPr>
-                          </m:ctrlPr>
-                        </m:sSubPr>
-                        <m:e>
-                          <m:r>
-                            <a:rPr lang="en-US" b="0" i="1" smtClean="0">
-                              <a:latin typeface="Cambria Math" panose="02040503050406030204" pitchFamily="18" charset="0"/>
-                            </a:rPr>
-                            <m:t>𝐷</m:t>
-                          </m:r>
-                        </m:e>
-                        <m:sub>
-                          <m:r>
-                            <a:rPr lang="en-US" b="0" i="1" smtClean="0">
-                              <a:latin typeface="Cambria Math" panose="02040503050406030204" pitchFamily="18" charset="0"/>
-                            </a:rPr>
-                            <m:t>1</m:t>
-                          </m:r>
-                        </m:sub>
-                      </m:sSub>
-                      <m:r>
-                        <a:rPr lang="en-US" b="0" i="1" smtClean="0">
-                          <a:latin typeface="Cambria Math" panose="02040503050406030204" pitchFamily="18" charset="0"/>
-                        </a:rPr>
-                        <m:t>=</m:t>
-                      </m:r>
-                      <m:r>
-                        <a:rPr lang="en-US" b="0" i="1" smtClean="0">
-                          <a:latin typeface="Cambria Math" panose="02040503050406030204" pitchFamily="18" charset="0"/>
-                        </a:rPr>
-                        <m:t>9</m:t>
-                      </m:r>
-                    </m:oMath>
-                  </m:oMathPara>
-                </a14:m>
-                <a:endParaRPr lang="en-US" dirty="0"/>
-              </a:p>
-            </p:txBody>
-          </p:sp>
-        </mc:Choice>
-        <mc:Fallback>
-          <p:sp>
-            <p:nvSpPr>
-              <p:cNvPr id="21" name="TextBox 20">
-                <a:extLst>
-                  <a:ext uri="{FF2B5EF4-FFF2-40B4-BE49-F238E27FC236}">
-                    <a16:creationId xmlns:a16="http://schemas.microsoft.com/office/drawing/2014/main" id="{24E6045B-4FC3-7948-80C7-277EC4B393A9}"/>
-                  </a:ext>
-                </a:extLst>
-              </p:cNvPr>
-              <p:cNvSpPr txBox="1">
-                <a:spLocks noRot="1" noChangeAspect="1" noMove="1" noResize="1" noEditPoints="1" noAdjustHandles="1" noChangeArrowheads="1" noChangeShapeType="1" noTextEdit="1"/>
-              </p:cNvSpPr>
-              <p:nvPr/>
-            </p:nvSpPr>
-            <p:spPr>
-              <a:xfrm>
-                <a:off x="665313" y="3491209"/>
-                <a:ext cx="915956" cy="369332"/>
-              </a:xfrm>
-              <a:prstGeom prst="rect">
-                <a:avLst/>
-              </a:prstGeom>
-              <a:blipFill>
-                <a:blip r:embed="rId6"/>
-                <a:stretch>
-                  <a:fillRect/>
-                </a:stretch>
-              </a:blipFill>
-            </p:spPr>
-            <p:txBody>
-              <a:bodyPr/>
-              <a:lstStyle/>
-              <a:p>
-                <a:r>
-                  <a:rPr lang="en-US">
-                    <a:noFill/>
-                  </a:rPr>
-                  <a:t> </a:t>
-                </a:r>
-              </a:p>
-            </p:txBody>
-          </p:sp>
-        </mc:Fallback>
-      </mc:AlternateContent>
-      <mc:AlternateContent xmlns:mc="http://schemas.openxmlformats.org/markup-compatibility/2006">
-        <mc:Choice xmlns:a14="http://schemas.microsoft.com/office/drawing/2010/main" Requires="a14">
-          <p:sp>
-            <p:nvSpPr>
-              <p:cNvPr id="22" name="TextBox 21">
-                <a:extLst>
-                  <a:ext uri="{FF2B5EF4-FFF2-40B4-BE49-F238E27FC236}">
-                    <a16:creationId xmlns:a16="http://schemas.microsoft.com/office/drawing/2014/main" id="{61A1111D-EFA3-2742-8121-066B0449F7EE}"/>
-                  </a:ext>
-                </a:extLst>
-              </p:cNvPr>
-              <p:cNvSpPr txBox="1"/>
-              <p:nvPr/>
-            </p:nvSpPr>
-            <p:spPr>
-              <a:xfrm>
-                <a:off x="7357726" y="4750472"/>
-                <a:ext cx="1728294" cy="373885"/>
-              </a:xfrm>
-              <a:prstGeom prst="rect">
-                <a:avLst/>
-              </a:prstGeom>
-              <a:noFill/>
-            </p:spPr>
-            <p:txBody>
-              <a:bodyPr wrap="none" rtlCol="0">
-                <a:spAutoFit/>
-              </a:bodyPr>
-              <a:lstStyle/>
-              <a:p>
-                <a:pPr/>
-                <a14:m>
-                  <m:oMathPara xmlns:m="http://schemas.openxmlformats.org/officeDocument/2006/math">
-                    <m:oMathParaPr>
-                      <m:jc m:val="centerGroup"/>
-                    </m:oMathParaPr>
-                    <m:oMath xmlns:m="http://schemas.openxmlformats.org/officeDocument/2006/math">
-                      <m:sSub>
-                        <m:sSubPr>
-                          <m:ctrlPr>
-                            <a:rPr lang="en-US" b="0" i="1" smtClean="0">
-                              <a:latin typeface="Cambria Math" panose="02040503050406030204" pitchFamily="18" charset="0"/>
-                            </a:rPr>
-                          </m:ctrlPr>
-                        </m:sSubPr>
-                        <m:e>
-                          <m:r>
-                            <a:rPr lang="en-US" b="0" i="1" smtClean="0">
-                              <a:latin typeface="Cambria Math" panose="02040503050406030204" pitchFamily="18" charset="0"/>
-                            </a:rPr>
-                            <m:t>𝐷</m:t>
-                          </m:r>
-                        </m:e>
-                        <m:sub>
-                          <m:r>
-                            <a:rPr lang="en-US" b="0" i="1" smtClean="0">
-                              <a:latin typeface="Cambria Math" panose="02040503050406030204" pitchFamily="18" charset="0"/>
-                            </a:rPr>
-                            <m:t>3</m:t>
-                          </m:r>
-                        </m:sub>
-                      </m:sSub>
-                      <m:r>
-                        <a:rPr lang="en-US" b="0" i="1" smtClean="0">
-                          <a:latin typeface="Cambria Math" panose="02040503050406030204" pitchFamily="18" charset="0"/>
-                        </a:rPr>
-                        <m:t>=</m:t>
-                      </m:r>
-                      <m:r>
-                        <a:rPr lang="en-US" b="0" i="1" smtClean="0">
-                          <a:latin typeface="Cambria Math" panose="02040503050406030204" pitchFamily="18" charset="0"/>
-                        </a:rPr>
-                        <m:t>7,</m:t>
-                      </m:r>
-                      <m:sSubSup>
-                        <m:sSubSupPr>
-                          <m:ctrlPr>
-                            <a:rPr lang="en-US" b="0" i="1" smtClean="0">
-                              <a:latin typeface="Cambria Math" panose="02040503050406030204" pitchFamily="18" charset="0"/>
-                            </a:rPr>
-                          </m:ctrlPr>
-                        </m:sSubSupPr>
-                        <m:e>
-                          <m:r>
-                            <a:rPr lang="en-US" b="0" i="1" smtClean="0">
-                              <a:latin typeface="Cambria Math" panose="02040503050406030204" pitchFamily="18" charset="0"/>
-                            </a:rPr>
-                            <m:t>𝑑</m:t>
-                          </m:r>
-                        </m:e>
-                        <m:sub>
-                          <m:r>
-                            <a:rPr lang="en-US" b="0" i="1" smtClean="0">
-                              <a:latin typeface="Cambria Math" panose="02040503050406030204" pitchFamily="18" charset="0"/>
-                            </a:rPr>
-                            <m:t>3</m:t>
-                          </m:r>
-                        </m:sub>
-                        <m:sup>
-                          <m:r>
-                            <a:rPr lang="en-US" b="0" i="1" smtClean="0">
-                              <a:latin typeface="Cambria Math" panose="02040503050406030204" pitchFamily="18" charset="0"/>
-                            </a:rPr>
-                            <m:t>1</m:t>
-                          </m:r>
-                        </m:sup>
-                      </m:sSubSup>
-                      <m:r>
-                        <a:rPr lang="en-US" b="0" i="1" smtClean="0">
-                          <a:latin typeface="Cambria Math" panose="02040503050406030204" pitchFamily="18" charset="0"/>
-                        </a:rPr>
-                        <m:t>=6</m:t>
-                      </m:r>
-                    </m:oMath>
-                  </m:oMathPara>
-                </a14:m>
-                <a:endParaRPr lang="en-US" dirty="0"/>
-              </a:p>
-            </p:txBody>
-          </p:sp>
-        </mc:Choice>
-        <mc:Fallback>
-          <p:sp>
-            <p:nvSpPr>
-              <p:cNvPr id="22" name="TextBox 21">
-                <a:extLst>
-                  <a:ext uri="{FF2B5EF4-FFF2-40B4-BE49-F238E27FC236}">
-                    <a16:creationId xmlns:a16="http://schemas.microsoft.com/office/drawing/2014/main" id="{61A1111D-EFA3-2742-8121-066B0449F7EE}"/>
-                  </a:ext>
-                </a:extLst>
-              </p:cNvPr>
-              <p:cNvSpPr txBox="1">
-                <a:spLocks noRot="1" noChangeAspect="1" noMove="1" noResize="1" noEditPoints="1" noAdjustHandles="1" noChangeArrowheads="1" noChangeShapeType="1" noTextEdit="1"/>
-              </p:cNvSpPr>
-              <p:nvPr/>
-            </p:nvSpPr>
-            <p:spPr>
-              <a:xfrm>
-                <a:off x="7357726" y="4750472"/>
-                <a:ext cx="1728294" cy="373885"/>
-              </a:xfrm>
-              <a:prstGeom prst="rect">
-                <a:avLst/>
-              </a:prstGeom>
-              <a:blipFill>
-                <a:blip r:embed="rId7"/>
-                <a:stretch>
-                  <a:fillRect/>
-                </a:stretch>
-              </a:blipFill>
-            </p:spPr>
-            <p:txBody>
-              <a:bodyPr/>
-              <a:lstStyle/>
-              <a:p>
-                <a:r>
-                  <a:rPr lang="en-US">
-                    <a:noFill/>
-                  </a:rPr>
-                  <a:t> </a:t>
-                </a:r>
-              </a:p>
-            </p:txBody>
-          </p:sp>
-        </mc:Fallback>
-      </mc:AlternateContent>
-      <mc:AlternateContent xmlns:mc="http://schemas.openxmlformats.org/markup-compatibility/2006">
-        <mc:Choice xmlns:a14="http://schemas.microsoft.com/office/drawing/2010/main" Requires="a14">
-          <p:sp>
-            <p:nvSpPr>
-              <p:cNvPr id="23" name="TextBox 22">
-                <a:extLst>
-                  <a:ext uri="{FF2B5EF4-FFF2-40B4-BE49-F238E27FC236}">
-                    <a16:creationId xmlns:a16="http://schemas.microsoft.com/office/drawing/2014/main" id="{3CDFEE90-59D6-244B-9FA6-73D523B4CAD9}"/>
-                  </a:ext>
-                </a:extLst>
-              </p:cNvPr>
-              <p:cNvSpPr txBox="1"/>
-              <p:nvPr/>
-            </p:nvSpPr>
-            <p:spPr>
-              <a:xfrm>
-                <a:off x="5506300" y="4156820"/>
-                <a:ext cx="1984774" cy="372474"/>
-              </a:xfrm>
-              <a:prstGeom prst="rect">
-                <a:avLst/>
-              </a:prstGeom>
-              <a:noFill/>
-            </p:spPr>
-            <p:txBody>
-              <a:bodyPr wrap="none" rtlCol="0">
-                <a:spAutoFit/>
-              </a:bodyPr>
-              <a:lstStyle/>
-              <a:p>
-                <a:pPr/>
-                <a14:m>
-                  <m:oMathPara xmlns:m="http://schemas.openxmlformats.org/officeDocument/2006/math">
-                    <m:oMathParaPr>
-                      <m:jc m:val="centerGroup"/>
-                    </m:oMathParaPr>
-                    <m:oMath xmlns:m="http://schemas.openxmlformats.org/officeDocument/2006/math">
-                      <m:sSub>
-                        <m:sSubPr>
-                          <m:ctrlPr>
-                            <a:rPr lang="en-US" b="0" i="1" smtClean="0">
-                              <a:latin typeface="Cambria Math" panose="02040503050406030204" pitchFamily="18" charset="0"/>
-                            </a:rPr>
-                          </m:ctrlPr>
-                        </m:sSubPr>
-                        <m:e>
-                          <m:r>
-                            <a:rPr lang="en-US" b="0" i="1" smtClean="0">
-                              <a:latin typeface="Cambria Math" panose="02040503050406030204" pitchFamily="18" charset="0"/>
-                            </a:rPr>
-                            <m:t>𝐷</m:t>
-                          </m:r>
-                        </m:e>
-                        <m:sub>
-                          <m:r>
-                            <a:rPr lang="en-US" b="0" i="1" smtClean="0">
-                              <a:latin typeface="Cambria Math" panose="02040503050406030204" pitchFamily="18" charset="0"/>
-                            </a:rPr>
-                            <m:t>2</m:t>
-                          </m:r>
-                        </m:sub>
-                      </m:sSub>
-                      <m:r>
-                        <a:rPr lang="en-US" b="0" i="1" smtClean="0">
-                          <a:latin typeface="Cambria Math" panose="02040503050406030204" pitchFamily="18" charset="0"/>
-                        </a:rPr>
-                        <m:t>=</m:t>
-                      </m:r>
-                      <m:r>
-                        <a:rPr lang="en-US" b="0" i="1" smtClean="0">
-                          <a:latin typeface="Cambria Math" panose="02040503050406030204" pitchFamily="18" charset="0"/>
-                        </a:rPr>
-                        <m:t>10,</m:t>
-                      </m:r>
-                      <m:sSubSup>
-                        <m:sSubSupPr>
-                          <m:ctrlPr>
-                            <a:rPr lang="en-US" b="0" i="1" smtClean="0">
-                              <a:latin typeface="Cambria Math" panose="02040503050406030204" pitchFamily="18" charset="0"/>
-                            </a:rPr>
-                          </m:ctrlPr>
-                        </m:sSubSupPr>
-                        <m:e>
-                          <m:r>
-                            <a:rPr lang="en-US" b="0" i="1" smtClean="0">
-                              <a:latin typeface="Cambria Math" panose="02040503050406030204" pitchFamily="18" charset="0"/>
-                            </a:rPr>
-                            <m:t>𝑑</m:t>
-                          </m:r>
-                        </m:e>
-                        <m:sub>
-                          <m:r>
-                            <a:rPr lang="en-US" b="0" i="1" smtClean="0">
-                              <a:latin typeface="Cambria Math" panose="02040503050406030204" pitchFamily="18" charset="0"/>
-                            </a:rPr>
-                            <m:t>2</m:t>
-                          </m:r>
-                        </m:sub>
-                        <m:sup>
-                          <m:r>
-                            <a:rPr lang="en-US" b="0" i="1" smtClean="0">
-                              <a:latin typeface="Cambria Math" panose="02040503050406030204" pitchFamily="18" charset="0"/>
-                            </a:rPr>
-                            <m:t>1</m:t>
-                          </m:r>
-                        </m:sup>
-                      </m:sSubSup>
-                      <m:r>
-                        <a:rPr lang="en-US" b="0" i="1" smtClean="0">
-                          <a:latin typeface="Cambria Math" panose="02040503050406030204" pitchFamily="18" charset="0"/>
-                        </a:rPr>
-                        <m:t>=0.1</m:t>
-                      </m:r>
-                    </m:oMath>
-                  </m:oMathPara>
-                </a14:m>
-                <a:endParaRPr lang="en-US" dirty="0"/>
-              </a:p>
-            </p:txBody>
-          </p:sp>
-        </mc:Choice>
-        <mc:Fallback>
-          <p:sp>
-            <p:nvSpPr>
-              <p:cNvPr id="23" name="TextBox 22">
-                <a:extLst>
-                  <a:ext uri="{FF2B5EF4-FFF2-40B4-BE49-F238E27FC236}">
-                    <a16:creationId xmlns:a16="http://schemas.microsoft.com/office/drawing/2014/main" id="{3CDFEE90-59D6-244B-9FA6-73D523B4CAD9}"/>
-                  </a:ext>
-                </a:extLst>
-              </p:cNvPr>
-              <p:cNvSpPr txBox="1">
-                <a:spLocks noRot="1" noChangeAspect="1" noMove="1" noResize="1" noEditPoints="1" noAdjustHandles="1" noChangeArrowheads="1" noChangeShapeType="1" noTextEdit="1"/>
-              </p:cNvSpPr>
-              <p:nvPr/>
-            </p:nvSpPr>
-            <p:spPr>
-              <a:xfrm>
-                <a:off x="5506300" y="4156820"/>
-                <a:ext cx="1984774" cy="372474"/>
-              </a:xfrm>
-              <a:prstGeom prst="rect">
-                <a:avLst/>
-              </a:prstGeom>
-              <a:blipFill>
-                <a:blip r:embed="rId8"/>
-                <a:stretch>
-                  <a:fillRect/>
-                </a:stretch>
-              </a:blipFill>
-            </p:spPr>
-            <p:txBody>
-              <a:bodyPr/>
-              <a:lstStyle/>
-              <a:p>
-                <a:r>
-                  <a:rPr lang="en-US">
-                    <a:noFill/>
-                  </a:rPr>
-                  <a:t> </a:t>
-                </a:r>
-              </a:p>
-            </p:txBody>
-          </p:sp>
-        </mc:Fallback>
-      </mc:AlternateContent>
-      <p:sp>
-        <p:nvSpPr>
-          <p:cNvPr id="24" name="Rectangle 23">
-            <a:extLst>
-              <a:ext uri="{FF2B5EF4-FFF2-40B4-BE49-F238E27FC236}">
-                <a16:creationId xmlns:a16="http://schemas.microsoft.com/office/drawing/2014/main" id="{D44B1AC0-E64E-074F-BDDB-4A417E10D954}"/>
-              </a:ext>
-            </a:extLst>
-          </p:cNvPr>
-          <p:cNvSpPr/>
-          <p:nvPr/>
-        </p:nvSpPr>
-        <p:spPr>
-          <a:xfrm>
-            <a:off x="5169522" y="4792263"/>
-            <a:ext cx="1090248" cy="285750"/>
-          </a:xfrm>
-          <a:prstGeom prst="rect">
-            <a:avLst/>
-          </a:prstGeom>
-          <a:pattFill prst="wdDnDiag">
-            <a:fgClr>
-              <a:srgbClr val="7030A0"/>
-            </a:fgClr>
-            <a:bgClr>
-              <a:schemeClr val="bg1"/>
-            </a:bgClr>
-          </a:pattFill>
-          <a:ln w="19050">
-            <a:solidFill>
-              <a:schemeClr val="tx1"/>
-            </a:solidFill>
-          </a:ln>
-        </p:spPr>
-        <p:style>
-          <a:lnRef idx="2">
-            <a:schemeClr val="accent1">
-              <a:shade val="50000"/>
-            </a:schemeClr>
-          </a:lnRef>
-          <a:fillRef idx="1">
-            <a:schemeClr val="accent1"/>
-          </a:fillRef>
-          <a:effectRef idx="0">
-            <a:schemeClr val="accent1"/>
-          </a:effectRef>
-          <a:fontRef idx="minor">
-            <a:schemeClr val="lt1"/>
-          </a:fontRef>
-        </p:style>
-        <p:txBody>
-          <a:bodyPr rtlCol="0" anchor="ctr"/>
-          <a:lstStyle/>
-          <a:p>
-            <a:pPr algn="ctr"/>
-            <a:endParaRPr lang="en-US"/>
-          </a:p>
-        </p:txBody>
-      </p:sp>
-      <p:cxnSp>
-        <p:nvCxnSpPr>
-          <p:cNvPr id="25" name="Straight Connector 24">
-            <a:extLst>
-              <a:ext uri="{FF2B5EF4-FFF2-40B4-BE49-F238E27FC236}">
-                <a16:creationId xmlns:a16="http://schemas.microsoft.com/office/drawing/2014/main" id="{FE6D6D4D-0639-CE41-B423-A872FDA85D1E}"/>
-              </a:ext>
-            </a:extLst>
-          </p:cNvPr>
-          <p:cNvCxnSpPr>
-            <a:cxnSpLocks/>
-          </p:cNvCxnSpPr>
-          <p:nvPr/>
-        </p:nvCxnSpPr>
-        <p:spPr>
-          <a:xfrm>
-            <a:off x="3903156" y="3190899"/>
-            <a:ext cx="0" cy="2310164"/>
-          </a:xfrm>
-          <a:prstGeom prst="line">
-            <a:avLst/>
-          </a:prstGeom>
-          <a:ln>
-            <a:solidFill>
-              <a:schemeClr val="tx1"/>
-            </a:solidFill>
-            <a:prstDash val="dash"/>
-          </a:ln>
-        </p:spPr>
-        <p:style>
-          <a:lnRef idx="1">
-            <a:schemeClr val="accent1"/>
-          </a:lnRef>
-          <a:fillRef idx="0">
-            <a:schemeClr val="accent1"/>
-          </a:fillRef>
-          <a:effectRef idx="0">
-            <a:schemeClr val="accent1"/>
-          </a:effectRef>
-          <a:fontRef idx="minor">
-            <a:schemeClr val="tx1"/>
-          </a:fontRef>
-        </p:style>
-      </p:cxnSp>
-      <p:sp>
-        <p:nvSpPr>
-          <p:cNvPr id="26" name="Rectangle 25">
-            <a:extLst>
-              <a:ext uri="{FF2B5EF4-FFF2-40B4-BE49-F238E27FC236}">
-                <a16:creationId xmlns:a16="http://schemas.microsoft.com/office/drawing/2014/main" id="{5954E7D5-6FC8-CB4F-9FE3-770E68A6C753}"/>
-              </a:ext>
-            </a:extLst>
-          </p:cNvPr>
-          <p:cNvSpPr/>
-          <p:nvPr/>
-        </p:nvSpPr>
-        <p:spPr>
-          <a:xfrm>
-            <a:off x="4958578" y="4203106"/>
-            <a:ext cx="209403" cy="285750"/>
-          </a:xfrm>
-          <a:prstGeom prst="rect">
-            <a:avLst/>
-          </a:prstGeom>
-          <a:solidFill>
-            <a:srgbClr val="FFC000"/>
-          </a:solidFill>
-          <a:ln w="19050">
-            <a:solidFill>
-              <a:schemeClr val="tx1"/>
-            </a:solidFill>
-          </a:ln>
-        </p:spPr>
-        <p:style>
-          <a:lnRef idx="2">
-            <a:schemeClr val="accent1">
-              <a:shade val="50000"/>
-            </a:schemeClr>
-          </a:lnRef>
-          <a:fillRef idx="1">
-            <a:schemeClr val="accent1"/>
-          </a:fillRef>
-          <a:effectRef idx="0">
-            <a:schemeClr val="accent1"/>
-          </a:effectRef>
-          <a:fontRef idx="minor">
-            <a:schemeClr val="lt1"/>
-          </a:fontRef>
-        </p:style>
-        <p:txBody>
-          <a:bodyPr rtlCol="0" anchor="ctr"/>
-          <a:lstStyle/>
-          <a:p>
-            <a:pPr algn="ctr"/>
-            <a:endParaRPr lang="en-US"/>
-          </a:p>
-        </p:txBody>
-      </p:sp>
-      <p:cxnSp>
-        <p:nvCxnSpPr>
-          <p:cNvPr id="27" name="Straight Connector 26">
-            <a:extLst>
-              <a:ext uri="{FF2B5EF4-FFF2-40B4-BE49-F238E27FC236}">
-                <a16:creationId xmlns:a16="http://schemas.microsoft.com/office/drawing/2014/main" id="{4FA23696-89CB-4342-A086-814D6DAD6453}"/>
-              </a:ext>
-            </a:extLst>
-          </p:cNvPr>
-          <p:cNvCxnSpPr>
-            <a:cxnSpLocks/>
-          </p:cNvCxnSpPr>
-          <p:nvPr/>
-        </p:nvCxnSpPr>
-        <p:spPr>
-          <a:xfrm>
-            <a:off x="6110300" y="3190899"/>
-            <a:ext cx="0" cy="2310164"/>
-          </a:xfrm>
-          <a:prstGeom prst="line">
-            <a:avLst/>
-          </a:prstGeom>
-          <a:ln>
-            <a:solidFill>
-              <a:schemeClr val="tx1"/>
-            </a:solidFill>
-            <a:prstDash val="dash"/>
-          </a:ln>
-        </p:spPr>
-        <p:style>
-          <a:lnRef idx="1">
-            <a:schemeClr val="accent1"/>
-          </a:lnRef>
-          <a:fillRef idx="0">
-            <a:schemeClr val="accent1"/>
-          </a:fillRef>
-          <a:effectRef idx="0">
-            <a:schemeClr val="accent1"/>
-          </a:effectRef>
-          <a:fontRef idx="minor">
-            <a:schemeClr val="tx1"/>
-          </a:fontRef>
-        </p:style>
-      </p:cxnSp>
-      <p:sp>
-        <p:nvSpPr>
-          <p:cNvPr id="28" name="Rectangle 27">
-            <a:extLst>
-              <a:ext uri="{FF2B5EF4-FFF2-40B4-BE49-F238E27FC236}">
-                <a16:creationId xmlns:a16="http://schemas.microsoft.com/office/drawing/2014/main" id="{6E4AD3B4-6AD4-C647-AA00-4D6E69AF7A1E}"/>
-              </a:ext>
-            </a:extLst>
-          </p:cNvPr>
-          <p:cNvSpPr/>
-          <p:nvPr/>
-        </p:nvSpPr>
-        <p:spPr>
-          <a:xfrm>
-            <a:off x="6259770" y="4792263"/>
-            <a:ext cx="953345" cy="285750"/>
-          </a:xfrm>
-          <a:prstGeom prst="rect">
-            <a:avLst/>
-          </a:prstGeom>
-          <a:pattFill prst="wdDnDiag">
-            <a:fgClr>
-              <a:srgbClr val="FFC000"/>
-            </a:fgClr>
-            <a:bgClr>
-              <a:schemeClr val="bg1"/>
-            </a:bgClr>
-          </a:pattFill>
-          <a:ln w="19050">
-            <a:solidFill>
-              <a:schemeClr val="tx1"/>
-            </a:solidFill>
-          </a:ln>
-        </p:spPr>
-        <p:style>
-          <a:lnRef idx="2">
-            <a:schemeClr val="accent1">
-              <a:shade val="50000"/>
-            </a:schemeClr>
-          </a:lnRef>
-          <a:fillRef idx="1">
-            <a:schemeClr val="accent1"/>
-          </a:fillRef>
-          <a:effectRef idx="0">
-            <a:schemeClr val="accent1"/>
-          </a:effectRef>
-          <a:fontRef idx="minor">
-            <a:schemeClr val="lt1"/>
-          </a:fontRef>
-        </p:style>
-        <p:txBody>
-          <a:bodyPr rtlCol="0" anchor="ctr"/>
-          <a:lstStyle/>
-          <a:p>
-            <a:pPr algn="ctr"/>
-            <a:endParaRPr lang="en-US"/>
-          </a:p>
-        </p:txBody>
-      </p:sp>
-      <p:cxnSp>
-        <p:nvCxnSpPr>
-          <p:cNvPr id="29" name="Straight Connector 28">
-            <a:extLst>
-              <a:ext uri="{FF2B5EF4-FFF2-40B4-BE49-F238E27FC236}">
-                <a16:creationId xmlns:a16="http://schemas.microsoft.com/office/drawing/2014/main" id="{01772FEB-9965-754E-8CC5-C2DF8B306216}"/>
-              </a:ext>
-            </a:extLst>
-          </p:cNvPr>
-          <p:cNvCxnSpPr>
-            <a:cxnSpLocks/>
-          </p:cNvCxnSpPr>
-          <p:nvPr/>
-        </p:nvCxnSpPr>
-        <p:spPr>
-          <a:xfrm>
-            <a:off x="3313962" y="531486"/>
-            <a:ext cx="0" cy="5366936"/>
-          </a:xfrm>
-          <a:prstGeom prst="line">
-            <a:avLst/>
-          </a:prstGeom>
-          <a:ln w="19050">
-            <a:solidFill>
-              <a:schemeClr val="tx1"/>
-            </a:solidFill>
-          </a:ln>
-        </p:spPr>
-        <p:style>
-          <a:lnRef idx="1">
-            <a:schemeClr val="accent1"/>
-          </a:lnRef>
-          <a:fillRef idx="0">
-            <a:schemeClr val="accent1"/>
-          </a:fillRef>
-          <a:effectRef idx="0">
-            <a:schemeClr val="accent1"/>
-          </a:effectRef>
-          <a:fontRef idx="minor">
-            <a:schemeClr val="tx1"/>
-          </a:fontRef>
-        </p:style>
-      </p:cxnSp>
-      <mc:AlternateContent xmlns:mc="http://schemas.openxmlformats.org/markup-compatibility/2006">
-        <mc:Choice xmlns:a14="http://schemas.microsoft.com/office/drawing/2010/main" Requires="a14">
-          <p:sp>
-            <p:nvSpPr>
-              <p:cNvPr id="30" name="TextBox 29">
-                <a:extLst>
-                  <a:ext uri="{FF2B5EF4-FFF2-40B4-BE49-F238E27FC236}">
-                    <a16:creationId xmlns:a16="http://schemas.microsoft.com/office/drawing/2014/main" id="{C1147D9E-3926-7945-BB98-B79B85E8B45A}"/>
-                  </a:ext>
-                </a:extLst>
-              </p:cNvPr>
-              <p:cNvSpPr txBox="1"/>
-              <p:nvPr/>
-            </p:nvSpPr>
-            <p:spPr>
-              <a:xfrm>
-                <a:off x="5485904" y="5895151"/>
-                <a:ext cx="1221129" cy="372603"/>
-              </a:xfrm>
-              <a:prstGeom prst="rect">
-                <a:avLst/>
-              </a:prstGeom>
-              <a:noFill/>
-            </p:spPr>
-            <p:txBody>
-              <a:bodyPr wrap="square" rtlCol="0">
-                <a:spAutoFit/>
-              </a:bodyPr>
-              <a:lstStyle/>
-              <a:p>
-                <a14:m>
-                  <m:oMathPara xmlns:m="http://schemas.openxmlformats.org/officeDocument/2006/math">
-                    <m:oMathParaPr>
-                      <m:jc m:val="centerGroup"/>
-                    </m:oMathParaPr>
-                    <m:oMath xmlns:m="http://schemas.openxmlformats.org/officeDocument/2006/math">
-                      <m:sSubSup>
-                        <m:sSubSupPr>
-                          <m:ctrlPr>
-                            <a:rPr lang="en-US" b="0" i="1" smtClean="0">
-                              <a:latin typeface="Cambria Math" panose="02040503050406030204" pitchFamily="18" charset="0"/>
-                              <a:cs typeface="Times New Roman" panose="02020603050405020304" pitchFamily="18" charset="0"/>
-                            </a:rPr>
-                          </m:ctrlPr>
-                        </m:sSubSupPr>
-                        <m:e>
-                          <m:r>
-                            <a:rPr lang="en-US" b="0" i="1" smtClean="0">
-                              <a:latin typeface="Cambria Math" panose="02040503050406030204" pitchFamily="18" charset="0"/>
-                              <a:cs typeface="Times New Roman" panose="02020603050405020304" pitchFamily="18" charset="0"/>
-                            </a:rPr>
-                            <m:t>𝑡</m:t>
-                          </m:r>
-                        </m:e>
-                        <m:sub>
-                          <m:r>
-                            <a:rPr lang="en-US" b="0" i="1" smtClean="0">
-                              <a:latin typeface="Cambria Math" panose="02040503050406030204" pitchFamily="18" charset="0"/>
-                              <a:cs typeface="Times New Roman" panose="02020603050405020304" pitchFamily="18" charset="0"/>
-                            </a:rPr>
-                            <m:t>𝑁</m:t>
-                          </m:r>
-                        </m:sub>
-                        <m:sup>
-                          <m:r>
-                            <a:rPr lang="en-US" b="0" i="1" smtClean="0">
-                              <a:latin typeface="Cambria Math" panose="02040503050406030204" pitchFamily="18" charset="0"/>
-                              <a:cs typeface="Times New Roman" panose="02020603050405020304" pitchFamily="18" charset="0"/>
-                            </a:rPr>
-                            <m:t>1</m:t>
-                          </m:r>
-                        </m:sup>
-                      </m:sSubSup>
-                      <m:r>
-                        <a:rPr lang="en-US" b="0" i="1" smtClean="0">
-                          <a:latin typeface="Cambria Math" panose="02040503050406030204" pitchFamily="18" charset="0"/>
-                          <a:cs typeface="Times New Roman" panose="02020603050405020304" pitchFamily="18" charset="0"/>
-                        </a:rPr>
-                        <m:t>=25.7</m:t>
-                      </m:r>
-                    </m:oMath>
-                  </m:oMathPara>
-                </a14:m>
-                <a:endParaRPr lang="en-US" i="1" dirty="0">
-                  <a:latin typeface="Times New Roman" panose="02020603050405020304" pitchFamily="18" charset="0"/>
-                  <a:cs typeface="Times New Roman" panose="02020603050405020304" pitchFamily="18" charset="0"/>
-                </a:endParaRPr>
-              </a:p>
-            </p:txBody>
-          </p:sp>
-        </mc:Choice>
-        <mc:Fallback>
-          <p:sp>
-            <p:nvSpPr>
-              <p:cNvPr id="30" name="TextBox 29">
-                <a:extLst>
-                  <a:ext uri="{FF2B5EF4-FFF2-40B4-BE49-F238E27FC236}">
-                    <a16:creationId xmlns:a16="http://schemas.microsoft.com/office/drawing/2014/main" id="{C1147D9E-3926-7945-BB98-B79B85E8B45A}"/>
-                  </a:ext>
-                </a:extLst>
-              </p:cNvPr>
-              <p:cNvSpPr txBox="1">
-                <a:spLocks noRot="1" noChangeAspect="1" noMove="1" noResize="1" noEditPoints="1" noAdjustHandles="1" noChangeArrowheads="1" noChangeShapeType="1" noTextEdit="1"/>
-              </p:cNvSpPr>
-              <p:nvPr/>
-            </p:nvSpPr>
-            <p:spPr>
-              <a:xfrm>
-                <a:off x="5485904" y="5895151"/>
-                <a:ext cx="1221129" cy="372603"/>
-              </a:xfrm>
-              <a:prstGeom prst="rect">
-                <a:avLst/>
-              </a:prstGeom>
-              <a:blipFill>
-                <a:blip r:embed="rId9"/>
-                <a:stretch>
-                  <a:fillRect/>
-                </a:stretch>
-              </a:blipFill>
-            </p:spPr>
-            <p:txBody>
-              <a:bodyPr/>
-              <a:lstStyle/>
-              <a:p>
-                <a:r>
-                  <a:rPr lang="en-US">
-                    <a:noFill/>
-                  </a:rPr>
-                  <a:t> </a:t>
-                </a:r>
-              </a:p>
-            </p:txBody>
-          </p:sp>
-        </mc:Fallback>
-      </mc:AlternateContent>
-      <p:cxnSp>
-        <p:nvCxnSpPr>
-          <p:cNvPr id="32" name="Straight Connector 31">
-            <a:extLst>
-              <a:ext uri="{FF2B5EF4-FFF2-40B4-BE49-F238E27FC236}">
-                <a16:creationId xmlns:a16="http://schemas.microsoft.com/office/drawing/2014/main" id="{42B50EF9-5659-654B-A8CC-F67563AB48A3}"/>
-              </a:ext>
-            </a:extLst>
-          </p:cNvPr>
-          <p:cNvCxnSpPr>
-            <a:cxnSpLocks/>
-          </p:cNvCxnSpPr>
-          <p:nvPr/>
-        </p:nvCxnSpPr>
-        <p:spPr>
-          <a:xfrm>
-            <a:off x="5169522" y="3190899"/>
-            <a:ext cx="0" cy="2310164"/>
-          </a:xfrm>
-          <a:prstGeom prst="line">
-            <a:avLst/>
-          </a:prstGeom>
-          <a:ln>
-            <a:solidFill>
-              <a:schemeClr val="tx1"/>
-            </a:solidFill>
-            <a:prstDash val="dash"/>
-          </a:ln>
-        </p:spPr>
-        <p:style>
-          <a:lnRef idx="1">
-            <a:schemeClr val="accent1"/>
-          </a:lnRef>
-          <a:fillRef idx="0">
-            <a:schemeClr val="accent1"/>
-          </a:fillRef>
-          <a:effectRef idx="0">
-            <a:schemeClr val="accent1"/>
-          </a:effectRef>
-          <a:fontRef idx="minor">
-            <a:schemeClr val="tx1"/>
-          </a:fontRef>
-        </p:style>
-      </p:cxnSp>
-      <p:sp>
-        <p:nvSpPr>
-          <p:cNvPr id="33" name="Rectangle 32">
-            <a:extLst>
-              <a:ext uri="{FF2B5EF4-FFF2-40B4-BE49-F238E27FC236}">
-                <a16:creationId xmlns:a16="http://schemas.microsoft.com/office/drawing/2014/main" id="{76B78D06-A19E-2843-96A2-782E64706CF7}"/>
-              </a:ext>
-            </a:extLst>
-          </p:cNvPr>
-          <p:cNvSpPr/>
-          <p:nvPr/>
-        </p:nvSpPr>
-        <p:spPr>
-          <a:xfrm>
-            <a:off x="5169522" y="5385376"/>
-            <a:ext cx="534070" cy="285750"/>
-          </a:xfrm>
-          <a:prstGeom prst="rect">
-            <a:avLst/>
-          </a:prstGeom>
-          <a:solidFill>
-            <a:srgbClr val="7030A0"/>
-          </a:solidFill>
-          <a:ln w="19050">
-            <a:solidFill>
-              <a:schemeClr val="tx1"/>
-            </a:solidFill>
-          </a:ln>
-        </p:spPr>
-        <p:style>
-          <a:lnRef idx="2">
-            <a:schemeClr val="accent1">
-              <a:shade val="50000"/>
-            </a:schemeClr>
-          </a:lnRef>
-          <a:fillRef idx="1">
-            <a:schemeClr val="accent1"/>
-          </a:fillRef>
-          <a:effectRef idx="0">
-            <a:schemeClr val="accent1"/>
-          </a:effectRef>
-          <a:fontRef idx="minor">
-            <a:schemeClr val="lt1"/>
-          </a:fontRef>
-        </p:style>
-        <p:txBody>
-          <a:bodyPr rtlCol="0" anchor="ctr"/>
-          <a:lstStyle/>
-          <a:p>
-            <a:pPr algn="ctr"/>
-            <a:endParaRPr lang="en-US"/>
-          </a:p>
-        </p:txBody>
-      </p:sp>
-      <p:sp>
-        <p:nvSpPr>
-          <p:cNvPr id="34" name="Rectangle 33">
-            <a:extLst>
-              <a:ext uri="{FF2B5EF4-FFF2-40B4-BE49-F238E27FC236}">
-                <a16:creationId xmlns:a16="http://schemas.microsoft.com/office/drawing/2014/main" id="{AD1B60C0-D729-4942-9A59-EFF5FFF04E20}"/>
-              </a:ext>
-            </a:extLst>
-          </p:cNvPr>
-          <p:cNvSpPr/>
-          <p:nvPr/>
-        </p:nvSpPr>
-        <p:spPr>
-          <a:xfrm>
-            <a:off x="5703593" y="5385376"/>
-            <a:ext cx="406707" cy="285750"/>
-          </a:xfrm>
-          <a:prstGeom prst="rect">
-            <a:avLst/>
-          </a:prstGeom>
-          <a:solidFill>
-            <a:srgbClr val="FFC000"/>
-          </a:solidFill>
-          <a:ln w="19050">
-            <a:solidFill>
-              <a:schemeClr val="tx1"/>
-            </a:solidFill>
-          </a:ln>
-        </p:spPr>
-        <p:style>
-          <a:lnRef idx="2">
-            <a:schemeClr val="accent1">
-              <a:shade val="50000"/>
-            </a:schemeClr>
-          </a:lnRef>
-          <a:fillRef idx="1">
-            <a:schemeClr val="accent1"/>
-          </a:fillRef>
-          <a:effectRef idx="0">
-            <a:schemeClr val="accent1"/>
-          </a:effectRef>
-          <a:fontRef idx="minor">
-            <a:schemeClr val="lt1"/>
-          </a:fontRef>
-        </p:style>
-        <p:txBody>
-          <a:bodyPr rtlCol="0" anchor="ctr"/>
-          <a:lstStyle/>
-          <a:p>
-            <a:pPr algn="ctr"/>
-            <a:endParaRPr lang="en-US"/>
-          </a:p>
-        </p:txBody>
-      </p:sp>
-      <p:sp>
-        <p:nvSpPr>
-          <p:cNvPr id="35" name="Curved Left Arrow 34">
-            <a:extLst>
-              <a:ext uri="{FF2B5EF4-FFF2-40B4-BE49-F238E27FC236}">
-                <a16:creationId xmlns:a16="http://schemas.microsoft.com/office/drawing/2014/main" id="{007B19DA-E378-4C48-992F-86BE86E5C194}"/>
-              </a:ext>
-            </a:extLst>
-          </p:cNvPr>
-          <p:cNvSpPr/>
-          <p:nvPr/>
-        </p:nvSpPr>
-        <p:spPr>
-          <a:xfrm rot="1546127">
-            <a:off x="7616764" y="5186480"/>
-            <a:ext cx="254978" cy="404446"/>
-          </a:xfrm>
-          <a:prstGeom prst="curvedLeftArrow">
-            <a:avLst/>
-          </a:prstGeom>
-          <a:solidFill>
-            <a:srgbClr val="7030A0"/>
-          </a:solidFill>
-          <a:ln>
-            <a:noFill/>
-          </a:ln>
-        </p:spPr>
-        <p:style>
-          <a:lnRef idx="2">
-            <a:schemeClr val="accent1">
-              <a:shade val="50000"/>
-            </a:schemeClr>
-          </a:lnRef>
-          <a:fillRef idx="1">
-            <a:schemeClr val="accent1"/>
-          </a:fillRef>
-          <a:effectRef idx="0">
-            <a:schemeClr val="accent1"/>
-          </a:effectRef>
-          <a:fontRef idx="minor">
-            <a:schemeClr val="lt1"/>
-          </a:fontRef>
-        </p:style>
-        <p:txBody>
-          <a:bodyPr rtlCol="0" anchor="ctr"/>
-          <a:lstStyle/>
-          <a:p>
-            <a:pPr algn="ctr"/>
-            <a:endParaRPr lang="en-US">
-              <a:solidFill>
-                <a:schemeClr val="tx1"/>
-              </a:solidFill>
-            </a:endParaRPr>
-          </a:p>
-        </p:txBody>
-      </p:sp>
-      <mc:AlternateContent xmlns:mc="http://schemas.openxmlformats.org/markup-compatibility/2006">
-        <mc:Choice xmlns:a14="http://schemas.microsoft.com/office/drawing/2010/main" Requires="a14">
-          <p:sp>
-            <p:nvSpPr>
-              <p:cNvPr id="36" name="TextBox 35">
-                <a:extLst>
-                  <a:ext uri="{FF2B5EF4-FFF2-40B4-BE49-F238E27FC236}">
-                    <a16:creationId xmlns:a16="http://schemas.microsoft.com/office/drawing/2014/main" id="{F21B8FA1-1432-A442-A365-7C302AC545CB}"/>
-                  </a:ext>
-                </a:extLst>
-              </p:cNvPr>
-              <p:cNvSpPr txBox="1"/>
-              <p:nvPr/>
-            </p:nvSpPr>
-            <p:spPr>
-              <a:xfrm>
-                <a:off x="6435888" y="5301916"/>
-                <a:ext cx="1155701" cy="369332"/>
-              </a:xfrm>
-              <a:prstGeom prst="rect">
-                <a:avLst/>
-              </a:prstGeom>
-              <a:noFill/>
-            </p:spPr>
-            <p:txBody>
-              <a:bodyPr wrap="none" rtlCol="0">
-                <a:spAutoFit/>
-              </a:bodyPr>
-              <a:lstStyle/>
-              <a:p>
-                <a:pPr/>
-                <a14:m>
-                  <m:oMathPara xmlns:m="http://schemas.openxmlformats.org/officeDocument/2006/math">
-                    <m:oMathParaPr>
-                      <m:jc m:val="centerGroup"/>
-                    </m:oMathParaPr>
-                    <m:oMath xmlns:m="http://schemas.openxmlformats.org/officeDocument/2006/math">
-                      <m:sSub>
-                        <m:sSubPr>
-                          <m:ctrlPr>
-                            <a:rPr lang="en-US" b="0" i="1" smtClean="0">
-                              <a:latin typeface="Cambria Math" panose="02040503050406030204" pitchFamily="18" charset="0"/>
-                            </a:rPr>
-                          </m:ctrlPr>
-                        </m:sSubPr>
-                        <m:e>
-                          <m:r>
-                            <a:rPr lang="en-US" b="0" i="1" smtClean="0">
-                              <a:latin typeface="Cambria Math" panose="02040503050406030204" pitchFamily="18" charset="0"/>
-                            </a:rPr>
-                            <m:t>𝑒</m:t>
-                          </m:r>
-                        </m:e>
-                        <m:sub>
-                          <m:r>
-                            <a:rPr lang="en-US" b="0" i="1" smtClean="0">
-                              <a:latin typeface="Cambria Math" panose="02040503050406030204" pitchFamily="18" charset="0"/>
-                            </a:rPr>
-                            <m:t>3</m:t>
-                          </m:r>
-                          <m:r>
-                            <a:rPr lang="en-US" b="0" i="1" smtClean="0">
-                              <a:latin typeface="Cambria Math" panose="02040503050406030204" pitchFamily="18" charset="0"/>
-                            </a:rPr>
-                            <m:t>1</m:t>
-                          </m:r>
-                        </m:sub>
-                      </m:sSub>
-                      <m:r>
-                        <a:rPr lang="en-US" b="0" i="1" smtClean="0">
-                          <a:latin typeface="Cambria Math" panose="02040503050406030204" pitchFamily="18" charset="0"/>
-                        </a:rPr>
-                        <m:t>=</m:t>
-                      </m:r>
-                      <m:r>
-                        <a:rPr lang="en-US" b="0" i="1" smtClean="0">
-                          <a:latin typeface="Cambria Math" panose="02040503050406030204" pitchFamily="18" charset="0"/>
-                        </a:rPr>
-                        <m:t>0.5</m:t>
-                      </m:r>
-                    </m:oMath>
-                  </m:oMathPara>
-                </a14:m>
-                <a:endParaRPr lang="en-US" dirty="0"/>
-              </a:p>
-            </p:txBody>
-          </p:sp>
-        </mc:Choice>
-        <mc:Fallback>
-          <p:sp>
-            <p:nvSpPr>
-              <p:cNvPr id="36" name="TextBox 35">
-                <a:extLst>
-                  <a:ext uri="{FF2B5EF4-FFF2-40B4-BE49-F238E27FC236}">
-                    <a16:creationId xmlns:a16="http://schemas.microsoft.com/office/drawing/2014/main" id="{F21B8FA1-1432-A442-A365-7C302AC545CB}"/>
-                  </a:ext>
-                </a:extLst>
-              </p:cNvPr>
-              <p:cNvSpPr txBox="1">
-                <a:spLocks noRot="1" noChangeAspect="1" noMove="1" noResize="1" noEditPoints="1" noAdjustHandles="1" noChangeArrowheads="1" noChangeShapeType="1" noTextEdit="1"/>
-              </p:cNvSpPr>
-              <p:nvPr/>
-            </p:nvSpPr>
-            <p:spPr>
-              <a:xfrm>
-                <a:off x="6435888" y="5301916"/>
-                <a:ext cx="1155701" cy="369332"/>
-              </a:xfrm>
-              <a:prstGeom prst="rect">
-                <a:avLst/>
-              </a:prstGeom>
-              <a:blipFill>
-                <a:blip r:embed="rId10"/>
-                <a:stretch>
-                  <a:fillRect/>
-                </a:stretch>
-              </a:blipFill>
-            </p:spPr>
-            <p:txBody>
-              <a:bodyPr/>
-              <a:lstStyle/>
-              <a:p>
-                <a:r>
-                  <a:rPr lang="en-US">
-                    <a:noFill/>
-                  </a:rPr>
-                  <a:t> </a:t>
-                </a:r>
-              </a:p>
-            </p:txBody>
-          </p:sp>
-        </mc:Fallback>
-      </mc:AlternateContent>
-    </p:spTree>
-    <p:extLst>
-      <p:ext uri="{BB962C8B-B14F-4D97-AF65-F5344CB8AC3E}">
-        <p14:creationId xmlns:p14="http://schemas.microsoft.com/office/powerpoint/2010/main" val="3002262675"/>
       </p:ext>
     </p:extLst>
   </p:cSld>

--- a/Writeup/Graphs.pptx
+++ b/Writeup/Graphs.pptx
@@ -11034,8 +11034,8 @@
           </a:p>
         </p:txBody>
       </p:sp>
-      <mc:AlternateContent xmlns:mc="http://schemas.openxmlformats.org/markup-compatibility/2006" xmlns:a14="http://schemas.microsoft.com/office/drawing/2010/main">
-        <mc:Choice Requires="a14">
+      <mc:AlternateContent xmlns:mc="http://schemas.openxmlformats.org/markup-compatibility/2006">
+        <mc:Choice xmlns:a14="http://schemas.microsoft.com/office/drawing/2010/main" Requires="a14">
           <p:sp>
             <p:nvSpPr>
               <p:cNvPr id="32" name="TextBox 31"/>
@@ -11045,7 +11045,7 @@
             <p:spPr>
               <a:xfrm>
                 <a:off x="1520244" y="498910"/>
-                <a:ext cx="880882" cy="369332"/>
+                <a:ext cx="915955" cy="369332"/>
               </a:xfrm>
               <a:prstGeom prst="rect">
                 <a:avLst/>
@@ -11078,7 +11078,7 @@
                             <a:rPr lang="en-US" b="0" i="1" smtClean="0">
                               <a:latin typeface="Cambria Math" panose="02040503050406030204" pitchFamily="18" charset="0"/>
                             </a:rPr>
-                            <m:t>𝑆</m:t>
+                            <m:t>𝐷</m:t>
                           </m:r>
                         </m:e>
                         <m:sub>
@@ -11104,7 +11104,7 @@
             </p:txBody>
           </p:sp>
         </mc:Choice>
-        <mc:Fallback xmlns="">
+        <mc:Fallback>
           <p:sp>
             <p:nvSpPr>
               <p:cNvPr id="32" name="TextBox 31"/>
@@ -11116,7 +11116,7 @@
             <p:spPr>
               <a:xfrm>
                 <a:off x="1520244" y="498910"/>
-                <a:ext cx="880882" cy="369332"/>
+                <a:ext cx="915955" cy="369332"/>
               </a:xfrm>
               <a:prstGeom prst="rect">
                 <a:avLst/>
@@ -11143,8 +11143,8 @@
           </p:sp>
         </mc:Fallback>
       </mc:AlternateContent>
-      <mc:AlternateContent xmlns:mc="http://schemas.openxmlformats.org/markup-compatibility/2006" xmlns:a14="http://schemas.microsoft.com/office/drawing/2010/main">
-        <mc:Choice Requires="a14">
+      <mc:AlternateContent xmlns:mc="http://schemas.openxmlformats.org/markup-compatibility/2006">
+        <mc:Choice xmlns:a14="http://schemas.microsoft.com/office/drawing/2010/main" Requires="a14">
           <p:sp>
             <p:nvSpPr>
               <p:cNvPr id="33" name="TextBox 32"/>
@@ -11154,7 +11154,7 @@
             <p:spPr>
               <a:xfrm>
                 <a:off x="3190783" y="2710201"/>
-                <a:ext cx="880882" cy="369332"/>
+                <a:ext cx="921278" cy="369332"/>
               </a:xfrm>
               <a:prstGeom prst="rect">
                 <a:avLst/>
@@ -11187,7 +11187,7 @@
                             <a:rPr lang="en-US" b="0" i="1" smtClean="0">
                               <a:latin typeface="Cambria Math" panose="02040503050406030204" pitchFamily="18" charset="0"/>
                             </a:rPr>
-                            <m:t>𝑆</m:t>
+                            <m:t>𝐷</m:t>
                           </m:r>
                         </m:e>
                         <m:sub>
@@ -11213,7 +11213,7 @@
             </p:txBody>
           </p:sp>
         </mc:Choice>
-        <mc:Fallback xmlns="">
+        <mc:Fallback>
           <p:sp>
             <p:nvSpPr>
               <p:cNvPr id="33" name="TextBox 32"/>
@@ -11225,7 +11225,7 @@
             <p:spPr>
               <a:xfrm>
                 <a:off x="3190783" y="2710201"/>
-                <a:ext cx="880882" cy="369332"/>
+                <a:ext cx="921278" cy="369332"/>
               </a:xfrm>
               <a:prstGeom prst="rect">
                 <a:avLst/>
@@ -11252,8 +11252,8 @@
           </p:sp>
         </mc:Fallback>
       </mc:AlternateContent>
-      <mc:AlternateContent xmlns:mc="http://schemas.openxmlformats.org/markup-compatibility/2006" xmlns:a14="http://schemas.microsoft.com/office/drawing/2010/main">
-        <mc:Choice Requires="a14">
+      <mc:AlternateContent xmlns:mc="http://schemas.openxmlformats.org/markup-compatibility/2006">
+        <mc:Choice xmlns:a14="http://schemas.microsoft.com/office/drawing/2010/main" Requires="a14">
           <p:sp>
             <p:nvSpPr>
               <p:cNvPr id="34" name="TextBox 33"/>
@@ -11263,7 +11263,7 @@
             <p:spPr>
               <a:xfrm>
                 <a:off x="5168228" y="498910"/>
-                <a:ext cx="886205" cy="369332"/>
+                <a:ext cx="921278" cy="369332"/>
               </a:xfrm>
               <a:prstGeom prst="rect">
                 <a:avLst/>
@@ -11296,7 +11296,7 @@
                             <a:rPr lang="en-US" b="0" i="1" smtClean="0">
                               <a:latin typeface="Cambria Math" panose="02040503050406030204" pitchFamily="18" charset="0"/>
                             </a:rPr>
-                            <m:t>𝑆</m:t>
+                            <m:t>𝐷</m:t>
                           </m:r>
                         </m:e>
                         <m:sub>
@@ -11322,7 +11322,7 @@
             </p:txBody>
           </p:sp>
         </mc:Choice>
-        <mc:Fallback xmlns="">
+        <mc:Fallback>
           <p:sp>
             <p:nvSpPr>
               <p:cNvPr id="34" name="TextBox 33"/>
@@ -11334,7 +11334,7 @@
             <p:spPr>
               <a:xfrm>
                 <a:off x="5168228" y="498910"/>
-                <a:ext cx="886205" cy="369332"/>
+                <a:ext cx="921278" cy="369332"/>
               </a:xfrm>
               <a:prstGeom prst="rect">
                 <a:avLst/>
@@ -27866,8 +27866,8 @@
           </a:fontRef>
         </p:style>
       </p:cxnSp>
-      <mc:AlternateContent xmlns:mc="http://schemas.openxmlformats.org/markup-compatibility/2006" xmlns:a14="http://schemas.microsoft.com/office/drawing/2010/main">
-        <mc:Choice Requires="a14">
+      <mc:AlternateContent xmlns:mc="http://schemas.openxmlformats.org/markup-compatibility/2006">
+        <mc:Choice xmlns:a14="http://schemas.microsoft.com/office/drawing/2010/main" Requires="a14">
           <p:sp>
             <p:nvSpPr>
               <p:cNvPr id="15" name="TextBox 14">
@@ -27927,7 +27927,7 @@
                               <a:latin typeface="Cambria Math" panose="02040503050406030204" pitchFamily="18" charset="0"/>
                               <a:cs typeface="Times New Roman" panose="02020603050405020304" pitchFamily="18" charset="0"/>
                             </a:rPr>
-                            <m:t>𝑁</m:t>
+                            <m:t>𝑇</m:t>
                           </m:r>
                         </m:sub>
                         <m:sup>
@@ -27958,7 +27958,7 @@
             </p:txBody>
           </p:sp>
         </mc:Choice>
-        <mc:Fallback xmlns="">
+        <mc:Fallback>
           <p:sp>
             <p:nvSpPr>
               <p:cNvPr id="15" name="TextBox 14">
@@ -28516,8 +28516,8 @@
           </p:sp>
         </mc:Fallback>
       </mc:AlternateContent>
-      <mc:AlternateContent xmlns:mc="http://schemas.openxmlformats.org/markup-compatibility/2006" xmlns:a14="http://schemas.microsoft.com/office/drawing/2010/main">
-        <mc:Choice Requires="a14">
+      <mc:AlternateContent xmlns:mc="http://schemas.openxmlformats.org/markup-compatibility/2006">
+        <mc:Choice xmlns:a14="http://schemas.microsoft.com/office/drawing/2010/main" Requires="a14">
           <p:sp>
             <p:nvSpPr>
               <p:cNvPr id="27" name="TextBox 26">
@@ -28532,7 +28532,7 @@
             </p:nvSpPr>
             <p:spPr>
               <a:xfrm>
-                <a:off x="4728139" y="4161857"/>
+                <a:off x="4648627" y="4161857"/>
                 <a:ext cx="2054217" cy="369332"/>
               </a:xfrm>
               <a:prstGeom prst="rect">
@@ -28623,7 +28623,7 @@
             </p:txBody>
           </p:sp>
         </mc:Choice>
-        <mc:Fallback xmlns="">
+        <mc:Fallback>
           <p:sp>
             <p:nvSpPr>
               <p:cNvPr id="27" name="TextBox 26">
@@ -28640,7 +28640,7 @@
             </p:nvSpPr>
             <p:spPr>
               <a:xfrm>
-                <a:off x="4728139" y="4161857"/>
+                <a:off x="4648627" y="4161857"/>
                 <a:ext cx="2054217" cy="369332"/>
               </a:xfrm>
               <a:prstGeom prst="rect">
@@ -28966,8 +28966,8 @@
           </a:fontRef>
         </p:style>
       </p:cxnSp>
-      <mc:AlternateContent xmlns:mc="http://schemas.openxmlformats.org/markup-compatibility/2006" xmlns:a14="http://schemas.microsoft.com/office/drawing/2010/main">
-        <mc:Choice Requires="a14">
+      <mc:AlternateContent xmlns:mc="http://schemas.openxmlformats.org/markup-compatibility/2006">
+        <mc:Choice xmlns:a14="http://schemas.microsoft.com/office/drawing/2010/main" Requires="a14">
           <p:sp>
             <p:nvSpPr>
               <p:cNvPr id="35" name="TextBox 34">
@@ -29027,7 +29027,7 @@
                               <a:latin typeface="Cambria Math" panose="02040503050406030204" pitchFamily="18" charset="0"/>
                               <a:cs typeface="Times New Roman" panose="02020603050405020304" pitchFamily="18" charset="0"/>
                             </a:rPr>
-                            <m:t>𝑁</m:t>
+                            <m:t>𝑇</m:t>
                           </m:r>
                         </m:sub>
                         <m:sup>
@@ -29058,7 +29058,7 @@
             </p:txBody>
           </p:sp>
         </mc:Choice>
-        <mc:Fallback xmlns="">
+        <mc:Fallback>
           <p:sp>
             <p:nvSpPr>
               <p:cNvPr id="35" name="TextBox 34">

--- a/Writeup/Graphs.pptx
+++ b/Writeup/Graphs.pptx
@@ -20,6 +20,10 @@
     <p:sldId id="262" r:id="rId14"/>
     <p:sldId id="263" r:id="rId15"/>
     <p:sldId id="270" r:id="rId16"/>
+    <p:sldId id="271" r:id="rId17"/>
+    <p:sldId id="272" r:id="rId18"/>
+    <p:sldId id="273" r:id="rId19"/>
+    <p:sldId id="274" r:id="rId20"/>
   </p:sldIdLst>
   <p:sldSz cx="12192000" cy="6858000"/>
   <p:notesSz cx="6858000" cy="9144000"/>
@@ -255,7 +259,7 @@
           <a:p>
             <a:fld id="{145BA8CB-6222-6644-996A-CD073B5006A6}" type="datetimeFigureOut">
               <a:rPr lang="en-US" smtClean="0"/>
-              <a:t>5/29/19</a:t>
+              <a:t>6/4/19</a:t>
             </a:fld>
             <a:endParaRPr lang="en-US"/>
           </a:p>
@@ -423,7 +427,7 @@
           <a:p>
             <a:fld id="{145BA8CB-6222-6644-996A-CD073B5006A6}" type="datetimeFigureOut">
               <a:rPr lang="en-US" smtClean="0"/>
-              <a:t>5/29/19</a:t>
+              <a:t>6/4/19</a:t>
             </a:fld>
             <a:endParaRPr lang="en-US"/>
           </a:p>
@@ -601,7 +605,7 @@
           <a:p>
             <a:fld id="{145BA8CB-6222-6644-996A-CD073B5006A6}" type="datetimeFigureOut">
               <a:rPr lang="en-US" smtClean="0"/>
-              <a:t>5/29/19</a:t>
+              <a:t>6/4/19</a:t>
             </a:fld>
             <a:endParaRPr lang="en-US"/>
           </a:p>
@@ -769,7 +773,7 @@
           <a:p>
             <a:fld id="{145BA8CB-6222-6644-996A-CD073B5006A6}" type="datetimeFigureOut">
               <a:rPr lang="en-US" smtClean="0"/>
-              <a:t>5/29/19</a:t>
+              <a:t>6/4/19</a:t>
             </a:fld>
             <a:endParaRPr lang="en-US"/>
           </a:p>
@@ -1014,7 +1018,7 @@
           <a:p>
             <a:fld id="{145BA8CB-6222-6644-996A-CD073B5006A6}" type="datetimeFigureOut">
               <a:rPr lang="en-US" smtClean="0"/>
-              <a:t>5/29/19</a:t>
+              <a:t>6/4/19</a:t>
             </a:fld>
             <a:endParaRPr lang="en-US"/>
           </a:p>
@@ -1243,7 +1247,7 @@
           <a:p>
             <a:fld id="{145BA8CB-6222-6644-996A-CD073B5006A6}" type="datetimeFigureOut">
               <a:rPr lang="en-US" smtClean="0"/>
-              <a:t>5/29/19</a:t>
+              <a:t>6/4/19</a:t>
             </a:fld>
             <a:endParaRPr lang="en-US"/>
           </a:p>
@@ -1607,7 +1611,7 @@
           <a:p>
             <a:fld id="{145BA8CB-6222-6644-996A-CD073B5006A6}" type="datetimeFigureOut">
               <a:rPr lang="en-US" smtClean="0"/>
-              <a:t>5/29/19</a:t>
+              <a:t>6/4/19</a:t>
             </a:fld>
             <a:endParaRPr lang="en-US"/>
           </a:p>
@@ -1724,7 +1728,7 @@
           <a:p>
             <a:fld id="{145BA8CB-6222-6644-996A-CD073B5006A6}" type="datetimeFigureOut">
               <a:rPr lang="en-US" smtClean="0"/>
-              <a:t>5/29/19</a:t>
+              <a:t>6/4/19</a:t>
             </a:fld>
             <a:endParaRPr lang="en-US"/>
           </a:p>
@@ -1819,7 +1823,7 @@
           <a:p>
             <a:fld id="{145BA8CB-6222-6644-996A-CD073B5006A6}" type="datetimeFigureOut">
               <a:rPr lang="en-US" smtClean="0"/>
-              <a:t>5/29/19</a:t>
+              <a:t>6/4/19</a:t>
             </a:fld>
             <a:endParaRPr lang="en-US"/>
           </a:p>
@@ -2094,7 +2098,7 @@
           <a:p>
             <a:fld id="{145BA8CB-6222-6644-996A-CD073B5006A6}" type="datetimeFigureOut">
               <a:rPr lang="en-US" smtClean="0"/>
-              <a:t>5/29/19</a:t>
+              <a:t>6/4/19</a:t>
             </a:fld>
             <a:endParaRPr lang="en-US"/>
           </a:p>
@@ -2346,7 +2350,7 @@
           <a:p>
             <a:fld id="{145BA8CB-6222-6644-996A-CD073B5006A6}" type="datetimeFigureOut">
               <a:rPr lang="en-US" smtClean="0"/>
-              <a:t>5/29/19</a:t>
+              <a:t>6/4/19</a:t>
             </a:fld>
             <a:endParaRPr lang="en-US"/>
           </a:p>
@@ -2557,7 +2561,7 @@
           <a:p>
             <a:fld id="{145BA8CB-6222-6644-996A-CD073B5006A6}" type="datetimeFigureOut">
               <a:rPr lang="en-US" smtClean="0"/>
-              <a:t>5/29/19</a:t>
+              <a:t>6/4/19</a:t>
             </a:fld>
             <a:endParaRPr lang="en-US"/>
           </a:p>
@@ -26340,6 +26344,242 @@
 </p:sld>
 </file>
 
+<file path=ppt/slides/slide16.xml><?xml version="1.0" encoding="utf-8"?>
+<p:sld xmlns:a="http://schemas.openxmlformats.org/drawingml/2006/main" xmlns:r="http://schemas.openxmlformats.org/officeDocument/2006/relationships" xmlns:p="http://schemas.openxmlformats.org/presentationml/2006/main">
+  <p:cSld>
+    <p:spTree>
+      <p:nvGrpSpPr>
+        <p:cNvPr id="1" name=""/>
+        <p:cNvGrpSpPr/>
+        <p:nvPr/>
+      </p:nvGrpSpPr>
+      <p:grpSpPr>
+        <a:xfrm>
+          <a:off x="0" y="0"/>
+          <a:ext cx="0" cy="0"/>
+          <a:chOff x="0" y="0"/>
+          <a:chExt cx="0" cy="0"/>
+        </a:xfrm>
+      </p:grpSpPr>
+      <p:pic>
+        <p:nvPicPr>
+          <p:cNvPr id="6" name="Picture 5" descr="A picture containing sky, text, map, photo&#10;&#10;Description automatically generated">
+            <a:extLst>
+              <a:ext uri="{FF2B5EF4-FFF2-40B4-BE49-F238E27FC236}">
+                <a16:creationId xmlns:a16="http://schemas.microsoft.com/office/drawing/2014/main" id="{B735E9A8-4C41-8F40-8D54-6989B3CAA3BA}"/>
+              </a:ext>
+            </a:extLst>
+          </p:cNvPr>
+          <p:cNvPicPr>
+            <a:picLocks noChangeAspect="1"/>
+          </p:cNvPicPr>
+          <p:nvPr/>
+        </p:nvPicPr>
+        <p:blipFill rotWithShape="1">
+          <a:blip r:embed="rId2"/>
+          <a:srcRect l="12813" t="7273" r="9134" b="10303"/>
+          <a:stretch/>
+        </p:blipFill>
+        <p:spPr>
+          <a:xfrm>
+            <a:off x="2695699" y="498764"/>
+            <a:ext cx="7137070" cy="5652654"/>
+          </a:xfrm>
+          <a:prstGeom prst="rect">
+            <a:avLst/>
+          </a:prstGeom>
+        </p:spPr>
+      </p:pic>
+    </p:spTree>
+    <p:extLst>
+      <p:ext uri="{BB962C8B-B14F-4D97-AF65-F5344CB8AC3E}">
+        <p14:creationId xmlns:p14="http://schemas.microsoft.com/office/powerpoint/2010/main" val="2888021145"/>
+      </p:ext>
+    </p:extLst>
+  </p:cSld>
+  <p:clrMapOvr>
+    <a:masterClrMapping/>
+  </p:clrMapOvr>
+</p:sld>
+</file>
+
+<file path=ppt/slides/slide17.xml><?xml version="1.0" encoding="utf-8"?>
+<p:sld xmlns:a="http://schemas.openxmlformats.org/drawingml/2006/main" xmlns:r="http://schemas.openxmlformats.org/officeDocument/2006/relationships" xmlns:p="http://schemas.openxmlformats.org/presentationml/2006/main">
+  <p:cSld>
+    <p:spTree>
+      <p:nvGrpSpPr>
+        <p:cNvPr id="1" name=""/>
+        <p:cNvGrpSpPr/>
+        <p:nvPr/>
+      </p:nvGrpSpPr>
+      <p:grpSpPr>
+        <a:xfrm>
+          <a:off x="0" y="0"/>
+          <a:ext cx="0" cy="0"/>
+          <a:chOff x="0" y="0"/>
+          <a:chExt cx="0" cy="0"/>
+        </a:xfrm>
+      </p:grpSpPr>
+      <p:pic>
+        <p:nvPicPr>
+          <p:cNvPr id="4" name="Picture 3" descr="A picture containing text, map, sky&#10;&#10;Description automatically generated">
+            <a:extLst>
+              <a:ext uri="{FF2B5EF4-FFF2-40B4-BE49-F238E27FC236}">
+                <a16:creationId xmlns:a16="http://schemas.microsoft.com/office/drawing/2014/main" id="{E5ECC651-4317-8E45-B303-8747EB89510A}"/>
+              </a:ext>
+            </a:extLst>
+          </p:cNvPr>
+          <p:cNvPicPr>
+            <a:picLocks noChangeAspect="1"/>
+          </p:cNvPicPr>
+          <p:nvPr/>
+        </p:nvPicPr>
+        <p:blipFill rotWithShape="1">
+          <a:blip r:embed="rId2"/>
+          <a:srcRect l="12814" t="7273" r="9005" b="10476"/>
+          <a:stretch/>
+        </p:blipFill>
+        <p:spPr>
+          <a:xfrm>
+            <a:off x="2695698" y="498764"/>
+            <a:ext cx="7148945" cy="5640779"/>
+          </a:xfrm>
+          <a:prstGeom prst="rect">
+            <a:avLst/>
+          </a:prstGeom>
+        </p:spPr>
+      </p:pic>
+    </p:spTree>
+    <p:extLst>
+      <p:ext uri="{BB962C8B-B14F-4D97-AF65-F5344CB8AC3E}">
+        <p14:creationId xmlns:p14="http://schemas.microsoft.com/office/powerpoint/2010/main" val="384502942"/>
+      </p:ext>
+    </p:extLst>
+  </p:cSld>
+  <p:clrMapOvr>
+    <a:masterClrMapping/>
+  </p:clrMapOvr>
+</p:sld>
+</file>
+
+<file path=ppt/slides/slide18.xml><?xml version="1.0" encoding="utf-8"?>
+<p:sld xmlns:a="http://schemas.openxmlformats.org/drawingml/2006/main" xmlns:r="http://schemas.openxmlformats.org/officeDocument/2006/relationships" xmlns:p="http://schemas.openxmlformats.org/presentationml/2006/main">
+  <p:cSld>
+    <p:spTree>
+      <p:nvGrpSpPr>
+        <p:cNvPr id="1" name=""/>
+        <p:cNvGrpSpPr/>
+        <p:nvPr/>
+      </p:nvGrpSpPr>
+      <p:grpSpPr>
+        <a:xfrm>
+          <a:off x="0" y="0"/>
+          <a:ext cx="0" cy="0"/>
+          <a:chOff x="0" y="0"/>
+          <a:chExt cx="0" cy="0"/>
+        </a:xfrm>
+      </p:grpSpPr>
+      <p:pic>
+        <p:nvPicPr>
+          <p:cNvPr id="4" name="Picture 3" descr="A close up of a map&#10;&#10;Description automatically generated">
+            <a:extLst>
+              <a:ext uri="{FF2B5EF4-FFF2-40B4-BE49-F238E27FC236}">
+                <a16:creationId xmlns:a16="http://schemas.microsoft.com/office/drawing/2014/main" id="{619CC126-BE75-B948-9D39-CB86498C36DD}"/>
+              </a:ext>
+            </a:extLst>
+          </p:cNvPr>
+          <p:cNvPicPr>
+            <a:picLocks noChangeAspect="1"/>
+          </p:cNvPicPr>
+          <p:nvPr/>
+        </p:nvPicPr>
+        <p:blipFill rotWithShape="1">
+          <a:blip r:embed="rId2"/>
+          <a:srcRect l="12702" t="7447" r="9116" b="10302"/>
+          <a:stretch/>
+        </p:blipFill>
+        <p:spPr>
+          <a:xfrm>
+            <a:off x="2802577" y="510639"/>
+            <a:ext cx="7148946" cy="5640780"/>
+          </a:xfrm>
+          <a:prstGeom prst="rect">
+            <a:avLst/>
+          </a:prstGeom>
+        </p:spPr>
+      </p:pic>
+    </p:spTree>
+    <p:extLst>
+      <p:ext uri="{BB962C8B-B14F-4D97-AF65-F5344CB8AC3E}">
+        <p14:creationId xmlns:p14="http://schemas.microsoft.com/office/powerpoint/2010/main" val="2592295430"/>
+      </p:ext>
+    </p:extLst>
+  </p:cSld>
+  <p:clrMapOvr>
+    <a:masterClrMapping/>
+  </p:clrMapOvr>
+</p:sld>
+</file>
+
+<file path=ppt/slides/slide19.xml><?xml version="1.0" encoding="utf-8"?>
+<p:sld xmlns:a="http://schemas.openxmlformats.org/drawingml/2006/main" xmlns:r="http://schemas.openxmlformats.org/officeDocument/2006/relationships" xmlns:p="http://schemas.openxmlformats.org/presentationml/2006/main">
+  <p:cSld>
+    <p:spTree>
+      <p:nvGrpSpPr>
+        <p:cNvPr id="1" name=""/>
+        <p:cNvGrpSpPr/>
+        <p:nvPr/>
+      </p:nvGrpSpPr>
+      <p:grpSpPr>
+        <a:xfrm>
+          <a:off x="0" y="0"/>
+          <a:ext cx="0" cy="0"/>
+          <a:chOff x="0" y="0"/>
+          <a:chExt cx="0" cy="0"/>
+        </a:xfrm>
+      </p:grpSpPr>
+      <p:pic>
+        <p:nvPicPr>
+          <p:cNvPr id="4" name="Picture 3" descr="A close up of a map&#10;&#10;Description automatically generated">
+            <a:extLst>
+              <a:ext uri="{FF2B5EF4-FFF2-40B4-BE49-F238E27FC236}">
+                <a16:creationId xmlns:a16="http://schemas.microsoft.com/office/drawing/2014/main" id="{20B2A667-CC0E-6943-973D-B9B5B4B9B3D7}"/>
+              </a:ext>
+            </a:extLst>
+          </p:cNvPr>
+          <p:cNvPicPr>
+            <a:picLocks noChangeAspect="1"/>
+          </p:cNvPicPr>
+          <p:nvPr/>
+        </p:nvPicPr>
+        <p:blipFill rotWithShape="1">
+          <a:blip r:embed="rId2"/>
+          <a:srcRect l="12681" t="7273" r="8936" b="10476"/>
+          <a:stretch/>
+        </p:blipFill>
+        <p:spPr>
+          <a:xfrm>
+            <a:off x="2624446" y="498764"/>
+            <a:ext cx="7291449" cy="5640779"/>
+          </a:xfrm>
+          <a:prstGeom prst="rect">
+            <a:avLst/>
+          </a:prstGeom>
+        </p:spPr>
+      </p:pic>
+    </p:spTree>
+    <p:extLst>
+      <p:ext uri="{BB962C8B-B14F-4D97-AF65-F5344CB8AC3E}">
+        <p14:creationId xmlns:p14="http://schemas.microsoft.com/office/powerpoint/2010/main" val="1130784626"/>
+      </p:ext>
+    </p:extLst>
+  </p:cSld>
+  <p:clrMapOvr>
+    <a:masterClrMapping/>
+  </p:clrMapOvr>
+</p:sld>
+</file>
+
 <file path=ppt/slides/slide2.xml><?xml version="1.0" encoding="utf-8"?>
 <p:sld xmlns:a="http://schemas.openxmlformats.org/drawingml/2006/main" xmlns:r="http://schemas.openxmlformats.org/officeDocument/2006/relationships" xmlns:p="http://schemas.openxmlformats.org/presentationml/2006/main">
   <p:cSld>

--- a/Writeup/Graphs.pptx
+++ b/Writeup/Graphs.pptx
@@ -259,7 +259,7 @@
           <a:p>
             <a:fld id="{145BA8CB-6222-6644-996A-CD073B5006A6}" type="datetimeFigureOut">
               <a:rPr lang="en-US" smtClean="0"/>
-              <a:t>6/4/19</a:t>
+              <a:t>6/6/19</a:t>
             </a:fld>
             <a:endParaRPr lang="en-US"/>
           </a:p>
@@ -427,7 +427,7 @@
           <a:p>
             <a:fld id="{145BA8CB-6222-6644-996A-CD073B5006A6}" type="datetimeFigureOut">
               <a:rPr lang="en-US" smtClean="0"/>
-              <a:t>6/4/19</a:t>
+              <a:t>6/6/19</a:t>
             </a:fld>
             <a:endParaRPr lang="en-US"/>
           </a:p>
@@ -605,7 +605,7 @@
           <a:p>
             <a:fld id="{145BA8CB-6222-6644-996A-CD073B5006A6}" type="datetimeFigureOut">
               <a:rPr lang="en-US" smtClean="0"/>
-              <a:t>6/4/19</a:t>
+              <a:t>6/6/19</a:t>
             </a:fld>
             <a:endParaRPr lang="en-US"/>
           </a:p>
@@ -773,7 +773,7 @@
           <a:p>
             <a:fld id="{145BA8CB-6222-6644-996A-CD073B5006A6}" type="datetimeFigureOut">
               <a:rPr lang="en-US" smtClean="0"/>
-              <a:t>6/4/19</a:t>
+              <a:t>6/6/19</a:t>
             </a:fld>
             <a:endParaRPr lang="en-US"/>
           </a:p>
@@ -1018,7 +1018,7 @@
           <a:p>
             <a:fld id="{145BA8CB-6222-6644-996A-CD073B5006A6}" type="datetimeFigureOut">
               <a:rPr lang="en-US" smtClean="0"/>
-              <a:t>6/4/19</a:t>
+              <a:t>6/6/19</a:t>
             </a:fld>
             <a:endParaRPr lang="en-US"/>
           </a:p>
@@ -1247,7 +1247,7 @@
           <a:p>
             <a:fld id="{145BA8CB-6222-6644-996A-CD073B5006A6}" type="datetimeFigureOut">
               <a:rPr lang="en-US" smtClean="0"/>
-              <a:t>6/4/19</a:t>
+              <a:t>6/6/19</a:t>
             </a:fld>
             <a:endParaRPr lang="en-US"/>
           </a:p>
@@ -1611,7 +1611,7 @@
           <a:p>
             <a:fld id="{145BA8CB-6222-6644-996A-CD073B5006A6}" type="datetimeFigureOut">
               <a:rPr lang="en-US" smtClean="0"/>
-              <a:t>6/4/19</a:t>
+              <a:t>6/6/19</a:t>
             </a:fld>
             <a:endParaRPr lang="en-US"/>
           </a:p>
@@ -1728,7 +1728,7 @@
           <a:p>
             <a:fld id="{145BA8CB-6222-6644-996A-CD073B5006A6}" type="datetimeFigureOut">
               <a:rPr lang="en-US" smtClean="0"/>
-              <a:t>6/4/19</a:t>
+              <a:t>6/6/19</a:t>
             </a:fld>
             <a:endParaRPr lang="en-US"/>
           </a:p>
@@ -1823,7 +1823,7 @@
           <a:p>
             <a:fld id="{145BA8CB-6222-6644-996A-CD073B5006A6}" type="datetimeFigureOut">
               <a:rPr lang="en-US" smtClean="0"/>
-              <a:t>6/4/19</a:t>
+              <a:t>6/6/19</a:t>
             </a:fld>
             <a:endParaRPr lang="en-US"/>
           </a:p>
@@ -2098,7 +2098,7 @@
           <a:p>
             <a:fld id="{145BA8CB-6222-6644-996A-CD073B5006A6}" type="datetimeFigureOut">
               <a:rPr lang="en-US" smtClean="0"/>
-              <a:t>6/4/19</a:t>
+              <a:t>6/6/19</a:t>
             </a:fld>
             <a:endParaRPr lang="en-US"/>
           </a:p>
@@ -2350,7 +2350,7 @@
           <a:p>
             <a:fld id="{145BA8CB-6222-6644-996A-CD073B5006A6}" type="datetimeFigureOut">
               <a:rPr lang="en-US" smtClean="0"/>
-              <a:t>6/4/19</a:t>
+              <a:t>6/6/19</a:t>
             </a:fld>
             <a:endParaRPr lang="en-US"/>
           </a:p>
@@ -2561,7 +2561,7 @@
           <a:p>
             <a:fld id="{145BA8CB-6222-6644-996A-CD073B5006A6}" type="datetimeFigureOut">
               <a:rPr lang="en-US" smtClean="0"/>
-              <a:t>6/4/19</a:t>
+              <a:t>6/6/19</a:t>
             </a:fld>
             <a:endParaRPr lang="en-US"/>
           </a:p>
@@ -25748,10 +25748,10 @@
       </p:grpSpPr>
       <p:grpSp>
         <p:nvGrpSpPr>
-          <p:cNvPr id="18" name="Group 17">
+          <p:cNvPr id="2" name="Group 1">
             <a:extLst>
               <a:ext uri="{FF2B5EF4-FFF2-40B4-BE49-F238E27FC236}">
-                <a16:creationId xmlns:a16="http://schemas.microsoft.com/office/drawing/2014/main" id="{4CBFC1E6-F0E2-2541-A3A5-9E63BF2D2948}"/>
+                <a16:creationId xmlns:a16="http://schemas.microsoft.com/office/drawing/2014/main" id="{81114597-0471-9842-9172-B5564395D1E1}"/>
               </a:ext>
             </a:extLst>
           </p:cNvPr>
@@ -25760,18 +25760,603 @@
         </p:nvGrpSpPr>
         <p:grpSpPr>
           <a:xfrm>
-            <a:off x="2205375" y="1215664"/>
-            <a:ext cx="7730195" cy="695302"/>
-            <a:chOff x="2597271" y="1019716"/>
-            <a:chExt cx="9908700" cy="891250"/>
+            <a:off x="814771" y="1215664"/>
+            <a:ext cx="9120799" cy="695302"/>
+            <a:chOff x="814771" y="1215664"/>
+            <a:chExt cx="9120799" cy="695302"/>
           </a:xfrm>
         </p:grpSpPr>
+        <p:grpSp>
+          <p:nvGrpSpPr>
+            <p:cNvPr id="18" name="Group 17">
+              <a:extLst>
+                <a:ext uri="{FF2B5EF4-FFF2-40B4-BE49-F238E27FC236}">
+                  <a16:creationId xmlns:a16="http://schemas.microsoft.com/office/drawing/2014/main" id="{4CBFC1E6-F0E2-2541-A3A5-9E63BF2D2948}"/>
+                </a:ext>
+              </a:extLst>
+            </p:cNvPr>
+            <p:cNvGrpSpPr/>
+            <p:nvPr/>
+          </p:nvGrpSpPr>
+          <p:grpSpPr>
+            <a:xfrm>
+              <a:off x="2205375" y="1215664"/>
+              <a:ext cx="7730195" cy="695302"/>
+              <a:chOff x="2597271" y="1019716"/>
+              <a:chExt cx="9908700" cy="891250"/>
+            </a:xfrm>
+          </p:grpSpPr>
+          <p:sp>
+            <p:nvSpPr>
+              <p:cNvPr id="5" name="Oval 4">
+                <a:extLst>
+                  <a:ext uri="{FF2B5EF4-FFF2-40B4-BE49-F238E27FC236}">
+                    <a16:creationId xmlns:a16="http://schemas.microsoft.com/office/drawing/2014/main" id="{893A9382-1549-904F-83F2-B24A1FB76ABC}"/>
+                  </a:ext>
+                </a:extLst>
+              </p:cNvPr>
+              <p:cNvSpPr/>
+              <p:nvPr/>
+            </p:nvSpPr>
+            <p:spPr>
+              <a:xfrm>
+                <a:off x="2597271" y="1019716"/>
+                <a:ext cx="891250" cy="891250"/>
+              </a:xfrm>
+              <a:prstGeom prst="ellipse">
+                <a:avLst/>
+              </a:prstGeom>
+              <a:noFill/>
+              <a:ln w="38100">
+                <a:solidFill>
+                  <a:schemeClr val="tx1"/>
+                </a:solidFill>
+              </a:ln>
+            </p:spPr>
+            <p:style>
+              <a:lnRef idx="2">
+                <a:schemeClr val="accent1">
+                  <a:shade val="50000"/>
+                </a:schemeClr>
+              </a:lnRef>
+              <a:fillRef idx="1">
+                <a:schemeClr val="accent1"/>
+              </a:fillRef>
+              <a:effectRef idx="0">
+                <a:schemeClr val="accent1"/>
+              </a:effectRef>
+              <a:fontRef idx="minor">
+                <a:schemeClr val="lt1"/>
+              </a:fontRef>
+            </p:style>
+            <p:txBody>
+              <a:bodyPr rtlCol="0" anchor="ctr"/>
+              <a:lstStyle/>
+              <a:p>
+                <a:pPr algn="ctr"/>
+                <a:r>
+                  <a:rPr lang="en-US" sz="3200" dirty="0">
+                    <a:solidFill>
+                      <a:sysClr val="windowText" lastClr="000000"/>
+                    </a:solidFill>
+                  </a:rPr>
+                  <a:t>1</a:t>
+                </a:r>
+              </a:p>
+            </p:txBody>
+          </p:sp>
+          <p:sp>
+            <p:nvSpPr>
+              <p:cNvPr id="6" name="Oval 5">
+                <a:extLst>
+                  <a:ext uri="{FF2B5EF4-FFF2-40B4-BE49-F238E27FC236}">
+                    <a16:creationId xmlns:a16="http://schemas.microsoft.com/office/drawing/2014/main" id="{92DE978B-205D-604F-AD8E-68E6DDEC64D5}"/>
+                  </a:ext>
+                </a:extLst>
+              </p:cNvPr>
+              <p:cNvSpPr/>
+              <p:nvPr/>
+            </p:nvSpPr>
+            <p:spPr>
+              <a:xfrm>
+                <a:off x="4407021" y="1019716"/>
+                <a:ext cx="891250" cy="891250"/>
+              </a:xfrm>
+              <a:prstGeom prst="ellipse">
+                <a:avLst/>
+              </a:prstGeom>
+              <a:noFill/>
+              <a:ln w="38100">
+                <a:solidFill>
+                  <a:schemeClr val="tx1"/>
+                </a:solidFill>
+              </a:ln>
+            </p:spPr>
+            <p:style>
+              <a:lnRef idx="2">
+                <a:schemeClr val="accent1">
+                  <a:shade val="50000"/>
+                </a:schemeClr>
+              </a:lnRef>
+              <a:fillRef idx="1">
+                <a:schemeClr val="accent1"/>
+              </a:fillRef>
+              <a:effectRef idx="0">
+                <a:schemeClr val="accent1"/>
+              </a:effectRef>
+              <a:fontRef idx="minor">
+                <a:schemeClr val="lt1"/>
+              </a:fontRef>
+            </p:style>
+            <p:txBody>
+              <a:bodyPr rtlCol="0" anchor="ctr"/>
+              <a:lstStyle/>
+              <a:p>
+                <a:pPr algn="ctr"/>
+                <a:r>
+                  <a:rPr lang="en-US" sz="3200" dirty="0">
+                    <a:solidFill>
+                      <a:sysClr val="windowText" lastClr="000000"/>
+                    </a:solidFill>
+                  </a:rPr>
+                  <a:t>2</a:t>
+                </a:r>
+              </a:p>
+            </p:txBody>
+          </p:sp>
+          <p:cxnSp>
+            <p:nvCxnSpPr>
+              <p:cNvPr id="7" name="Straight Arrow Connector 6">
+                <a:extLst>
+                  <a:ext uri="{FF2B5EF4-FFF2-40B4-BE49-F238E27FC236}">
+                    <a16:creationId xmlns:a16="http://schemas.microsoft.com/office/drawing/2014/main" id="{36601249-6231-F04D-989B-385C5BA586DC}"/>
+                  </a:ext>
+                </a:extLst>
+              </p:cNvPr>
+              <p:cNvCxnSpPr/>
+              <p:nvPr/>
+            </p:nvCxnSpPr>
+            <p:spPr>
+              <a:xfrm>
+                <a:off x="3488521" y="1465341"/>
+                <a:ext cx="918500" cy="0"/>
+              </a:xfrm>
+              <a:prstGeom prst="straightConnector1">
+                <a:avLst/>
+              </a:prstGeom>
+              <a:ln w="38100">
+                <a:solidFill>
+                  <a:schemeClr val="tx1"/>
+                </a:solidFill>
+                <a:tailEnd type="triangle"/>
+              </a:ln>
+            </p:spPr>
+            <p:style>
+              <a:lnRef idx="1">
+                <a:schemeClr val="accent1"/>
+              </a:lnRef>
+              <a:fillRef idx="0">
+                <a:schemeClr val="accent1"/>
+              </a:fillRef>
+              <a:effectRef idx="0">
+                <a:schemeClr val="accent1"/>
+              </a:effectRef>
+              <a:fontRef idx="minor">
+                <a:schemeClr val="tx1"/>
+              </a:fontRef>
+            </p:style>
+          </p:cxnSp>
+          <p:cxnSp>
+            <p:nvCxnSpPr>
+              <p:cNvPr id="8" name="Straight Arrow Connector 7">
+                <a:extLst>
+                  <a:ext uri="{FF2B5EF4-FFF2-40B4-BE49-F238E27FC236}">
+                    <a16:creationId xmlns:a16="http://schemas.microsoft.com/office/drawing/2014/main" id="{EA528967-387F-2546-A193-8116B0DFC977}"/>
+                  </a:ext>
+                </a:extLst>
+              </p:cNvPr>
+              <p:cNvCxnSpPr/>
+              <p:nvPr/>
+            </p:nvCxnSpPr>
+            <p:spPr>
+              <a:xfrm>
+                <a:off x="5298271" y="1465341"/>
+                <a:ext cx="918500" cy="0"/>
+              </a:xfrm>
+              <a:prstGeom prst="straightConnector1">
+                <a:avLst/>
+              </a:prstGeom>
+              <a:ln w="38100">
+                <a:solidFill>
+                  <a:schemeClr val="tx1"/>
+                </a:solidFill>
+                <a:tailEnd type="triangle"/>
+              </a:ln>
+            </p:spPr>
+            <p:style>
+              <a:lnRef idx="1">
+                <a:schemeClr val="accent1"/>
+              </a:lnRef>
+              <a:fillRef idx="0">
+                <a:schemeClr val="accent1"/>
+              </a:fillRef>
+              <a:effectRef idx="0">
+                <a:schemeClr val="accent1"/>
+              </a:effectRef>
+              <a:fontRef idx="minor">
+                <a:schemeClr val="tx1"/>
+              </a:fontRef>
+            </p:style>
+          </p:cxnSp>
+          <p:sp>
+            <p:nvSpPr>
+              <p:cNvPr id="9" name="Oval 8">
+                <a:extLst>
+                  <a:ext uri="{FF2B5EF4-FFF2-40B4-BE49-F238E27FC236}">
+                    <a16:creationId xmlns:a16="http://schemas.microsoft.com/office/drawing/2014/main" id="{C3953FE9-4811-BF4E-B143-8DCC5C6F7029}"/>
+                  </a:ext>
+                </a:extLst>
+              </p:cNvPr>
+              <p:cNvSpPr/>
+              <p:nvPr/>
+            </p:nvSpPr>
+            <p:spPr>
+              <a:xfrm>
+                <a:off x="11614721" y="1019716"/>
+                <a:ext cx="891250" cy="891250"/>
+              </a:xfrm>
+              <a:prstGeom prst="ellipse">
+                <a:avLst/>
+              </a:prstGeom>
+              <a:noFill/>
+              <a:ln w="38100">
+                <a:solidFill>
+                  <a:schemeClr val="tx1"/>
+                </a:solidFill>
+              </a:ln>
+            </p:spPr>
+            <p:style>
+              <a:lnRef idx="2">
+                <a:schemeClr val="accent1">
+                  <a:shade val="50000"/>
+                </a:schemeClr>
+              </a:lnRef>
+              <a:fillRef idx="1">
+                <a:schemeClr val="accent1"/>
+              </a:fillRef>
+              <a:effectRef idx="0">
+                <a:schemeClr val="accent1"/>
+              </a:effectRef>
+              <a:fontRef idx="minor">
+                <a:schemeClr val="lt1"/>
+              </a:fontRef>
+            </p:style>
+            <p:txBody>
+              <a:bodyPr rtlCol="0" anchor="ctr"/>
+              <a:lstStyle/>
+              <a:p>
+                <a:pPr algn="ctr"/>
+                <a:r>
+                  <a:rPr lang="en-US" sz="3200" dirty="0">
+                    <a:solidFill>
+                      <a:sysClr val="windowText" lastClr="000000"/>
+                    </a:solidFill>
+                  </a:rPr>
+                  <a:t>T</a:t>
+                </a:r>
+              </a:p>
+            </p:txBody>
+          </p:sp>
+          <p:sp>
+            <p:nvSpPr>
+              <p:cNvPr id="12" name="Oval 11">
+                <a:extLst>
+                  <a:ext uri="{FF2B5EF4-FFF2-40B4-BE49-F238E27FC236}">
+                    <a16:creationId xmlns:a16="http://schemas.microsoft.com/office/drawing/2014/main" id="{A250C80C-B89E-D24A-A7AD-EEBE9C8119A0}"/>
+                  </a:ext>
+                </a:extLst>
+              </p:cNvPr>
+              <p:cNvSpPr/>
+              <p:nvPr/>
+            </p:nvSpPr>
+            <p:spPr>
+              <a:xfrm>
+                <a:off x="6212721" y="1019716"/>
+                <a:ext cx="891250" cy="891250"/>
+              </a:xfrm>
+              <a:prstGeom prst="ellipse">
+                <a:avLst/>
+              </a:prstGeom>
+              <a:noFill/>
+              <a:ln w="38100">
+                <a:solidFill>
+                  <a:schemeClr val="tx1"/>
+                </a:solidFill>
+              </a:ln>
+            </p:spPr>
+            <p:style>
+              <a:lnRef idx="2">
+                <a:schemeClr val="accent1">
+                  <a:shade val="50000"/>
+                </a:schemeClr>
+              </a:lnRef>
+              <a:fillRef idx="1">
+                <a:schemeClr val="accent1"/>
+              </a:fillRef>
+              <a:effectRef idx="0">
+                <a:schemeClr val="accent1"/>
+              </a:effectRef>
+              <a:fontRef idx="minor">
+                <a:schemeClr val="lt1"/>
+              </a:fontRef>
+            </p:style>
+            <p:txBody>
+              <a:bodyPr rtlCol="0" anchor="ctr"/>
+              <a:lstStyle/>
+              <a:p>
+                <a:pPr algn="ctr"/>
+                <a:r>
+                  <a:rPr lang="en-US" sz="3200" dirty="0">
+                    <a:solidFill>
+                      <a:sysClr val="windowText" lastClr="000000"/>
+                    </a:solidFill>
+                  </a:rPr>
+                  <a:t>3</a:t>
+                </a:r>
+              </a:p>
+            </p:txBody>
+          </p:sp>
+          <p:sp>
+            <p:nvSpPr>
+              <p:cNvPr id="13" name="Oval 12">
+                <a:extLst>
+                  <a:ext uri="{FF2B5EF4-FFF2-40B4-BE49-F238E27FC236}">
+                    <a16:creationId xmlns:a16="http://schemas.microsoft.com/office/drawing/2014/main" id="{9368A4EB-0546-C840-B0CC-2D473D490FD5}"/>
+                  </a:ext>
+                </a:extLst>
+              </p:cNvPr>
+              <p:cNvSpPr/>
+              <p:nvPr/>
+            </p:nvSpPr>
+            <p:spPr>
+              <a:xfrm>
+                <a:off x="8022471" y="1019716"/>
+                <a:ext cx="891250" cy="891250"/>
+              </a:xfrm>
+              <a:prstGeom prst="ellipse">
+                <a:avLst/>
+              </a:prstGeom>
+              <a:noFill/>
+              <a:ln w="38100">
+                <a:solidFill>
+                  <a:schemeClr val="tx1"/>
+                </a:solidFill>
+              </a:ln>
+            </p:spPr>
+            <p:style>
+              <a:lnRef idx="2">
+                <a:schemeClr val="accent1">
+                  <a:shade val="50000"/>
+                </a:schemeClr>
+              </a:lnRef>
+              <a:fillRef idx="1">
+                <a:schemeClr val="accent1"/>
+              </a:fillRef>
+              <a:effectRef idx="0">
+                <a:schemeClr val="accent1"/>
+              </a:effectRef>
+              <a:fontRef idx="minor">
+                <a:schemeClr val="lt1"/>
+              </a:fontRef>
+            </p:style>
+            <p:txBody>
+              <a:bodyPr rtlCol="0" anchor="ctr"/>
+              <a:lstStyle/>
+              <a:p>
+                <a:pPr algn="ctr"/>
+                <a:r>
+                  <a:rPr lang="en-US" sz="3200" dirty="0">
+                    <a:solidFill>
+                      <a:sysClr val="windowText" lastClr="000000"/>
+                    </a:solidFill>
+                  </a:rPr>
+                  <a:t>4</a:t>
+                </a:r>
+              </a:p>
+            </p:txBody>
+          </p:sp>
+          <p:cxnSp>
+            <p:nvCxnSpPr>
+              <p:cNvPr id="14" name="Straight Arrow Connector 13">
+                <a:extLst>
+                  <a:ext uri="{FF2B5EF4-FFF2-40B4-BE49-F238E27FC236}">
+                    <a16:creationId xmlns:a16="http://schemas.microsoft.com/office/drawing/2014/main" id="{159E520E-2509-5546-AC70-FB4705BBA269}"/>
+                  </a:ext>
+                </a:extLst>
+              </p:cNvPr>
+              <p:cNvCxnSpPr/>
+              <p:nvPr/>
+            </p:nvCxnSpPr>
+            <p:spPr>
+              <a:xfrm>
+                <a:off x="7103971" y="1465341"/>
+                <a:ext cx="918500" cy="0"/>
+              </a:xfrm>
+              <a:prstGeom prst="straightConnector1">
+                <a:avLst/>
+              </a:prstGeom>
+              <a:ln w="38100">
+                <a:solidFill>
+                  <a:schemeClr val="tx1"/>
+                </a:solidFill>
+                <a:tailEnd type="triangle"/>
+              </a:ln>
+            </p:spPr>
+            <p:style>
+              <a:lnRef idx="1">
+                <a:schemeClr val="accent1"/>
+              </a:lnRef>
+              <a:fillRef idx="0">
+                <a:schemeClr val="accent1"/>
+              </a:fillRef>
+              <a:effectRef idx="0">
+                <a:schemeClr val="accent1"/>
+              </a:effectRef>
+              <a:fontRef idx="minor">
+                <a:schemeClr val="tx1"/>
+              </a:fontRef>
+            </p:style>
+          </p:cxnSp>
+          <p:cxnSp>
+            <p:nvCxnSpPr>
+              <p:cNvPr id="15" name="Straight Arrow Connector 14">
+                <a:extLst>
+                  <a:ext uri="{FF2B5EF4-FFF2-40B4-BE49-F238E27FC236}">
+                    <a16:creationId xmlns:a16="http://schemas.microsoft.com/office/drawing/2014/main" id="{0153D359-2C6C-4041-B3A8-F84C3CE1A5C3}"/>
+                  </a:ext>
+                </a:extLst>
+              </p:cNvPr>
+              <p:cNvCxnSpPr/>
+              <p:nvPr/>
+            </p:nvCxnSpPr>
+            <p:spPr>
+              <a:xfrm>
+                <a:off x="8913721" y="1465341"/>
+                <a:ext cx="918500" cy="0"/>
+              </a:xfrm>
+              <a:prstGeom prst="straightConnector1">
+                <a:avLst/>
+              </a:prstGeom>
+              <a:ln w="38100">
+                <a:solidFill>
+                  <a:schemeClr val="tx1"/>
+                </a:solidFill>
+                <a:tailEnd type="triangle"/>
+              </a:ln>
+            </p:spPr>
+            <p:style>
+              <a:lnRef idx="1">
+                <a:schemeClr val="accent1"/>
+              </a:lnRef>
+              <a:fillRef idx="0">
+                <a:schemeClr val="accent1"/>
+              </a:fillRef>
+              <a:effectRef idx="0">
+                <a:schemeClr val="accent1"/>
+              </a:effectRef>
+              <a:fontRef idx="minor">
+                <a:schemeClr val="tx1"/>
+              </a:fontRef>
+            </p:style>
+          </p:cxnSp>
+          <p:sp>
+            <p:nvSpPr>
+              <p:cNvPr id="16" name="Oval 15">
+                <a:extLst>
+                  <a:ext uri="{FF2B5EF4-FFF2-40B4-BE49-F238E27FC236}">
+                    <a16:creationId xmlns:a16="http://schemas.microsoft.com/office/drawing/2014/main" id="{B1142884-39D9-3B44-8DDE-946D6A024C7C}"/>
+                  </a:ext>
+                </a:extLst>
+              </p:cNvPr>
+              <p:cNvSpPr/>
+              <p:nvPr/>
+            </p:nvSpPr>
+            <p:spPr>
+              <a:xfrm>
+                <a:off x="9804971" y="1019716"/>
+                <a:ext cx="891250" cy="891250"/>
+              </a:xfrm>
+              <a:prstGeom prst="ellipse">
+                <a:avLst/>
+              </a:prstGeom>
+              <a:noFill/>
+              <a:ln w="38100">
+                <a:solidFill>
+                  <a:schemeClr val="tx1"/>
+                </a:solidFill>
+              </a:ln>
+            </p:spPr>
+            <p:style>
+              <a:lnRef idx="2">
+                <a:schemeClr val="accent1">
+                  <a:shade val="50000"/>
+                </a:schemeClr>
+              </a:lnRef>
+              <a:fillRef idx="1">
+                <a:schemeClr val="accent1"/>
+              </a:fillRef>
+              <a:effectRef idx="0">
+                <a:schemeClr val="accent1"/>
+              </a:effectRef>
+              <a:fontRef idx="minor">
+                <a:schemeClr val="lt1"/>
+              </a:fontRef>
+            </p:style>
+            <p:txBody>
+              <a:bodyPr rtlCol="0" anchor="ctr"/>
+              <a:lstStyle/>
+              <a:p>
+                <a:pPr algn="ctr"/>
+                <a:r>
+                  <a:rPr lang="en-US" sz="3200" dirty="0">
+                    <a:solidFill>
+                      <a:sysClr val="windowText" lastClr="000000"/>
+                    </a:solidFill>
+                  </a:rPr>
+                  <a:t>5</a:t>
+                </a:r>
+              </a:p>
+            </p:txBody>
+          </p:sp>
+          <p:cxnSp>
+            <p:nvCxnSpPr>
+              <p:cNvPr id="17" name="Straight Arrow Connector 16">
+                <a:extLst>
+                  <a:ext uri="{FF2B5EF4-FFF2-40B4-BE49-F238E27FC236}">
+                    <a16:creationId xmlns:a16="http://schemas.microsoft.com/office/drawing/2014/main" id="{03EA2F1E-BE31-694C-81BB-EF8BC7090540}"/>
+                  </a:ext>
+                </a:extLst>
+              </p:cNvPr>
+              <p:cNvCxnSpPr/>
+              <p:nvPr/>
+            </p:nvCxnSpPr>
+            <p:spPr>
+              <a:xfrm>
+                <a:off x="10696221" y="1465341"/>
+                <a:ext cx="918500" cy="0"/>
+              </a:xfrm>
+              <a:prstGeom prst="straightConnector1">
+                <a:avLst/>
+              </a:prstGeom>
+              <a:ln w="38100">
+                <a:solidFill>
+                  <a:schemeClr val="tx1"/>
+                </a:solidFill>
+                <a:tailEnd type="triangle"/>
+              </a:ln>
+            </p:spPr>
+            <p:style>
+              <a:lnRef idx="1">
+                <a:schemeClr val="accent1"/>
+              </a:lnRef>
+              <a:fillRef idx="0">
+                <a:schemeClr val="accent1"/>
+              </a:fillRef>
+              <a:effectRef idx="0">
+                <a:schemeClr val="accent1"/>
+              </a:effectRef>
+              <a:fontRef idx="minor">
+                <a:schemeClr val="tx1"/>
+              </a:fontRef>
+            </p:style>
+          </p:cxnSp>
+        </p:grpSp>
         <p:sp>
           <p:nvSpPr>
-            <p:cNvPr id="5" name="Oval 4">
+            <p:cNvPr id="19" name="Oval 18">
               <a:extLst>
                 <a:ext uri="{FF2B5EF4-FFF2-40B4-BE49-F238E27FC236}">
-                  <a16:creationId xmlns:a16="http://schemas.microsoft.com/office/drawing/2014/main" id="{893A9382-1549-904F-83F2-B24A1FB76ABC}"/>
+                  <a16:creationId xmlns:a16="http://schemas.microsoft.com/office/drawing/2014/main" id="{C9782C46-519B-F54A-A62C-9F554834A998}"/>
                 </a:ext>
               </a:extLst>
             </p:cNvPr>
@@ -25780,8 +26365,8 @@
           </p:nvSpPr>
           <p:spPr>
             <a:xfrm>
-              <a:off x="2597271" y="1019716"/>
-              <a:ext cx="891250" cy="891250"/>
+              <a:off x="814771" y="1215664"/>
+              <a:ext cx="695302" cy="695302"/>
             </a:xfrm>
             <a:prstGeom prst="ellipse">
               <a:avLst/>
@@ -25820,76 +26405,17 @@
                     <a:sysClr val="windowText" lastClr="000000"/>
                   </a:solidFill>
                 </a:rPr>
-                <a:t>1</a:t>
-              </a:r>
-            </a:p>
-          </p:txBody>
-        </p:sp>
-        <p:sp>
-          <p:nvSpPr>
-            <p:cNvPr id="6" name="Oval 5">
-              <a:extLst>
-                <a:ext uri="{FF2B5EF4-FFF2-40B4-BE49-F238E27FC236}">
-                  <a16:creationId xmlns:a16="http://schemas.microsoft.com/office/drawing/2014/main" id="{92DE978B-205D-604F-AD8E-68E6DDEC64D5}"/>
-                </a:ext>
-              </a:extLst>
-            </p:cNvPr>
-            <p:cNvSpPr/>
-            <p:nvPr/>
-          </p:nvSpPr>
-          <p:spPr>
-            <a:xfrm>
-              <a:off x="4407021" y="1019716"/>
-              <a:ext cx="891250" cy="891250"/>
-            </a:xfrm>
-            <a:prstGeom prst="ellipse">
-              <a:avLst/>
-            </a:prstGeom>
-            <a:noFill/>
-            <a:ln w="38100">
-              <a:solidFill>
-                <a:schemeClr val="tx1"/>
-              </a:solidFill>
-            </a:ln>
-          </p:spPr>
-          <p:style>
-            <a:lnRef idx="2">
-              <a:schemeClr val="accent1">
-                <a:shade val="50000"/>
-              </a:schemeClr>
-            </a:lnRef>
-            <a:fillRef idx="1">
-              <a:schemeClr val="accent1"/>
-            </a:fillRef>
-            <a:effectRef idx="0">
-              <a:schemeClr val="accent1"/>
-            </a:effectRef>
-            <a:fontRef idx="minor">
-              <a:schemeClr val="lt1"/>
-            </a:fontRef>
-          </p:style>
-          <p:txBody>
-            <a:bodyPr rtlCol="0" anchor="ctr"/>
-            <a:lstStyle/>
-            <a:p>
-              <a:pPr algn="ctr"/>
-              <a:r>
-                <a:rPr lang="en-US" sz="3200" dirty="0">
-                  <a:solidFill>
-                    <a:sysClr val="windowText" lastClr="000000"/>
-                  </a:solidFill>
-                </a:rPr>
-                <a:t>2</a:t>
+                <a:t>S</a:t>
               </a:r>
             </a:p>
           </p:txBody>
         </p:sp>
         <p:cxnSp>
           <p:nvCxnSpPr>
-            <p:cNvPr id="7" name="Straight Arrow Connector 6">
+            <p:cNvPr id="20" name="Straight Arrow Connector 19">
               <a:extLst>
                 <a:ext uri="{FF2B5EF4-FFF2-40B4-BE49-F238E27FC236}">
-                  <a16:creationId xmlns:a16="http://schemas.microsoft.com/office/drawing/2014/main" id="{36601249-6231-F04D-989B-385C5BA586DC}"/>
+                  <a16:creationId xmlns:a16="http://schemas.microsoft.com/office/drawing/2014/main" id="{C317A940-B5EB-8A4F-9648-211238833058}"/>
                 </a:ext>
               </a:extLst>
             </p:cNvPr>
@@ -25898,412 +26424,8 @@
           </p:nvCxnSpPr>
           <p:spPr>
             <a:xfrm>
-              <a:off x="3488521" y="1465341"/>
-              <a:ext cx="918500" cy="0"/>
-            </a:xfrm>
-            <a:prstGeom prst="straightConnector1">
-              <a:avLst/>
-            </a:prstGeom>
-            <a:ln w="38100">
-              <a:solidFill>
-                <a:schemeClr val="tx1"/>
-              </a:solidFill>
-              <a:tailEnd type="triangle"/>
-            </a:ln>
-          </p:spPr>
-          <p:style>
-            <a:lnRef idx="1">
-              <a:schemeClr val="accent1"/>
-            </a:lnRef>
-            <a:fillRef idx="0">
-              <a:schemeClr val="accent1"/>
-            </a:fillRef>
-            <a:effectRef idx="0">
-              <a:schemeClr val="accent1"/>
-            </a:effectRef>
-            <a:fontRef idx="minor">
-              <a:schemeClr val="tx1"/>
-            </a:fontRef>
-          </p:style>
-        </p:cxnSp>
-        <p:cxnSp>
-          <p:nvCxnSpPr>
-            <p:cNvPr id="8" name="Straight Arrow Connector 7">
-              <a:extLst>
-                <a:ext uri="{FF2B5EF4-FFF2-40B4-BE49-F238E27FC236}">
-                  <a16:creationId xmlns:a16="http://schemas.microsoft.com/office/drawing/2014/main" id="{EA528967-387F-2546-A193-8116B0DFC977}"/>
-                </a:ext>
-              </a:extLst>
-            </p:cNvPr>
-            <p:cNvCxnSpPr/>
-            <p:nvPr/>
-          </p:nvCxnSpPr>
-          <p:spPr>
-            <a:xfrm>
-              <a:off x="5298271" y="1465341"/>
-              <a:ext cx="918500" cy="0"/>
-            </a:xfrm>
-            <a:prstGeom prst="straightConnector1">
-              <a:avLst/>
-            </a:prstGeom>
-            <a:ln w="38100">
-              <a:solidFill>
-                <a:schemeClr val="tx1"/>
-              </a:solidFill>
-              <a:tailEnd type="triangle"/>
-            </a:ln>
-          </p:spPr>
-          <p:style>
-            <a:lnRef idx="1">
-              <a:schemeClr val="accent1"/>
-            </a:lnRef>
-            <a:fillRef idx="0">
-              <a:schemeClr val="accent1"/>
-            </a:fillRef>
-            <a:effectRef idx="0">
-              <a:schemeClr val="accent1"/>
-            </a:effectRef>
-            <a:fontRef idx="minor">
-              <a:schemeClr val="tx1"/>
-            </a:fontRef>
-          </p:style>
-        </p:cxnSp>
-        <p:sp>
-          <p:nvSpPr>
-            <p:cNvPr id="9" name="Oval 8">
-              <a:extLst>
-                <a:ext uri="{FF2B5EF4-FFF2-40B4-BE49-F238E27FC236}">
-                  <a16:creationId xmlns:a16="http://schemas.microsoft.com/office/drawing/2014/main" id="{C3953FE9-4811-BF4E-B143-8DCC5C6F7029}"/>
-                </a:ext>
-              </a:extLst>
-            </p:cNvPr>
-            <p:cNvSpPr/>
-            <p:nvPr/>
-          </p:nvSpPr>
-          <p:spPr>
-            <a:xfrm>
-              <a:off x="11614721" y="1019716"/>
-              <a:ext cx="891250" cy="891250"/>
-            </a:xfrm>
-            <a:prstGeom prst="ellipse">
-              <a:avLst/>
-            </a:prstGeom>
-            <a:noFill/>
-            <a:ln w="38100">
-              <a:solidFill>
-                <a:schemeClr val="tx1"/>
-              </a:solidFill>
-            </a:ln>
-          </p:spPr>
-          <p:style>
-            <a:lnRef idx="2">
-              <a:schemeClr val="accent1">
-                <a:shade val="50000"/>
-              </a:schemeClr>
-            </a:lnRef>
-            <a:fillRef idx="1">
-              <a:schemeClr val="accent1"/>
-            </a:fillRef>
-            <a:effectRef idx="0">
-              <a:schemeClr val="accent1"/>
-            </a:effectRef>
-            <a:fontRef idx="minor">
-              <a:schemeClr val="lt1"/>
-            </a:fontRef>
-          </p:style>
-          <p:txBody>
-            <a:bodyPr rtlCol="0" anchor="ctr"/>
-            <a:lstStyle/>
-            <a:p>
-              <a:pPr algn="ctr"/>
-              <a:r>
-                <a:rPr lang="en-US" sz="3200" dirty="0">
-                  <a:solidFill>
-                    <a:sysClr val="windowText" lastClr="000000"/>
-                  </a:solidFill>
-                </a:rPr>
-                <a:t>T</a:t>
-              </a:r>
-            </a:p>
-          </p:txBody>
-        </p:sp>
-        <p:sp>
-          <p:nvSpPr>
-            <p:cNvPr id="12" name="Oval 11">
-              <a:extLst>
-                <a:ext uri="{FF2B5EF4-FFF2-40B4-BE49-F238E27FC236}">
-                  <a16:creationId xmlns:a16="http://schemas.microsoft.com/office/drawing/2014/main" id="{A250C80C-B89E-D24A-A7AD-EEBE9C8119A0}"/>
-                </a:ext>
-              </a:extLst>
-            </p:cNvPr>
-            <p:cNvSpPr/>
-            <p:nvPr/>
-          </p:nvSpPr>
-          <p:spPr>
-            <a:xfrm>
-              <a:off x="6212721" y="1019716"/>
-              <a:ext cx="891250" cy="891250"/>
-            </a:xfrm>
-            <a:prstGeom prst="ellipse">
-              <a:avLst/>
-            </a:prstGeom>
-            <a:noFill/>
-            <a:ln w="38100">
-              <a:solidFill>
-                <a:schemeClr val="tx1"/>
-              </a:solidFill>
-            </a:ln>
-          </p:spPr>
-          <p:style>
-            <a:lnRef idx="2">
-              <a:schemeClr val="accent1">
-                <a:shade val="50000"/>
-              </a:schemeClr>
-            </a:lnRef>
-            <a:fillRef idx="1">
-              <a:schemeClr val="accent1"/>
-            </a:fillRef>
-            <a:effectRef idx="0">
-              <a:schemeClr val="accent1"/>
-            </a:effectRef>
-            <a:fontRef idx="minor">
-              <a:schemeClr val="lt1"/>
-            </a:fontRef>
-          </p:style>
-          <p:txBody>
-            <a:bodyPr rtlCol="0" anchor="ctr"/>
-            <a:lstStyle/>
-            <a:p>
-              <a:pPr algn="ctr"/>
-              <a:r>
-                <a:rPr lang="en-US" sz="3200" dirty="0">
-                  <a:solidFill>
-                    <a:sysClr val="windowText" lastClr="000000"/>
-                  </a:solidFill>
-                </a:rPr>
-                <a:t>3</a:t>
-              </a:r>
-            </a:p>
-          </p:txBody>
-        </p:sp>
-        <p:sp>
-          <p:nvSpPr>
-            <p:cNvPr id="13" name="Oval 12">
-              <a:extLst>
-                <a:ext uri="{FF2B5EF4-FFF2-40B4-BE49-F238E27FC236}">
-                  <a16:creationId xmlns:a16="http://schemas.microsoft.com/office/drawing/2014/main" id="{9368A4EB-0546-C840-B0CC-2D473D490FD5}"/>
-                </a:ext>
-              </a:extLst>
-            </p:cNvPr>
-            <p:cNvSpPr/>
-            <p:nvPr/>
-          </p:nvSpPr>
-          <p:spPr>
-            <a:xfrm>
-              <a:off x="8022471" y="1019716"/>
-              <a:ext cx="891250" cy="891250"/>
-            </a:xfrm>
-            <a:prstGeom prst="ellipse">
-              <a:avLst/>
-            </a:prstGeom>
-            <a:noFill/>
-            <a:ln w="38100">
-              <a:solidFill>
-                <a:schemeClr val="tx1"/>
-              </a:solidFill>
-            </a:ln>
-          </p:spPr>
-          <p:style>
-            <a:lnRef idx="2">
-              <a:schemeClr val="accent1">
-                <a:shade val="50000"/>
-              </a:schemeClr>
-            </a:lnRef>
-            <a:fillRef idx="1">
-              <a:schemeClr val="accent1"/>
-            </a:fillRef>
-            <a:effectRef idx="0">
-              <a:schemeClr val="accent1"/>
-            </a:effectRef>
-            <a:fontRef idx="minor">
-              <a:schemeClr val="lt1"/>
-            </a:fontRef>
-          </p:style>
-          <p:txBody>
-            <a:bodyPr rtlCol="0" anchor="ctr"/>
-            <a:lstStyle/>
-            <a:p>
-              <a:pPr algn="ctr"/>
-              <a:r>
-                <a:rPr lang="en-US" sz="3200" dirty="0">
-                  <a:solidFill>
-                    <a:sysClr val="windowText" lastClr="000000"/>
-                  </a:solidFill>
-                </a:rPr>
-                <a:t>4</a:t>
-              </a:r>
-            </a:p>
-          </p:txBody>
-        </p:sp>
-        <p:cxnSp>
-          <p:nvCxnSpPr>
-            <p:cNvPr id="14" name="Straight Arrow Connector 13">
-              <a:extLst>
-                <a:ext uri="{FF2B5EF4-FFF2-40B4-BE49-F238E27FC236}">
-                  <a16:creationId xmlns:a16="http://schemas.microsoft.com/office/drawing/2014/main" id="{159E520E-2509-5546-AC70-FB4705BBA269}"/>
-                </a:ext>
-              </a:extLst>
-            </p:cNvPr>
-            <p:cNvCxnSpPr/>
-            <p:nvPr/>
-          </p:nvCxnSpPr>
-          <p:spPr>
-            <a:xfrm>
-              <a:off x="7103971" y="1465341"/>
-              <a:ext cx="918500" cy="0"/>
-            </a:xfrm>
-            <a:prstGeom prst="straightConnector1">
-              <a:avLst/>
-            </a:prstGeom>
-            <a:ln w="38100">
-              <a:solidFill>
-                <a:schemeClr val="tx1"/>
-              </a:solidFill>
-              <a:tailEnd type="triangle"/>
-            </a:ln>
-          </p:spPr>
-          <p:style>
-            <a:lnRef idx="1">
-              <a:schemeClr val="accent1"/>
-            </a:lnRef>
-            <a:fillRef idx="0">
-              <a:schemeClr val="accent1"/>
-            </a:fillRef>
-            <a:effectRef idx="0">
-              <a:schemeClr val="accent1"/>
-            </a:effectRef>
-            <a:fontRef idx="minor">
-              <a:schemeClr val="tx1"/>
-            </a:fontRef>
-          </p:style>
-        </p:cxnSp>
-        <p:cxnSp>
-          <p:nvCxnSpPr>
-            <p:cNvPr id="15" name="Straight Arrow Connector 14">
-              <a:extLst>
-                <a:ext uri="{FF2B5EF4-FFF2-40B4-BE49-F238E27FC236}">
-                  <a16:creationId xmlns:a16="http://schemas.microsoft.com/office/drawing/2014/main" id="{0153D359-2C6C-4041-B3A8-F84C3CE1A5C3}"/>
-                </a:ext>
-              </a:extLst>
-            </p:cNvPr>
-            <p:cNvCxnSpPr/>
-            <p:nvPr/>
-          </p:nvCxnSpPr>
-          <p:spPr>
-            <a:xfrm>
-              <a:off x="8913721" y="1465341"/>
-              <a:ext cx="918500" cy="0"/>
-            </a:xfrm>
-            <a:prstGeom prst="straightConnector1">
-              <a:avLst/>
-            </a:prstGeom>
-            <a:ln w="38100">
-              <a:solidFill>
-                <a:schemeClr val="tx1"/>
-              </a:solidFill>
-              <a:tailEnd type="triangle"/>
-            </a:ln>
-          </p:spPr>
-          <p:style>
-            <a:lnRef idx="1">
-              <a:schemeClr val="accent1"/>
-            </a:lnRef>
-            <a:fillRef idx="0">
-              <a:schemeClr val="accent1"/>
-            </a:fillRef>
-            <a:effectRef idx="0">
-              <a:schemeClr val="accent1"/>
-            </a:effectRef>
-            <a:fontRef idx="minor">
-              <a:schemeClr val="tx1"/>
-            </a:fontRef>
-          </p:style>
-        </p:cxnSp>
-        <p:sp>
-          <p:nvSpPr>
-            <p:cNvPr id="16" name="Oval 15">
-              <a:extLst>
-                <a:ext uri="{FF2B5EF4-FFF2-40B4-BE49-F238E27FC236}">
-                  <a16:creationId xmlns:a16="http://schemas.microsoft.com/office/drawing/2014/main" id="{B1142884-39D9-3B44-8DDE-946D6A024C7C}"/>
-                </a:ext>
-              </a:extLst>
-            </p:cNvPr>
-            <p:cNvSpPr/>
-            <p:nvPr/>
-          </p:nvSpPr>
-          <p:spPr>
-            <a:xfrm>
-              <a:off x="9804971" y="1019716"/>
-              <a:ext cx="891250" cy="891250"/>
-            </a:xfrm>
-            <a:prstGeom prst="ellipse">
-              <a:avLst/>
-            </a:prstGeom>
-            <a:noFill/>
-            <a:ln w="38100">
-              <a:solidFill>
-                <a:schemeClr val="tx1"/>
-              </a:solidFill>
-            </a:ln>
-          </p:spPr>
-          <p:style>
-            <a:lnRef idx="2">
-              <a:schemeClr val="accent1">
-                <a:shade val="50000"/>
-              </a:schemeClr>
-            </a:lnRef>
-            <a:fillRef idx="1">
-              <a:schemeClr val="accent1"/>
-            </a:fillRef>
-            <a:effectRef idx="0">
-              <a:schemeClr val="accent1"/>
-            </a:effectRef>
-            <a:fontRef idx="minor">
-              <a:schemeClr val="lt1"/>
-            </a:fontRef>
-          </p:style>
-          <p:txBody>
-            <a:bodyPr rtlCol="0" anchor="ctr"/>
-            <a:lstStyle/>
-            <a:p>
-              <a:pPr algn="ctr"/>
-              <a:r>
-                <a:rPr lang="en-US" sz="3200" dirty="0">
-                  <a:solidFill>
-                    <a:sysClr val="windowText" lastClr="000000"/>
-                  </a:solidFill>
-                </a:rPr>
-                <a:t>5</a:t>
-              </a:r>
-            </a:p>
-          </p:txBody>
-        </p:sp>
-        <p:cxnSp>
-          <p:nvCxnSpPr>
-            <p:cNvPr id="17" name="Straight Arrow Connector 16">
-              <a:extLst>
-                <a:ext uri="{FF2B5EF4-FFF2-40B4-BE49-F238E27FC236}">
-                  <a16:creationId xmlns:a16="http://schemas.microsoft.com/office/drawing/2014/main" id="{03EA2F1E-BE31-694C-81BB-EF8BC7090540}"/>
-                </a:ext>
-              </a:extLst>
-            </p:cNvPr>
-            <p:cNvCxnSpPr/>
-            <p:nvPr/>
-          </p:nvCxnSpPr>
-          <p:spPr>
-            <a:xfrm>
-              <a:off x="10696221" y="1465341"/>
-              <a:ext cx="918500" cy="0"/>
+              <a:off x="1510073" y="1563315"/>
+              <a:ext cx="716561" cy="0"/>
             </a:xfrm>
             <a:prstGeom prst="straightConnector1">
               <a:avLst/>
